--- a/Project3_Presentation.pptx
+++ b/Project3_Presentation.pptx
@@ -10998,7 +10998,7 @@
           <a:p>
             <a:fld id="{48AC8ED2-B9F3-5D4E-90D9-2D6FBA52BE7E}" type="datetimeFigureOut">
               <a:rPr lang="en-US" smtClean="0"/>
-              <a:t>11/2/2024</a:t>
+              <a:t>11/4/2024</a:t>
             </a:fld>
             <a:endParaRPr lang="en-US"/>
           </a:p>
@@ -11196,7 +11196,7 @@
           <a:p>
             <a:fld id="{48AC8ED2-B9F3-5D4E-90D9-2D6FBA52BE7E}" type="datetimeFigureOut">
               <a:rPr lang="en-US" smtClean="0"/>
-              <a:t>11/2/2024</a:t>
+              <a:t>11/4/2024</a:t>
             </a:fld>
             <a:endParaRPr lang="en-US"/>
           </a:p>
@@ -11404,7 +11404,7 @@
           <a:p>
             <a:fld id="{48AC8ED2-B9F3-5D4E-90D9-2D6FBA52BE7E}" type="datetimeFigureOut">
               <a:rPr lang="en-US" smtClean="0"/>
-              <a:t>11/2/2024</a:t>
+              <a:t>11/4/2024</a:t>
             </a:fld>
             <a:endParaRPr lang="en-US"/>
           </a:p>
@@ -11602,7 +11602,7 @@
           <a:p>
             <a:fld id="{48AC8ED2-B9F3-5D4E-90D9-2D6FBA52BE7E}" type="datetimeFigureOut">
               <a:rPr lang="en-US" smtClean="0"/>
-              <a:t>11/2/2024</a:t>
+              <a:t>11/4/2024</a:t>
             </a:fld>
             <a:endParaRPr lang="en-US"/>
           </a:p>
@@ -11877,7 +11877,7 @@
           <a:p>
             <a:fld id="{48AC8ED2-B9F3-5D4E-90D9-2D6FBA52BE7E}" type="datetimeFigureOut">
               <a:rPr lang="en-US" smtClean="0"/>
-              <a:t>11/2/2024</a:t>
+              <a:t>11/4/2024</a:t>
             </a:fld>
             <a:endParaRPr lang="en-US"/>
           </a:p>
@@ -12142,7 +12142,7 @@
           <a:p>
             <a:fld id="{48AC8ED2-B9F3-5D4E-90D9-2D6FBA52BE7E}" type="datetimeFigureOut">
               <a:rPr lang="en-US" smtClean="0"/>
-              <a:t>11/2/2024</a:t>
+              <a:t>11/4/2024</a:t>
             </a:fld>
             <a:endParaRPr lang="en-US"/>
           </a:p>
@@ -12554,7 +12554,7 @@
           <a:p>
             <a:fld id="{48AC8ED2-B9F3-5D4E-90D9-2D6FBA52BE7E}" type="datetimeFigureOut">
               <a:rPr lang="en-US" smtClean="0"/>
-              <a:t>11/2/2024</a:t>
+              <a:t>11/4/2024</a:t>
             </a:fld>
             <a:endParaRPr lang="en-US"/>
           </a:p>
@@ -12695,7 +12695,7 @@
           <a:p>
             <a:fld id="{48AC8ED2-B9F3-5D4E-90D9-2D6FBA52BE7E}" type="datetimeFigureOut">
               <a:rPr lang="en-US" smtClean="0"/>
-              <a:t>11/2/2024</a:t>
+              <a:t>11/4/2024</a:t>
             </a:fld>
             <a:endParaRPr lang="en-US"/>
           </a:p>
@@ -12808,7 +12808,7 @@
           <a:p>
             <a:fld id="{48AC8ED2-B9F3-5D4E-90D9-2D6FBA52BE7E}" type="datetimeFigureOut">
               <a:rPr lang="en-US" smtClean="0"/>
-              <a:t>11/2/2024</a:t>
+              <a:t>11/4/2024</a:t>
             </a:fld>
             <a:endParaRPr lang="en-US"/>
           </a:p>
@@ -13119,7 +13119,7 @@
           <a:p>
             <a:fld id="{48AC8ED2-B9F3-5D4E-90D9-2D6FBA52BE7E}" type="datetimeFigureOut">
               <a:rPr lang="en-US" smtClean="0"/>
-              <a:t>11/2/2024</a:t>
+              <a:t>11/4/2024</a:t>
             </a:fld>
             <a:endParaRPr lang="en-US"/>
           </a:p>
@@ -13407,7 +13407,7 @@
           <a:p>
             <a:fld id="{48AC8ED2-B9F3-5D4E-90D9-2D6FBA52BE7E}" type="datetimeFigureOut">
               <a:rPr lang="en-US" smtClean="0"/>
-              <a:t>11/2/2024</a:t>
+              <a:t>11/4/2024</a:t>
             </a:fld>
             <a:endParaRPr lang="en-US"/>
           </a:p>
@@ -13648,7 +13648,7 @@
           <a:p>
             <a:fld id="{48AC8ED2-B9F3-5D4E-90D9-2D6FBA52BE7E}" type="datetimeFigureOut">
               <a:rPr lang="en-US" smtClean="0"/>
-              <a:t>11/2/2024</a:t>
+              <a:t>11/4/2024</a:t>
             </a:fld>
             <a:endParaRPr lang="en-US"/>
           </a:p>
@@ -16235,10 +16235,10 @@
       </p:graphicFrame>
       <p:sp>
         <p:nvSpPr>
-          <p:cNvPr id="3" name="TextBox 2">
+          <p:cNvPr id="5" name="TextBox 4">
             <a:extLst>
               <a:ext uri="{FF2B5EF4-FFF2-40B4-BE49-F238E27FC236}">
-                <a16:creationId xmlns:a16="http://schemas.microsoft.com/office/drawing/2014/main" id="{21B35AAB-EA40-C397-8345-A7BBE6FF0E59}"/>
+                <a16:creationId xmlns:a16="http://schemas.microsoft.com/office/drawing/2014/main" id="{E108C21D-7A4E-6988-231C-2EFB043F6D86}"/>
               </a:ext>
             </a:extLst>
           </p:cNvPr>
@@ -16248,7 +16248,7 @@
         <p:spPr>
           <a:xfrm>
             <a:off x="95790" y="2630269"/>
-            <a:ext cx="2348828" cy="523220"/>
+            <a:ext cx="2348828" cy="1046440"/>
           </a:xfrm>
           <a:prstGeom prst="rect">
             <a:avLst/>
@@ -16262,6 +16262,22 @@
           <a:lstStyle/>
           <a:p>
             <a:pPr marL="285750" indent="-285750">
+              <a:spcAft>
+                <a:spcPts val="1200"/>
+              </a:spcAft>
+              <a:buFont typeface="Arial" panose="020B0604020202020204" pitchFamily="34" charset="0"/>
+              <a:buChar char="•"/>
+            </a:pPr>
+            <a:r>
+              <a:rPr lang="en-US" sz="1400" dirty="0"/>
+              <a:t>Kaggle</a:t>
+            </a:r>
+          </a:p>
+          <a:p>
+            <a:pPr marL="285750" indent="-285750">
+              <a:spcAft>
+                <a:spcPts val="1200"/>
+              </a:spcAft>
               <a:buFont typeface="Arial" panose="020B0604020202020204" pitchFamily="34" charset="0"/>
               <a:buChar char="•"/>
             </a:pPr>
@@ -16272,6 +16288,9 @@
           </a:p>
           <a:p>
             <a:pPr marL="285750" indent="-285750">
+              <a:spcAft>
+                <a:spcPts val="1200"/>
+              </a:spcAft>
               <a:buFont typeface="Arial" panose="020B0604020202020204" pitchFamily="34" charset="0"/>
               <a:buChar char="•"/>
             </a:pPr>
@@ -16998,7 +17017,7 @@
         <p:spPr>
           <a:xfrm>
             <a:off x="95790" y="2630269"/>
-            <a:ext cx="2348828" cy="677108"/>
+            <a:ext cx="2348828" cy="1046440"/>
           </a:xfrm>
           <a:prstGeom prst="rect">
             <a:avLst/>
@@ -17010,6 +17029,19 @@
             <a:spAutoFit/>
           </a:bodyPr>
           <a:lstStyle/>
+          <a:p>
+            <a:pPr marL="285750" indent="-285750">
+              <a:spcAft>
+                <a:spcPts val="1200"/>
+              </a:spcAft>
+              <a:buFont typeface="Arial" panose="020B0604020202020204" pitchFamily="34" charset="0"/>
+              <a:buChar char="•"/>
+            </a:pPr>
+            <a:r>
+              <a:rPr lang="en-US" sz="1400" dirty="0"/>
+              <a:t>Kaggle</a:t>
+            </a:r>
+          </a:p>
           <a:p>
             <a:pPr marL="285750" indent="-285750">
               <a:spcAft>
@@ -17725,61 +17757,6 @@
       </p:sp>
       <p:sp>
         <p:nvSpPr>
-          <p:cNvPr id="6" name="TextBox 5">
-            <a:extLst>
-              <a:ext uri="{FF2B5EF4-FFF2-40B4-BE49-F238E27FC236}">
-                <a16:creationId xmlns:a16="http://schemas.microsoft.com/office/drawing/2014/main" id="{B00A856F-2E53-FEB0-5FF2-A237D760EAC6}"/>
-              </a:ext>
-            </a:extLst>
-          </p:cNvPr>
-          <p:cNvSpPr txBox="1"/>
-          <p:nvPr/>
-        </p:nvSpPr>
-        <p:spPr>
-          <a:xfrm>
-            <a:off x="95790" y="2630269"/>
-            <a:ext cx="2348828" cy="677108"/>
-          </a:xfrm>
-          <a:prstGeom prst="rect">
-            <a:avLst/>
-          </a:prstGeom>
-          <a:noFill/>
-        </p:spPr>
-        <p:txBody>
-          <a:bodyPr wrap="square" rtlCol="0">
-            <a:spAutoFit/>
-          </a:bodyPr>
-          <a:lstStyle/>
-          <a:p>
-            <a:pPr marL="285750" indent="-285750">
-              <a:spcAft>
-                <a:spcPts val="1200"/>
-              </a:spcAft>
-              <a:buFont typeface="Arial" panose="020B0604020202020204" pitchFamily="34" charset="0"/>
-              <a:buChar char="•"/>
-            </a:pPr>
-            <a:r>
-              <a:rPr lang="en-US" sz="1400" dirty="0"/>
-              <a:t>Google Places API</a:t>
-            </a:r>
-          </a:p>
-          <a:p>
-            <a:pPr marL="285750" indent="-285750">
-              <a:spcAft>
-                <a:spcPts val="1200"/>
-              </a:spcAft>
-              <a:buFont typeface="Arial" panose="020B0604020202020204" pitchFamily="34" charset="0"/>
-              <a:buChar char="•"/>
-            </a:pPr>
-            <a:r>
-              <a:rPr lang="en-US" sz="1400" dirty="0"/>
-              <a:t>GIS shapefiles </a:t>
-            </a:r>
-          </a:p>
-        </p:txBody>
-      </p:sp>
-      <p:sp>
-        <p:nvSpPr>
           <p:cNvPr id="8" name="TextBox 7">
             <a:extLst>
               <a:ext uri="{FF2B5EF4-FFF2-40B4-BE49-F238E27FC236}">
@@ -17863,6 +17840,74 @@
             <a:r>
               <a:rPr lang="en-US" sz="1400" dirty="0"/>
               <a:t>Turf.js</a:t>
+            </a:r>
+          </a:p>
+        </p:txBody>
+      </p:sp>
+      <p:sp>
+        <p:nvSpPr>
+          <p:cNvPr id="7" name="TextBox 6">
+            <a:extLst>
+              <a:ext uri="{FF2B5EF4-FFF2-40B4-BE49-F238E27FC236}">
+                <a16:creationId xmlns:a16="http://schemas.microsoft.com/office/drawing/2014/main" id="{E858FD14-BA96-05A3-1D48-3DE7BA02F4E7}"/>
+              </a:ext>
+            </a:extLst>
+          </p:cNvPr>
+          <p:cNvSpPr txBox="1"/>
+          <p:nvPr/>
+        </p:nvSpPr>
+        <p:spPr>
+          <a:xfrm>
+            <a:off x="95790" y="2630269"/>
+            <a:ext cx="2348828" cy="1046440"/>
+          </a:xfrm>
+          <a:prstGeom prst="rect">
+            <a:avLst/>
+          </a:prstGeom>
+          <a:noFill/>
+        </p:spPr>
+        <p:txBody>
+          <a:bodyPr wrap="square" rtlCol="0">
+            <a:spAutoFit/>
+          </a:bodyPr>
+          <a:lstStyle/>
+          <a:p>
+            <a:pPr marL="285750" indent="-285750">
+              <a:spcAft>
+                <a:spcPts val="1200"/>
+              </a:spcAft>
+              <a:buFont typeface="Arial" panose="020B0604020202020204" pitchFamily="34" charset="0"/>
+              <a:buChar char="•"/>
+            </a:pPr>
+            <a:r>
+              <a:rPr lang="en-US" sz="1400" dirty="0"/>
+              <a:t>Kaggle</a:t>
+            </a:r>
+          </a:p>
+          <a:p>
+            <a:pPr marL="285750" indent="-285750">
+              <a:spcAft>
+                <a:spcPts val="1200"/>
+              </a:spcAft>
+              <a:buFont typeface="Arial" panose="020B0604020202020204" pitchFamily="34" charset="0"/>
+              <a:buChar char="•"/>
+            </a:pPr>
+            <a:r>
+              <a:rPr lang="en-US" sz="1400" dirty="0"/>
+              <a:t>Google Places API</a:t>
+            </a:r>
+          </a:p>
+          <a:p>
+            <a:pPr marL="285750" indent="-285750">
+              <a:spcAft>
+                <a:spcPts val="1200"/>
+              </a:spcAft>
+              <a:buFont typeface="Arial" panose="020B0604020202020204" pitchFamily="34" charset="0"/>
+              <a:buChar char="•"/>
+            </a:pPr>
+            <a:r>
+              <a:rPr lang="en-US" sz="1400" dirty="0"/>
+              <a:t>GIS shapefiles </a:t>
             </a:r>
           </a:p>
         </p:txBody>

--- a/Project3_Presentation.pptx
+++ b/Project3_Presentation.pptx
@@ -4,6 +4,9 @@
   <p:sldMasterIdLst>
     <p:sldMasterId id="2147483648" r:id="rId1"/>
   </p:sldMasterIdLst>
+  <p:notesMasterIdLst>
+    <p:notesMasterId r:id="rId11"/>
+  </p:notesMasterIdLst>
   <p:sldIdLst>
     <p:sldId id="260" r:id="rId2"/>
     <p:sldId id="257" r:id="rId3"/>
@@ -2790,7 +2793,7 @@
   <dgm:whole/>
   <dgm:extLst>
     <a:ext uri="http://schemas.microsoft.com/office/drawing/2008/diagram">
-      <dsp:dataModelExt xmlns:dsp="http://schemas.microsoft.com/office/drawing/2008/diagram" relId="rId7" minVer="http://schemas.openxmlformats.org/drawingml/2006/diagram"/>
+      <dsp:dataModelExt xmlns:dsp="http://schemas.microsoft.com/office/drawing/2008/diagram" relId="rId8" minVer="http://schemas.openxmlformats.org/drawingml/2006/diagram"/>
     </a:ext>
   </dgm:extLst>
 </dgm:dataModel>
@@ -10849,6 +10852,523 @@
     </dgm:style>
   </dgm:styleLbl>
 </dgm:styleDef>
+</file>
+
+<file path=ppt/notesMasters/notesMaster1.xml><?xml version="1.0" encoding="utf-8"?>
+<p:notesMaster xmlns:a="http://schemas.openxmlformats.org/drawingml/2006/main" xmlns:r="http://schemas.openxmlformats.org/officeDocument/2006/relationships" xmlns:p="http://schemas.openxmlformats.org/presentationml/2006/main">
+  <p:cSld>
+    <p:bg>
+      <p:bgRef idx="1001">
+        <a:schemeClr val="bg1"/>
+      </p:bgRef>
+    </p:bg>
+    <p:spTree>
+      <p:nvGrpSpPr>
+        <p:cNvPr id="1" name=""/>
+        <p:cNvGrpSpPr/>
+        <p:nvPr/>
+      </p:nvGrpSpPr>
+      <p:grpSpPr>
+        <a:xfrm>
+          <a:off x="0" y="0"/>
+          <a:ext cx="0" cy="0"/>
+          <a:chOff x="0" y="0"/>
+          <a:chExt cx="0" cy="0"/>
+        </a:xfrm>
+      </p:grpSpPr>
+      <p:sp>
+        <p:nvSpPr>
+          <p:cNvPr id="2" name="Header Placeholder 1"/>
+          <p:cNvSpPr>
+            <a:spLocks noGrp="1"/>
+          </p:cNvSpPr>
+          <p:nvPr>
+            <p:ph type="hdr" sz="quarter"/>
+          </p:nvPr>
+        </p:nvSpPr>
+        <p:spPr>
+          <a:xfrm>
+            <a:off x="0" y="0"/>
+            <a:ext cx="2971800" cy="458788"/>
+          </a:xfrm>
+          <a:prstGeom prst="rect">
+            <a:avLst/>
+          </a:prstGeom>
+        </p:spPr>
+        <p:txBody>
+          <a:bodyPr vert="horz" lIns="91440" tIns="45720" rIns="91440" bIns="45720" rtlCol="0"/>
+          <a:lstStyle>
+            <a:lvl1pPr algn="l">
+              <a:defRPr sz="1200"/>
+            </a:lvl1pPr>
+          </a:lstStyle>
+          <a:p>
+            <a:endParaRPr lang="en-US"/>
+          </a:p>
+        </p:txBody>
+      </p:sp>
+      <p:sp>
+        <p:nvSpPr>
+          <p:cNvPr id="3" name="Date Placeholder 2"/>
+          <p:cNvSpPr>
+            <a:spLocks noGrp="1"/>
+          </p:cNvSpPr>
+          <p:nvPr>
+            <p:ph type="dt" idx="1"/>
+          </p:nvPr>
+        </p:nvSpPr>
+        <p:spPr>
+          <a:xfrm>
+            <a:off x="3884613" y="0"/>
+            <a:ext cx="2971800" cy="458788"/>
+          </a:xfrm>
+          <a:prstGeom prst="rect">
+            <a:avLst/>
+          </a:prstGeom>
+        </p:spPr>
+        <p:txBody>
+          <a:bodyPr vert="horz" lIns="91440" tIns="45720" rIns="91440" bIns="45720" rtlCol="0"/>
+          <a:lstStyle>
+            <a:lvl1pPr algn="r">
+              <a:defRPr sz="1200"/>
+            </a:lvl1pPr>
+          </a:lstStyle>
+          <a:p>
+            <a:fld id="{FDF4051E-0CC3-4CFB-B430-40221D87058A}" type="datetimeFigureOut">
+              <a:rPr lang="en-US" smtClean="0"/>
+              <a:t>11/4/2024</a:t>
+            </a:fld>
+            <a:endParaRPr lang="en-US"/>
+          </a:p>
+        </p:txBody>
+      </p:sp>
+      <p:sp>
+        <p:nvSpPr>
+          <p:cNvPr id="4" name="Slide Image Placeholder 3"/>
+          <p:cNvSpPr>
+            <a:spLocks noGrp="1" noRot="1" noChangeAspect="1"/>
+          </p:cNvSpPr>
+          <p:nvPr>
+            <p:ph type="sldImg" idx="2"/>
+          </p:nvPr>
+        </p:nvSpPr>
+        <p:spPr>
+          <a:xfrm>
+            <a:off x="685800" y="1143000"/>
+            <a:ext cx="5486400" cy="3086100"/>
+          </a:xfrm>
+          <a:prstGeom prst="rect">
+            <a:avLst/>
+          </a:prstGeom>
+          <a:noFill/>
+          <a:ln w="12700">
+            <a:solidFill>
+              <a:prstClr val="black"/>
+            </a:solidFill>
+          </a:ln>
+        </p:spPr>
+        <p:txBody>
+          <a:bodyPr vert="horz" lIns="91440" tIns="45720" rIns="91440" bIns="45720" rtlCol="0" anchor="ctr"/>
+          <a:lstStyle/>
+          <a:p>
+            <a:endParaRPr lang="en-US"/>
+          </a:p>
+        </p:txBody>
+      </p:sp>
+      <p:sp>
+        <p:nvSpPr>
+          <p:cNvPr id="5" name="Notes Placeholder 4"/>
+          <p:cNvSpPr>
+            <a:spLocks noGrp="1"/>
+          </p:cNvSpPr>
+          <p:nvPr>
+            <p:ph type="body" sz="quarter" idx="3"/>
+          </p:nvPr>
+        </p:nvSpPr>
+        <p:spPr>
+          <a:xfrm>
+            <a:off x="685800" y="4400550"/>
+            <a:ext cx="5486400" cy="3600450"/>
+          </a:xfrm>
+          <a:prstGeom prst="rect">
+            <a:avLst/>
+          </a:prstGeom>
+        </p:spPr>
+        <p:txBody>
+          <a:bodyPr vert="horz" lIns="91440" tIns="45720" rIns="91440" bIns="45720" rtlCol="0"/>
+          <a:lstStyle/>
+          <a:p>
+            <a:pPr lvl="0"/>
+            <a:r>
+              <a:rPr lang="en-US"/>
+              <a:t>Click to edit Master text styles</a:t>
+            </a:r>
+          </a:p>
+          <a:p>
+            <a:pPr lvl="1"/>
+            <a:r>
+              <a:rPr lang="en-US"/>
+              <a:t>Second level</a:t>
+            </a:r>
+          </a:p>
+          <a:p>
+            <a:pPr lvl="2"/>
+            <a:r>
+              <a:rPr lang="en-US"/>
+              <a:t>Third level</a:t>
+            </a:r>
+          </a:p>
+          <a:p>
+            <a:pPr lvl="3"/>
+            <a:r>
+              <a:rPr lang="en-US"/>
+              <a:t>Fourth level</a:t>
+            </a:r>
+          </a:p>
+          <a:p>
+            <a:pPr lvl="4"/>
+            <a:r>
+              <a:rPr lang="en-US"/>
+              <a:t>Fifth level</a:t>
+            </a:r>
+          </a:p>
+        </p:txBody>
+      </p:sp>
+      <p:sp>
+        <p:nvSpPr>
+          <p:cNvPr id="6" name="Footer Placeholder 5"/>
+          <p:cNvSpPr>
+            <a:spLocks noGrp="1"/>
+          </p:cNvSpPr>
+          <p:nvPr>
+            <p:ph type="ftr" sz="quarter" idx="4"/>
+          </p:nvPr>
+        </p:nvSpPr>
+        <p:spPr>
+          <a:xfrm>
+            <a:off x="0" y="8685213"/>
+            <a:ext cx="2971800" cy="458787"/>
+          </a:xfrm>
+          <a:prstGeom prst="rect">
+            <a:avLst/>
+          </a:prstGeom>
+        </p:spPr>
+        <p:txBody>
+          <a:bodyPr vert="horz" lIns="91440" tIns="45720" rIns="91440" bIns="45720" rtlCol="0" anchor="b"/>
+          <a:lstStyle>
+            <a:lvl1pPr algn="l">
+              <a:defRPr sz="1200"/>
+            </a:lvl1pPr>
+          </a:lstStyle>
+          <a:p>
+            <a:endParaRPr lang="en-US"/>
+          </a:p>
+        </p:txBody>
+      </p:sp>
+      <p:sp>
+        <p:nvSpPr>
+          <p:cNvPr id="7" name="Slide Number Placeholder 6"/>
+          <p:cNvSpPr>
+            <a:spLocks noGrp="1"/>
+          </p:cNvSpPr>
+          <p:nvPr>
+            <p:ph type="sldNum" sz="quarter" idx="5"/>
+          </p:nvPr>
+        </p:nvSpPr>
+        <p:spPr>
+          <a:xfrm>
+            <a:off x="3884613" y="8685213"/>
+            <a:ext cx="2971800" cy="458787"/>
+          </a:xfrm>
+          <a:prstGeom prst="rect">
+            <a:avLst/>
+          </a:prstGeom>
+        </p:spPr>
+        <p:txBody>
+          <a:bodyPr vert="horz" lIns="91440" tIns="45720" rIns="91440" bIns="45720" rtlCol="0" anchor="b"/>
+          <a:lstStyle>
+            <a:lvl1pPr algn="r">
+              <a:defRPr sz="1200"/>
+            </a:lvl1pPr>
+          </a:lstStyle>
+          <a:p>
+            <a:fld id="{0508328B-7C4F-4C05-A30D-E21E00C58FAC}" type="slidenum">
+              <a:rPr lang="en-US" smtClean="0"/>
+              <a:t>‹#›</a:t>
+            </a:fld>
+            <a:endParaRPr lang="en-US"/>
+          </a:p>
+        </p:txBody>
+      </p:sp>
+    </p:spTree>
+    <p:extLst>
+      <p:ext uri="{BB962C8B-B14F-4D97-AF65-F5344CB8AC3E}">
+        <p14:creationId xmlns:p14="http://schemas.microsoft.com/office/powerpoint/2010/main" val="1198739063"/>
+      </p:ext>
+    </p:extLst>
+  </p:cSld>
+  <p:clrMap bg1="lt1" tx1="dk1" bg2="lt2" tx2="dk2" accent1="accent1" accent2="accent2" accent3="accent3" accent4="accent4" accent5="accent5" accent6="accent6" hlink="hlink" folHlink="folHlink"/>
+  <p:notesStyle>
+    <a:lvl1pPr marL="0" algn="l" defTabSz="914400" rtl="0" eaLnBrk="1" latinLnBrk="0" hangingPunct="1">
+      <a:defRPr sz="1200" kern="1200">
+        <a:solidFill>
+          <a:schemeClr val="tx1"/>
+        </a:solidFill>
+        <a:latin typeface="+mn-lt"/>
+        <a:ea typeface="+mn-ea"/>
+        <a:cs typeface="+mn-cs"/>
+      </a:defRPr>
+    </a:lvl1pPr>
+    <a:lvl2pPr marL="457200" algn="l" defTabSz="914400" rtl="0" eaLnBrk="1" latinLnBrk="0" hangingPunct="1">
+      <a:defRPr sz="1200" kern="1200">
+        <a:solidFill>
+          <a:schemeClr val="tx1"/>
+        </a:solidFill>
+        <a:latin typeface="+mn-lt"/>
+        <a:ea typeface="+mn-ea"/>
+        <a:cs typeface="+mn-cs"/>
+      </a:defRPr>
+    </a:lvl2pPr>
+    <a:lvl3pPr marL="914400" algn="l" defTabSz="914400" rtl="0" eaLnBrk="1" latinLnBrk="0" hangingPunct="1">
+      <a:defRPr sz="1200" kern="1200">
+        <a:solidFill>
+          <a:schemeClr val="tx1"/>
+        </a:solidFill>
+        <a:latin typeface="+mn-lt"/>
+        <a:ea typeface="+mn-ea"/>
+        <a:cs typeface="+mn-cs"/>
+      </a:defRPr>
+    </a:lvl3pPr>
+    <a:lvl4pPr marL="1371600" algn="l" defTabSz="914400" rtl="0" eaLnBrk="1" latinLnBrk="0" hangingPunct="1">
+      <a:defRPr sz="1200" kern="1200">
+        <a:solidFill>
+          <a:schemeClr val="tx1"/>
+        </a:solidFill>
+        <a:latin typeface="+mn-lt"/>
+        <a:ea typeface="+mn-ea"/>
+        <a:cs typeface="+mn-cs"/>
+      </a:defRPr>
+    </a:lvl4pPr>
+    <a:lvl5pPr marL="1828800" algn="l" defTabSz="914400" rtl="0" eaLnBrk="1" latinLnBrk="0" hangingPunct="1">
+      <a:defRPr sz="1200" kern="1200">
+        <a:solidFill>
+          <a:schemeClr val="tx1"/>
+        </a:solidFill>
+        <a:latin typeface="+mn-lt"/>
+        <a:ea typeface="+mn-ea"/>
+        <a:cs typeface="+mn-cs"/>
+      </a:defRPr>
+    </a:lvl5pPr>
+    <a:lvl6pPr marL="2286000" algn="l" defTabSz="914400" rtl="0" eaLnBrk="1" latinLnBrk="0" hangingPunct="1">
+      <a:defRPr sz="1200" kern="1200">
+        <a:solidFill>
+          <a:schemeClr val="tx1"/>
+        </a:solidFill>
+        <a:latin typeface="+mn-lt"/>
+        <a:ea typeface="+mn-ea"/>
+        <a:cs typeface="+mn-cs"/>
+      </a:defRPr>
+    </a:lvl6pPr>
+    <a:lvl7pPr marL="2743200" algn="l" defTabSz="914400" rtl="0" eaLnBrk="1" latinLnBrk="0" hangingPunct="1">
+      <a:defRPr sz="1200" kern="1200">
+        <a:solidFill>
+          <a:schemeClr val="tx1"/>
+        </a:solidFill>
+        <a:latin typeface="+mn-lt"/>
+        <a:ea typeface="+mn-ea"/>
+        <a:cs typeface="+mn-cs"/>
+      </a:defRPr>
+    </a:lvl7pPr>
+    <a:lvl8pPr marL="3200400" algn="l" defTabSz="914400" rtl="0" eaLnBrk="1" latinLnBrk="0" hangingPunct="1">
+      <a:defRPr sz="1200" kern="1200">
+        <a:solidFill>
+          <a:schemeClr val="tx1"/>
+        </a:solidFill>
+        <a:latin typeface="+mn-lt"/>
+        <a:ea typeface="+mn-ea"/>
+        <a:cs typeface="+mn-cs"/>
+      </a:defRPr>
+    </a:lvl8pPr>
+    <a:lvl9pPr marL="3657600" algn="l" defTabSz="914400" rtl="0" eaLnBrk="1" latinLnBrk="0" hangingPunct="1">
+      <a:defRPr sz="1200" kern="1200">
+        <a:solidFill>
+          <a:schemeClr val="tx1"/>
+        </a:solidFill>
+        <a:latin typeface="+mn-lt"/>
+        <a:ea typeface="+mn-ea"/>
+        <a:cs typeface="+mn-cs"/>
+      </a:defRPr>
+    </a:lvl9pPr>
+  </p:notesStyle>
+</p:notesMaster>
+</file>
+
+<file path=ppt/notesSlides/notesSlide1.xml><?xml version="1.0" encoding="utf-8"?>
+<p:notes xmlns:a="http://schemas.openxmlformats.org/drawingml/2006/main" xmlns:r="http://schemas.openxmlformats.org/officeDocument/2006/relationships" xmlns:p="http://schemas.openxmlformats.org/presentationml/2006/main">
+  <p:cSld>
+    <p:spTree>
+      <p:nvGrpSpPr>
+        <p:cNvPr id="1" name=""/>
+        <p:cNvGrpSpPr/>
+        <p:nvPr/>
+      </p:nvGrpSpPr>
+      <p:grpSpPr>
+        <a:xfrm>
+          <a:off x="0" y="0"/>
+          <a:ext cx="0" cy="0"/>
+          <a:chOff x="0" y="0"/>
+          <a:chExt cx="0" cy="0"/>
+        </a:xfrm>
+      </p:grpSpPr>
+      <p:sp>
+        <p:nvSpPr>
+          <p:cNvPr id="2" name="Slide Image Placeholder 1"/>
+          <p:cNvSpPr>
+            <a:spLocks noGrp="1" noRot="1" noChangeAspect="1"/>
+          </p:cNvSpPr>
+          <p:nvPr>
+            <p:ph type="sldImg"/>
+          </p:nvPr>
+        </p:nvSpPr>
+        <p:spPr/>
+      </p:sp>
+      <p:sp>
+        <p:nvSpPr>
+          <p:cNvPr id="3" name="Notes Placeholder 2"/>
+          <p:cNvSpPr>
+            <a:spLocks noGrp="1"/>
+          </p:cNvSpPr>
+          <p:nvPr>
+            <p:ph type="body" idx="1"/>
+          </p:nvPr>
+        </p:nvSpPr>
+        <p:spPr/>
+        <p:txBody>
+          <a:bodyPr/>
+          <a:lstStyle/>
+          <a:p>
+            <a:endParaRPr lang="en-US" dirty="0"/>
+          </a:p>
+        </p:txBody>
+      </p:sp>
+      <p:sp>
+        <p:nvSpPr>
+          <p:cNvPr id="4" name="Slide Number Placeholder 3"/>
+          <p:cNvSpPr>
+            <a:spLocks noGrp="1"/>
+          </p:cNvSpPr>
+          <p:nvPr>
+            <p:ph type="sldNum" sz="quarter" idx="5"/>
+          </p:nvPr>
+        </p:nvSpPr>
+        <p:spPr/>
+        <p:txBody>
+          <a:bodyPr/>
+          <a:lstStyle/>
+          <a:p>
+            <a:fld id="{0508328B-7C4F-4C05-A30D-E21E00C58FAC}" type="slidenum">
+              <a:rPr lang="en-US" smtClean="0"/>
+              <a:t>4</a:t>
+            </a:fld>
+            <a:endParaRPr lang="en-US"/>
+          </a:p>
+        </p:txBody>
+      </p:sp>
+    </p:spTree>
+    <p:extLst>
+      <p:ext uri="{BB962C8B-B14F-4D97-AF65-F5344CB8AC3E}">
+        <p14:creationId xmlns:p14="http://schemas.microsoft.com/office/powerpoint/2010/main" val="4153783684"/>
+      </p:ext>
+    </p:extLst>
+  </p:cSld>
+  <p:clrMapOvr>
+    <a:masterClrMapping/>
+  </p:clrMapOvr>
+</p:notes>
+</file>
+
+<file path=ppt/notesSlides/notesSlide2.xml><?xml version="1.0" encoding="utf-8"?>
+<p:notes xmlns:a="http://schemas.openxmlformats.org/drawingml/2006/main" xmlns:r="http://schemas.openxmlformats.org/officeDocument/2006/relationships" xmlns:p="http://schemas.openxmlformats.org/presentationml/2006/main">
+  <p:cSld>
+    <p:spTree>
+      <p:nvGrpSpPr>
+        <p:cNvPr id="1" name=""/>
+        <p:cNvGrpSpPr/>
+        <p:nvPr/>
+      </p:nvGrpSpPr>
+      <p:grpSpPr>
+        <a:xfrm>
+          <a:off x="0" y="0"/>
+          <a:ext cx="0" cy="0"/>
+          <a:chOff x="0" y="0"/>
+          <a:chExt cx="0" cy="0"/>
+        </a:xfrm>
+      </p:grpSpPr>
+      <p:sp>
+        <p:nvSpPr>
+          <p:cNvPr id="2" name="Slide Image Placeholder 1"/>
+          <p:cNvSpPr>
+            <a:spLocks noGrp="1" noRot="1" noChangeAspect="1"/>
+          </p:cNvSpPr>
+          <p:nvPr>
+            <p:ph type="sldImg"/>
+          </p:nvPr>
+        </p:nvSpPr>
+        <p:spPr/>
+      </p:sp>
+      <p:sp>
+        <p:nvSpPr>
+          <p:cNvPr id="3" name="Notes Placeholder 2"/>
+          <p:cNvSpPr>
+            <a:spLocks noGrp="1"/>
+          </p:cNvSpPr>
+          <p:nvPr>
+            <p:ph type="body" idx="1"/>
+          </p:nvPr>
+        </p:nvSpPr>
+        <p:spPr/>
+        <p:txBody>
+          <a:bodyPr/>
+          <a:lstStyle/>
+          <a:p>
+            <a:endParaRPr lang="en-US" dirty="0"/>
+          </a:p>
+        </p:txBody>
+      </p:sp>
+      <p:sp>
+        <p:nvSpPr>
+          <p:cNvPr id="4" name="Slide Number Placeholder 3"/>
+          <p:cNvSpPr>
+            <a:spLocks noGrp="1"/>
+          </p:cNvSpPr>
+          <p:nvPr>
+            <p:ph type="sldNum" sz="quarter" idx="5"/>
+          </p:nvPr>
+        </p:nvSpPr>
+        <p:spPr/>
+        <p:txBody>
+          <a:bodyPr/>
+          <a:lstStyle/>
+          <a:p>
+            <a:fld id="{0508328B-7C4F-4C05-A30D-E21E00C58FAC}" type="slidenum">
+              <a:rPr lang="en-US" smtClean="0"/>
+              <a:t>5</a:t>
+            </a:fld>
+            <a:endParaRPr lang="en-US"/>
+          </a:p>
+        </p:txBody>
+      </p:sp>
+    </p:spTree>
+    <p:extLst>
+      <p:ext uri="{BB962C8B-B14F-4D97-AF65-F5344CB8AC3E}">
+        <p14:creationId xmlns:p14="http://schemas.microsoft.com/office/powerpoint/2010/main" val="1216831591"/>
+      </p:ext>
+    </p:extLst>
+  </p:cSld>
+  <p:clrMapOvr>
+    <a:masterClrMapping/>
+  </p:clrMapOvr>
+</p:notes>
 </file>
 
 <file path=ppt/slideLayouts/slideLayout1.xml><?xml version="1.0" encoding="utf-8"?>
@@ -16118,7 +16638,7 @@
           <p:nvPr/>
         </p:nvPicPr>
         <p:blipFill>
-          <a:blip r:embed="rId2">
+          <a:blip r:embed="rId3">
             <a:duotone>
               <a:prstClr val="black"/>
               <a:schemeClr val="tx2">
@@ -16229,7 +16749,7 @@
         </p:xfrm>
         <a:graphic>
           <a:graphicData uri="http://schemas.openxmlformats.org/drawingml/2006/diagram">
-            <dgm:relIds xmlns:dgm="http://schemas.openxmlformats.org/drawingml/2006/diagram" xmlns:r="http://schemas.openxmlformats.org/officeDocument/2006/relationships" r:dm="rId3" r:lo="rId4" r:qs="rId5" r:cs="rId6"/>
+            <dgm:relIds xmlns:dgm="http://schemas.openxmlformats.org/drawingml/2006/diagram" xmlns:r="http://schemas.openxmlformats.org/officeDocument/2006/relationships" r:dm="rId4" r:lo="rId5" r:qs="rId6" r:cs="rId7"/>
           </a:graphicData>
         </a:graphic>
       </p:graphicFrame>
@@ -16346,7 +16866,7 @@
           <p:nvPr/>
         </p:nvPicPr>
         <p:blipFill>
-          <a:blip r:embed="rId2">
+          <a:blip r:embed="rId3">
             <a:duotone>
               <a:prstClr val="black"/>
               <a:schemeClr val="tx2">
@@ -16550,7 +17070,7 @@
           <p:nvPr/>
         </p:nvPicPr>
         <p:blipFill>
-          <a:blip r:embed="rId3">
+          <a:blip r:embed="rId4">
             <a:extLst>
               <a:ext uri="{28A0092B-C50C-407E-A947-70E740481C1C}">
                 <a14:useLocalDpi xmlns:a14="http://schemas.microsoft.com/office/drawing/2010/main" val="0"/>
@@ -16597,7 +17117,7 @@
           <p:nvPr/>
         </p:nvPicPr>
         <p:blipFill>
-          <a:blip r:embed="rId4">
+          <a:blip r:embed="rId5">
             <a:extLst>
               <a:ext uri="{28A0092B-C50C-407E-A947-70E740481C1C}">
                 <a14:useLocalDpi xmlns:a14="http://schemas.microsoft.com/office/drawing/2010/main" val="0"/>
@@ -16663,7 +17183,7 @@
             </a:r>
             <a:r>
               <a:rPr lang="en-US" sz="1050" dirty="0">
-                <a:hlinkClick r:id="rId5"/>
+                <a:hlinkClick r:id="rId6"/>
               </a:rPr>
               <a:t>https://www.certa.ai/partners/google-places-api</a:t>
             </a:r>
@@ -16673,7 +17193,7 @@
             </a:r>
             <a:r>
               <a:rPr lang="en-US" sz="1050" dirty="0">
-                <a:hlinkClick r:id="rId6"/>
+                <a:hlinkClick r:id="rId7"/>
               </a:rPr>
               <a:t>https://www.iconfinder.com/icons/4577754/shp_file_format_icon</a:t>
             </a:r>
@@ -16870,7 +17390,7 @@
         <p:spPr>
           <a:xfrm>
             <a:off x="2155056" y="2577080"/>
-            <a:ext cx="1916512" cy="3016210"/>
+            <a:ext cx="1916512" cy="3600986"/>
           </a:xfrm>
           <a:prstGeom prst="rect">
             <a:avLst/>
@@ -16919,6 +17439,19 @@
             <a:r>
               <a:rPr lang="en-US" sz="1400" dirty="0"/>
               <a:t>Encoding format</a:t>
+            </a:r>
+          </a:p>
+          <a:p>
+            <a:pPr marL="285750" indent="-285750">
+              <a:spcAft>
+                <a:spcPts val="1200"/>
+              </a:spcAft>
+              <a:buFont typeface="Arial" panose="020B0604020202020204" pitchFamily="34" charset="0"/>
+              <a:buChar char="•"/>
+            </a:pPr>
+            <a:r>
+              <a:rPr lang="en-US" sz="1400" dirty="0"/>
+              <a:t>Removed duplicate records</a:t>
             </a:r>
           </a:p>
           <a:p>
@@ -16986,7 +17519,7 @@
             </a:pPr>
             <a:r>
               <a:rPr lang="en-US" sz="1400" dirty="0"/>
-              <a:t>Data is stored in SQL using </a:t>
+              <a:t>Data is stored in SQL database using </a:t>
             </a:r>
             <a:r>
               <a:rPr lang="en-US" sz="1400" dirty="0" err="1"/>
@@ -17610,103 +18143,6 @@
       </p:graphicFrame>
       <p:sp>
         <p:nvSpPr>
-          <p:cNvPr id="5" name="TextBox 4">
-            <a:extLst>
-              <a:ext uri="{FF2B5EF4-FFF2-40B4-BE49-F238E27FC236}">
-                <a16:creationId xmlns:a16="http://schemas.microsoft.com/office/drawing/2014/main" id="{6489ADEC-A9C3-FA91-DD70-503217F4E3D3}"/>
-              </a:ext>
-            </a:extLst>
-          </p:cNvPr>
-          <p:cNvSpPr txBox="1"/>
-          <p:nvPr/>
-        </p:nvSpPr>
-        <p:spPr>
-          <a:xfrm>
-            <a:off x="2155056" y="2577080"/>
-            <a:ext cx="1916512" cy="3016210"/>
-          </a:xfrm>
-          <a:prstGeom prst="rect">
-            <a:avLst/>
-          </a:prstGeom>
-          <a:noFill/>
-        </p:spPr>
-        <p:txBody>
-          <a:bodyPr wrap="square" rtlCol="0">
-            <a:spAutoFit/>
-          </a:bodyPr>
-          <a:lstStyle/>
-          <a:p>
-            <a:pPr marL="285750" indent="-285750">
-              <a:spcAft>
-                <a:spcPts val="1200"/>
-              </a:spcAft>
-              <a:buFont typeface="Arial" panose="020B0604020202020204" pitchFamily="34" charset="0"/>
-              <a:buChar char="•"/>
-            </a:pPr>
-            <a:r>
-              <a:rPr lang="en-US" sz="1400" dirty="0"/>
-              <a:t>Jupyter Notebook</a:t>
-            </a:r>
-          </a:p>
-          <a:p>
-            <a:pPr marL="285750" indent="-285750">
-              <a:spcAft>
-                <a:spcPts val="1200"/>
-              </a:spcAft>
-              <a:buFont typeface="Arial" panose="020B0604020202020204" pitchFamily="34" charset="0"/>
-              <a:buChar char="•"/>
-            </a:pPr>
-            <a:r>
-              <a:rPr lang="en-US" sz="1400" dirty="0"/>
-              <a:t>ArcGIS Pro to isolate data specifically to KS</a:t>
-            </a:r>
-          </a:p>
-          <a:p>
-            <a:pPr marL="285750" indent="-285750">
-              <a:spcAft>
-                <a:spcPts val="1200"/>
-              </a:spcAft>
-              <a:buFont typeface="Arial" panose="020B0604020202020204" pitchFamily="34" charset="0"/>
-              <a:buChar char="•"/>
-            </a:pPr>
-            <a:r>
-              <a:rPr lang="en-US" sz="1400" dirty="0"/>
-              <a:t>Encoding format</a:t>
-            </a:r>
-          </a:p>
-          <a:p>
-            <a:pPr marL="285750" indent="-285750">
-              <a:spcAft>
-                <a:spcPts val="1200"/>
-              </a:spcAft>
-              <a:buFont typeface="Arial" panose="020B0604020202020204" pitchFamily="34" charset="0"/>
-              <a:buChar char="•"/>
-            </a:pPr>
-            <a:r>
-              <a:rPr lang="en-US" sz="1400" dirty="0"/>
-              <a:t>Removed rows with blank data</a:t>
-            </a:r>
-          </a:p>
-          <a:p>
-            <a:pPr marL="285750" indent="-285750">
-              <a:spcAft>
-                <a:spcPts val="1200"/>
-              </a:spcAft>
-              <a:buFont typeface="Arial" panose="020B0604020202020204" pitchFamily="34" charset="0"/>
-              <a:buChar char="•"/>
-            </a:pPr>
-            <a:r>
-              <a:rPr lang="en-US" sz="1400" dirty="0"/>
-              <a:t>Removed special characters</a:t>
-            </a:r>
-          </a:p>
-          <a:p>
-            <a:endParaRPr lang="en-US" sz="1400" dirty="0"/>
-          </a:p>
-        </p:txBody>
-      </p:sp>
-      <p:sp>
-        <p:nvSpPr>
           <p:cNvPr id="3" name="TextBox 2">
             <a:extLst>
               <a:ext uri="{FF2B5EF4-FFF2-40B4-BE49-F238E27FC236}">
@@ -17739,7 +18175,7 @@
             </a:pPr>
             <a:r>
               <a:rPr lang="en-US" sz="1400" dirty="0"/>
-              <a:t>Data is stored in SQL using </a:t>
+              <a:t>Data is stored in SQL database using </a:t>
             </a:r>
             <a:r>
               <a:rPr lang="en-US" sz="1400" dirty="0" err="1"/>
@@ -17912,6 +18348,116 @@
           </a:p>
         </p:txBody>
       </p:sp>
+      <p:sp>
+        <p:nvSpPr>
+          <p:cNvPr id="6" name="TextBox 5">
+            <a:extLst>
+              <a:ext uri="{FF2B5EF4-FFF2-40B4-BE49-F238E27FC236}">
+                <a16:creationId xmlns:a16="http://schemas.microsoft.com/office/drawing/2014/main" id="{F85DFD5A-BA54-B00C-DB8B-6F59AF4BBF45}"/>
+              </a:ext>
+            </a:extLst>
+          </p:cNvPr>
+          <p:cNvSpPr txBox="1"/>
+          <p:nvPr/>
+        </p:nvSpPr>
+        <p:spPr>
+          <a:xfrm>
+            <a:off x="2155056" y="2577080"/>
+            <a:ext cx="1916512" cy="3600986"/>
+          </a:xfrm>
+          <a:prstGeom prst="rect">
+            <a:avLst/>
+          </a:prstGeom>
+          <a:noFill/>
+        </p:spPr>
+        <p:txBody>
+          <a:bodyPr wrap="square" rtlCol="0">
+            <a:spAutoFit/>
+          </a:bodyPr>
+          <a:lstStyle/>
+          <a:p>
+            <a:pPr marL="285750" indent="-285750">
+              <a:spcAft>
+                <a:spcPts val="1200"/>
+              </a:spcAft>
+              <a:buFont typeface="Arial" panose="020B0604020202020204" pitchFamily="34" charset="0"/>
+              <a:buChar char="•"/>
+            </a:pPr>
+            <a:r>
+              <a:rPr lang="en-US" sz="1400" dirty="0"/>
+              <a:t>Jupyter Notebook</a:t>
+            </a:r>
+          </a:p>
+          <a:p>
+            <a:pPr marL="285750" indent="-285750">
+              <a:spcAft>
+                <a:spcPts val="1200"/>
+              </a:spcAft>
+              <a:buFont typeface="Arial" panose="020B0604020202020204" pitchFamily="34" charset="0"/>
+              <a:buChar char="•"/>
+            </a:pPr>
+            <a:r>
+              <a:rPr lang="en-US" sz="1400" dirty="0"/>
+              <a:t>ArcGIS Pro to isolate data specifically to KS</a:t>
+            </a:r>
+          </a:p>
+          <a:p>
+            <a:pPr marL="285750" indent="-285750">
+              <a:spcAft>
+                <a:spcPts val="1200"/>
+              </a:spcAft>
+              <a:buFont typeface="Arial" panose="020B0604020202020204" pitchFamily="34" charset="0"/>
+              <a:buChar char="•"/>
+            </a:pPr>
+            <a:r>
+              <a:rPr lang="en-US" sz="1400" dirty="0"/>
+              <a:t>Encoding format</a:t>
+            </a:r>
+          </a:p>
+          <a:p>
+            <a:pPr marL="285750" indent="-285750">
+              <a:spcAft>
+                <a:spcPts val="1200"/>
+              </a:spcAft>
+              <a:buFont typeface="Arial" panose="020B0604020202020204" pitchFamily="34" charset="0"/>
+              <a:buChar char="•"/>
+            </a:pPr>
+            <a:r>
+              <a:rPr lang="en-US" sz="1400" dirty="0"/>
+              <a:t>Removed duplicate records</a:t>
+            </a:r>
+          </a:p>
+          <a:p>
+            <a:pPr marL="285750" indent="-285750">
+              <a:spcAft>
+                <a:spcPts val="1200"/>
+              </a:spcAft>
+              <a:buFont typeface="Arial" panose="020B0604020202020204" pitchFamily="34" charset="0"/>
+              <a:buChar char="•"/>
+            </a:pPr>
+            <a:r>
+              <a:rPr lang="en-US" sz="1400" dirty="0"/>
+              <a:t>Removed rows with blank data</a:t>
+            </a:r>
+          </a:p>
+          <a:p>
+            <a:pPr marL="285750" indent="-285750">
+              <a:spcAft>
+                <a:spcPts val="1200"/>
+              </a:spcAft>
+              <a:buFont typeface="Arial" panose="020B0604020202020204" pitchFamily="34" charset="0"/>
+              <a:buChar char="•"/>
+            </a:pPr>
+            <a:r>
+              <a:rPr lang="en-US" sz="1400" dirty="0"/>
+              <a:t>Removed special characters</a:t>
+            </a:r>
+          </a:p>
+          <a:p>
+            <a:endParaRPr lang="en-US" sz="1400" dirty="0"/>
+          </a:p>
+        </p:txBody>
+      </p:sp>
     </p:spTree>
     <p:extLst>
       <p:ext uri="{BB962C8B-B14F-4D97-AF65-F5344CB8AC3E}">
@@ -17922,6 +18468,92 @@
   <p:clrMapOvr>
     <a:overrideClrMapping bg1="dk1" tx1="lt1" bg2="dk2" tx2="lt2" accent1="accent1" accent2="accent2" accent3="accent3" accent4="accent4" accent5="accent5" accent6="accent6" hlink="hlink" folHlink="folHlink"/>
   </p:clrMapOvr>
+  <p:timing>
+    <p:tnLst>
+      <p:par>
+        <p:cTn id="1" dur="indefinite" restart="never" nodeType="tmRoot">
+          <p:childTnLst>
+            <p:seq concurrent="1" nextAc="seek">
+              <p:cTn id="2" dur="indefinite" nodeType="mainSeq">
+                <p:childTnLst>
+                  <p:par>
+                    <p:cTn id="3" fill="hold">
+                      <p:stCondLst>
+                        <p:cond delay="indefinite"/>
+                      </p:stCondLst>
+                      <p:childTnLst>
+                        <p:par>
+                          <p:cTn id="4" fill="hold">
+                            <p:stCondLst>
+                              <p:cond delay="0"/>
+                            </p:stCondLst>
+                            <p:childTnLst>
+                              <p:par>
+                                <p:cTn id="5" presetID="10" presetClass="entr" presetSubtype="0" fill="hold" grpId="0" nodeType="clickEffect">
+                                  <p:stCondLst>
+                                    <p:cond delay="0"/>
+                                  </p:stCondLst>
+                                  <p:childTnLst>
+                                    <p:set>
+                                      <p:cBhvr>
+                                        <p:cTn id="6" dur="1" fill="hold">
+                                          <p:stCondLst>
+                                            <p:cond delay="0"/>
+                                          </p:stCondLst>
+                                        </p:cTn>
+                                        <p:tgtEl>
+                                          <p:spTgt spid="6"/>
+                                        </p:tgtEl>
+                                        <p:attrNameLst>
+                                          <p:attrName>style.visibility</p:attrName>
+                                        </p:attrNameLst>
+                                      </p:cBhvr>
+                                      <p:to>
+                                        <p:strVal val="visible"/>
+                                      </p:to>
+                                    </p:set>
+                                    <p:animEffect transition="in" filter="fade">
+                                      <p:cBhvr>
+                                        <p:cTn id="7" dur="750"/>
+                                        <p:tgtEl>
+                                          <p:spTgt spid="6"/>
+                                        </p:tgtEl>
+                                      </p:cBhvr>
+                                    </p:animEffect>
+                                  </p:childTnLst>
+                                </p:cTn>
+                              </p:par>
+                            </p:childTnLst>
+                          </p:cTn>
+                        </p:par>
+                      </p:childTnLst>
+                    </p:cTn>
+                  </p:par>
+                </p:childTnLst>
+              </p:cTn>
+              <p:prevCondLst>
+                <p:cond evt="onPrev" delay="0">
+                  <p:tgtEl>
+                    <p:sldTgt/>
+                  </p:tgtEl>
+                </p:cond>
+              </p:prevCondLst>
+              <p:nextCondLst>
+                <p:cond evt="onNext" delay="0">
+                  <p:tgtEl>
+                    <p:sldTgt/>
+                  </p:tgtEl>
+                </p:cond>
+              </p:nextCondLst>
+            </p:seq>
+          </p:childTnLst>
+        </p:cTn>
+      </p:par>
+    </p:tnLst>
+    <p:bldLst>
+      <p:bldP spid="6" grpId="0"/>
+    </p:bldLst>
+  </p:timing>
 </p:sld>
 </file>
 
@@ -18373,4 +19005,299 @@
     </a:ext>
   </a:extLst>
 </a:theme>
+</file>
+
+<file path=ppt/theme/theme2.xml><?xml version="1.0" encoding="utf-8"?>
+<a:theme xmlns:a="http://schemas.openxmlformats.org/drawingml/2006/main" name="Office Theme">
+  <a:themeElements>
+    <a:clrScheme name="Office">
+      <a:dk1>
+        <a:sysClr val="windowText" lastClr="000000"/>
+      </a:dk1>
+      <a:lt1>
+        <a:sysClr val="window" lastClr="FFFFFF"/>
+      </a:lt1>
+      <a:dk2>
+        <a:srgbClr val="44546A"/>
+      </a:dk2>
+      <a:lt2>
+        <a:srgbClr val="E7E6E6"/>
+      </a:lt2>
+      <a:accent1>
+        <a:srgbClr val="4472C4"/>
+      </a:accent1>
+      <a:accent2>
+        <a:srgbClr val="ED7D31"/>
+      </a:accent2>
+      <a:accent3>
+        <a:srgbClr val="A5A5A5"/>
+      </a:accent3>
+      <a:accent4>
+        <a:srgbClr val="FFC000"/>
+      </a:accent4>
+      <a:accent5>
+        <a:srgbClr val="5B9BD5"/>
+      </a:accent5>
+      <a:accent6>
+        <a:srgbClr val="70AD47"/>
+      </a:accent6>
+      <a:hlink>
+        <a:srgbClr val="0563C1"/>
+      </a:hlink>
+      <a:folHlink>
+        <a:srgbClr val="954F72"/>
+      </a:folHlink>
+    </a:clrScheme>
+    <a:fontScheme name="Office">
+      <a:majorFont>
+        <a:latin typeface="Calibri Light" panose="020F0302020204030204"/>
+        <a:ea typeface=""/>
+        <a:cs typeface=""/>
+        <a:font script="Jpan" typeface="游ゴシック Light"/>
+        <a:font script="Hang" typeface="맑은 고딕"/>
+        <a:font script="Hans" typeface="等线 Light"/>
+        <a:font script="Hant" typeface="新細明體"/>
+        <a:font script="Arab" typeface="Times New Roman"/>
+        <a:font script="Hebr" typeface="Times New Roman"/>
+        <a:font script="Thai" typeface="Angsana New"/>
+        <a:font script="Ethi" typeface="Nyala"/>
+        <a:font script="Beng" typeface="Vrinda"/>
+        <a:font script="Gujr" typeface="Shruti"/>
+        <a:font script="Khmr" typeface="MoolBoran"/>
+        <a:font script="Knda" typeface="Tunga"/>
+        <a:font script="Guru" typeface="Raavi"/>
+        <a:font script="Cans" typeface="Euphemia"/>
+        <a:font script="Cher" typeface="Plantagenet Cherokee"/>
+        <a:font script="Yiii" typeface="Microsoft Yi Baiti"/>
+        <a:font script="Tibt" typeface="Microsoft Himalaya"/>
+        <a:font script="Thaa" typeface="MV Boli"/>
+        <a:font script="Deva" typeface="Mangal"/>
+        <a:font script="Telu" typeface="Gautami"/>
+        <a:font script="Taml" typeface="Latha"/>
+        <a:font script="Syrc" typeface="Estrangelo Edessa"/>
+        <a:font script="Orya" typeface="Kalinga"/>
+        <a:font script="Mlym" typeface="Kartika"/>
+        <a:font script="Laoo" typeface="DokChampa"/>
+        <a:font script="Sinh" typeface="Iskoola Pota"/>
+        <a:font script="Mong" typeface="Mongolian Baiti"/>
+        <a:font script="Viet" typeface="Times New Roman"/>
+        <a:font script="Uigh" typeface="Microsoft Uighur"/>
+        <a:font script="Geor" typeface="Sylfaen"/>
+        <a:font script="Armn" typeface="Arial"/>
+        <a:font script="Bugi" typeface="Leelawadee UI"/>
+        <a:font script="Bopo" typeface="Microsoft JhengHei"/>
+        <a:font script="Java" typeface="Javanese Text"/>
+        <a:font script="Lisu" typeface="Segoe UI"/>
+        <a:font script="Mymr" typeface="Myanmar Text"/>
+        <a:font script="Nkoo" typeface="Ebrima"/>
+        <a:font script="Olck" typeface="Nirmala UI"/>
+        <a:font script="Osma" typeface="Ebrima"/>
+        <a:font script="Phag" typeface="Phagspa"/>
+        <a:font script="Syrn" typeface="Estrangelo Edessa"/>
+        <a:font script="Syrj" typeface="Estrangelo Edessa"/>
+        <a:font script="Syre" typeface="Estrangelo Edessa"/>
+        <a:font script="Sora" typeface="Nirmala UI"/>
+        <a:font script="Tale" typeface="Microsoft Tai Le"/>
+        <a:font script="Talu" typeface="Microsoft New Tai Lue"/>
+        <a:font script="Tfng" typeface="Ebrima"/>
+      </a:majorFont>
+      <a:minorFont>
+        <a:latin typeface="Calibri" panose="020F0502020204030204"/>
+        <a:ea typeface=""/>
+        <a:cs typeface=""/>
+        <a:font script="Jpan" typeface="游ゴシック"/>
+        <a:font script="Hang" typeface="맑은 고딕"/>
+        <a:font script="Hans" typeface="等线"/>
+        <a:font script="Hant" typeface="新細明體"/>
+        <a:font script="Arab" typeface="Arial"/>
+        <a:font script="Hebr" typeface="Arial"/>
+        <a:font script="Thai" typeface="Cordia New"/>
+        <a:font script="Ethi" typeface="Nyala"/>
+        <a:font script="Beng" typeface="Vrinda"/>
+        <a:font script="Gujr" typeface="Shruti"/>
+        <a:font script="Khmr" typeface="DaunPenh"/>
+        <a:font script="Knda" typeface="Tunga"/>
+        <a:font script="Guru" typeface="Raavi"/>
+        <a:font script="Cans" typeface="Euphemia"/>
+        <a:font script="Cher" typeface="Plantagenet Cherokee"/>
+        <a:font script="Yiii" typeface="Microsoft Yi Baiti"/>
+        <a:font script="Tibt" typeface="Microsoft Himalaya"/>
+        <a:font script="Thaa" typeface="MV Boli"/>
+        <a:font script="Deva" typeface="Mangal"/>
+        <a:font script="Telu" typeface="Gautami"/>
+        <a:font script="Taml" typeface="Latha"/>
+        <a:font script="Syrc" typeface="Estrangelo Edessa"/>
+        <a:font script="Orya" typeface="Kalinga"/>
+        <a:font script="Mlym" typeface="Kartika"/>
+        <a:font script="Laoo" typeface="DokChampa"/>
+        <a:font script="Sinh" typeface="Iskoola Pota"/>
+        <a:font script="Mong" typeface="Mongolian Baiti"/>
+        <a:font script="Viet" typeface="Arial"/>
+        <a:font script="Uigh" typeface="Microsoft Uighur"/>
+        <a:font script="Geor" typeface="Sylfaen"/>
+        <a:font script="Armn" typeface="Arial"/>
+        <a:font script="Bugi" typeface="Leelawadee UI"/>
+        <a:font script="Bopo" typeface="Microsoft JhengHei"/>
+        <a:font script="Java" typeface="Javanese Text"/>
+        <a:font script="Lisu" typeface="Segoe UI"/>
+        <a:font script="Mymr" typeface="Myanmar Text"/>
+        <a:font script="Nkoo" typeface="Ebrima"/>
+        <a:font script="Olck" typeface="Nirmala UI"/>
+        <a:font script="Osma" typeface="Ebrima"/>
+        <a:font script="Phag" typeface="Phagspa"/>
+        <a:font script="Syrn" typeface="Estrangelo Edessa"/>
+        <a:font script="Syrj" typeface="Estrangelo Edessa"/>
+        <a:font script="Syre" typeface="Estrangelo Edessa"/>
+        <a:font script="Sora" typeface="Nirmala UI"/>
+        <a:font script="Tale" typeface="Microsoft Tai Le"/>
+        <a:font script="Talu" typeface="Microsoft New Tai Lue"/>
+        <a:font script="Tfng" typeface="Ebrima"/>
+      </a:minorFont>
+    </a:fontScheme>
+    <a:fmtScheme name="Office">
+      <a:fillStyleLst>
+        <a:solidFill>
+          <a:schemeClr val="phClr"/>
+        </a:solidFill>
+        <a:gradFill rotWithShape="1">
+          <a:gsLst>
+            <a:gs pos="0">
+              <a:schemeClr val="phClr">
+                <a:lumMod val="110000"/>
+                <a:satMod val="105000"/>
+                <a:tint val="67000"/>
+              </a:schemeClr>
+            </a:gs>
+            <a:gs pos="50000">
+              <a:schemeClr val="phClr">
+                <a:lumMod val="105000"/>
+                <a:satMod val="103000"/>
+                <a:tint val="73000"/>
+              </a:schemeClr>
+            </a:gs>
+            <a:gs pos="100000">
+              <a:schemeClr val="phClr">
+                <a:lumMod val="105000"/>
+                <a:satMod val="109000"/>
+                <a:tint val="81000"/>
+              </a:schemeClr>
+            </a:gs>
+          </a:gsLst>
+          <a:lin ang="5400000" scaled="0"/>
+        </a:gradFill>
+        <a:gradFill rotWithShape="1">
+          <a:gsLst>
+            <a:gs pos="0">
+              <a:schemeClr val="phClr">
+                <a:satMod val="103000"/>
+                <a:lumMod val="102000"/>
+                <a:tint val="94000"/>
+              </a:schemeClr>
+            </a:gs>
+            <a:gs pos="50000">
+              <a:schemeClr val="phClr">
+                <a:satMod val="110000"/>
+                <a:lumMod val="100000"/>
+                <a:shade val="100000"/>
+              </a:schemeClr>
+            </a:gs>
+            <a:gs pos="100000">
+              <a:schemeClr val="phClr">
+                <a:lumMod val="99000"/>
+                <a:satMod val="120000"/>
+                <a:shade val="78000"/>
+              </a:schemeClr>
+            </a:gs>
+          </a:gsLst>
+          <a:lin ang="5400000" scaled="0"/>
+        </a:gradFill>
+      </a:fillStyleLst>
+      <a:lnStyleLst>
+        <a:ln w="6350" cap="flat" cmpd="sng" algn="ctr">
+          <a:solidFill>
+            <a:schemeClr val="phClr"/>
+          </a:solidFill>
+          <a:prstDash val="solid"/>
+          <a:miter lim="800000"/>
+        </a:ln>
+        <a:ln w="12700" cap="flat" cmpd="sng" algn="ctr">
+          <a:solidFill>
+            <a:schemeClr val="phClr"/>
+          </a:solidFill>
+          <a:prstDash val="solid"/>
+          <a:miter lim="800000"/>
+        </a:ln>
+        <a:ln w="19050" cap="flat" cmpd="sng" algn="ctr">
+          <a:solidFill>
+            <a:schemeClr val="phClr"/>
+          </a:solidFill>
+          <a:prstDash val="solid"/>
+          <a:miter lim="800000"/>
+        </a:ln>
+      </a:lnStyleLst>
+      <a:effectStyleLst>
+        <a:effectStyle>
+          <a:effectLst/>
+        </a:effectStyle>
+        <a:effectStyle>
+          <a:effectLst/>
+        </a:effectStyle>
+        <a:effectStyle>
+          <a:effectLst>
+            <a:outerShdw blurRad="57150" dist="19050" dir="5400000" algn="ctr" rotWithShape="0">
+              <a:srgbClr val="000000">
+                <a:alpha val="63000"/>
+              </a:srgbClr>
+            </a:outerShdw>
+          </a:effectLst>
+        </a:effectStyle>
+      </a:effectStyleLst>
+      <a:bgFillStyleLst>
+        <a:solidFill>
+          <a:schemeClr val="phClr"/>
+        </a:solidFill>
+        <a:solidFill>
+          <a:schemeClr val="phClr">
+            <a:tint val="95000"/>
+            <a:satMod val="170000"/>
+          </a:schemeClr>
+        </a:solidFill>
+        <a:gradFill rotWithShape="1">
+          <a:gsLst>
+            <a:gs pos="0">
+              <a:schemeClr val="phClr">
+                <a:tint val="93000"/>
+                <a:satMod val="150000"/>
+                <a:shade val="98000"/>
+                <a:lumMod val="102000"/>
+              </a:schemeClr>
+            </a:gs>
+            <a:gs pos="50000">
+              <a:schemeClr val="phClr">
+                <a:tint val="98000"/>
+                <a:satMod val="130000"/>
+                <a:shade val="90000"/>
+                <a:lumMod val="103000"/>
+              </a:schemeClr>
+            </a:gs>
+            <a:gs pos="100000">
+              <a:schemeClr val="phClr">
+                <a:shade val="63000"/>
+                <a:satMod val="120000"/>
+              </a:schemeClr>
+            </a:gs>
+          </a:gsLst>
+          <a:lin ang="5400000" scaled="0"/>
+        </a:gradFill>
+      </a:bgFillStyleLst>
+    </a:fmtScheme>
+  </a:themeElements>
+  <a:objectDefaults/>
+  <a:extraClrSchemeLst/>
+  <a:extLst>
+    <a:ext uri="{05A4C25C-085E-4340-85A3-A5531E510DB2}">
+      <thm15:themeFamily xmlns:thm15="http://schemas.microsoft.com/office/thememl/2012/main" name="Office Theme" id="{62F939B6-93AF-4DB8-9C6B-D6C7DFDC589F}" vid="{4A3C46E8-61CC-4603-A589-7422A47A8E4A}"/>
+    </a:ext>
+  </a:extLst>
+</a:theme>
 </file>
--- a/Project3_Presentation.pptx
+++ b/Project3_Presentation.pptx
@@ -17665,7 +17665,7 @@
         <p:spPr>
           <a:xfrm>
             <a:off x="8220572" y="2533332"/>
-            <a:ext cx="1916512" cy="307777"/>
+            <a:ext cx="1916512" cy="1631216"/>
           </a:xfrm>
           <a:prstGeom prst="rect">
             <a:avLst/>
@@ -17679,6 +17679,48 @@
           <a:lstStyle/>
           <a:p>
             <a:pPr marL="285750" indent="-285750">
+              <a:spcAft>
+                <a:spcPts val="1200"/>
+              </a:spcAft>
+              <a:buFont typeface="Arial" panose="020B0604020202020204" pitchFamily="34" charset="0"/>
+              <a:buChar char="•"/>
+            </a:pPr>
+            <a:r>
+              <a:rPr lang="en-US" sz="1400" dirty="0"/>
+              <a:t>Leaflet</a:t>
+            </a:r>
+          </a:p>
+          <a:p>
+            <a:pPr marL="285750" indent="-285750">
+              <a:spcAft>
+                <a:spcPts val="1200"/>
+              </a:spcAft>
+              <a:buFont typeface="Arial" panose="020B0604020202020204" pitchFamily="34" charset="0"/>
+              <a:buChar char="•"/>
+            </a:pPr>
+            <a:r>
+              <a:rPr lang="en-US" sz="1400" dirty="0"/>
+              <a:t>Leaflet Heatmap Layer Plug in</a:t>
+            </a:r>
+          </a:p>
+          <a:p>
+            <a:pPr marL="285750" indent="-285750">
+              <a:spcAft>
+                <a:spcPts val="1200"/>
+              </a:spcAft>
+              <a:buFont typeface="Arial" panose="020B0604020202020204" pitchFamily="34" charset="0"/>
+              <a:buChar char="•"/>
+            </a:pPr>
+            <a:r>
+              <a:rPr lang="en-US" sz="1400" dirty="0"/>
+              <a:t>D3.js</a:t>
+            </a:r>
+          </a:p>
+          <a:p>
+            <a:pPr marL="285750" indent="-285750">
+              <a:spcAft>
+                <a:spcPts val="1200"/>
+              </a:spcAft>
               <a:buFont typeface="Arial" panose="020B0604020202020204" pitchFamily="34" charset="0"/>
               <a:buChar char="•"/>
             </a:pPr>
@@ -18243,45 +18285,6 @@
       </p:sp>
       <p:sp>
         <p:nvSpPr>
-          <p:cNvPr id="9" name="TextBox 8">
-            <a:extLst>
-              <a:ext uri="{FF2B5EF4-FFF2-40B4-BE49-F238E27FC236}">
-                <a16:creationId xmlns:a16="http://schemas.microsoft.com/office/drawing/2014/main" id="{6E6EC10B-62EC-FAE9-19ED-C2DEF9C151A9}"/>
-              </a:ext>
-            </a:extLst>
-          </p:cNvPr>
-          <p:cNvSpPr txBox="1"/>
-          <p:nvPr/>
-        </p:nvSpPr>
-        <p:spPr>
-          <a:xfrm>
-            <a:off x="8220572" y="2533332"/>
-            <a:ext cx="1916512" cy="307777"/>
-          </a:xfrm>
-          <a:prstGeom prst="rect">
-            <a:avLst/>
-          </a:prstGeom>
-          <a:noFill/>
-        </p:spPr>
-        <p:txBody>
-          <a:bodyPr wrap="square" rtlCol="0">
-            <a:spAutoFit/>
-          </a:bodyPr>
-          <a:lstStyle/>
-          <a:p>
-            <a:pPr marL="285750" indent="-285750">
-              <a:buFont typeface="Arial" panose="020B0604020202020204" pitchFamily="34" charset="0"/>
-              <a:buChar char="•"/>
-            </a:pPr>
-            <a:r>
-              <a:rPr lang="en-US" sz="1400" dirty="0"/>
-              <a:t>Turf.js</a:t>
-            </a:r>
-          </a:p>
-        </p:txBody>
-      </p:sp>
-      <p:sp>
-        <p:nvSpPr>
           <p:cNvPr id="7" name="TextBox 6">
             <a:extLst>
               <a:ext uri="{FF2B5EF4-FFF2-40B4-BE49-F238E27FC236}">
@@ -18458,6 +18461,87 @@
           </a:p>
         </p:txBody>
       </p:sp>
+      <p:sp>
+        <p:nvSpPr>
+          <p:cNvPr id="5" name="TextBox 4">
+            <a:extLst>
+              <a:ext uri="{FF2B5EF4-FFF2-40B4-BE49-F238E27FC236}">
+                <a16:creationId xmlns:a16="http://schemas.microsoft.com/office/drawing/2014/main" id="{178A9B49-859C-BF44-3319-E4810038101C}"/>
+              </a:ext>
+            </a:extLst>
+          </p:cNvPr>
+          <p:cNvSpPr txBox="1"/>
+          <p:nvPr/>
+        </p:nvSpPr>
+        <p:spPr>
+          <a:xfrm>
+            <a:off x="8220572" y="2533332"/>
+            <a:ext cx="1916512" cy="1631216"/>
+          </a:xfrm>
+          <a:prstGeom prst="rect">
+            <a:avLst/>
+          </a:prstGeom>
+          <a:noFill/>
+        </p:spPr>
+        <p:txBody>
+          <a:bodyPr wrap="square" rtlCol="0">
+            <a:spAutoFit/>
+          </a:bodyPr>
+          <a:lstStyle/>
+          <a:p>
+            <a:pPr marL="285750" indent="-285750">
+              <a:spcAft>
+                <a:spcPts val="1200"/>
+              </a:spcAft>
+              <a:buFont typeface="Arial" panose="020B0604020202020204" pitchFamily="34" charset="0"/>
+              <a:buChar char="•"/>
+            </a:pPr>
+            <a:r>
+              <a:rPr lang="en-US" sz="1400" dirty="0"/>
+              <a:t>Leaflet</a:t>
+            </a:r>
+          </a:p>
+          <a:p>
+            <a:pPr marL="285750" indent="-285750">
+              <a:spcAft>
+                <a:spcPts val="1200"/>
+              </a:spcAft>
+              <a:buFont typeface="Arial" panose="020B0604020202020204" pitchFamily="34" charset="0"/>
+              <a:buChar char="•"/>
+            </a:pPr>
+            <a:r>
+              <a:rPr lang="en-US" sz="1400" dirty="0"/>
+              <a:t>Leaflet Heatmap Layer Plug in</a:t>
+            </a:r>
+          </a:p>
+          <a:p>
+            <a:pPr marL="285750" indent="-285750">
+              <a:spcAft>
+                <a:spcPts val="1200"/>
+              </a:spcAft>
+              <a:buFont typeface="Arial" panose="020B0604020202020204" pitchFamily="34" charset="0"/>
+              <a:buChar char="•"/>
+            </a:pPr>
+            <a:r>
+              <a:rPr lang="en-US" sz="1400" dirty="0"/>
+              <a:t>D3.js</a:t>
+            </a:r>
+          </a:p>
+          <a:p>
+            <a:pPr marL="285750" indent="-285750">
+              <a:spcAft>
+                <a:spcPts val="1200"/>
+              </a:spcAft>
+              <a:buFont typeface="Arial" panose="020B0604020202020204" pitchFamily="34" charset="0"/>
+              <a:buChar char="•"/>
+            </a:pPr>
+            <a:r>
+              <a:rPr lang="en-US" sz="1400" dirty="0"/>
+              <a:t>Turf.js</a:t>
+            </a:r>
+          </a:p>
+        </p:txBody>
+      </p:sp>
     </p:spTree>
     <p:extLst>
       <p:ext uri="{BB962C8B-B14F-4D97-AF65-F5344CB8AC3E}">
@@ -18529,6 +18613,51 @@
                       </p:childTnLst>
                     </p:cTn>
                   </p:par>
+                  <p:par>
+                    <p:cTn id="8" fill="hold">
+                      <p:stCondLst>
+                        <p:cond delay="indefinite"/>
+                      </p:stCondLst>
+                      <p:childTnLst>
+                        <p:par>
+                          <p:cTn id="9" fill="hold">
+                            <p:stCondLst>
+                              <p:cond delay="0"/>
+                            </p:stCondLst>
+                            <p:childTnLst>
+                              <p:par>
+                                <p:cTn id="10" presetID="1" presetClass="entr" presetSubtype="0" fill="hold" grpId="0" nodeType="clickEffect">
+                                  <p:stCondLst>
+                                    <p:cond delay="0"/>
+                                  </p:stCondLst>
+                                  <p:childTnLst>
+                                    <p:set>
+                                      <p:cBhvr>
+                                        <p:cTn id="11" dur="1" fill="hold">
+                                          <p:stCondLst>
+                                            <p:cond delay="0"/>
+                                          </p:stCondLst>
+                                        </p:cTn>
+                                        <p:tgtEl>
+                                          <p:spTgt spid="5"/>
+                                        </p:tgtEl>
+                                        <p:attrNameLst>
+                                          <p:attrName>style.visibility</p:attrName>
+                                        </p:attrNameLst>
+                                      </p:cBhvr>
+                                      <p:to>
+                                        <p:strVal val="visible"/>
+                                      </p:to>
+                                    </p:set>
+                                  </p:childTnLst>
+                                </p:cTn>
+                              </p:par>
+                            </p:childTnLst>
+                          </p:cTn>
+                        </p:par>
+                      </p:childTnLst>
+                    </p:cTn>
+                  </p:par>
                 </p:childTnLst>
               </p:cTn>
               <p:prevCondLst>
@@ -18552,6 +18681,7 @@
     </p:tnLst>
     <p:bldLst>
       <p:bldP spid="6" grpId="0"/>
+      <p:bldP spid="5" grpId="0"/>
     </p:bldLst>
   </p:timing>
 </p:sld>

--- a/Project3_Presentation.pptx
+++ b/Project3_Presentation.pptx
@@ -5,7 +5,7 @@
     <p:sldMasterId id="2147483648" r:id="rId1"/>
   </p:sldMasterIdLst>
   <p:notesMasterIdLst>
-    <p:notesMasterId r:id="rId11"/>
+    <p:notesMasterId r:id="rId10"/>
   </p:notesMasterIdLst>
   <p:sldIdLst>
     <p:sldId id="260" r:id="rId2"/>
@@ -15,8 +15,7 @@
     <p:sldId id="262" r:id="rId6"/>
     <p:sldId id="263" r:id="rId7"/>
     <p:sldId id="265" r:id="rId8"/>
-    <p:sldId id="264" r:id="rId9"/>
-    <p:sldId id="259" r:id="rId10"/>
+    <p:sldId id="259" r:id="rId9"/>
   </p:sldIdLst>
   <p:sldSz cx="12192000" cy="6858000"/>
   <p:notesSz cx="6858000" cy="9144000"/>
@@ -870,1936 +869,7 @@
 </dgm:colorsDef>
 </file>
 
-<file path=ppt/diagrams/colors2.xml><?xml version="1.0" encoding="utf-8"?>
-<dgm:colorsDef xmlns:dgm="http://schemas.openxmlformats.org/drawingml/2006/diagram" xmlns:a="http://schemas.openxmlformats.org/drawingml/2006/main" uniqueId="urn:microsoft.com/office/officeart/2005/8/colors/accent1_2">
-  <dgm:title val=""/>
-  <dgm:desc val=""/>
-  <dgm:catLst>
-    <dgm:cat type="accent1" pri="11200"/>
-  </dgm:catLst>
-  <dgm:styleLbl name="node0">
-    <dgm:fillClrLst meth="repeat">
-      <a:schemeClr val="accent1"/>
-    </dgm:fillClrLst>
-    <dgm:linClrLst meth="repeat">
-      <a:schemeClr val="lt1"/>
-    </dgm:linClrLst>
-    <dgm:effectClrLst/>
-    <dgm:txLinClrLst/>
-    <dgm:txFillClrLst/>
-    <dgm:txEffectClrLst/>
-  </dgm:styleLbl>
-  <dgm:styleLbl name="alignNode1">
-    <dgm:fillClrLst meth="repeat">
-      <a:schemeClr val="accent1"/>
-    </dgm:fillClrLst>
-    <dgm:linClrLst meth="repeat">
-      <a:schemeClr val="accent1"/>
-    </dgm:linClrLst>
-    <dgm:effectClrLst/>
-    <dgm:txLinClrLst/>
-    <dgm:txFillClrLst/>
-    <dgm:txEffectClrLst/>
-  </dgm:styleLbl>
-  <dgm:styleLbl name="node1">
-    <dgm:fillClrLst meth="repeat">
-      <a:schemeClr val="accent1"/>
-    </dgm:fillClrLst>
-    <dgm:linClrLst meth="repeat">
-      <a:schemeClr val="lt1"/>
-    </dgm:linClrLst>
-    <dgm:effectClrLst/>
-    <dgm:txLinClrLst/>
-    <dgm:txFillClrLst/>
-    <dgm:txEffectClrLst/>
-  </dgm:styleLbl>
-  <dgm:styleLbl name="lnNode1">
-    <dgm:fillClrLst meth="repeat">
-      <a:schemeClr val="accent1"/>
-    </dgm:fillClrLst>
-    <dgm:linClrLst meth="repeat">
-      <a:schemeClr val="lt1"/>
-    </dgm:linClrLst>
-    <dgm:effectClrLst/>
-    <dgm:txLinClrLst/>
-    <dgm:txFillClrLst/>
-    <dgm:txEffectClrLst/>
-  </dgm:styleLbl>
-  <dgm:styleLbl name="vennNode1">
-    <dgm:fillClrLst meth="repeat">
-      <a:schemeClr val="accent1">
-        <a:alpha val="50000"/>
-      </a:schemeClr>
-    </dgm:fillClrLst>
-    <dgm:linClrLst meth="repeat">
-      <a:schemeClr val="lt1"/>
-    </dgm:linClrLst>
-    <dgm:effectClrLst/>
-    <dgm:txLinClrLst/>
-    <dgm:txFillClrLst/>
-    <dgm:txEffectClrLst/>
-  </dgm:styleLbl>
-  <dgm:styleLbl name="node2">
-    <dgm:fillClrLst meth="repeat">
-      <a:schemeClr val="accent1"/>
-    </dgm:fillClrLst>
-    <dgm:linClrLst meth="repeat">
-      <a:schemeClr val="lt1"/>
-    </dgm:linClrLst>
-    <dgm:effectClrLst/>
-    <dgm:txLinClrLst/>
-    <dgm:txFillClrLst/>
-    <dgm:txEffectClrLst/>
-  </dgm:styleLbl>
-  <dgm:styleLbl name="node3">
-    <dgm:fillClrLst meth="repeat">
-      <a:schemeClr val="accent1"/>
-    </dgm:fillClrLst>
-    <dgm:linClrLst meth="repeat">
-      <a:schemeClr val="lt1"/>
-    </dgm:linClrLst>
-    <dgm:effectClrLst/>
-    <dgm:txLinClrLst/>
-    <dgm:txFillClrLst/>
-    <dgm:txEffectClrLst/>
-  </dgm:styleLbl>
-  <dgm:styleLbl name="node4">
-    <dgm:fillClrLst meth="repeat">
-      <a:schemeClr val="accent1"/>
-    </dgm:fillClrLst>
-    <dgm:linClrLst meth="repeat">
-      <a:schemeClr val="lt1"/>
-    </dgm:linClrLst>
-    <dgm:effectClrLst/>
-    <dgm:txLinClrLst/>
-    <dgm:txFillClrLst/>
-    <dgm:txEffectClrLst/>
-  </dgm:styleLbl>
-  <dgm:styleLbl name="fgImgPlace1">
-    <dgm:fillClrLst meth="repeat">
-      <a:schemeClr val="accent1">
-        <a:tint val="50000"/>
-      </a:schemeClr>
-    </dgm:fillClrLst>
-    <dgm:linClrLst meth="repeat">
-      <a:schemeClr val="lt1"/>
-    </dgm:linClrLst>
-    <dgm:effectClrLst/>
-    <dgm:txLinClrLst/>
-    <dgm:txFillClrLst meth="repeat">
-      <a:schemeClr val="lt1"/>
-    </dgm:txFillClrLst>
-    <dgm:txEffectClrLst/>
-  </dgm:styleLbl>
-  <dgm:styleLbl name="alignImgPlace1">
-    <dgm:fillClrLst meth="repeat">
-      <a:schemeClr val="accent1">
-        <a:tint val="50000"/>
-      </a:schemeClr>
-    </dgm:fillClrLst>
-    <dgm:linClrLst meth="repeat">
-      <a:schemeClr val="lt1"/>
-    </dgm:linClrLst>
-    <dgm:effectClrLst/>
-    <dgm:txLinClrLst/>
-    <dgm:txFillClrLst meth="repeat">
-      <a:schemeClr val="lt1"/>
-    </dgm:txFillClrLst>
-    <dgm:txEffectClrLst/>
-  </dgm:styleLbl>
-  <dgm:styleLbl name="bgImgPlace1">
-    <dgm:fillClrLst meth="repeat">
-      <a:schemeClr val="accent1">
-        <a:tint val="50000"/>
-      </a:schemeClr>
-    </dgm:fillClrLst>
-    <dgm:linClrLst meth="repeat">
-      <a:schemeClr val="lt1"/>
-    </dgm:linClrLst>
-    <dgm:effectClrLst/>
-    <dgm:txLinClrLst/>
-    <dgm:txFillClrLst meth="repeat">
-      <a:schemeClr val="lt1"/>
-    </dgm:txFillClrLst>
-    <dgm:txEffectClrLst/>
-  </dgm:styleLbl>
-  <dgm:styleLbl name="sibTrans2D1">
-    <dgm:fillClrLst meth="repeat">
-      <a:schemeClr val="accent1">
-        <a:tint val="60000"/>
-      </a:schemeClr>
-    </dgm:fillClrLst>
-    <dgm:linClrLst meth="repeat">
-      <a:schemeClr val="accent1">
-        <a:tint val="60000"/>
-      </a:schemeClr>
-    </dgm:linClrLst>
-    <dgm:effectClrLst/>
-    <dgm:txLinClrLst/>
-    <dgm:txFillClrLst/>
-    <dgm:txEffectClrLst/>
-  </dgm:styleLbl>
-  <dgm:styleLbl name="fgSibTrans2D1">
-    <dgm:fillClrLst meth="repeat">
-      <a:schemeClr val="accent1">
-        <a:tint val="60000"/>
-      </a:schemeClr>
-    </dgm:fillClrLst>
-    <dgm:linClrLst meth="repeat">
-      <a:schemeClr val="accent1">
-        <a:tint val="60000"/>
-      </a:schemeClr>
-    </dgm:linClrLst>
-    <dgm:effectClrLst/>
-    <dgm:txLinClrLst/>
-    <dgm:txFillClrLst/>
-    <dgm:txEffectClrLst/>
-  </dgm:styleLbl>
-  <dgm:styleLbl name="bgSibTrans2D1">
-    <dgm:fillClrLst meth="repeat">
-      <a:schemeClr val="accent1">
-        <a:tint val="60000"/>
-      </a:schemeClr>
-    </dgm:fillClrLst>
-    <dgm:linClrLst meth="repeat">
-      <a:schemeClr val="accent1">
-        <a:tint val="60000"/>
-      </a:schemeClr>
-    </dgm:linClrLst>
-    <dgm:effectClrLst/>
-    <dgm:txLinClrLst/>
-    <dgm:txFillClrLst/>
-    <dgm:txEffectClrLst/>
-  </dgm:styleLbl>
-  <dgm:styleLbl name="sibTrans1D1">
-    <dgm:fillClrLst meth="repeat">
-      <a:schemeClr val="accent1"/>
-    </dgm:fillClrLst>
-    <dgm:linClrLst meth="repeat">
-      <a:schemeClr val="accent1"/>
-    </dgm:linClrLst>
-    <dgm:effectClrLst/>
-    <dgm:txLinClrLst/>
-    <dgm:txFillClrLst meth="repeat">
-      <a:schemeClr val="tx1"/>
-    </dgm:txFillClrLst>
-    <dgm:txEffectClrLst/>
-  </dgm:styleLbl>
-  <dgm:styleLbl name="callout">
-    <dgm:fillClrLst meth="repeat">
-      <a:schemeClr val="accent1"/>
-    </dgm:fillClrLst>
-    <dgm:linClrLst meth="repeat">
-      <a:schemeClr val="accent1">
-        <a:tint val="50000"/>
-      </a:schemeClr>
-    </dgm:linClrLst>
-    <dgm:effectClrLst/>
-    <dgm:txLinClrLst/>
-    <dgm:txFillClrLst meth="repeat">
-      <a:schemeClr val="tx1"/>
-    </dgm:txFillClrLst>
-    <dgm:txEffectClrLst/>
-  </dgm:styleLbl>
-  <dgm:styleLbl name="asst0">
-    <dgm:fillClrLst meth="repeat">
-      <a:schemeClr val="accent1"/>
-    </dgm:fillClrLst>
-    <dgm:linClrLst meth="repeat">
-      <a:schemeClr val="lt1"/>
-    </dgm:linClrLst>
-    <dgm:effectClrLst/>
-    <dgm:txLinClrLst/>
-    <dgm:txFillClrLst/>
-    <dgm:txEffectClrLst/>
-  </dgm:styleLbl>
-  <dgm:styleLbl name="asst1">
-    <dgm:fillClrLst meth="repeat">
-      <a:schemeClr val="accent1"/>
-    </dgm:fillClrLst>
-    <dgm:linClrLst meth="repeat">
-      <a:schemeClr val="lt1"/>
-    </dgm:linClrLst>
-    <dgm:effectClrLst/>
-    <dgm:txLinClrLst/>
-    <dgm:txFillClrLst/>
-    <dgm:txEffectClrLst/>
-  </dgm:styleLbl>
-  <dgm:styleLbl name="asst2">
-    <dgm:fillClrLst meth="repeat">
-      <a:schemeClr val="accent1"/>
-    </dgm:fillClrLst>
-    <dgm:linClrLst meth="repeat">
-      <a:schemeClr val="lt1"/>
-    </dgm:linClrLst>
-    <dgm:effectClrLst/>
-    <dgm:txLinClrLst/>
-    <dgm:txFillClrLst/>
-    <dgm:txEffectClrLst/>
-  </dgm:styleLbl>
-  <dgm:styleLbl name="asst3">
-    <dgm:fillClrLst meth="repeat">
-      <a:schemeClr val="accent1"/>
-    </dgm:fillClrLst>
-    <dgm:linClrLst meth="repeat">
-      <a:schemeClr val="lt1"/>
-    </dgm:linClrLst>
-    <dgm:effectClrLst/>
-    <dgm:txLinClrLst/>
-    <dgm:txFillClrLst/>
-    <dgm:txEffectClrLst/>
-  </dgm:styleLbl>
-  <dgm:styleLbl name="asst4">
-    <dgm:fillClrLst meth="repeat">
-      <a:schemeClr val="accent1"/>
-    </dgm:fillClrLst>
-    <dgm:linClrLst meth="repeat">
-      <a:schemeClr val="lt1"/>
-    </dgm:linClrLst>
-    <dgm:effectClrLst/>
-    <dgm:txLinClrLst/>
-    <dgm:txFillClrLst/>
-    <dgm:txEffectClrLst/>
-  </dgm:styleLbl>
-  <dgm:styleLbl name="parChTrans2D1">
-    <dgm:fillClrLst meth="repeat">
-      <a:schemeClr val="accent1">
-        <a:tint val="60000"/>
-      </a:schemeClr>
-    </dgm:fillClrLst>
-    <dgm:linClrLst meth="repeat">
-      <a:schemeClr val="accent1">
-        <a:tint val="60000"/>
-      </a:schemeClr>
-    </dgm:linClrLst>
-    <dgm:effectClrLst/>
-    <dgm:txLinClrLst/>
-    <dgm:txFillClrLst meth="repeat">
-      <a:schemeClr val="lt1"/>
-    </dgm:txFillClrLst>
-    <dgm:txEffectClrLst/>
-  </dgm:styleLbl>
-  <dgm:styleLbl name="parChTrans2D2">
-    <dgm:fillClrLst meth="repeat">
-      <a:schemeClr val="accent1"/>
-    </dgm:fillClrLst>
-    <dgm:linClrLst meth="repeat">
-      <a:schemeClr val="accent1"/>
-    </dgm:linClrLst>
-    <dgm:effectClrLst/>
-    <dgm:txLinClrLst/>
-    <dgm:txFillClrLst meth="repeat">
-      <a:schemeClr val="lt1"/>
-    </dgm:txFillClrLst>
-    <dgm:txEffectClrLst/>
-  </dgm:styleLbl>
-  <dgm:styleLbl name="parChTrans2D3">
-    <dgm:fillClrLst meth="repeat">
-      <a:schemeClr val="accent1"/>
-    </dgm:fillClrLst>
-    <dgm:linClrLst meth="repeat">
-      <a:schemeClr val="accent1"/>
-    </dgm:linClrLst>
-    <dgm:effectClrLst/>
-    <dgm:txLinClrLst/>
-    <dgm:txFillClrLst meth="repeat">
-      <a:schemeClr val="lt1"/>
-    </dgm:txFillClrLst>
-    <dgm:txEffectClrLst/>
-  </dgm:styleLbl>
-  <dgm:styleLbl name="parChTrans2D4">
-    <dgm:fillClrLst meth="repeat">
-      <a:schemeClr val="accent1"/>
-    </dgm:fillClrLst>
-    <dgm:linClrLst meth="repeat">
-      <a:schemeClr val="accent1"/>
-    </dgm:linClrLst>
-    <dgm:effectClrLst/>
-    <dgm:txLinClrLst/>
-    <dgm:txFillClrLst meth="repeat">
-      <a:schemeClr val="lt1"/>
-    </dgm:txFillClrLst>
-    <dgm:txEffectClrLst/>
-  </dgm:styleLbl>
-  <dgm:styleLbl name="parChTrans1D1">
-    <dgm:fillClrLst meth="repeat">
-      <a:schemeClr val="accent1"/>
-    </dgm:fillClrLst>
-    <dgm:linClrLst meth="repeat">
-      <a:schemeClr val="accent1">
-        <a:shade val="60000"/>
-      </a:schemeClr>
-    </dgm:linClrLst>
-    <dgm:effectClrLst/>
-    <dgm:txLinClrLst/>
-    <dgm:txFillClrLst meth="repeat">
-      <a:schemeClr val="tx1"/>
-    </dgm:txFillClrLst>
-    <dgm:txEffectClrLst/>
-  </dgm:styleLbl>
-  <dgm:styleLbl name="parChTrans1D2">
-    <dgm:fillClrLst meth="repeat">
-      <a:schemeClr val="accent1"/>
-    </dgm:fillClrLst>
-    <dgm:linClrLst meth="repeat">
-      <a:schemeClr val="accent1">
-        <a:shade val="60000"/>
-      </a:schemeClr>
-    </dgm:linClrLst>
-    <dgm:effectClrLst/>
-    <dgm:txLinClrLst/>
-    <dgm:txFillClrLst meth="repeat">
-      <a:schemeClr val="tx1"/>
-    </dgm:txFillClrLst>
-    <dgm:txEffectClrLst/>
-  </dgm:styleLbl>
-  <dgm:styleLbl name="parChTrans1D3">
-    <dgm:fillClrLst meth="repeat">
-      <a:schemeClr val="accent1"/>
-    </dgm:fillClrLst>
-    <dgm:linClrLst meth="repeat">
-      <a:schemeClr val="accent1">
-        <a:shade val="80000"/>
-      </a:schemeClr>
-    </dgm:linClrLst>
-    <dgm:effectClrLst/>
-    <dgm:txLinClrLst/>
-    <dgm:txFillClrLst meth="repeat">
-      <a:schemeClr val="tx1"/>
-    </dgm:txFillClrLst>
-    <dgm:txEffectClrLst/>
-  </dgm:styleLbl>
-  <dgm:styleLbl name="parChTrans1D4">
-    <dgm:fillClrLst meth="repeat">
-      <a:schemeClr val="accent1"/>
-    </dgm:fillClrLst>
-    <dgm:linClrLst meth="repeat">
-      <a:schemeClr val="accent1">
-        <a:shade val="80000"/>
-      </a:schemeClr>
-    </dgm:linClrLst>
-    <dgm:effectClrLst/>
-    <dgm:txLinClrLst/>
-    <dgm:txFillClrLst meth="repeat">
-      <a:schemeClr val="tx1"/>
-    </dgm:txFillClrLst>
-    <dgm:txEffectClrLst/>
-  </dgm:styleLbl>
-  <dgm:styleLbl name="fgAcc1">
-    <dgm:fillClrLst meth="repeat">
-      <a:schemeClr val="lt1">
-        <a:alpha val="90000"/>
-      </a:schemeClr>
-    </dgm:fillClrLst>
-    <dgm:linClrLst meth="repeat">
-      <a:schemeClr val="accent1"/>
-    </dgm:linClrLst>
-    <dgm:effectClrLst/>
-    <dgm:txLinClrLst/>
-    <dgm:txFillClrLst meth="repeat">
-      <a:schemeClr val="dk1"/>
-    </dgm:txFillClrLst>
-    <dgm:txEffectClrLst/>
-  </dgm:styleLbl>
-  <dgm:styleLbl name="conFgAcc1">
-    <dgm:fillClrLst meth="repeat">
-      <a:schemeClr val="lt1">
-        <a:alpha val="90000"/>
-      </a:schemeClr>
-    </dgm:fillClrLst>
-    <dgm:linClrLst meth="repeat">
-      <a:schemeClr val="accent1"/>
-    </dgm:linClrLst>
-    <dgm:effectClrLst/>
-    <dgm:txLinClrLst/>
-    <dgm:txFillClrLst meth="repeat">
-      <a:schemeClr val="dk1"/>
-    </dgm:txFillClrLst>
-    <dgm:txEffectClrLst/>
-  </dgm:styleLbl>
-  <dgm:styleLbl name="alignAcc1">
-    <dgm:fillClrLst meth="repeat">
-      <a:schemeClr val="lt1">
-        <a:alpha val="90000"/>
-      </a:schemeClr>
-    </dgm:fillClrLst>
-    <dgm:linClrLst meth="repeat">
-      <a:schemeClr val="accent1"/>
-    </dgm:linClrLst>
-    <dgm:effectClrLst/>
-    <dgm:txLinClrLst/>
-    <dgm:txFillClrLst meth="repeat">
-      <a:schemeClr val="dk1"/>
-    </dgm:txFillClrLst>
-    <dgm:txEffectClrLst/>
-  </dgm:styleLbl>
-  <dgm:styleLbl name="trAlignAcc1">
-    <dgm:fillClrLst meth="repeat">
-      <a:schemeClr val="lt1">
-        <a:alpha val="40000"/>
-      </a:schemeClr>
-    </dgm:fillClrLst>
-    <dgm:linClrLst meth="repeat">
-      <a:schemeClr val="accent1"/>
-    </dgm:linClrLst>
-    <dgm:effectClrLst/>
-    <dgm:txLinClrLst/>
-    <dgm:txFillClrLst meth="repeat">
-      <a:schemeClr val="dk1"/>
-    </dgm:txFillClrLst>
-    <dgm:txEffectClrLst/>
-  </dgm:styleLbl>
-  <dgm:styleLbl name="bgAcc1">
-    <dgm:fillClrLst meth="repeat">
-      <a:schemeClr val="lt1">
-        <a:alpha val="90000"/>
-      </a:schemeClr>
-    </dgm:fillClrLst>
-    <dgm:linClrLst meth="repeat">
-      <a:schemeClr val="accent1"/>
-    </dgm:linClrLst>
-    <dgm:effectClrLst/>
-    <dgm:txLinClrLst/>
-    <dgm:txFillClrLst meth="repeat">
-      <a:schemeClr val="dk1"/>
-    </dgm:txFillClrLst>
-    <dgm:txEffectClrLst/>
-  </dgm:styleLbl>
-  <dgm:styleLbl name="solidFgAcc1">
-    <dgm:fillClrLst meth="repeat">
-      <a:schemeClr val="lt1"/>
-    </dgm:fillClrLst>
-    <dgm:linClrLst meth="repeat">
-      <a:schemeClr val="accent1"/>
-    </dgm:linClrLst>
-    <dgm:effectClrLst/>
-    <dgm:txLinClrLst/>
-    <dgm:txFillClrLst meth="repeat">
-      <a:schemeClr val="dk1"/>
-    </dgm:txFillClrLst>
-    <dgm:txEffectClrLst/>
-  </dgm:styleLbl>
-  <dgm:styleLbl name="solidAlignAcc1">
-    <dgm:fillClrLst meth="repeat">
-      <a:schemeClr val="lt1"/>
-    </dgm:fillClrLst>
-    <dgm:linClrLst meth="repeat">
-      <a:schemeClr val="accent1"/>
-    </dgm:linClrLst>
-    <dgm:effectClrLst/>
-    <dgm:txLinClrLst/>
-    <dgm:txFillClrLst meth="repeat">
-      <a:schemeClr val="dk1"/>
-    </dgm:txFillClrLst>
-    <dgm:txEffectClrLst/>
-  </dgm:styleLbl>
-  <dgm:styleLbl name="solidBgAcc1">
-    <dgm:fillClrLst meth="repeat">
-      <a:schemeClr val="lt1"/>
-    </dgm:fillClrLst>
-    <dgm:linClrLst meth="repeat">
-      <a:schemeClr val="accent1"/>
-    </dgm:linClrLst>
-    <dgm:effectClrLst/>
-    <dgm:txLinClrLst/>
-    <dgm:txFillClrLst meth="repeat">
-      <a:schemeClr val="dk1"/>
-    </dgm:txFillClrLst>
-    <dgm:txEffectClrLst/>
-  </dgm:styleLbl>
-  <dgm:styleLbl name="fgAccFollowNode1">
-    <dgm:fillClrLst meth="repeat">
-      <a:schemeClr val="accent1">
-        <a:alpha val="90000"/>
-        <a:tint val="40000"/>
-      </a:schemeClr>
-    </dgm:fillClrLst>
-    <dgm:linClrLst meth="repeat">
-      <a:schemeClr val="accent1">
-        <a:alpha val="90000"/>
-        <a:tint val="40000"/>
-      </a:schemeClr>
-    </dgm:linClrLst>
-    <dgm:effectClrLst/>
-    <dgm:txLinClrLst/>
-    <dgm:txFillClrLst meth="repeat">
-      <a:schemeClr val="dk1"/>
-    </dgm:txFillClrLst>
-    <dgm:txEffectClrLst/>
-  </dgm:styleLbl>
-  <dgm:styleLbl name="alignAccFollowNode1">
-    <dgm:fillClrLst meth="repeat">
-      <a:schemeClr val="accent1">
-        <a:alpha val="90000"/>
-        <a:tint val="40000"/>
-      </a:schemeClr>
-    </dgm:fillClrLst>
-    <dgm:linClrLst meth="repeat">
-      <a:schemeClr val="accent1">
-        <a:alpha val="90000"/>
-        <a:tint val="40000"/>
-      </a:schemeClr>
-    </dgm:linClrLst>
-    <dgm:effectClrLst/>
-    <dgm:txLinClrLst/>
-    <dgm:txFillClrLst meth="repeat">
-      <a:schemeClr val="dk1"/>
-    </dgm:txFillClrLst>
-    <dgm:txEffectClrLst/>
-  </dgm:styleLbl>
-  <dgm:styleLbl name="bgAccFollowNode1">
-    <dgm:fillClrLst meth="repeat">
-      <a:schemeClr val="accent1">
-        <a:alpha val="90000"/>
-        <a:tint val="40000"/>
-      </a:schemeClr>
-    </dgm:fillClrLst>
-    <dgm:linClrLst meth="repeat">
-      <a:schemeClr val="accent1">
-        <a:alpha val="90000"/>
-        <a:tint val="40000"/>
-      </a:schemeClr>
-    </dgm:linClrLst>
-    <dgm:effectClrLst/>
-    <dgm:txLinClrLst/>
-    <dgm:txFillClrLst meth="repeat">
-      <a:schemeClr val="dk1"/>
-    </dgm:txFillClrLst>
-    <dgm:txEffectClrLst/>
-  </dgm:styleLbl>
-  <dgm:styleLbl name="fgAcc0">
-    <dgm:fillClrLst meth="repeat">
-      <a:schemeClr val="lt1">
-        <a:alpha val="90000"/>
-      </a:schemeClr>
-    </dgm:fillClrLst>
-    <dgm:linClrLst meth="repeat">
-      <a:schemeClr val="accent1"/>
-    </dgm:linClrLst>
-    <dgm:effectClrLst/>
-    <dgm:txLinClrLst/>
-    <dgm:txFillClrLst meth="repeat">
-      <a:schemeClr val="dk1"/>
-    </dgm:txFillClrLst>
-    <dgm:txEffectClrLst/>
-  </dgm:styleLbl>
-  <dgm:styleLbl name="fgAcc2">
-    <dgm:fillClrLst meth="repeat">
-      <a:schemeClr val="lt1">
-        <a:alpha val="90000"/>
-      </a:schemeClr>
-    </dgm:fillClrLst>
-    <dgm:linClrLst meth="repeat">
-      <a:schemeClr val="accent1"/>
-    </dgm:linClrLst>
-    <dgm:effectClrLst/>
-    <dgm:txLinClrLst/>
-    <dgm:txFillClrLst meth="repeat">
-      <a:schemeClr val="dk1"/>
-    </dgm:txFillClrLst>
-    <dgm:txEffectClrLst/>
-  </dgm:styleLbl>
-  <dgm:styleLbl name="fgAcc3">
-    <dgm:fillClrLst meth="repeat">
-      <a:schemeClr val="lt1">
-        <a:alpha val="90000"/>
-      </a:schemeClr>
-    </dgm:fillClrLst>
-    <dgm:linClrLst meth="repeat">
-      <a:schemeClr val="accent1"/>
-    </dgm:linClrLst>
-    <dgm:effectClrLst/>
-    <dgm:txLinClrLst/>
-    <dgm:txFillClrLst meth="repeat">
-      <a:schemeClr val="dk1"/>
-    </dgm:txFillClrLst>
-    <dgm:txEffectClrLst/>
-  </dgm:styleLbl>
-  <dgm:styleLbl name="fgAcc4">
-    <dgm:fillClrLst meth="repeat">
-      <a:schemeClr val="lt1">
-        <a:alpha val="90000"/>
-      </a:schemeClr>
-    </dgm:fillClrLst>
-    <dgm:linClrLst meth="repeat">
-      <a:schemeClr val="accent1"/>
-    </dgm:linClrLst>
-    <dgm:effectClrLst/>
-    <dgm:txLinClrLst/>
-    <dgm:txFillClrLst meth="repeat">
-      <a:schemeClr val="dk1"/>
-    </dgm:txFillClrLst>
-    <dgm:txEffectClrLst/>
-  </dgm:styleLbl>
-  <dgm:styleLbl name="bgShp">
-    <dgm:fillClrLst meth="repeat">
-      <a:schemeClr val="accent1">
-        <a:tint val="40000"/>
-      </a:schemeClr>
-    </dgm:fillClrLst>
-    <dgm:linClrLst meth="repeat">
-      <a:schemeClr val="accent1"/>
-    </dgm:linClrLst>
-    <dgm:effectClrLst/>
-    <dgm:txLinClrLst/>
-    <dgm:txFillClrLst meth="repeat">
-      <a:schemeClr val="dk1"/>
-    </dgm:txFillClrLst>
-    <dgm:txEffectClrLst/>
-  </dgm:styleLbl>
-  <dgm:styleLbl name="dkBgShp">
-    <dgm:fillClrLst meth="repeat">
-      <a:schemeClr val="accent1">
-        <a:shade val="80000"/>
-      </a:schemeClr>
-    </dgm:fillClrLst>
-    <dgm:linClrLst meth="repeat">
-      <a:schemeClr val="accent1"/>
-    </dgm:linClrLst>
-    <dgm:effectClrLst/>
-    <dgm:txLinClrLst/>
-    <dgm:txFillClrLst meth="repeat">
-      <a:schemeClr val="lt1"/>
-    </dgm:txFillClrLst>
-    <dgm:txEffectClrLst/>
-  </dgm:styleLbl>
-  <dgm:styleLbl name="trBgShp">
-    <dgm:fillClrLst meth="repeat">
-      <a:schemeClr val="accent1">
-        <a:tint val="50000"/>
-        <a:alpha val="40000"/>
-      </a:schemeClr>
-    </dgm:fillClrLst>
-    <dgm:linClrLst meth="repeat">
-      <a:schemeClr val="accent1"/>
-    </dgm:linClrLst>
-    <dgm:effectClrLst/>
-    <dgm:txLinClrLst/>
-    <dgm:txFillClrLst meth="repeat">
-      <a:schemeClr val="lt1"/>
-    </dgm:txFillClrLst>
-    <dgm:txEffectClrLst/>
-  </dgm:styleLbl>
-  <dgm:styleLbl name="fgShp">
-    <dgm:fillClrLst meth="repeat">
-      <a:schemeClr val="accent1">
-        <a:tint val="60000"/>
-      </a:schemeClr>
-    </dgm:fillClrLst>
-    <dgm:linClrLst meth="repeat">
-      <a:schemeClr val="lt1"/>
-    </dgm:linClrLst>
-    <dgm:effectClrLst/>
-    <dgm:txLinClrLst/>
-    <dgm:txFillClrLst meth="repeat">
-      <a:schemeClr val="dk1"/>
-    </dgm:txFillClrLst>
-    <dgm:txEffectClrLst/>
-  </dgm:styleLbl>
-  <dgm:styleLbl name="revTx">
-    <dgm:fillClrLst meth="repeat">
-      <a:schemeClr val="lt1">
-        <a:alpha val="0"/>
-      </a:schemeClr>
-    </dgm:fillClrLst>
-    <dgm:linClrLst meth="repeat">
-      <a:schemeClr val="dk1">
-        <a:alpha val="0"/>
-      </a:schemeClr>
-    </dgm:linClrLst>
-    <dgm:effectClrLst/>
-    <dgm:txLinClrLst/>
-    <dgm:txFillClrLst meth="repeat">
-      <a:schemeClr val="tx1"/>
-    </dgm:txFillClrLst>
-    <dgm:txEffectClrLst/>
-  </dgm:styleLbl>
-</dgm:colorsDef>
-</file>
-
-<file path=ppt/diagrams/colors3.xml><?xml version="1.0" encoding="utf-8"?>
-<dgm:colorsDef xmlns:dgm="http://schemas.openxmlformats.org/drawingml/2006/diagram" xmlns:a="http://schemas.openxmlformats.org/drawingml/2006/main" uniqueId="urn:microsoft.com/office/officeart/2005/8/colors/accent1_2">
-  <dgm:title val=""/>
-  <dgm:desc val=""/>
-  <dgm:catLst>
-    <dgm:cat type="accent1" pri="11200"/>
-  </dgm:catLst>
-  <dgm:styleLbl name="node0">
-    <dgm:fillClrLst meth="repeat">
-      <a:schemeClr val="accent1"/>
-    </dgm:fillClrLst>
-    <dgm:linClrLst meth="repeat">
-      <a:schemeClr val="lt1"/>
-    </dgm:linClrLst>
-    <dgm:effectClrLst/>
-    <dgm:txLinClrLst/>
-    <dgm:txFillClrLst/>
-    <dgm:txEffectClrLst/>
-  </dgm:styleLbl>
-  <dgm:styleLbl name="alignNode1">
-    <dgm:fillClrLst meth="repeat">
-      <a:schemeClr val="accent1"/>
-    </dgm:fillClrLst>
-    <dgm:linClrLst meth="repeat">
-      <a:schemeClr val="accent1"/>
-    </dgm:linClrLst>
-    <dgm:effectClrLst/>
-    <dgm:txLinClrLst/>
-    <dgm:txFillClrLst/>
-    <dgm:txEffectClrLst/>
-  </dgm:styleLbl>
-  <dgm:styleLbl name="node1">
-    <dgm:fillClrLst meth="repeat">
-      <a:schemeClr val="accent1"/>
-    </dgm:fillClrLst>
-    <dgm:linClrLst meth="repeat">
-      <a:schemeClr val="lt1"/>
-    </dgm:linClrLst>
-    <dgm:effectClrLst/>
-    <dgm:txLinClrLst/>
-    <dgm:txFillClrLst/>
-    <dgm:txEffectClrLst/>
-  </dgm:styleLbl>
-  <dgm:styleLbl name="lnNode1">
-    <dgm:fillClrLst meth="repeat">
-      <a:schemeClr val="accent1"/>
-    </dgm:fillClrLst>
-    <dgm:linClrLst meth="repeat">
-      <a:schemeClr val="lt1"/>
-    </dgm:linClrLst>
-    <dgm:effectClrLst/>
-    <dgm:txLinClrLst/>
-    <dgm:txFillClrLst/>
-    <dgm:txEffectClrLst/>
-  </dgm:styleLbl>
-  <dgm:styleLbl name="vennNode1">
-    <dgm:fillClrLst meth="repeat">
-      <a:schemeClr val="accent1">
-        <a:alpha val="50000"/>
-      </a:schemeClr>
-    </dgm:fillClrLst>
-    <dgm:linClrLst meth="repeat">
-      <a:schemeClr val="lt1"/>
-    </dgm:linClrLst>
-    <dgm:effectClrLst/>
-    <dgm:txLinClrLst/>
-    <dgm:txFillClrLst/>
-    <dgm:txEffectClrLst/>
-  </dgm:styleLbl>
-  <dgm:styleLbl name="node2">
-    <dgm:fillClrLst meth="repeat">
-      <a:schemeClr val="accent1"/>
-    </dgm:fillClrLst>
-    <dgm:linClrLst meth="repeat">
-      <a:schemeClr val="lt1"/>
-    </dgm:linClrLst>
-    <dgm:effectClrLst/>
-    <dgm:txLinClrLst/>
-    <dgm:txFillClrLst/>
-    <dgm:txEffectClrLst/>
-  </dgm:styleLbl>
-  <dgm:styleLbl name="node3">
-    <dgm:fillClrLst meth="repeat">
-      <a:schemeClr val="accent1"/>
-    </dgm:fillClrLst>
-    <dgm:linClrLst meth="repeat">
-      <a:schemeClr val="lt1"/>
-    </dgm:linClrLst>
-    <dgm:effectClrLst/>
-    <dgm:txLinClrLst/>
-    <dgm:txFillClrLst/>
-    <dgm:txEffectClrLst/>
-  </dgm:styleLbl>
-  <dgm:styleLbl name="node4">
-    <dgm:fillClrLst meth="repeat">
-      <a:schemeClr val="accent1"/>
-    </dgm:fillClrLst>
-    <dgm:linClrLst meth="repeat">
-      <a:schemeClr val="lt1"/>
-    </dgm:linClrLst>
-    <dgm:effectClrLst/>
-    <dgm:txLinClrLst/>
-    <dgm:txFillClrLst/>
-    <dgm:txEffectClrLst/>
-  </dgm:styleLbl>
-  <dgm:styleLbl name="fgImgPlace1">
-    <dgm:fillClrLst meth="repeat">
-      <a:schemeClr val="accent1">
-        <a:tint val="50000"/>
-      </a:schemeClr>
-    </dgm:fillClrLst>
-    <dgm:linClrLst meth="repeat">
-      <a:schemeClr val="lt1"/>
-    </dgm:linClrLst>
-    <dgm:effectClrLst/>
-    <dgm:txLinClrLst/>
-    <dgm:txFillClrLst meth="repeat">
-      <a:schemeClr val="lt1"/>
-    </dgm:txFillClrLst>
-    <dgm:txEffectClrLst/>
-  </dgm:styleLbl>
-  <dgm:styleLbl name="alignImgPlace1">
-    <dgm:fillClrLst meth="repeat">
-      <a:schemeClr val="accent1">
-        <a:tint val="50000"/>
-      </a:schemeClr>
-    </dgm:fillClrLst>
-    <dgm:linClrLst meth="repeat">
-      <a:schemeClr val="lt1"/>
-    </dgm:linClrLst>
-    <dgm:effectClrLst/>
-    <dgm:txLinClrLst/>
-    <dgm:txFillClrLst meth="repeat">
-      <a:schemeClr val="lt1"/>
-    </dgm:txFillClrLst>
-    <dgm:txEffectClrLst/>
-  </dgm:styleLbl>
-  <dgm:styleLbl name="bgImgPlace1">
-    <dgm:fillClrLst meth="repeat">
-      <a:schemeClr val="accent1">
-        <a:tint val="50000"/>
-      </a:schemeClr>
-    </dgm:fillClrLst>
-    <dgm:linClrLst meth="repeat">
-      <a:schemeClr val="lt1"/>
-    </dgm:linClrLst>
-    <dgm:effectClrLst/>
-    <dgm:txLinClrLst/>
-    <dgm:txFillClrLst meth="repeat">
-      <a:schemeClr val="lt1"/>
-    </dgm:txFillClrLst>
-    <dgm:txEffectClrLst/>
-  </dgm:styleLbl>
-  <dgm:styleLbl name="sibTrans2D1">
-    <dgm:fillClrLst meth="repeat">
-      <a:schemeClr val="accent1">
-        <a:tint val="60000"/>
-      </a:schemeClr>
-    </dgm:fillClrLst>
-    <dgm:linClrLst meth="repeat">
-      <a:schemeClr val="accent1">
-        <a:tint val="60000"/>
-      </a:schemeClr>
-    </dgm:linClrLst>
-    <dgm:effectClrLst/>
-    <dgm:txLinClrLst/>
-    <dgm:txFillClrLst/>
-    <dgm:txEffectClrLst/>
-  </dgm:styleLbl>
-  <dgm:styleLbl name="fgSibTrans2D1">
-    <dgm:fillClrLst meth="repeat">
-      <a:schemeClr val="accent1">
-        <a:tint val="60000"/>
-      </a:schemeClr>
-    </dgm:fillClrLst>
-    <dgm:linClrLst meth="repeat">
-      <a:schemeClr val="accent1">
-        <a:tint val="60000"/>
-      </a:schemeClr>
-    </dgm:linClrLst>
-    <dgm:effectClrLst/>
-    <dgm:txLinClrLst/>
-    <dgm:txFillClrLst/>
-    <dgm:txEffectClrLst/>
-  </dgm:styleLbl>
-  <dgm:styleLbl name="bgSibTrans2D1">
-    <dgm:fillClrLst meth="repeat">
-      <a:schemeClr val="accent1">
-        <a:tint val="60000"/>
-      </a:schemeClr>
-    </dgm:fillClrLst>
-    <dgm:linClrLst meth="repeat">
-      <a:schemeClr val="accent1">
-        <a:tint val="60000"/>
-      </a:schemeClr>
-    </dgm:linClrLst>
-    <dgm:effectClrLst/>
-    <dgm:txLinClrLst/>
-    <dgm:txFillClrLst/>
-    <dgm:txEffectClrLst/>
-  </dgm:styleLbl>
-  <dgm:styleLbl name="sibTrans1D1">
-    <dgm:fillClrLst meth="repeat">
-      <a:schemeClr val="accent1"/>
-    </dgm:fillClrLst>
-    <dgm:linClrLst meth="repeat">
-      <a:schemeClr val="accent1"/>
-    </dgm:linClrLst>
-    <dgm:effectClrLst/>
-    <dgm:txLinClrLst/>
-    <dgm:txFillClrLst meth="repeat">
-      <a:schemeClr val="tx1"/>
-    </dgm:txFillClrLst>
-    <dgm:txEffectClrLst/>
-  </dgm:styleLbl>
-  <dgm:styleLbl name="callout">
-    <dgm:fillClrLst meth="repeat">
-      <a:schemeClr val="accent1"/>
-    </dgm:fillClrLst>
-    <dgm:linClrLst meth="repeat">
-      <a:schemeClr val="accent1">
-        <a:tint val="50000"/>
-      </a:schemeClr>
-    </dgm:linClrLst>
-    <dgm:effectClrLst/>
-    <dgm:txLinClrLst/>
-    <dgm:txFillClrLst meth="repeat">
-      <a:schemeClr val="tx1"/>
-    </dgm:txFillClrLst>
-    <dgm:txEffectClrLst/>
-  </dgm:styleLbl>
-  <dgm:styleLbl name="asst0">
-    <dgm:fillClrLst meth="repeat">
-      <a:schemeClr val="accent1"/>
-    </dgm:fillClrLst>
-    <dgm:linClrLst meth="repeat">
-      <a:schemeClr val="lt1"/>
-    </dgm:linClrLst>
-    <dgm:effectClrLst/>
-    <dgm:txLinClrLst/>
-    <dgm:txFillClrLst/>
-    <dgm:txEffectClrLst/>
-  </dgm:styleLbl>
-  <dgm:styleLbl name="asst1">
-    <dgm:fillClrLst meth="repeat">
-      <a:schemeClr val="accent1"/>
-    </dgm:fillClrLst>
-    <dgm:linClrLst meth="repeat">
-      <a:schemeClr val="lt1"/>
-    </dgm:linClrLst>
-    <dgm:effectClrLst/>
-    <dgm:txLinClrLst/>
-    <dgm:txFillClrLst/>
-    <dgm:txEffectClrLst/>
-  </dgm:styleLbl>
-  <dgm:styleLbl name="asst2">
-    <dgm:fillClrLst meth="repeat">
-      <a:schemeClr val="accent1"/>
-    </dgm:fillClrLst>
-    <dgm:linClrLst meth="repeat">
-      <a:schemeClr val="lt1"/>
-    </dgm:linClrLst>
-    <dgm:effectClrLst/>
-    <dgm:txLinClrLst/>
-    <dgm:txFillClrLst/>
-    <dgm:txEffectClrLst/>
-  </dgm:styleLbl>
-  <dgm:styleLbl name="asst3">
-    <dgm:fillClrLst meth="repeat">
-      <a:schemeClr val="accent1"/>
-    </dgm:fillClrLst>
-    <dgm:linClrLst meth="repeat">
-      <a:schemeClr val="lt1"/>
-    </dgm:linClrLst>
-    <dgm:effectClrLst/>
-    <dgm:txLinClrLst/>
-    <dgm:txFillClrLst/>
-    <dgm:txEffectClrLst/>
-  </dgm:styleLbl>
-  <dgm:styleLbl name="asst4">
-    <dgm:fillClrLst meth="repeat">
-      <a:schemeClr val="accent1"/>
-    </dgm:fillClrLst>
-    <dgm:linClrLst meth="repeat">
-      <a:schemeClr val="lt1"/>
-    </dgm:linClrLst>
-    <dgm:effectClrLst/>
-    <dgm:txLinClrLst/>
-    <dgm:txFillClrLst/>
-    <dgm:txEffectClrLst/>
-  </dgm:styleLbl>
-  <dgm:styleLbl name="parChTrans2D1">
-    <dgm:fillClrLst meth="repeat">
-      <a:schemeClr val="accent1">
-        <a:tint val="60000"/>
-      </a:schemeClr>
-    </dgm:fillClrLst>
-    <dgm:linClrLst meth="repeat">
-      <a:schemeClr val="accent1">
-        <a:tint val="60000"/>
-      </a:schemeClr>
-    </dgm:linClrLst>
-    <dgm:effectClrLst/>
-    <dgm:txLinClrLst/>
-    <dgm:txFillClrLst meth="repeat">
-      <a:schemeClr val="lt1"/>
-    </dgm:txFillClrLst>
-    <dgm:txEffectClrLst/>
-  </dgm:styleLbl>
-  <dgm:styleLbl name="parChTrans2D2">
-    <dgm:fillClrLst meth="repeat">
-      <a:schemeClr val="accent1"/>
-    </dgm:fillClrLst>
-    <dgm:linClrLst meth="repeat">
-      <a:schemeClr val="accent1"/>
-    </dgm:linClrLst>
-    <dgm:effectClrLst/>
-    <dgm:txLinClrLst/>
-    <dgm:txFillClrLst meth="repeat">
-      <a:schemeClr val="lt1"/>
-    </dgm:txFillClrLst>
-    <dgm:txEffectClrLst/>
-  </dgm:styleLbl>
-  <dgm:styleLbl name="parChTrans2D3">
-    <dgm:fillClrLst meth="repeat">
-      <a:schemeClr val="accent1"/>
-    </dgm:fillClrLst>
-    <dgm:linClrLst meth="repeat">
-      <a:schemeClr val="accent1"/>
-    </dgm:linClrLst>
-    <dgm:effectClrLst/>
-    <dgm:txLinClrLst/>
-    <dgm:txFillClrLst meth="repeat">
-      <a:schemeClr val="lt1"/>
-    </dgm:txFillClrLst>
-    <dgm:txEffectClrLst/>
-  </dgm:styleLbl>
-  <dgm:styleLbl name="parChTrans2D4">
-    <dgm:fillClrLst meth="repeat">
-      <a:schemeClr val="accent1"/>
-    </dgm:fillClrLst>
-    <dgm:linClrLst meth="repeat">
-      <a:schemeClr val="accent1"/>
-    </dgm:linClrLst>
-    <dgm:effectClrLst/>
-    <dgm:txLinClrLst/>
-    <dgm:txFillClrLst meth="repeat">
-      <a:schemeClr val="lt1"/>
-    </dgm:txFillClrLst>
-    <dgm:txEffectClrLst/>
-  </dgm:styleLbl>
-  <dgm:styleLbl name="parChTrans1D1">
-    <dgm:fillClrLst meth="repeat">
-      <a:schemeClr val="accent1"/>
-    </dgm:fillClrLst>
-    <dgm:linClrLst meth="repeat">
-      <a:schemeClr val="accent1">
-        <a:shade val="60000"/>
-      </a:schemeClr>
-    </dgm:linClrLst>
-    <dgm:effectClrLst/>
-    <dgm:txLinClrLst/>
-    <dgm:txFillClrLst meth="repeat">
-      <a:schemeClr val="tx1"/>
-    </dgm:txFillClrLst>
-    <dgm:txEffectClrLst/>
-  </dgm:styleLbl>
-  <dgm:styleLbl name="parChTrans1D2">
-    <dgm:fillClrLst meth="repeat">
-      <a:schemeClr val="accent1"/>
-    </dgm:fillClrLst>
-    <dgm:linClrLst meth="repeat">
-      <a:schemeClr val="accent1">
-        <a:shade val="60000"/>
-      </a:schemeClr>
-    </dgm:linClrLst>
-    <dgm:effectClrLst/>
-    <dgm:txLinClrLst/>
-    <dgm:txFillClrLst meth="repeat">
-      <a:schemeClr val="tx1"/>
-    </dgm:txFillClrLst>
-    <dgm:txEffectClrLst/>
-  </dgm:styleLbl>
-  <dgm:styleLbl name="parChTrans1D3">
-    <dgm:fillClrLst meth="repeat">
-      <a:schemeClr val="accent1"/>
-    </dgm:fillClrLst>
-    <dgm:linClrLst meth="repeat">
-      <a:schemeClr val="accent1">
-        <a:shade val="80000"/>
-      </a:schemeClr>
-    </dgm:linClrLst>
-    <dgm:effectClrLst/>
-    <dgm:txLinClrLst/>
-    <dgm:txFillClrLst meth="repeat">
-      <a:schemeClr val="tx1"/>
-    </dgm:txFillClrLst>
-    <dgm:txEffectClrLst/>
-  </dgm:styleLbl>
-  <dgm:styleLbl name="parChTrans1D4">
-    <dgm:fillClrLst meth="repeat">
-      <a:schemeClr val="accent1"/>
-    </dgm:fillClrLst>
-    <dgm:linClrLst meth="repeat">
-      <a:schemeClr val="accent1">
-        <a:shade val="80000"/>
-      </a:schemeClr>
-    </dgm:linClrLst>
-    <dgm:effectClrLst/>
-    <dgm:txLinClrLst/>
-    <dgm:txFillClrLst meth="repeat">
-      <a:schemeClr val="tx1"/>
-    </dgm:txFillClrLst>
-    <dgm:txEffectClrLst/>
-  </dgm:styleLbl>
-  <dgm:styleLbl name="fgAcc1">
-    <dgm:fillClrLst meth="repeat">
-      <a:schemeClr val="lt1">
-        <a:alpha val="90000"/>
-      </a:schemeClr>
-    </dgm:fillClrLst>
-    <dgm:linClrLst meth="repeat">
-      <a:schemeClr val="accent1"/>
-    </dgm:linClrLst>
-    <dgm:effectClrLst/>
-    <dgm:txLinClrLst/>
-    <dgm:txFillClrLst meth="repeat">
-      <a:schemeClr val="dk1"/>
-    </dgm:txFillClrLst>
-    <dgm:txEffectClrLst/>
-  </dgm:styleLbl>
-  <dgm:styleLbl name="conFgAcc1">
-    <dgm:fillClrLst meth="repeat">
-      <a:schemeClr val="lt1">
-        <a:alpha val="90000"/>
-      </a:schemeClr>
-    </dgm:fillClrLst>
-    <dgm:linClrLst meth="repeat">
-      <a:schemeClr val="accent1"/>
-    </dgm:linClrLst>
-    <dgm:effectClrLst/>
-    <dgm:txLinClrLst/>
-    <dgm:txFillClrLst meth="repeat">
-      <a:schemeClr val="dk1"/>
-    </dgm:txFillClrLst>
-    <dgm:txEffectClrLst/>
-  </dgm:styleLbl>
-  <dgm:styleLbl name="alignAcc1">
-    <dgm:fillClrLst meth="repeat">
-      <a:schemeClr val="lt1">
-        <a:alpha val="90000"/>
-      </a:schemeClr>
-    </dgm:fillClrLst>
-    <dgm:linClrLst meth="repeat">
-      <a:schemeClr val="accent1"/>
-    </dgm:linClrLst>
-    <dgm:effectClrLst/>
-    <dgm:txLinClrLst/>
-    <dgm:txFillClrLst meth="repeat">
-      <a:schemeClr val="dk1"/>
-    </dgm:txFillClrLst>
-    <dgm:txEffectClrLst/>
-  </dgm:styleLbl>
-  <dgm:styleLbl name="trAlignAcc1">
-    <dgm:fillClrLst meth="repeat">
-      <a:schemeClr val="lt1">
-        <a:alpha val="40000"/>
-      </a:schemeClr>
-    </dgm:fillClrLst>
-    <dgm:linClrLst meth="repeat">
-      <a:schemeClr val="accent1"/>
-    </dgm:linClrLst>
-    <dgm:effectClrLst/>
-    <dgm:txLinClrLst/>
-    <dgm:txFillClrLst meth="repeat">
-      <a:schemeClr val="dk1"/>
-    </dgm:txFillClrLst>
-    <dgm:txEffectClrLst/>
-  </dgm:styleLbl>
-  <dgm:styleLbl name="bgAcc1">
-    <dgm:fillClrLst meth="repeat">
-      <a:schemeClr val="lt1">
-        <a:alpha val="90000"/>
-      </a:schemeClr>
-    </dgm:fillClrLst>
-    <dgm:linClrLst meth="repeat">
-      <a:schemeClr val="accent1"/>
-    </dgm:linClrLst>
-    <dgm:effectClrLst/>
-    <dgm:txLinClrLst/>
-    <dgm:txFillClrLst meth="repeat">
-      <a:schemeClr val="dk1"/>
-    </dgm:txFillClrLst>
-    <dgm:txEffectClrLst/>
-  </dgm:styleLbl>
-  <dgm:styleLbl name="solidFgAcc1">
-    <dgm:fillClrLst meth="repeat">
-      <a:schemeClr val="lt1"/>
-    </dgm:fillClrLst>
-    <dgm:linClrLst meth="repeat">
-      <a:schemeClr val="accent1"/>
-    </dgm:linClrLst>
-    <dgm:effectClrLst/>
-    <dgm:txLinClrLst/>
-    <dgm:txFillClrLst meth="repeat">
-      <a:schemeClr val="dk1"/>
-    </dgm:txFillClrLst>
-    <dgm:txEffectClrLst/>
-  </dgm:styleLbl>
-  <dgm:styleLbl name="solidAlignAcc1">
-    <dgm:fillClrLst meth="repeat">
-      <a:schemeClr val="lt1"/>
-    </dgm:fillClrLst>
-    <dgm:linClrLst meth="repeat">
-      <a:schemeClr val="accent1"/>
-    </dgm:linClrLst>
-    <dgm:effectClrLst/>
-    <dgm:txLinClrLst/>
-    <dgm:txFillClrLst meth="repeat">
-      <a:schemeClr val="dk1"/>
-    </dgm:txFillClrLst>
-    <dgm:txEffectClrLst/>
-  </dgm:styleLbl>
-  <dgm:styleLbl name="solidBgAcc1">
-    <dgm:fillClrLst meth="repeat">
-      <a:schemeClr val="lt1"/>
-    </dgm:fillClrLst>
-    <dgm:linClrLst meth="repeat">
-      <a:schemeClr val="accent1"/>
-    </dgm:linClrLst>
-    <dgm:effectClrLst/>
-    <dgm:txLinClrLst/>
-    <dgm:txFillClrLst meth="repeat">
-      <a:schemeClr val="dk1"/>
-    </dgm:txFillClrLst>
-    <dgm:txEffectClrLst/>
-  </dgm:styleLbl>
-  <dgm:styleLbl name="fgAccFollowNode1">
-    <dgm:fillClrLst meth="repeat">
-      <a:schemeClr val="accent1">
-        <a:alpha val="90000"/>
-        <a:tint val="40000"/>
-      </a:schemeClr>
-    </dgm:fillClrLst>
-    <dgm:linClrLst meth="repeat">
-      <a:schemeClr val="accent1">
-        <a:alpha val="90000"/>
-        <a:tint val="40000"/>
-      </a:schemeClr>
-    </dgm:linClrLst>
-    <dgm:effectClrLst/>
-    <dgm:txLinClrLst/>
-    <dgm:txFillClrLst meth="repeat">
-      <a:schemeClr val="dk1"/>
-    </dgm:txFillClrLst>
-    <dgm:txEffectClrLst/>
-  </dgm:styleLbl>
-  <dgm:styleLbl name="alignAccFollowNode1">
-    <dgm:fillClrLst meth="repeat">
-      <a:schemeClr val="accent1">
-        <a:alpha val="90000"/>
-        <a:tint val="40000"/>
-      </a:schemeClr>
-    </dgm:fillClrLst>
-    <dgm:linClrLst meth="repeat">
-      <a:schemeClr val="accent1">
-        <a:alpha val="90000"/>
-        <a:tint val="40000"/>
-      </a:schemeClr>
-    </dgm:linClrLst>
-    <dgm:effectClrLst/>
-    <dgm:txLinClrLst/>
-    <dgm:txFillClrLst meth="repeat">
-      <a:schemeClr val="dk1"/>
-    </dgm:txFillClrLst>
-    <dgm:txEffectClrLst/>
-  </dgm:styleLbl>
-  <dgm:styleLbl name="bgAccFollowNode1">
-    <dgm:fillClrLst meth="repeat">
-      <a:schemeClr val="accent1">
-        <a:alpha val="90000"/>
-        <a:tint val="40000"/>
-      </a:schemeClr>
-    </dgm:fillClrLst>
-    <dgm:linClrLst meth="repeat">
-      <a:schemeClr val="accent1">
-        <a:alpha val="90000"/>
-        <a:tint val="40000"/>
-      </a:schemeClr>
-    </dgm:linClrLst>
-    <dgm:effectClrLst/>
-    <dgm:txLinClrLst/>
-    <dgm:txFillClrLst meth="repeat">
-      <a:schemeClr val="dk1"/>
-    </dgm:txFillClrLst>
-    <dgm:txEffectClrLst/>
-  </dgm:styleLbl>
-  <dgm:styleLbl name="fgAcc0">
-    <dgm:fillClrLst meth="repeat">
-      <a:schemeClr val="lt1">
-        <a:alpha val="90000"/>
-      </a:schemeClr>
-    </dgm:fillClrLst>
-    <dgm:linClrLst meth="repeat">
-      <a:schemeClr val="accent1"/>
-    </dgm:linClrLst>
-    <dgm:effectClrLst/>
-    <dgm:txLinClrLst/>
-    <dgm:txFillClrLst meth="repeat">
-      <a:schemeClr val="dk1"/>
-    </dgm:txFillClrLst>
-    <dgm:txEffectClrLst/>
-  </dgm:styleLbl>
-  <dgm:styleLbl name="fgAcc2">
-    <dgm:fillClrLst meth="repeat">
-      <a:schemeClr val="lt1">
-        <a:alpha val="90000"/>
-      </a:schemeClr>
-    </dgm:fillClrLst>
-    <dgm:linClrLst meth="repeat">
-      <a:schemeClr val="accent1"/>
-    </dgm:linClrLst>
-    <dgm:effectClrLst/>
-    <dgm:txLinClrLst/>
-    <dgm:txFillClrLst meth="repeat">
-      <a:schemeClr val="dk1"/>
-    </dgm:txFillClrLst>
-    <dgm:txEffectClrLst/>
-  </dgm:styleLbl>
-  <dgm:styleLbl name="fgAcc3">
-    <dgm:fillClrLst meth="repeat">
-      <a:schemeClr val="lt1">
-        <a:alpha val="90000"/>
-      </a:schemeClr>
-    </dgm:fillClrLst>
-    <dgm:linClrLst meth="repeat">
-      <a:schemeClr val="accent1"/>
-    </dgm:linClrLst>
-    <dgm:effectClrLst/>
-    <dgm:txLinClrLst/>
-    <dgm:txFillClrLst meth="repeat">
-      <a:schemeClr val="dk1"/>
-    </dgm:txFillClrLst>
-    <dgm:txEffectClrLst/>
-  </dgm:styleLbl>
-  <dgm:styleLbl name="fgAcc4">
-    <dgm:fillClrLst meth="repeat">
-      <a:schemeClr val="lt1">
-        <a:alpha val="90000"/>
-      </a:schemeClr>
-    </dgm:fillClrLst>
-    <dgm:linClrLst meth="repeat">
-      <a:schemeClr val="accent1"/>
-    </dgm:linClrLst>
-    <dgm:effectClrLst/>
-    <dgm:txLinClrLst/>
-    <dgm:txFillClrLst meth="repeat">
-      <a:schemeClr val="dk1"/>
-    </dgm:txFillClrLst>
-    <dgm:txEffectClrLst/>
-  </dgm:styleLbl>
-  <dgm:styleLbl name="bgShp">
-    <dgm:fillClrLst meth="repeat">
-      <a:schemeClr val="accent1">
-        <a:tint val="40000"/>
-      </a:schemeClr>
-    </dgm:fillClrLst>
-    <dgm:linClrLst meth="repeat">
-      <a:schemeClr val="accent1"/>
-    </dgm:linClrLst>
-    <dgm:effectClrLst/>
-    <dgm:txLinClrLst/>
-    <dgm:txFillClrLst meth="repeat">
-      <a:schemeClr val="dk1"/>
-    </dgm:txFillClrLst>
-    <dgm:txEffectClrLst/>
-  </dgm:styleLbl>
-  <dgm:styleLbl name="dkBgShp">
-    <dgm:fillClrLst meth="repeat">
-      <a:schemeClr val="accent1">
-        <a:shade val="80000"/>
-      </a:schemeClr>
-    </dgm:fillClrLst>
-    <dgm:linClrLst meth="repeat">
-      <a:schemeClr val="accent1"/>
-    </dgm:linClrLst>
-    <dgm:effectClrLst/>
-    <dgm:txLinClrLst/>
-    <dgm:txFillClrLst meth="repeat">
-      <a:schemeClr val="lt1"/>
-    </dgm:txFillClrLst>
-    <dgm:txEffectClrLst/>
-  </dgm:styleLbl>
-  <dgm:styleLbl name="trBgShp">
-    <dgm:fillClrLst meth="repeat">
-      <a:schemeClr val="accent1">
-        <a:tint val="50000"/>
-        <a:alpha val="40000"/>
-      </a:schemeClr>
-    </dgm:fillClrLst>
-    <dgm:linClrLst meth="repeat">
-      <a:schemeClr val="accent1"/>
-    </dgm:linClrLst>
-    <dgm:effectClrLst/>
-    <dgm:txLinClrLst/>
-    <dgm:txFillClrLst meth="repeat">
-      <a:schemeClr val="lt1"/>
-    </dgm:txFillClrLst>
-    <dgm:txEffectClrLst/>
-  </dgm:styleLbl>
-  <dgm:styleLbl name="fgShp">
-    <dgm:fillClrLst meth="repeat">
-      <a:schemeClr val="accent1">
-        <a:tint val="60000"/>
-      </a:schemeClr>
-    </dgm:fillClrLst>
-    <dgm:linClrLst meth="repeat">
-      <a:schemeClr val="lt1"/>
-    </dgm:linClrLst>
-    <dgm:effectClrLst/>
-    <dgm:txLinClrLst/>
-    <dgm:txFillClrLst meth="repeat">
-      <a:schemeClr val="dk1"/>
-    </dgm:txFillClrLst>
-    <dgm:txEffectClrLst/>
-  </dgm:styleLbl>
-  <dgm:styleLbl name="revTx">
-    <dgm:fillClrLst meth="repeat">
-      <a:schemeClr val="lt1">
-        <a:alpha val="0"/>
-      </a:schemeClr>
-    </dgm:fillClrLst>
-    <dgm:linClrLst meth="repeat">
-      <a:schemeClr val="dk1">
-        <a:alpha val="0"/>
-      </a:schemeClr>
-    </dgm:linClrLst>
-    <dgm:effectClrLst/>
-    <dgm:txLinClrLst/>
-    <dgm:txFillClrLst meth="repeat">
-      <a:schemeClr val="tx1"/>
-    </dgm:txFillClrLst>
-    <dgm:txEffectClrLst/>
-  </dgm:styleLbl>
-</dgm:colorsDef>
-</file>
-
 <file path=ppt/diagrams/data1.xml><?xml version="1.0" encoding="utf-8"?>
-<dgm:dataModel xmlns:dgm="http://schemas.openxmlformats.org/drawingml/2006/diagram" xmlns:a="http://schemas.openxmlformats.org/drawingml/2006/main">
-  <dgm:ptLst>
-    <dgm:pt modelId="{6CE6553D-D060-8849-9B93-B2BF85376115}" type="doc">
-      <dgm:prSet loTypeId="urn:microsoft.com/office/officeart/2005/8/layout/hierarchy1" loCatId="hierarchy" qsTypeId="urn:microsoft.com/office/officeart/2005/8/quickstyle/simple1" qsCatId="simple" csTypeId="urn:microsoft.com/office/officeart/2005/8/colors/accent1_2" csCatId="accent1" phldr="1"/>
-      <dgm:spPr/>
-    </dgm:pt>
-    <dgm:pt modelId="{68039560-4081-FE45-8148-A68FB763894E}">
-      <dgm:prSet phldrT="[Text]"/>
-      <dgm:spPr/>
-      <dgm:t>
-        <a:bodyPr/>
-        <a:lstStyle/>
-        <a:p>
-          <a:r>
-            <a:rPr lang="en-US" dirty="0"/>
-            <a:t>Data Gathering</a:t>
-          </a:r>
-        </a:p>
-      </dgm:t>
-    </dgm:pt>
-    <dgm:pt modelId="{01ABC0D4-AB71-A74B-84D8-9F3EAD0EE2EB}" type="parTrans" cxnId="{3C325991-7521-3447-A3E4-A7B8C91FF1F8}">
-      <dgm:prSet/>
-      <dgm:spPr/>
-      <dgm:t>
-        <a:bodyPr/>
-        <a:lstStyle/>
-        <a:p>
-          <a:endParaRPr lang="en-US"/>
-        </a:p>
-      </dgm:t>
-    </dgm:pt>
-    <dgm:pt modelId="{B5FDEA61-FE72-7942-B587-E47E11CADB4E}" type="sibTrans" cxnId="{3C325991-7521-3447-A3E4-A7B8C91FF1F8}">
-      <dgm:prSet/>
-      <dgm:spPr/>
-      <dgm:t>
-        <a:bodyPr/>
-        <a:lstStyle/>
-        <a:p>
-          <a:endParaRPr lang="en-US"/>
-        </a:p>
-      </dgm:t>
-    </dgm:pt>
-    <dgm:pt modelId="{C0475F34-6689-AC4D-9BF2-D83BEDDCBA3A}">
-      <dgm:prSet phldrT="[Text]"/>
-      <dgm:spPr/>
-      <dgm:t>
-        <a:bodyPr/>
-        <a:lstStyle/>
-        <a:p>
-          <a:r>
-            <a:rPr lang="en-US" dirty="0"/>
-            <a:t>Data Cleaning</a:t>
-          </a:r>
-        </a:p>
-      </dgm:t>
-    </dgm:pt>
-    <dgm:pt modelId="{F1213BA5-C624-3549-8064-D724B937D4DB}" type="parTrans" cxnId="{06F9D231-29AF-F042-982F-5319C6E55145}">
-      <dgm:prSet/>
-      <dgm:spPr/>
-      <dgm:t>
-        <a:bodyPr/>
-        <a:lstStyle/>
-        <a:p>
-          <a:endParaRPr lang="en-US"/>
-        </a:p>
-      </dgm:t>
-    </dgm:pt>
-    <dgm:pt modelId="{C2BACAC7-564A-FE4F-8511-1479C37CA0DB}" type="sibTrans" cxnId="{06F9D231-29AF-F042-982F-5319C6E55145}">
-      <dgm:prSet/>
-      <dgm:spPr/>
-      <dgm:t>
-        <a:bodyPr/>
-        <a:lstStyle/>
-        <a:p>
-          <a:endParaRPr lang="en-US"/>
-        </a:p>
-      </dgm:t>
-    </dgm:pt>
-    <dgm:pt modelId="{A6F7EB6E-C642-4F4C-ABBC-984A6A578904}">
-      <dgm:prSet phldrT="[Text]"/>
-      <dgm:spPr/>
-      <dgm:t>
-        <a:bodyPr/>
-        <a:lstStyle/>
-        <a:p>
-          <a:r>
-            <a:rPr lang="en-US" dirty="0"/>
-            <a:t>Data Storage</a:t>
-          </a:r>
-        </a:p>
-      </dgm:t>
-    </dgm:pt>
-    <dgm:pt modelId="{3B48B757-8293-494A-9F24-34E555607425}" type="parTrans" cxnId="{C500434C-B6B5-714F-94EF-36DE9D0A106D}">
-      <dgm:prSet/>
-      <dgm:spPr/>
-      <dgm:t>
-        <a:bodyPr/>
-        <a:lstStyle/>
-        <a:p>
-          <a:endParaRPr lang="en-US"/>
-        </a:p>
-      </dgm:t>
-    </dgm:pt>
-    <dgm:pt modelId="{7BCB851F-0FDC-D244-9D01-FBA01483564C}" type="sibTrans" cxnId="{C500434C-B6B5-714F-94EF-36DE9D0A106D}">
-      <dgm:prSet/>
-      <dgm:spPr/>
-      <dgm:t>
-        <a:bodyPr/>
-        <a:lstStyle/>
-        <a:p>
-          <a:endParaRPr lang="en-US"/>
-        </a:p>
-      </dgm:t>
-    </dgm:pt>
-    <dgm:pt modelId="{D8F8B6A2-EFAC-1F42-9E3B-FB13B42A22CA}">
-      <dgm:prSet/>
-      <dgm:spPr/>
-      <dgm:t>
-        <a:bodyPr/>
-        <a:lstStyle/>
-        <a:p>
-          <a:r>
-            <a:rPr lang="en-US" dirty="0"/>
-            <a:t>JavaScript coding</a:t>
-          </a:r>
-        </a:p>
-      </dgm:t>
-    </dgm:pt>
-    <dgm:pt modelId="{F8047952-0B2C-EF40-9025-65C7FB3B284A}" type="parTrans" cxnId="{647E7544-77D0-7841-9C81-52D5CD4BC850}">
-      <dgm:prSet/>
-      <dgm:spPr/>
-      <dgm:t>
-        <a:bodyPr/>
-        <a:lstStyle/>
-        <a:p>
-          <a:endParaRPr lang="en-US"/>
-        </a:p>
-      </dgm:t>
-    </dgm:pt>
-    <dgm:pt modelId="{9C2DC1EC-9BDC-8B4C-A212-0F3CAAC4F037}" type="sibTrans" cxnId="{647E7544-77D0-7841-9C81-52D5CD4BC850}">
-      <dgm:prSet/>
-      <dgm:spPr/>
-      <dgm:t>
-        <a:bodyPr/>
-        <a:lstStyle/>
-        <a:p>
-          <a:endParaRPr lang="en-US"/>
-        </a:p>
-      </dgm:t>
-    </dgm:pt>
-    <dgm:pt modelId="{79BE6A82-C938-4E4B-A018-151AEDAB6DF3}">
-      <dgm:prSet/>
-      <dgm:spPr/>
-      <dgm:t>
-        <a:bodyPr/>
-        <a:lstStyle/>
-        <a:p>
-          <a:r>
-            <a:rPr lang="en-US" dirty="0"/>
-            <a:t>HTML Coding</a:t>
-          </a:r>
-        </a:p>
-      </dgm:t>
-    </dgm:pt>
-    <dgm:pt modelId="{22EF7ED9-1131-F041-9038-192986105321}" type="parTrans" cxnId="{99C0B04B-55F2-C04B-807F-4400C92EC553}">
-      <dgm:prSet/>
-      <dgm:spPr/>
-      <dgm:t>
-        <a:bodyPr/>
-        <a:lstStyle/>
-        <a:p>
-          <a:endParaRPr lang="en-US"/>
-        </a:p>
-      </dgm:t>
-    </dgm:pt>
-    <dgm:pt modelId="{85D68B9F-0C6E-ED44-9F19-CA768C5FC632}" type="sibTrans" cxnId="{99C0B04B-55F2-C04B-807F-4400C92EC553}">
-      <dgm:prSet/>
-      <dgm:spPr/>
-      <dgm:t>
-        <a:bodyPr/>
-        <a:lstStyle/>
-        <a:p>
-          <a:endParaRPr lang="en-US"/>
-        </a:p>
-      </dgm:t>
-    </dgm:pt>
-    <dgm:pt modelId="{56D3C888-73EE-B545-8223-BB521E7EE471}">
-      <dgm:prSet phldrT="[Text]"/>
-      <dgm:spPr/>
-      <dgm:t>
-        <a:bodyPr/>
-        <a:lstStyle/>
-        <a:p>
-          <a:r>
-            <a:rPr lang="en-US" dirty="0"/>
-            <a:t>Data Conversion</a:t>
-          </a:r>
-        </a:p>
-      </dgm:t>
-    </dgm:pt>
-    <dgm:pt modelId="{251F3BE7-C6D3-D348-B890-03033DDD542D}" type="parTrans" cxnId="{8A59ED72-1DFA-3A4B-BF89-09AD38954F49}">
-      <dgm:prSet/>
-      <dgm:spPr/>
-      <dgm:t>
-        <a:bodyPr/>
-        <a:lstStyle/>
-        <a:p>
-          <a:endParaRPr lang="en-US"/>
-        </a:p>
-      </dgm:t>
-    </dgm:pt>
-    <dgm:pt modelId="{92806237-C1C2-1244-A285-60CB8FB28918}" type="sibTrans" cxnId="{8A59ED72-1DFA-3A4B-BF89-09AD38954F49}">
-      <dgm:prSet/>
-      <dgm:spPr/>
-      <dgm:t>
-        <a:bodyPr/>
-        <a:lstStyle/>
-        <a:p>
-          <a:endParaRPr lang="en-US"/>
-        </a:p>
-      </dgm:t>
-    </dgm:pt>
-    <dgm:pt modelId="{2C540520-18E8-FF46-88E9-CBC1C84A728E}" type="pres">
-      <dgm:prSet presAssocID="{6CE6553D-D060-8849-9B93-B2BF85376115}" presName="hierChild1" presStyleCnt="0">
-        <dgm:presLayoutVars>
-          <dgm:chPref val="1"/>
-          <dgm:dir/>
-          <dgm:animOne val="branch"/>
-          <dgm:animLvl val="lvl"/>
-          <dgm:resizeHandles/>
-        </dgm:presLayoutVars>
-      </dgm:prSet>
-      <dgm:spPr/>
-    </dgm:pt>
-    <dgm:pt modelId="{ED597108-37E6-5D43-AC45-52C397262338}" type="pres">
-      <dgm:prSet presAssocID="{68039560-4081-FE45-8148-A68FB763894E}" presName="hierRoot1" presStyleCnt="0"/>
-      <dgm:spPr/>
-    </dgm:pt>
-    <dgm:pt modelId="{90281A32-26CC-3D4E-B235-BE55F26F4781}" type="pres">
-      <dgm:prSet presAssocID="{68039560-4081-FE45-8148-A68FB763894E}" presName="composite" presStyleCnt="0"/>
-      <dgm:spPr/>
-    </dgm:pt>
-    <dgm:pt modelId="{56A0CA4A-A47D-8641-AFE1-BBC059337238}" type="pres">
-      <dgm:prSet presAssocID="{68039560-4081-FE45-8148-A68FB763894E}" presName="background" presStyleLbl="node0" presStyleIdx="0" presStyleCnt="6"/>
-      <dgm:spPr/>
-    </dgm:pt>
-    <dgm:pt modelId="{6E836FB7-8CBC-D74F-B54A-EF4013B5D8AE}" type="pres">
-      <dgm:prSet presAssocID="{68039560-4081-FE45-8148-A68FB763894E}" presName="text" presStyleLbl="fgAcc0" presStyleIdx="0" presStyleCnt="6">
-        <dgm:presLayoutVars>
-          <dgm:chPref val="3"/>
-        </dgm:presLayoutVars>
-      </dgm:prSet>
-      <dgm:spPr/>
-    </dgm:pt>
-    <dgm:pt modelId="{CCA77B45-1656-0449-BBCF-430C73BF7044}" type="pres">
-      <dgm:prSet presAssocID="{68039560-4081-FE45-8148-A68FB763894E}" presName="hierChild2" presStyleCnt="0"/>
-      <dgm:spPr/>
-    </dgm:pt>
-    <dgm:pt modelId="{77B56C81-2DDF-F549-A989-1BA8F549E3DA}" type="pres">
-      <dgm:prSet presAssocID="{C0475F34-6689-AC4D-9BF2-D83BEDDCBA3A}" presName="hierRoot1" presStyleCnt="0"/>
-      <dgm:spPr/>
-    </dgm:pt>
-    <dgm:pt modelId="{E646CFA9-815A-2C4D-8D22-6B841F440E1B}" type="pres">
-      <dgm:prSet presAssocID="{C0475F34-6689-AC4D-9BF2-D83BEDDCBA3A}" presName="composite" presStyleCnt="0"/>
-      <dgm:spPr/>
-    </dgm:pt>
-    <dgm:pt modelId="{CC251379-45D7-7F4F-A51F-E9F7771C7EAA}" type="pres">
-      <dgm:prSet presAssocID="{C0475F34-6689-AC4D-9BF2-D83BEDDCBA3A}" presName="background" presStyleLbl="node0" presStyleIdx="1" presStyleCnt="6"/>
-      <dgm:spPr/>
-    </dgm:pt>
-    <dgm:pt modelId="{85AC10ED-52B7-DB4C-86FA-97E49B71FAEE}" type="pres">
-      <dgm:prSet presAssocID="{C0475F34-6689-AC4D-9BF2-D83BEDDCBA3A}" presName="text" presStyleLbl="fgAcc0" presStyleIdx="1" presStyleCnt="6">
-        <dgm:presLayoutVars>
-          <dgm:chPref val="3"/>
-        </dgm:presLayoutVars>
-      </dgm:prSet>
-      <dgm:spPr/>
-    </dgm:pt>
-    <dgm:pt modelId="{1B6B8C06-C7C0-0C4D-B737-12D1BBF6A12D}" type="pres">
-      <dgm:prSet presAssocID="{C0475F34-6689-AC4D-9BF2-D83BEDDCBA3A}" presName="hierChild2" presStyleCnt="0"/>
-      <dgm:spPr/>
-    </dgm:pt>
-    <dgm:pt modelId="{649586BF-DBC3-604D-BAA2-0D1EC9C6E038}" type="pres">
-      <dgm:prSet presAssocID="{56D3C888-73EE-B545-8223-BB521E7EE471}" presName="hierRoot1" presStyleCnt="0"/>
-      <dgm:spPr/>
-    </dgm:pt>
-    <dgm:pt modelId="{81DECBF6-9C98-0C40-BEA4-67690000AA6B}" type="pres">
-      <dgm:prSet presAssocID="{56D3C888-73EE-B545-8223-BB521E7EE471}" presName="composite" presStyleCnt="0"/>
-      <dgm:spPr/>
-    </dgm:pt>
-    <dgm:pt modelId="{B1FB94E5-F858-7948-AE9E-5C703AC06A88}" type="pres">
-      <dgm:prSet presAssocID="{56D3C888-73EE-B545-8223-BB521E7EE471}" presName="background" presStyleLbl="node0" presStyleIdx="2" presStyleCnt="6"/>
-      <dgm:spPr/>
-    </dgm:pt>
-    <dgm:pt modelId="{854F0C99-1A88-0C4A-8F02-3FFE7A46E38B}" type="pres">
-      <dgm:prSet presAssocID="{56D3C888-73EE-B545-8223-BB521E7EE471}" presName="text" presStyleLbl="fgAcc0" presStyleIdx="2" presStyleCnt="6">
-        <dgm:presLayoutVars>
-          <dgm:chPref val="3"/>
-        </dgm:presLayoutVars>
-      </dgm:prSet>
-      <dgm:spPr/>
-    </dgm:pt>
-    <dgm:pt modelId="{8138E3AE-3785-BC41-8B2D-B460622D79F8}" type="pres">
-      <dgm:prSet presAssocID="{56D3C888-73EE-B545-8223-BB521E7EE471}" presName="hierChild2" presStyleCnt="0"/>
-      <dgm:spPr/>
-    </dgm:pt>
-    <dgm:pt modelId="{BF13ED02-1085-B043-A70B-41625626527E}" type="pres">
-      <dgm:prSet presAssocID="{A6F7EB6E-C642-4F4C-ABBC-984A6A578904}" presName="hierRoot1" presStyleCnt="0"/>
-      <dgm:spPr/>
-    </dgm:pt>
-    <dgm:pt modelId="{DEED8AB6-E655-3E47-B99C-A63C1F1751CE}" type="pres">
-      <dgm:prSet presAssocID="{A6F7EB6E-C642-4F4C-ABBC-984A6A578904}" presName="composite" presStyleCnt="0"/>
-      <dgm:spPr/>
-    </dgm:pt>
-    <dgm:pt modelId="{3E767FDA-9AA2-CA4C-AA41-C91E92761675}" type="pres">
-      <dgm:prSet presAssocID="{A6F7EB6E-C642-4F4C-ABBC-984A6A578904}" presName="background" presStyleLbl="node0" presStyleIdx="3" presStyleCnt="6"/>
-      <dgm:spPr/>
-    </dgm:pt>
-    <dgm:pt modelId="{F59B2B5C-099E-CA45-B401-816D04642B86}" type="pres">
-      <dgm:prSet presAssocID="{A6F7EB6E-C642-4F4C-ABBC-984A6A578904}" presName="text" presStyleLbl="fgAcc0" presStyleIdx="3" presStyleCnt="6">
-        <dgm:presLayoutVars>
-          <dgm:chPref val="3"/>
-        </dgm:presLayoutVars>
-      </dgm:prSet>
-      <dgm:spPr/>
-    </dgm:pt>
-    <dgm:pt modelId="{86757D85-7C10-904B-A73C-A2D85F296A24}" type="pres">
-      <dgm:prSet presAssocID="{A6F7EB6E-C642-4F4C-ABBC-984A6A578904}" presName="hierChild2" presStyleCnt="0"/>
-      <dgm:spPr/>
-    </dgm:pt>
-    <dgm:pt modelId="{62AE1399-5DB5-584F-B0A5-D898D9413BF2}" type="pres">
-      <dgm:prSet presAssocID="{D8F8B6A2-EFAC-1F42-9E3B-FB13B42A22CA}" presName="hierRoot1" presStyleCnt="0"/>
-      <dgm:spPr/>
-    </dgm:pt>
-    <dgm:pt modelId="{63F5C522-E5C2-C34B-8C41-6CA5E5FAD90F}" type="pres">
-      <dgm:prSet presAssocID="{D8F8B6A2-EFAC-1F42-9E3B-FB13B42A22CA}" presName="composite" presStyleCnt="0"/>
-      <dgm:spPr/>
-    </dgm:pt>
-    <dgm:pt modelId="{9572989F-D376-4945-A3C8-8092CF99FE41}" type="pres">
-      <dgm:prSet presAssocID="{D8F8B6A2-EFAC-1F42-9E3B-FB13B42A22CA}" presName="background" presStyleLbl="node0" presStyleIdx="4" presStyleCnt="6"/>
-      <dgm:spPr/>
-    </dgm:pt>
-    <dgm:pt modelId="{D05B63CD-DCB3-8E4D-985E-3777D2AE9478}" type="pres">
-      <dgm:prSet presAssocID="{D8F8B6A2-EFAC-1F42-9E3B-FB13B42A22CA}" presName="text" presStyleLbl="fgAcc0" presStyleIdx="4" presStyleCnt="6">
-        <dgm:presLayoutVars>
-          <dgm:chPref val="3"/>
-        </dgm:presLayoutVars>
-      </dgm:prSet>
-      <dgm:spPr/>
-    </dgm:pt>
-    <dgm:pt modelId="{FC642FDE-1699-734A-B46C-8D650780A564}" type="pres">
-      <dgm:prSet presAssocID="{D8F8B6A2-EFAC-1F42-9E3B-FB13B42A22CA}" presName="hierChild2" presStyleCnt="0"/>
-      <dgm:spPr/>
-    </dgm:pt>
-    <dgm:pt modelId="{B7939822-CAF8-B14C-8CE8-A145E482EFFE}" type="pres">
-      <dgm:prSet presAssocID="{79BE6A82-C938-4E4B-A018-151AEDAB6DF3}" presName="hierRoot1" presStyleCnt="0"/>
-      <dgm:spPr/>
-    </dgm:pt>
-    <dgm:pt modelId="{106E0EAE-DAA0-A14D-8E4B-BDC21969F863}" type="pres">
-      <dgm:prSet presAssocID="{79BE6A82-C938-4E4B-A018-151AEDAB6DF3}" presName="composite" presStyleCnt="0"/>
-      <dgm:spPr/>
-    </dgm:pt>
-    <dgm:pt modelId="{04D925FF-3634-A645-A677-170528932C97}" type="pres">
-      <dgm:prSet presAssocID="{79BE6A82-C938-4E4B-A018-151AEDAB6DF3}" presName="background" presStyleLbl="node0" presStyleIdx="5" presStyleCnt="6"/>
-      <dgm:spPr/>
-    </dgm:pt>
-    <dgm:pt modelId="{46ED2C08-AD0C-724C-BFD5-3E172B9A60D3}" type="pres">
-      <dgm:prSet presAssocID="{79BE6A82-C938-4E4B-A018-151AEDAB6DF3}" presName="text" presStyleLbl="fgAcc0" presStyleIdx="5" presStyleCnt="6">
-        <dgm:presLayoutVars>
-          <dgm:chPref val="3"/>
-        </dgm:presLayoutVars>
-      </dgm:prSet>
-      <dgm:spPr/>
-    </dgm:pt>
-    <dgm:pt modelId="{495695D9-AEAE-BF42-B29C-C46A71D90C7E}" type="pres">
-      <dgm:prSet presAssocID="{79BE6A82-C938-4E4B-A018-151AEDAB6DF3}" presName="hierChild2" presStyleCnt="0"/>
-      <dgm:spPr/>
-    </dgm:pt>
-  </dgm:ptLst>
-  <dgm:cxnLst>
-    <dgm:cxn modelId="{8437220C-9706-164A-9AFE-2020D9832177}" type="presOf" srcId="{C0475F34-6689-AC4D-9BF2-D83BEDDCBA3A}" destId="{85AC10ED-52B7-DB4C-86FA-97E49B71FAEE}" srcOrd="0" destOrd="0" presId="urn:microsoft.com/office/officeart/2005/8/layout/hierarchy1"/>
-    <dgm:cxn modelId="{41029A24-92C9-684E-BAAE-2C4DC312AFFC}" type="presOf" srcId="{56D3C888-73EE-B545-8223-BB521E7EE471}" destId="{854F0C99-1A88-0C4A-8F02-3FFE7A46E38B}" srcOrd="0" destOrd="0" presId="urn:microsoft.com/office/officeart/2005/8/layout/hierarchy1"/>
-    <dgm:cxn modelId="{06F9D231-29AF-F042-982F-5319C6E55145}" srcId="{6CE6553D-D060-8849-9B93-B2BF85376115}" destId="{C0475F34-6689-AC4D-9BF2-D83BEDDCBA3A}" srcOrd="1" destOrd="0" parTransId="{F1213BA5-C624-3549-8064-D724B937D4DB}" sibTransId="{C2BACAC7-564A-FE4F-8511-1479C37CA0DB}"/>
-    <dgm:cxn modelId="{647E7544-77D0-7841-9C81-52D5CD4BC850}" srcId="{6CE6553D-D060-8849-9B93-B2BF85376115}" destId="{D8F8B6A2-EFAC-1F42-9E3B-FB13B42A22CA}" srcOrd="4" destOrd="0" parTransId="{F8047952-0B2C-EF40-9025-65C7FB3B284A}" sibTransId="{9C2DC1EC-9BDC-8B4C-A212-0F3CAAC4F037}"/>
-    <dgm:cxn modelId="{99C0B04B-55F2-C04B-807F-4400C92EC553}" srcId="{6CE6553D-D060-8849-9B93-B2BF85376115}" destId="{79BE6A82-C938-4E4B-A018-151AEDAB6DF3}" srcOrd="5" destOrd="0" parTransId="{22EF7ED9-1131-F041-9038-192986105321}" sibTransId="{85D68B9F-0C6E-ED44-9F19-CA768C5FC632}"/>
-    <dgm:cxn modelId="{C500434C-B6B5-714F-94EF-36DE9D0A106D}" srcId="{6CE6553D-D060-8849-9B93-B2BF85376115}" destId="{A6F7EB6E-C642-4F4C-ABBC-984A6A578904}" srcOrd="3" destOrd="0" parTransId="{3B48B757-8293-494A-9F24-34E555607425}" sibTransId="{7BCB851F-0FDC-D244-9D01-FBA01483564C}"/>
-    <dgm:cxn modelId="{8A59ED72-1DFA-3A4B-BF89-09AD38954F49}" srcId="{6CE6553D-D060-8849-9B93-B2BF85376115}" destId="{56D3C888-73EE-B545-8223-BB521E7EE471}" srcOrd="2" destOrd="0" parTransId="{251F3BE7-C6D3-D348-B890-03033DDD542D}" sibTransId="{92806237-C1C2-1244-A285-60CB8FB28918}"/>
-    <dgm:cxn modelId="{270ED078-1D12-FB4B-A533-C1E670E1ED73}" type="presOf" srcId="{6CE6553D-D060-8849-9B93-B2BF85376115}" destId="{2C540520-18E8-FF46-88E9-CBC1C84A728E}" srcOrd="0" destOrd="0" presId="urn:microsoft.com/office/officeart/2005/8/layout/hierarchy1"/>
-    <dgm:cxn modelId="{3C325991-7521-3447-A3E4-A7B8C91FF1F8}" srcId="{6CE6553D-D060-8849-9B93-B2BF85376115}" destId="{68039560-4081-FE45-8148-A68FB763894E}" srcOrd="0" destOrd="0" parTransId="{01ABC0D4-AB71-A74B-84D8-9F3EAD0EE2EB}" sibTransId="{B5FDEA61-FE72-7942-B587-E47E11CADB4E}"/>
-    <dgm:cxn modelId="{B0A70FB5-6915-7B4B-B58A-E1D47157BF37}" type="presOf" srcId="{68039560-4081-FE45-8148-A68FB763894E}" destId="{6E836FB7-8CBC-D74F-B54A-EF4013B5D8AE}" srcOrd="0" destOrd="0" presId="urn:microsoft.com/office/officeart/2005/8/layout/hierarchy1"/>
-    <dgm:cxn modelId="{86EAC1BF-7FAC-DD48-9E67-E3A9D0F62179}" type="presOf" srcId="{A6F7EB6E-C642-4F4C-ABBC-984A6A578904}" destId="{F59B2B5C-099E-CA45-B401-816D04642B86}" srcOrd="0" destOrd="0" presId="urn:microsoft.com/office/officeart/2005/8/layout/hierarchy1"/>
-    <dgm:cxn modelId="{ECE275E6-6BC9-654B-8788-FC40027858B0}" type="presOf" srcId="{79BE6A82-C938-4E4B-A018-151AEDAB6DF3}" destId="{46ED2C08-AD0C-724C-BFD5-3E172B9A60D3}" srcOrd="0" destOrd="0" presId="urn:microsoft.com/office/officeart/2005/8/layout/hierarchy1"/>
-    <dgm:cxn modelId="{80A812E8-8525-9041-B214-A803686BAF8C}" type="presOf" srcId="{D8F8B6A2-EFAC-1F42-9E3B-FB13B42A22CA}" destId="{D05B63CD-DCB3-8E4D-985E-3777D2AE9478}" srcOrd="0" destOrd="0" presId="urn:microsoft.com/office/officeart/2005/8/layout/hierarchy1"/>
-    <dgm:cxn modelId="{757DA583-86BE-E34C-BCFC-D2B5FAF9613C}" type="presParOf" srcId="{2C540520-18E8-FF46-88E9-CBC1C84A728E}" destId="{ED597108-37E6-5D43-AC45-52C397262338}" srcOrd="0" destOrd="0" presId="urn:microsoft.com/office/officeart/2005/8/layout/hierarchy1"/>
-    <dgm:cxn modelId="{718D7729-53F0-A84D-A9A9-C9CDFB26E9B7}" type="presParOf" srcId="{ED597108-37E6-5D43-AC45-52C397262338}" destId="{90281A32-26CC-3D4E-B235-BE55F26F4781}" srcOrd="0" destOrd="0" presId="urn:microsoft.com/office/officeart/2005/8/layout/hierarchy1"/>
-    <dgm:cxn modelId="{94308134-3E83-3A4A-91BB-48307A9CC85D}" type="presParOf" srcId="{90281A32-26CC-3D4E-B235-BE55F26F4781}" destId="{56A0CA4A-A47D-8641-AFE1-BBC059337238}" srcOrd="0" destOrd="0" presId="urn:microsoft.com/office/officeart/2005/8/layout/hierarchy1"/>
-    <dgm:cxn modelId="{136C2ED5-961D-DD49-99AF-91D60AE37DD9}" type="presParOf" srcId="{90281A32-26CC-3D4E-B235-BE55F26F4781}" destId="{6E836FB7-8CBC-D74F-B54A-EF4013B5D8AE}" srcOrd="1" destOrd="0" presId="urn:microsoft.com/office/officeart/2005/8/layout/hierarchy1"/>
-    <dgm:cxn modelId="{AC36374F-1383-654D-B371-0D148CB26F76}" type="presParOf" srcId="{ED597108-37E6-5D43-AC45-52C397262338}" destId="{CCA77B45-1656-0449-BBCF-430C73BF7044}" srcOrd="1" destOrd="0" presId="urn:microsoft.com/office/officeart/2005/8/layout/hierarchy1"/>
-    <dgm:cxn modelId="{F9DE605B-1083-E946-AA1E-337B191CA042}" type="presParOf" srcId="{2C540520-18E8-FF46-88E9-CBC1C84A728E}" destId="{77B56C81-2DDF-F549-A989-1BA8F549E3DA}" srcOrd="1" destOrd="0" presId="urn:microsoft.com/office/officeart/2005/8/layout/hierarchy1"/>
-    <dgm:cxn modelId="{381BB2EA-E529-ED4B-8742-CB339C2BF1FC}" type="presParOf" srcId="{77B56C81-2DDF-F549-A989-1BA8F549E3DA}" destId="{E646CFA9-815A-2C4D-8D22-6B841F440E1B}" srcOrd="0" destOrd="0" presId="urn:microsoft.com/office/officeart/2005/8/layout/hierarchy1"/>
-    <dgm:cxn modelId="{18FEEC9D-1557-824F-A919-16CF7A120DD9}" type="presParOf" srcId="{E646CFA9-815A-2C4D-8D22-6B841F440E1B}" destId="{CC251379-45D7-7F4F-A51F-E9F7771C7EAA}" srcOrd="0" destOrd="0" presId="urn:microsoft.com/office/officeart/2005/8/layout/hierarchy1"/>
-    <dgm:cxn modelId="{BCE94859-3683-BA4C-9B82-1367BB439006}" type="presParOf" srcId="{E646CFA9-815A-2C4D-8D22-6B841F440E1B}" destId="{85AC10ED-52B7-DB4C-86FA-97E49B71FAEE}" srcOrd="1" destOrd="0" presId="urn:microsoft.com/office/officeart/2005/8/layout/hierarchy1"/>
-    <dgm:cxn modelId="{F839A5EB-FCAF-7048-8B1B-2670F69CE299}" type="presParOf" srcId="{77B56C81-2DDF-F549-A989-1BA8F549E3DA}" destId="{1B6B8C06-C7C0-0C4D-B737-12D1BBF6A12D}" srcOrd="1" destOrd="0" presId="urn:microsoft.com/office/officeart/2005/8/layout/hierarchy1"/>
-    <dgm:cxn modelId="{1F958C25-C9DC-1244-AD4E-E22A3DC483C9}" type="presParOf" srcId="{2C540520-18E8-FF46-88E9-CBC1C84A728E}" destId="{649586BF-DBC3-604D-BAA2-0D1EC9C6E038}" srcOrd="2" destOrd="0" presId="urn:microsoft.com/office/officeart/2005/8/layout/hierarchy1"/>
-    <dgm:cxn modelId="{E2D4891A-2F31-3040-A792-BCD203DD21D8}" type="presParOf" srcId="{649586BF-DBC3-604D-BAA2-0D1EC9C6E038}" destId="{81DECBF6-9C98-0C40-BEA4-67690000AA6B}" srcOrd="0" destOrd="0" presId="urn:microsoft.com/office/officeart/2005/8/layout/hierarchy1"/>
-    <dgm:cxn modelId="{5D789315-8DCA-2C45-9C3A-E3ACDEC365BA}" type="presParOf" srcId="{81DECBF6-9C98-0C40-BEA4-67690000AA6B}" destId="{B1FB94E5-F858-7948-AE9E-5C703AC06A88}" srcOrd="0" destOrd="0" presId="urn:microsoft.com/office/officeart/2005/8/layout/hierarchy1"/>
-    <dgm:cxn modelId="{7E500814-4F98-D64B-9395-E78F79EDAE79}" type="presParOf" srcId="{81DECBF6-9C98-0C40-BEA4-67690000AA6B}" destId="{854F0C99-1A88-0C4A-8F02-3FFE7A46E38B}" srcOrd="1" destOrd="0" presId="urn:microsoft.com/office/officeart/2005/8/layout/hierarchy1"/>
-    <dgm:cxn modelId="{0DC6FFCE-0A7C-D14B-87E7-5FC6F44ABA86}" type="presParOf" srcId="{649586BF-DBC3-604D-BAA2-0D1EC9C6E038}" destId="{8138E3AE-3785-BC41-8B2D-B460622D79F8}" srcOrd="1" destOrd="0" presId="urn:microsoft.com/office/officeart/2005/8/layout/hierarchy1"/>
-    <dgm:cxn modelId="{E83E1471-D431-7C41-9BB4-A3DE915ED827}" type="presParOf" srcId="{2C540520-18E8-FF46-88E9-CBC1C84A728E}" destId="{BF13ED02-1085-B043-A70B-41625626527E}" srcOrd="3" destOrd="0" presId="urn:microsoft.com/office/officeart/2005/8/layout/hierarchy1"/>
-    <dgm:cxn modelId="{1CC15DD0-5E41-9A4C-931D-0738EF53C6E9}" type="presParOf" srcId="{BF13ED02-1085-B043-A70B-41625626527E}" destId="{DEED8AB6-E655-3E47-B99C-A63C1F1751CE}" srcOrd="0" destOrd="0" presId="urn:microsoft.com/office/officeart/2005/8/layout/hierarchy1"/>
-    <dgm:cxn modelId="{59736818-9171-BE48-B521-991FB8F15999}" type="presParOf" srcId="{DEED8AB6-E655-3E47-B99C-A63C1F1751CE}" destId="{3E767FDA-9AA2-CA4C-AA41-C91E92761675}" srcOrd="0" destOrd="0" presId="urn:microsoft.com/office/officeart/2005/8/layout/hierarchy1"/>
-    <dgm:cxn modelId="{65B82220-67AB-4C4C-966D-CE62EE79F242}" type="presParOf" srcId="{DEED8AB6-E655-3E47-B99C-A63C1F1751CE}" destId="{F59B2B5C-099E-CA45-B401-816D04642B86}" srcOrd="1" destOrd="0" presId="urn:microsoft.com/office/officeart/2005/8/layout/hierarchy1"/>
-    <dgm:cxn modelId="{C3DCB18A-CA18-D645-B133-D32EE36BE7FC}" type="presParOf" srcId="{BF13ED02-1085-B043-A70B-41625626527E}" destId="{86757D85-7C10-904B-A73C-A2D85F296A24}" srcOrd="1" destOrd="0" presId="urn:microsoft.com/office/officeart/2005/8/layout/hierarchy1"/>
-    <dgm:cxn modelId="{713C59E2-017D-2F4A-987F-00E5BDFE37C1}" type="presParOf" srcId="{2C540520-18E8-FF46-88E9-CBC1C84A728E}" destId="{62AE1399-5DB5-584F-B0A5-D898D9413BF2}" srcOrd="4" destOrd="0" presId="urn:microsoft.com/office/officeart/2005/8/layout/hierarchy1"/>
-    <dgm:cxn modelId="{CEB030CC-FB2D-FC45-A472-4EEA11735850}" type="presParOf" srcId="{62AE1399-5DB5-584F-B0A5-D898D9413BF2}" destId="{63F5C522-E5C2-C34B-8C41-6CA5E5FAD90F}" srcOrd="0" destOrd="0" presId="urn:microsoft.com/office/officeart/2005/8/layout/hierarchy1"/>
-    <dgm:cxn modelId="{EB2894AE-BA12-2B45-B5CC-8038466400EA}" type="presParOf" srcId="{63F5C522-E5C2-C34B-8C41-6CA5E5FAD90F}" destId="{9572989F-D376-4945-A3C8-8092CF99FE41}" srcOrd="0" destOrd="0" presId="urn:microsoft.com/office/officeart/2005/8/layout/hierarchy1"/>
-    <dgm:cxn modelId="{885CF94F-5C39-4C49-AA9C-2C30B1CEF96F}" type="presParOf" srcId="{63F5C522-E5C2-C34B-8C41-6CA5E5FAD90F}" destId="{D05B63CD-DCB3-8E4D-985E-3777D2AE9478}" srcOrd="1" destOrd="0" presId="urn:microsoft.com/office/officeart/2005/8/layout/hierarchy1"/>
-    <dgm:cxn modelId="{6A69CBDB-DCAD-664F-B0F2-EC73C5F5D7BF}" type="presParOf" srcId="{62AE1399-5DB5-584F-B0A5-D898D9413BF2}" destId="{FC642FDE-1699-734A-B46C-8D650780A564}" srcOrd="1" destOrd="0" presId="urn:microsoft.com/office/officeart/2005/8/layout/hierarchy1"/>
-    <dgm:cxn modelId="{9666FC50-5BAA-1548-B0C8-CB9F6E5E686A}" type="presParOf" srcId="{2C540520-18E8-FF46-88E9-CBC1C84A728E}" destId="{B7939822-CAF8-B14C-8CE8-A145E482EFFE}" srcOrd="5" destOrd="0" presId="urn:microsoft.com/office/officeart/2005/8/layout/hierarchy1"/>
-    <dgm:cxn modelId="{6A42293B-DFE5-AB45-B875-7093C178FFF5}" type="presParOf" srcId="{B7939822-CAF8-B14C-8CE8-A145E482EFFE}" destId="{106E0EAE-DAA0-A14D-8E4B-BDC21969F863}" srcOrd="0" destOrd="0" presId="urn:microsoft.com/office/officeart/2005/8/layout/hierarchy1"/>
-    <dgm:cxn modelId="{73E50A1C-3F52-3E43-8D17-EF26C7EBB11A}" type="presParOf" srcId="{106E0EAE-DAA0-A14D-8E4B-BDC21969F863}" destId="{04D925FF-3634-A645-A677-170528932C97}" srcOrd="0" destOrd="0" presId="urn:microsoft.com/office/officeart/2005/8/layout/hierarchy1"/>
-    <dgm:cxn modelId="{34DD2635-C93D-554D-A31C-35DB19C88B19}" type="presParOf" srcId="{106E0EAE-DAA0-A14D-8E4B-BDC21969F863}" destId="{46ED2C08-AD0C-724C-BFD5-3E172B9A60D3}" srcOrd="1" destOrd="0" presId="urn:microsoft.com/office/officeart/2005/8/layout/hierarchy1"/>
-    <dgm:cxn modelId="{8F4EAC48-A742-4546-BFB1-4050328148DD}" type="presParOf" srcId="{B7939822-CAF8-B14C-8CE8-A145E482EFFE}" destId="{495695D9-AEAE-BF42-B29C-C46A71D90C7E}" srcOrd="1" destOrd="0" presId="urn:microsoft.com/office/officeart/2005/8/layout/hierarchy1"/>
-  </dgm:cxnLst>
-  <dgm:bg/>
-  <dgm:whole/>
-  <dgm:extLst>
-    <a:ext uri="http://schemas.microsoft.com/office/drawing/2008/diagram">
-      <dsp:dataModelExt xmlns:dsp="http://schemas.microsoft.com/office/drawing/2008/diagram" relId="rId8" minVer="http://schemas.openxmlformats.org/drawingml/2006/diagram"/>
-    </a:ext>
-  </dgm:extLst>
-</dgm:dataModel>
-</file>
-
-<file path=ppt/diagrams/data2.xml><?xml version="1.0" encoding="utf-8"?>
 <dgm:dataModel xmlns:dgm="http://schemas.openxmlformats.org/drawingml/2006/diagram" xmlns:a="http://schemas.openxmlformats.org/drawingml/2006/main">
   <dgm:ptLst>
     <dgm:pt modelId="{6CE6553D-D060-8849-9B93-B2BF85376115}" type="doc">
@@ -2923,7 +993,7 @@
         <a:p>
           <a:r>
             <a:rPr lang="en-US" dirty="0"/>
-            <a:t>JavaScript coding</a:t>
+            <a:t>JavaScript &amp; HTML</a:t>
           </a:r>
         </a:p>
       </dgm:t>
@@ -2940,42 +1010,6 @@
       </dgm:t>
     </dgm:pt>
     <dgm:pt modelId="{9C2DC1EC-9BDC-8B4C-A212-0F3CAAC4F037}" type="sibTrans" cxnId="{647E7544-77D0-7841-9C81-52D5CD4BC850}">
-      <dgm:prSet/>
-      <dgm:spPr/>
-      <dgm:t>
-        <a:bodyPr/>
-        <a:lstStyle/>
-        <a:p>
-          <a:endParaRPr lang="en-US"/>
-        </a:p>
-      </dgm:t>
-    </dgm:pt>
-    <dgm:pt modelId="{79BE6A82-C938-4E4B-A018-151AEDAB6DF3}">
-      <dgm:prSet/>
-      <dgm:spPr/>
-      <dgm:t>
-        <a:bodyPr/>
-        <a:lstStyle/>
-        <a:p>
-          <a:r>
-            <a:rPr lang="en-US" dirty="0"/>
-            <a:t>HTML Coding</a:t>
-          </a:r>
-        </a:p>
-      </dgm:t>
-    </dgm:pt>
-    <dgm:pt modelId="{22EF7ED9-1131-F041-9038-192986105321}" type="parTrans" cxnId="{99C0B04B-55F2-C04B-807F-4400C92EC553}">
-      <dgm:prSet/>
-      <dgm:spPr/>
-      <dgm:t>
-        <a:bodyPr/>
-        <a:lstStyle/>
-        <a:p>
-          <a:endParaRPr lang="en-US"/>
-        </a:p>
-      </dgm:t>
-    </dgm:pt>
-    <dgm:pt modelId="{85D68B9F-0C6E-ED44-9F19-CA768C5FC632}" type="sibTrans" cxnId="{99C0B04B-55F2-C04B-807F-4400C92EC553}">
       <dgm:prSet/>
       <dgm:spPr/>
       <dgm:t>
@@ -3043,11 +1077,11 @@
       <dgm:spPr/>
     </dgm:pt>
     <dgm:pt modelId="{56A0CA4A-A47D-8641-AFE1-BBC059337238}" type="pres">
-      <dgm:prSet presAssocID="{68039560-4081-FE45-8148-A68FB763894E}" presName="background" presStyleLbl="node0" presStyleIdx="0" presStyleCnt="6"/>
+      <dgm:prSet presAssocID="{68039560-4081-FE45-8148-A68FB763894E}" presName="background" presStyleLbl="node0" presStyleIdx="0" presStyleCnt="5"/>
       <dgm:spPr/>
     </dgm:pt>
     <dgm:pt modelId="{6E836FB7-8CBC-D74F-B54A-EF4013B5D8AE}" type="pres">
-      <dgm:prSet presAssocID="{68039560-4081-FE45-8148-A68FB763894E}" presName="text" presStyleLbl="fgAcc0" presStyleIdx="0" presStyleCnt="6">
+      <dgm:prSet presAssocID="{68039560-4081-FE45-8148-A68FB763894E}" presName="text" presStyleLbl="fgAcc0" presStyleIdx="0" presStyleCnt="5">
         <dgm:presLayoutVars>
           <dgm:chPref val="3"/>
         </dgm:presLayoutVars>
@@ -3067,11 +1101,11 @@
       <dgm:spPr/>
     </dgm:pt>
     <dgm:pt modelId="{CC251379-45D7-7F4F-A51F-E9F7771C7EAA}" type="pres">
-      <dgm:prSet presAssocID="{C0475F34-6689-AC4D-9BF2-D83BEDDCBA3A}" presName="background" presStyleLbl="node0" presStyleIdx="1" presStyleCnt="6"/>
+      <dgm:prSet presAssocID="{C0475F34-6689-AC4D-9BF2-D83BEDDCBA3A}" presName="background" presStyleLbl="node0" presStyleIdx="1" presStyleCnt="5"/>
       <dgm:spPr/>
     </dgm:pt>
     <dgm:pt modelId="{85AC10ED-52B7-DB4C-86FA-97E49B71FAEE}" type="pres">
-      <dgm:prSet presAssocID="{C0475F34-6689-AC4D-9BF2-D83BEDDCBA3A}" presName="text" presStyleLbl="fgAcc0" presStyleIdx="1" presStyleCnt="6">
+      <dgm:prSet presAssocID="{C0475F34-6689-AC4D-9BF2-D83BEDDCBA3A}" presName="text" presStyleLbl="fgAcc0" presStyleIdx="1" presStyleCnt="5">
         <dgm:presLayoutVars>
           <dgm:chPref val="3"/>
         </dgm:presLayoutVars>
@@ -3091,11 +1125,11 @@
       <dgm:spPr/>
     </dgm:pt>
     <dgm:pt modelId="{B1FB94E5-F858-7948-AE9E-5C703AC06A88}" type="pres">
-      <dgm:prSet presAssocID="{56D3C888-73EE-B545-8223-BB521E7EE471}" presName="background" presStyleLbl="node0" presStyleIdx="2" presStyleCnt="6"/>
+      <dgm:prSet presAssocID="{56D3C888-73EE-B545-8223-BB521E7EE471}" presName="background" presStyleLbl="node0" presStyleIdx="2" presStyleCnt="5"/>
       <dgm:spPr/>
     </dgm:pt>
     <dgm:pt modelId="{854F0C99-1A88-0C4A-8F02-3FFE7A46E38B}" type="pres">
-      <dgm:prSet presAssocID="{56D3C888-73EE-B545-8223-BB521E7EE471}" presName="text" presStyleLbl="fgAcc0" presStyleIdx="2" presStyleCnt="6">
+      <dgm:prSet presAssocID="{56D3C888-73EE-B545-8223-BB521E7EE471}" presName="text" presStyleLbl="fgAcc0" presStyleIdx="2" presStyleCnt="5">
         <dgm:presLayoutVars>
           <dgm:chPref val="3"/>
         </dgm:presLayoutVars>
@@ -3115,11 +1149,11 @@
       <dgm:spPr/>
     </dgm:pt>
     <dgm:pt modelId="{3E767FDA-9AA2-CA4C-AA41-C91E92761675}" type="pres">
-      <dgm:prSet presAssocID="{A6F7EB6E-C642-4F4C-ABBC-984A6A578904}" presName="background" presStyleLbl="node0" presStyleIdx="3" presStyleCnt="6"/>
+      <dgm:prSet presAssocID="{A6F7EB6E-C642-4F4C-ABBC-984A6A578904}" presName="background" presStyleLbl="node0" presStyleIdx="3" presStyleCnt="5"/>
       <dgm:spPr/>
     </dgm:pt>
     <dgm:pt modelId="{F59B2B5C-099E-CA45-B401-816D04642B86}" type="pres">
-      <dgm:prSet presAssocID="{A6F7EB6E-C642-4F4C-ABBC-984A6A578904}" presName="text" presStyleLbl="fgAcc0" presStyleIdx="3" presStyleCnt="6">
+      <dgm:prSet presAssocID="{A6F7EB6E-C642-4F4C-ABBC-984A6A578904}" presName="text" presStyleLbl="fgAcc0" presStyleIdx="3" presStyleCnt="5">
         <dgm:presLayoutVars>
           <dgm:chPref val="3"/>
         </dgm:presLayoutVars>
@@ -3139,11 +1173,11 @@
       <dgm:spPr/>
     </dgm:pt>
     <dgm:pt modelId="{9572989F-D376-4945-A3C8-8092CF99FE41}" type="pres">
-      <dgm:prSet presAssocID="{D8F8B6A2-EFAC-1F42-9E3B-FB13B42A22CA}" presName="background" presStyleLbl="node0" presStyleIdx="4" presStyleCnt="6"/>
+      <dgm:prSet presAssocID="{D8F8B6A2-EFAC-1F42-9E3B-FB13B42A22CA}" presName="background" presStyleLbl="node0" presStyleIdx="4" presStyleCnt="5"/>
       <dgm:spPr/>
     </dgm:pt>
     <dgm:pt modelId="{D05B63CD-DCB3-8E4D-985E-3777D2AE9478}" type="pres">
-      <dgm:prSet presAssocID="{D8F8B6A2-EFAC-1F42-9E3B-FB13B42A22CA}" presName="text" presStyleLbl="fgAcc0" presStyleIdx="4" presStyleCnt="6">
+      <dgm:prSet presAssocID="{D8F8B6A2-EFAC-1F42-9E3B-FB13B42A22CA}" presName="text" presStyleLbl="fgAcc0" presStyleIdx="4" presStyleCnt="5">
         <dgm:presLayoutVars>
           <dgm:chPref val="3"/>
         </dgm:presLayoutVars>
@@ -3154,44 +1188,18 @@
       <dgm:prSet presAssocID="{D8F8B6A2-EFAC-1F42-9E3B-FB13B42A22CA}" presName="hierChild2" presStyleCnt="0"/>
       <dgm:spPr/>
     </dgm:pt>
-    <dgm:pt modelId="{B7939822-CAF8-B14C-8CE8-A145E482EFFE}" type="pres">
-      <dgm:prSet presAssocID="{79BE6A82-C938-4E4B-A018-151AEDAB6DF3}" presName="hierRoot1" presStyleCnt="0"/>
-      <dgm:spPr/>
-    </dgm:pt>
-    <dgm:pt modelId="{106E0EAE-DAA0-A14D-8E4B-BDC21969F863}" type="pres">
-      <dgm:prSet presAssocID="{79BE6A82-C938-4E4B-A018-151AEDAB6DF3}" presName="composite" presStyleCnt="0"/>
-      <dgm:spPr/>
-    </dgm:pt>
-    <dgm:pt modelId="{04D925FF-3634-A645-A677-170528932C97}" type="pres">
-      <dgm:prSet presAssocID="{79BE6A82-C938-4E4B-A018-151AEDAB6DF3}" presName="background" presStyleLbl="node0" presStyleIdx="5" presStyleCnt="6"/>
-      <dgm:spPr/>
-    </dgm:pt>
-    <dgm:pt modelId="{46ED2C08-AD0C-724C-BFD5-3E172B9A60D3}" type="pres">
-      <dgm:prSet presAssocID="{79BE6A82-C938-4E4B-A018-151AEDAB6DF3}" presName="text" presStyleLbl="fgAcc0" presStyleIdx="5" presStyleCnt="6">
-        <dgm:presLayoutVars>
-          <dgm:chPref val="3"/>
-        </dgm:presLayoutVars>
-      </dgm:prSet>
-      <dgm:spPr/>
-    </dgm:pt>
-    <dgm:pt modelId="{495695D9-AEAE-BF42-B29C-C46A71D90C7E}" type="pres">
-      <dgm:prSet presAssocID="{79BE6A82-C938-4E4B-A018-151AEDAB6DF3}" presName="hierChild2" presStyleCnt="0"/>
-      <dgm:spPr/>
-    </dgm:pt>
   </dgm:ptLst>
   <dgm:cxnLst>
     <dgm:cxn modelId="{8437220C-9706-164A-9AFE-2020D9832177}" type="presOf" srcId="{C0475F34-6689-AC4D-9BF2-D83BEDDCBA3A}" destId="{85AC10ED-52B7-DB4C-86FA-97E49B71FAEE}" srcOrd="0" destOrd="0" presId="urn:microsoft.com/office/officeart/2005/8/layout/hierarchy1"/>
     <dgm:cxn modelId="{41029A24-92C9-684E-BAAE-2C4DC312AFFC}" type="presOf" srcId="{56D3C888-73EE-B545-8223-BB521E7EE471}" destId="{854F0C99-1A88-0C4A-8F02-3FFE7A46E38B}" srcOrd="0" destOrd="0" presId="urn:microsoft.com/office/officeart/2005/8/layout/hierarchy1"/>
     <dgm:cxn modelId="{06F9D231-29AF-F042-982F-5319C6E55145}" srcId="{6CE6553D-D060-8849-9B93-B2BF85376115}" destId="{C0475F34-6689-AC4D-9BF2-D83BEDDCBA3A}" srcOrd="1" destOrd="0" parTransId="{F1213BA5-C624-3549-8064-D724B937D4DB}" sibTransId="{C2BACAC7-564A-FE4F-8511-1479C37CA0DB}"/>
     <dgm:cxn modelId="{647E7544-77D0-7841-9C81-52D5CD4BC850}" srcId="{6CE6553D-D060-8849-9B93-B2BF85376115}" destId="{D8F8B6A2-EFAC-1F42-9E3B-FB13B42A22CA}" srcOrd="4" destOrd="0" parTransId="{F8047952-0B2C-EF40-9025-65C7FB3B284A}" sibTransId="{9C2DC1EC-9BDC-8B4C-A212-0F3CAAC4F037}"/>
-    <dgm:cxn modelId="{99C0B04B-55F2-C04B-807F-4400C92EC553}" srcId="{6CE6553D-D060-8849-9B93-B2BF85376115}" destId="{79BE6A82-C938-4E4B-A018-151AEDAB6DF3}" srcOrd="5" destOrd="0" parTransId="{22EF7ED9-1131-F041-9038-192986105321}" sibTransId="{85D68B9F-0C6E-ED44-9F19-CA768C5FC632}"/>
     <dgm:cxn modelId="{C500434C-B6B5-714F-94EF-36DE9D0A106D}" srcId="{6CE6553D-D060-8849-9B93-B2BF85376115}" destId="{A6F7EB6E-C642-4F4C-ABBC-984A6A578904}" srcOrd="3" destOrd="0" parTransId="{3B48B757-8293-494A-9F24-34E555607425}" sibTransId="{7BCB851F-0FDC-D244-9D01-FBA01483564C}"/>
     <dgm:cxn modelId="{8A59ED72-1DFA-3A4B-BF89-09AD38954F49}" srcId="{6CE6553D-D060-8849-9B93-B2BF85376115}" destId="{56D3C888-73EE-B545-8223-BB521E7EE471}" srcOrd="2" destOrd="0" parTransId="{251F3BE7-C6D3-D348-B890-03033DDD542D}" sibTransId="{92806237-C1C2-1244-A285-60CB8FB28918}"/>
     <dgm:cxn modelId="{270ED078-1D12-FB4B-A533-C1E670E1ED73}" type="presOf" srcId="{6CE6553D-D060-8849-9B93-B2BF85376115}" destId="{2C540520-18E8-FF46-88E9-CBC1C84A728E}" srcOrd="0" destOrd="0" presId="urn:microsoft.com/office/officeart/2005/8/layout/hierarchy1"/>
     <dgm:cxn modelId="{3C325991-7521-3447-A3E4-A7B8C91FF1F8}" srcId="{6CE6553D-D060-8849-9B93-B2BF85376115}" destId="{68039560-4081-FE45-8148-A68FB763894E}" srcOrd="0" destOrd="0" parTransId="{01ABC0D4-AB71-A74B-84D8-9F3EAD0EE2EB}" sibTransId="{B5FDEA61-FE72-7942-B587-E47E11CADB4E}"/>
     <dgm:cxn modelId="{B0A70FB5-6915-7B4B-B58A-E1D47157BF37}" type="presOf" srcId="{68039560-4081-FE45-8148-A68FB763894E}" destId="{6E836FB7-8CBC-D74F-B54A-EF4013B5D8AE}" srcOrd="0" destOrd="0" presId="urn:microsoft.com/office/officeart/2005/8/layout/hierarchy1"/>
     <dgm:cxn modelId="{86EAC1BF-7FAC-DD48-9E67-E3A9D0F62179}" type="presOf" srcId="{A6F7EB6E-C642-4F4C-ABBC-984A6A578904}" destId="{F59B2B5C-099E-CA45-B401-816D04642B86}" srcOrd="0" destOrd="0" presId="urn:microsoft.com/office/officeart/2005/8/layout/hierarchy1"/>
-    <dgm:cxn modelId="{ECE275E6-6BC9-654B-8788-FC40027858B0}" type="presOf" srcId="{79BE6A82-C938-4E4B-A018-151AEDAB6DF3}" destId="{46ED2C08-AD0C-724C-BFD5-3E172B9A60D3}" srcOrd="0" destOrd="0" presId="urn:microsoft.com/office/officeart/2005/8/layout/hierarchy1"/>
     <dgm:cxn modelId="{80A812E8-8525-9041-B214-A803686BAF8C}" type="presOf" srcId="{D8F8B6A2-EFAC-1F42-9E3B-FB13B42A22CA}" destId="{D05B63CD-DCB3-8E4D-985E-3777D2AE9478}" srcOrd="0" destOrd="0" presId="urn:microsoft.com/office/officeart/2005/8/layout/hierarchy1"/>
     <dgm:cxn modelId="{757DA583-86BE-E34C-BCFC-D2B5FAF9613C}" type="presParOf" srcId="{2C540520-18E8-FF46-88E9-CBC1C84A728E}" destId="{ED597108-37E6-5D43-AC45-52C397262338}" srcOrd="0" destOrd="0" presId="urn:microsoft.com/office/officeart/2005/8/layout/hierarchy1"/>
     <dgm:cxn modelId="{718D7729-53F0-A84D-A9A9-C9CDFB26E9B7}" type="presParOf" srcId="{ED597108-37E6-5D43-AC45-52C397262338}" destId="{90281A32-26CC-3D4E-B235-BE55F26F4781}" srcOrd="0" destOrd="0" presId="urn:microsoft.com/office/officeart/2005/8/layout/hierarchy1"/>
@@ -3218,446 +1226,6 @@
     <dgm:cxn modelId="{EB2894AE-BA12-2B45-B5CC-8038466400EA}" type="presParOf" srcId="{63F5C522-E5C2-C34B-8C41-6CA5E5FAD90F}" destId="{9572989F-D376-4945-A3C8-8092CF99FE41}" srcOrd="0" destOrd="0" presId="urn:microsoft.com/office/officeart/2005/8/layout/hierarchy1"/>
     <dgm:cxn modelId="{885CF94F-5C39-4C49-AA9C-2C30B1CEF96F}" type="presParOf" srcId="{63F5C522-E5C2-C34B-8C41-6CA5E5FAD90F}" destId="{D05B63CD-DCB3-8E4D-985E-3777D2AE9478}" srcOrd="1" destOrd="0" presId="urn:microsoft.com/office/officeart/2005/8/layout/hierarchy1"/>
     <dgm:cxn modelId="{6A69CBDB-DCAD-664F-B0F2-EC73C5F5D7BF}" type="presParOf" srcId="{62AE1399-5DB5-584F-B0A5-D898D9413BF2}" destId="{FC642FDE-1699-734A-B46C-8D650780A564}" srcOrd="1" destOrd="0" presId="urn:microsoft.com/office/officeart/2005/8/layout/hierarchy1"/>
-    <dgm:cxn modelId="{9666FC50-5BAA-1548-B0C8-CB9F6E5E686A}" type="presParOf" srcId="{2C540520-18E8-FF46-88E9-CBC1C84A728E}" destId="{B7939822-CAF8-B14C-8CE8-A145E482EFFE}" srcOrd="5" destOrd="0" presId="urn:microsoft.com/office/officeart/2005/8/layout/hierarchy1"/>
-    <dgm:cxn modelId="{6A42293B-DFE5-AB45-B875-7093C178FFF5}" type="presParOf" srcId="{B7939822-CAF8-B14C-8CE8-A145E482EFFE}" destId="{106E0EAE-DAA0-A14D-8E4B-BDC21969F863}" srcOrd="0" destOrd="0" presId="urn:microsoft.com/office/officeart/2005/8/layout/hierarchy1"/>
-    <dgm:cxn modelId="{73E50A1C-3F52-3E43-8D17-EF26C7EBB11A}" type="presParOf" srcId="{106E0EAE-DAA0-A14D-8E4B-BDC21969F863}" destId="{04D925FF-3634-A645-A677-170528932C97}" srcOrd="0" destOrd="0" presId="urn:microsoft.com/office/officeart/2005/8/layout/hierarchy1"/>
-    <dgm:cxn modelId="{34DD2635-C93D-554D-A31C-35DB19C88B19}" type="presParOf" srcId="{106E0EAE-DAA0-A14D-8E4B-BDC21969F863}" destId="{46ED2C08-AD0C-724C-BFD5-3E172B9A60D3}" srcOrd="1" destOrd="0" presId="urn:microsoft.com/office/officeart/2005/8/layout/hierarchy1"/>
-    <dgm:cxn modelId="{8F4EAC48-A742-4546-BFB1-4050328148DD}" type="presParOf" srcId="{B7939822-CAF8-B14C-8CE8-A145E482EFFE}" destId="{495695D9-AEAE-BF42-B29C-C46A71D90C7E}" srcOrd="1" destOrd="0" presId="urn:microsoft.com/office/officeart/2005/8/layout/hierarchy1"/>
-  </dgm:cxnLst>
-  <dgm:bg/>
-  <dgm:whole/>
-  <dgm:extLst>
-    <a:ext uri="http://schemas.microsoft.com/office/drawing/2008/diagram">
-      <dsp:dataModelExt xmlns:dsp="http://schemas.microsoft.com/office/drawing/2008/diagram" relId="rId7" minVer="http://schemas.openxmlformats.org/drawingml/2006/diagram"/>
-    </a:ext>
-  </dgm:extLst>
-</dgm:dataModel>
-</file>
-
-<file path=ppt/diagrams/data3.xml><?xml version="1.0" encoding="utf-8"?>
-<dgm:dataModel xmlns:dgm="http://schemas.openxmlformats.org/drawingml/2006/diagram" xmlns:a="http://schemas.openxmlformats.org/drawingml/2006/main">
-  <dgm:ptLst>
-    <dgm:pt modelId="{6CE6553D-D060-8849-9B93-B2BF85376115}" type="doc">
-      <dgm:prSet loTypeId="urn:microsoft.com/office/officeart/2005/8/layout/hierarchy1" loCatId="hierarchy" qsTypeId="urn:microsoft.com/office/officeart/2005/8/quickstyle/simple1" qsCatId="simple" csTypeId="urn:microsoft.com/office/officeart/2005/8/colors/accent1_2" csCatId="accent1" phldr="1"/>
-      <dgm:spPr/>
-    </dgm:pt>
-    <dgm:pt modelId="{68039560-4081-FE45-8148-A68FB763894E}">
-      <dgm:prSet phldrT="[Text]"/>
-      <dgm:spPr/>
-      <dgm:t>
-        <a:bodyPr/>
-        <a:lstStyle/>
-        <a:p>
-          <a:r>
-            <a:rPr lang="en-US" dirty="0"/>
-            <a:t>Data Gathering</a:t>
-          </a:r>
-        </a:p>
-      </dgm:t>
-    </dgm:pt>
-    <dgm:pt modelId="{01ABC0D4-AB71-A74B-84D8-9F3EAD0EE2EB}" type="parTrans" cxnId="{3C325991-7521-3447-A3E4-A7B8C91FF1F8}">
-      <dgm:prSet/>
-      <dgm:spPr/>
-      <dgm:t>
-        <a:bodyPr/>
-        <a:lstStyle/>
-        <a:p>
-          <a:endParaRPr lang="en-US"/>
-        </a:p>
-      </dgm:t>
-    </dgm:pt>
-    <dgm:pt modelId="{B5FDEA61-FE72-7942-B587-E47E11CADB4E}" type="sibTrans" cxnId="{3C325991-7521-3447-A3E4-A7B8C91FF1F8}">
-      <dgm:prSet/>
-      <dgm:spPr/>
-      <dgm:t>
-        <a:bodyPr/>
-        <a:lstStyle/>
-        <a:p>
-          <a:endParaRPr lang="en-US"/>
-        </a:p>
-      </dgm:t>
-    </dgm:pt>
-    <dgm:pt modelId="{C0475F34-6689-AC4D-9BF2-D83BEDDCBA3A}">
-      <dgm:prSet phldrT="[Text]"/>
-      <dgm:spPr/>
-      <dgm:t>
-        <a:bodyPr/>
-        <a:lstStyle/>
-        <a:p>
-          <a:r>
-            <a:rPr lang="en-US" dirty="0"/>
-            <a:t>Data Cleaning</a:t>
-          </a:r>
-        </a:p>
-      </dgm:t>
-    </dgm:pt>
-    <dgm:pt modelId="{F1213BA5-C624-3549-8064-D724B937D4DB}" type="parTrans" cxnId="{06F9D231-29AF-F042-982F-5319C6E55145}">
-      <dgm:prSet/>
-      <dgm:spPr/>
-      <dgm:t>
-        <a:bodyPr/>
-        <a:lstStyle/>
-        <a:p>
-          <a:endParaRPr lang="en-US"/>
-        </a:p>
-      </dgm:t>
-    </dgm:pt>
-    <dgm:pt modelId="{C2BACAC7-564A-FE4F-8511-1479C37CA0DB}" type="sibTrans" cxnId="{06F9D231-29AF-F042-982F-5319C6E55145}">
-      <dgm:prSet/>
-      <dgm:spPr/>
-      <dgm:t>
-        <a:bodyPr/>
-        <a:lstStyle/>
-        <a:p>
-          <a:endParaRPr lang="en-US"/>
-        </a:p>
-      </dgm:t>
-    </dgm:pt>
-    <dgm:pt modelId="{A6F7EB6E-C642-4F4C-ABBC-984A6A578904}">
-      <dgm:prSet phldrT="[Text]"/>
-      <dgm:spPr/>
-      <dgm:t>
-        <a:bodyPr/>
-        <a:lstStyle/>
-        <a:p>
-          <a:r>
-            <a:rPr lang="en-US" dirty="0"/>
-            <a:t>Data Conversion</a:t>
-          </a:r>
-        </a:p>
-      </dgm:t>
-    </dgm:pt>
-    <dgm:pt modelId="{3B48B757-8293-494A-9F24-34E555607425}" type="parTrans" cxnId="{C500434C-B6B5-714F-94EF-36DE9D0A106D}">
-      <dgm:prSet/>
-      <dgm:spPr/>
-      <dgm:t>
-        <a:bodyPr/>
-        <a:lstStyle/>
-        <a:p>
-          <a:endParaRPr lang="en-US"/>
-        </a:p>
-      </dgm:t>
-    </dgm:pt>
-    <dgm:pt modelId="{7BCB851F-0FDC-D244-9D01-FBA01483564C}" type="sibTrans" cxnId="{C500434C-B6B5-714F-94EF-36DE9D0A106D}">
-      <dgm:prSet/>
-      <dgm:spPr/>
-      <dgm:t>
-        <a:bodyPr/>
-        <a:lstStyle/>
-        <a:p>
-          <a:endParaRPr lang="en-US"/>
-        </a:p>
-      </dgm:t>
-    </dgm:pt>
-    <dgm:pt modelId="{D8F8B6A2-EFAC-1F42-9E3B-FB13B42A22CA}">
-      <dgm:prSet/>
-      <dgm:spPr/>
-      <dgm:t>
-        <a:bodyPr/>
-        <a:lstStyle/>
-        <a:p>
-          <a:r>
-            <a:rPr lang="en-US" dirty="0"/>
-            <a:t>JavaScript coding</a:t>
-          </a:r>
-        </a:p>
-      </dgm:t>
-    </dgm:pt>
-    <dgm:pt modelId="{F8047952-0B2C-EF40-9025-65C7FB3B284A}" type="parTrans" cxnId="{647E7544-77D0-7841-9C81-52D5CD4BC850}">
-      <dgm:prSet/>
-      <dgm:spPr/>
-      <dgm:t>
-        <a:bodyPr/>
-        <a:lstStyle/>
-        <a:p>
-          <a:endParaRPr lang="en-US"/>
-        </a:p>
-      </dgm:t>
-    </dgm:pt>
-    <dgm:pt modelId="{9C2DC1EC-9BDC-8B4C-A212-0F3CAAC4F037}" type="sibTrans" cxnId="{647E7544-77D0-7841-9C81-52D5CD4BC850}">
-      <dgm:prSet/>
-      <dgm:spPr/>
-      <dgm:t>
-        <a:bodyPr/>
-        <a:lstStyle/>
-        <a:p>
-          <a:endParaRPr lang="en-US"/>
-        </a:p>
-      </dgm:t>
-    </dgm:pt>
-    <dgm:pt modelId="{79BE6A82-C938-4E4B-A018-151AEDAB6DF3}">
-      <dgm:prSet/>
-      <dgm:spPr/>
-      <dgm:t>
-        <a:bodyPr/>
-        <a:lstStyle/>
-        <a:p>
-          <a:r>
-            <a:rPr lang="en-US" dirty="0"/>
-            <a:t>HTML Coding</a:t>
-          </a:r>
-        </a:p>
-      </dgm:t>
-    </dgm:pt>
-    <dgm:pt modelId="{22EF7ED9-1131-F041-9038-192986105321}" type="parTrans" cxnId="{99C0B04B-55F2-C04B-807F-4400C92EC553}">
-      <dgm:prSet/>
-      <dgm:spPr/>
-      <dgm:t>
-        <a:bodyPr/>
-        <a:lstStyle/>
-        <a:p>
-          <a:endParaRPr lang="en-US"/>
-        </a:p>
-      </dgm:t>
-    </dgm:pt>
-    <dgm:pt modelId="{85D68B9F-0C6E-ED44-9F19-CA768C5FC632}" type="sibTrans" cxnId="{99C0B04B-55F2-C04B-807F-4400C92EC553}">
-      <dgm:prSet/>
-      <dgm:spPr/>
-      <dgm:t>
-        <a:bodyPr/>
-        <a:lstStyle/>
-        <a:p>
-          <a:endParaRPr lang="en-US"/>
-        </a:p>
-      </dgm:t>
-    </dgm:pt>
-    <dgm:pt modelId="{56D3C888-73EE-B545-8223-BB521E7EE471}">
-      <dgm:prSet phldrT="[Text]"/>
-      <dgm:spPr/>
-      <dgm:t>
-        <a:bodyPr/>
-        <a:lstStyle/>
-        <a:p>
-          <a:r>
-            <a:rPr lang="en-US" dirty="0"/>
-            <a:t>Data Storage</a:t>
-          </a:r>
-        </a:p>
-      </dgm:t>
-    </dgm:pt>
-    <dgm:pt modelId="{251F3BE7-C6D3-D348-B890-03033DDD542D}" type="parTrans" cxnId="{8A59ED72-1DFA-3A4B-BF89-09AD38954F49}">
-      <dgm:prSet/>
-      <dgm:spPr/>
-      <dgm:t>
-        <a:bodyPr/>
-        <a:lstStyle/>
-        <a:p>
-          <a:endParaRPr lang="en-US"/>
-        </a:p>
-      </dgm:t>
-    </dgm:pt>
-    <dgm:pt modelId="{92806237-C1C2-1244-A285-60CB8FB28918}" type="sibTrans" cxnId="{8A59ED72-1DFA-3A4B-BF89-09AD38954F49}">
-      <dgm:prSet/>
-      <dgm:spPr/>
-      <dgm:t>
-        <a:bodyPr/>
-        <a:lstStyle/>
-        <a:p>
-          <a:endParaRPr lang="en-US"/>
-        </a:p>
-      </dgm:t>
-    </dgm:pt>
-    <dgm:pt modelId="{2C540520-18E8-FF46-88E9-CBC1C84A728E}" type="pres">
-      <dgm:prSet presAssocID="{6CE6553D-D060-8849-9B93-B2BF85376115}" presName="hierChild1" presStyleCnt="0">
-        <dgm:presLayoutVars>
-          <dgm:chPref val="1"/>
-          <dgm:dir/>
-          <dgm:animOne val="branch"/>
-          <dgm:animLvl val="lvl"/>
-          <dgm:resizeHandles/>
-        </dgm:presLayoutVars>
-      </dgm:prSet>
-      <dgm:spPr/>
-    </dgm:pt>
-    <dgm:pt modelId="{ED597108-37E6-5D43-AC45-52C397262338}" type="pres">
-      <dgm:prSet presAssocID="{68039560-4081-FE45-8148-A68FB763894E}" presName="hierRoot1" presStyleCnt="0"/>
-      <dgm:spPr/>
-    </dgm:pt>
-    <dgm:pt modelId="{90281A32-26CC-3D4E-B235-BE55F26F4781}" type="pres">
-      <dgm:prSet presAssocID="{68039560-4081-FE45-8148-A68FB763894E}" presName="composite" presStyleCnt="0"/>
-      <dgm:spPr/>
-    </dgm:pt>
-    <dgm:pt modelId="{56A0CA4A-A47D-8641-AFE1-BBC059337238}" type="pres">
-      <dgm:prSet presAssocID="{68039560-4081-FE45-8148-A68FB763894E}" presName="background" presStyleLbl="node0" presStyleIdx="0" presStyleCnt="6"/>
-      <dgm:spPr/>
-    </dgm:pt>
-    <dgm:pt modelId="{6E836FB7-8CBC-D74F-B54A-EF4013B5D8AE}" type="pres">
-      <dgm:prSet presAssocID="{68039560-4081-FE45-8148-A68FB763894E}" presName="text" presStyleLbl="fgAcc0" presStyleIdx="0" presStyleCnt="6">
-        <dgm:presLayoutVars>
-          <dgm:chPref val="3"/>
-        </dgm:presLayoutVars>
-      </dgm:prSet>
-      <dgm:spPr/>
-    </dgm:pt>
-    <dgm:pt modelId="{CCA77B45-1656-0449-BBCF-430C73BF7044}" type="pres">
-      <dgm:prSet presAssocID="{68039560-4081-FE45-8148-A68FB763894E}" presName="hierChild2" presStyleCnt="0"/>
-      <dgm:spPr/>
-    </dgm:pt>
-    <dgm:pt modelId="{77B56C81-2DDF-F549-A989-1BA8F549E3DA}" type="pres">
-      <dgm:prSet presAssocID="{C0475F34-6689-AC4D-9BF2-D83BEDDCBA3A}" presName="hierRoot1" presStyleCnt="0"/>
-      <dgm:spPr/>
-    </dgm:pt>
-    <dgm:pt modelId="{E646CFA9-815A-2C4D-8D22-6B841F440E1B}" type="pres">
-      <dgm:prSet presAssocID="{C0475F34-6689-AC4D-9BF2-D83BEDDCBA3A}" presName="composite" presStyleCnt="0"/>
-      <dgm:spPr/>
-    </dgm:pt>
-    <dgm:pt modelId="{CC251379-45D7-7F4F-A51F-E9F7771C7EAA}" type="pres">
-      <dgm:prSet presAssocID="{C0475F34-6689-AC4D-9BF2-D83BEDDCBA3A}" presName="background" presStyleLbl="node0" presStyleIdx="1" presStyleCnt="6"/>
-      <dgm:spPr/>
-    </dgm:pt>
-    <dgm:pt modelId="{85AC10ED-52B7-DB4C-86FA-97E49B71FAEE}" type="pres">
-      <dgm:prSet presAssocID="{C0475F34-6689-AC4D-9BF2-D83BEDDCBA3A}" presName="text" presStyleLbl="fgAcc0" presStyleIdx="1" presStyleCnt="6">
-        <dgm:presLayoutVars>
-          <dgm:chPref val="3"/>
-        </dgm:presLayoutVars>
-      </dgm:prSet>
-      <dgm:spPr/>
-    </dgm:pt>
-    <dgm:pt modelId="{1B6B8C06-C7C0-0C4D-B737-12D1BBF6A12D}" type="pres">
-      <dgm:prSet presAssocID="{C0475F34-6689-AC4D-9BF2-D83BEDDCBA3A}" presName="hierChild2" presStyleCnt="0"/>
-      <dgm:spPr/>
-    </dgm:pt>
-    <dgm:pt modelId="{649586BF-DBC3-604D-BAA2-0D1EC9C6E038}" type="pres">
-      <dgm:prSet presAssocID="{56D3C888-73EE-B545-8223-BB521E7EE471}" presName="hierRoot1" presStyleCnt="0"/>
-      <dgm:spPr/>
-    </dgm:pt>
-    <dgm:pt modelId="{81DECBF6-9C98-0C40-BEA4-67690000AA6B}" type="pres">
-      <dgm:prSet presAssocID="{56D3C888-73EE-B545-8223-BB521E7EE471}" presName="composite" presStyleCnt="0"/>
-      <dgm:spPr/>
-    </dgm:pt>
-    <dgm:pt modelId="{B1FB94E5-F858-7948-AE9E-5C703AC06A88}" type="pres">
-      <dgm:prSet presAssocID="{56D3C888-73EE-B545-8223-BB521E7EE471}" presName="background" presStyleLbl="node0" presStyleIdx="2" presStyleCnt="6"/>
-      <dgm:spPr/>
-    </dgm:pt>
-    <dgm:pt modelId="{854F0C99-1A88-0C4A-8F02-3FFE7A46E38B}" type="pres">
-      <dgm:prSet presAssocID="{56D3C888-73EE-B545-8223-BB521E7EE471}" presName="text" presStyleLbl="fgAcc0" presStyleIdx="2" presStyleCnt="6">
-        <dgm:presLayoutVars>
-          <dgm:chPref val="3"/>
-        </dgm:presLayoutVars>
-      </dgm:prSet>
-      <dgm:spPr/>
-    </dgm:pt>
-    <dgm:pt modelId="{8138E3AE-3785-BC41-8B2D-B460622D79F8}" type="pres">
-      <dgm:prSet presAssocID="{56D3C888-73EE-B545-8223-BB521E7EE471}" presName="hierChild2" presStyleCnt="0"/>
-      <dgm:spPr/>
-    </dgm:pt>
-    <dgm:pt modelId="{BF13ED02-1085-B043-A70B-41625626527E}" type="pres">
-      <dgm:prSet presAssocID="{A6F7EB6E-C642-4F4C-ABBC-984A6A578904}" presName="hierRoot1" presStyleCnt="0"/>
-      <dgm:spPr/>
-    </dgm:pt>
-    <dgm:pt modelId="{DEED8AB6-E655-3E47-B99C-A63C1F1751CE}" type="pres">
-      <dgm:prSet presAssocID="{A6F7EB6E-C642-4F4C-ABBC-984A6A578904}" presName="composite" presStyleCnt="0"/>
-      <dgm:spPr/>
-    </dgm:pt>
-    <dgm:pt modelId="{3E767FDA-9AA2-CA4C-AA41-C91E92761675}" type="pres">
-      <dgm:prSet presAssocID="{A6F7EB6E-C642-4F4C-ABBC-984A6A578904}" presName="background" presStyleLbl="node0" presStyleIdx="3" presStyleCnt="6"/>
-      <dgm:spPr/>
-    </dgm:pt>
-    <dgm:pt modelId="{F59B2B5C-099E-CA45-B401-816D04642B86}" type="pres">
-      <dgm:prSet presAssocID="{A6F7EB6E-C642-4F4C-ABBC-984A6A578904}" presName="text" presStyleLbl="fgAcc0" presStyleIdx="3" presStyleCnt="6">
-        <dgm:presLayoutVars>
-          <dgm:chPref val="3"/>
-        </dgm:presLayoutVars>
-      </dgm:prSet>
-      <dgm:spPr/>
-    </dgm:pt>
-    <dgm:pt modelId="{86757D85-7C10-904B-A73C-A2D85F296A24}" type="pres">
-      <dgm:prSet presAssocID="{A6F7EB6E-C642-4F4C-ABBC-984A6A578904}" presName="hierChild2" presStyleCnt="0"/>
-      <dgm:spPr/>
-    </dgm:pt>
-    <dgm:pt modelId="{62AE1399-5DB5-584F-B0A5-D898D9413BF2}" type="pres">
-      <dgm:prSet presAssocID="{D8F8B6A2-EFAC-1F42-9E3B-FB13B42A22CA}" presName="hierRoot1" presStyleCnt="0"/>
-      <dgm:spPr/>
-    </dgm:pt>
-    <dgm:pt modelId="{63F5C522-E5C2-C34B-8C41-6CA5E5FAD90F}" type="pres">
-      <dgm:prSet presAssocID="{D8F8B6A2-EFAC-1F42-9E3B-FB13B42A22CA}" presName="composite" presStyleCnt="0"/>
-      <dgm:spPr/>
-    </dgm:pt>
-    <dgm:pt modelId="{9572989F-D376-4945-A3C8-8092CF99FE41}" type="pres">
-      <dgm:prSet presAssocID="{D8F8B6A2-EFAC-1F42-9E3B-FB13B42A22CA}" presName="background" presStyleLbl="node0" presStyleIdx="4" presStyleCnt="6"/>
-      <dgm:spPr/>
-    </dgm:pt>
-    <dgm:pt modelId="{D05B63CD-DCB3-8E4D-985E-3777D2AE9478}" type="pres">
-      <dgm:prSet presAssocID="{D8F8B6A2-EFAC-1F42-9E3B-FB13B42A22CA}" presName="text" presStyleLbl="fgAcc0" presStyleIdx="4" presStyleCnt="6">
-        <dgm:presLayoutVars>
-          <dgm:chPref val="3"/>
-        </dgm:presLayoutVars>
-      </dgm:prSet>
-      <dgm:spPr/>
-    </dgm:pt>
-    <dgm:pt modelId="{FC642FDE-1699-734A-B46C-8D650780A564}" type="pres">
-      <dgm:prSet presAssocID="{D8F8B6A2-EFAC-1F42-9E3B-FB13B42A22CA}" presName="hierChild2" presStyleCnt="0"/>
-      <dgm:spPr/>
-    </dgm:pt>
-    <dgm:pt modelId="{B7939822-CAF8-B14C-8CE8-A145E482EFFE}" type="pres">
-      <dgm:prSet presAssocID="{79BE6A82-C938-4E4B-A018-151AEDAB6DF3}" presName="hierRoot1" presStyleCnt="0"/>
-      <dgm:spPr/>
-    </dgm:pt>
-    <dgm:pt modelId="{106E0EAE-DAA0-A14D-8E4B-BDC21969F863}" type="pres">
-      <dgm:prSet presAssocID="{79BE6A82-C938-4E4B-A018-151AEDAB6DF3}" presName="composite" presStyleCnt="0"/>
-      <dgm:spPr/>
-    </dgm:pt>
-    <dgm:pt modelId="{04D925FF-3634-A645-A677-170528932C97}" type="pres">
-      <dgm:prSet presAssocID="{79BE6A82-C938-4E4B-A018-151AEDAB6DF3}" presName="background" presStyleLbl="node0" presStyleIdx="5" presStyleCnt="6"/>
-      <dgm:spPr/>
-    </dgm:pt>
-    <dgm:pt modelId="{46ED2C08-AD0C-724C-BFD5-3E172B9A60D3}" type="pres">
-      <dgm:prSet presAssocID="{79BE6A82-C938-4E4B-A018-151AEDAB6DF3}" presName="text" presStyleLbl="fgAcc0" presStyleIdx="5" presStyleCnt="6">
-        <dgm:presLayoutVars>
-          <dgm:chPref val="3"/>
-        </dgm:presLayoutVars>
-      </dgm:prSet>
-      <dgm:spPr/>
-    </dgm:pt>
-    <dgm:pt modelId="{495695D9-AEAE-BF42-B29C-C46A71D90C7E}" type="pres">
-      <dgm:prSet presAssocID="{79BE6A82-C938-4E4B-A018-151AEDAB6DF3}" presName="hierChild2" presStyleCnt="0"/>
-      <dgm:spPr/>
-    </dgm:pt>
-  </dgm:ptLst>
-  <dgm:cxnLst>
-    <dgm:cxn modelId="{8437220C-9706-164A-9AFE-2020D9832177}" type="presOf" srcId="{C0475F34-6689-AC4D-9BF2-D83BEDDCBA3A}" destId="{85AC10ED-52B7-DB4C-86FA-97E49B71FAEE}" srcOrd="0" destOrd="0" presId="urn:microsoft.com/office/officeart/2005/8/layout/hierarchy1"/>
-    <dgm:cxn modelId="{41029A24-92C9-684E-BAAE-2C4DC312AFFC}" type="presOf" srcId="{56D3C888-73EE-B545-8223-BB521E7EE471}" destId="{854F0C99-1A88-0C4A-8F02-3FFE7A46E38B}" srcOrd="0" destOrd="0" presId="urn:microsoft.com/office/officeart/2005/8/layout/hierarchy1"/>
-    <dgm:cxn modelId="{06F9D231-29AF-F042-982F-5319C6E55145}" srcId="{6CE6553D-D060-8849-9B93-B2BF85376115}" destId="{C0475F34-6689-AC4D-9BF2-D83BEDDCBA3A}" srcOrd="1" destOrd="0" parTransId="{F1213BA5-C624-3549-8064-D724B937D4DB}" sibTransId="{C2BACAC7-564A-FE4F-8511-1479C37CA0DB}"/>
-    <dgm:cxn modelId="{647E7544-77D0-7841-9C81-52D5CD4BC850}" srcId="{6CE6553D-D060-8849-9B93-B2BF85376115}" destId="{D8F8B6A2-EFAC-1F42-9E3B-FB13B42A22CA}" srcOrd="4" destOrd="0" parTransId="{F8047952-0B2C-EF40-9025-65C7FB3B284A}" sibTransId="{9C2DC1EC-9BDC-8B4C-A212-0F3CAAC4F037}"/>
-    <dgm:cxn modelId="{99C0B04B-55F2-C04B-807F-4400C92EC553}" srcId="{6CE6553D-D060-8849-9B93-B2BF85376115}" destId="{79BE6A82-C938-4E4B-A018-151AEDAB6DF3}" srcOrd="5" destOrd="0" parTransId="{22EF7ED9-1131-F041-9038-192986105321}" sibTransId="{85D68B9F-0C6E-ED44-9F19-CA768C5FC632}"/>
-    <dgm:cxn modelId="{C500434C-B6B5-714F-94EF-36DE9D0A106D}" srcId="{6CE6553D-D060-8849-9B93-B2BF85376115}" destId="{A6F7EB6E-C642-4F4C-ABBC-984A6A578904}" srcOrd="3" destOrd="0" parTransId="{3B48B757-8293-494A-9F24-34E555607425}" sibTransId="{7BCB851F-0FDC-D244-9D01-FBA01483564C}"/>
-    <dgm:cxn modelId="{8A59ED72-1DFA-3A4B-BF89-09AD38954F49}" srcId="{6CE6553D-D060-8849-9B93-B2BF85376115}" destId="{56D3C888-73EE-B545-8223-BB521E7EE471}" srcOrd="2" destOrd="0" parTransId="{251F3BE7-C6D3-D348-B890-03033DDD542D}" sibTransId="{92806237-C1C2-1244-A285-60CB8FB28918}"/>
-    <dgm:cxn modelId="{270ED078-1D12-FB4B-A533-C1E670E1ED73}" type="presOf" srcId="{6CE6553D-D060-8849-9B93-B2BF85376115}" destId="{2C540520-18E8-FF46-88E9-CBC1C84A728E}" srcOrd="0" destOrd="0" presId="urn:microsoft.com/office/officeart/2005/8/layout/hierarchy1"/>
-    <dgm:cxn modelId="{3C325991-7521-3447-A3E4-A7B8C91FF1F8}" srcId="{6CE6553D-D060-8849-9B93-B2BF85376115}" destId="{68039560-4081-FE45-8148-A68FB763894E}" srcOrd="0" destOrd="0" parTransId="{01ABC0D4-AB71-A74B-84D8-9F3EAD0EE2EB}" sibTransId="{B5FDEA61-FE72-7942-B587-E47E11CADB4E}"/>
-    <dgm:cxn modelId="{B0A70FB5-6915-7B4B-B58A-E1D47157BF37}" type="presOf" srcId="{68039560-4081-FE45-8148-A68FB763894E}" destId="{6E836FB7-8CBC-D74F-B54A-EF4013B5D8AE}" srcOrd="0" destOrd="0" presId="urn:microsoft.com/office/officeart/2005/8/layout/hierarchy1"/>
-    <dgm:cxn modelId="{86EAC1BF-7FAC-DD48-9E67-E3A9D0F62179}" type="presOf" srcId="{A6F7EB6E-C642-4F4C-ABBC-984A6A578904}" destId="{F59B2B5C-099E-CA45-B401-816D04642B86}" srcOrd="0" destOrd="0" presId="urn:microsoft.com/office/officeart/2005/8/layout/hierarchy1"/>
-    <dgm:cxn modelId="{ECE275E6-6BC9-654B-8788-FC40027858B0}" type="presOf" srcId="{79BE6A82-C938-4E4B-A018-151AEDAB6DF3}" destId="{46ED2C08-AD0C-724C-BFD5-3E172B9A60D3}" srcOrd="0" destOrd="0" presId="urn:microsoft.com/office/officeart/2005/8/layout/hierarchy1"/>
-    <dgm:cxn modelId="{80A812E8-8525-9041-B214-A803686BAF8C}" type="presOf" srcId="{D8F8B6A2-EFAC-1F42-9E3B-FB13B42A22CA}" destId="{D05B63CD-DCB3-8E4D-985E-3777D2AE9478}" srcOrd="0" destOrd="0" presId="urn:microsoft.com/office/officeart/2005/8/layout/hierarchy1"/>
-    <dgm:cxn modelId="{757DA583-86BE-E34C-BCFC-D2B5FAF9613C}" type="presParOf" srcId="{2C540520-18E8-FF46-88E9-CBC1C84A728E}" destId="{ED597108-37E6-5D43-AC45-52C397262338}" srcOrd="0" destOrd="0" presId="urn:microsoft.com/office/officeart/2005/8/layout/hierarchy1"/>
-    <dgm:cxn modelId="{718D7729-53F0-A84D-A9A9-C9CDFB26E9B7}" type="presParOf" srcId="{ED597108-37E6-5D43-AC45-52C397262338}" destId="{90281A32-26CC-3D4E-B235-BE55F26F4781}" srcOrd="0" destOrd="0" presId="urn:microsoft.com/office/officeart/2005/8/layout/hierarchy1"/>
-    <dgm:cxn modelId="{94308134-3E83-3A4A-91BB-48307A9CC85D}" type="presParOf" srcId="{90281A32-26CC-3D4E-B235-BE55F26F4781}" destId="{56A0CA4A-A47D-8641-AFE1-BBC059337238}" srcOrd="0" destOrd="0" presId="urn:microsoft.com/office/officeart/2005/8/layout/hierarchy1"/>
-    <dgm:cxn modelId="{136C2ED5-961D-DD49-99AF-91D60AE37DD9}" type="presParOf" srcId="{90281A32-26CC-3D4E-B235-BE55F26F4781}" destId="{6E836FB7-8CBC-D74F-B54A-EF4013B5D8AE}" srcOrd="1" destOrd="0" presId="urn:microsoft.com/office/officeart/2005/8/layout/hierarchy1"/>
-    <dgm:cxn modelId="{AC36374F-1383-654D-B371-0D148CB26F76}" type="presParOf" srcId="{ED597108-37E6-5D43-AC45-52C397262338}" destId="{CCA77B45-1656-0449-BBCF-430C73BF7044}" srcOrd="1" destOrd="0" presId="urn:microsoft.com/office/officeart/2005/8/layout/hierarchy1"/>
-    <dgm:cxn modelId="{F9DE605B-1083-E946-AA1E-337B191CA042}" type="presParOf" srcId="{2C540520-18E8-FF46-88E9-CBC1C84A728E}" destId="{77B56C81-2DDF-F549-A989-1BA8F549E3DA}" srcOrd="1" destOrd="0" presId="urn:microsoft.com/office/officeart/2005/8/layout/hierarchy1"/>
-    <dgm:cxn modelId="{381BB2EA-E529-ED4B-8742-CB339C2BF1FC}" type="presParOf" srcId="{77B56C81-2DDF-F549-A989-1BA8F549E3DA}" destId="{E646CFA9-815A-2C4D-8D22-6B841F440E1B}" srcOrd="0" destOrd="0" presId="urn:microsoft.com/office/officeart/2005/8/layout/hierarchy1"/>
-    <dgm:cxn modelId="{18FEEC9D-1557-824F-A919-16CF7A120DD9}" type="presParOf" srcId="{E646CFA9-815A-2C4D-8D22-6B841F440E1B}" destId="{CC251379-45D7-7F4F-A51F-E9F7771C7EAA}" srcOrd="0" destOrd="0" presId="urn:microsoft.com/office/officeart/2005/8/layout/hierarchy1"/>
-    <dgm:cxn modelId="{BCE94859-3683-BA4C-9B82-1367BB439006}" type="presParOf" srcId="{E646CFA9-815A-2C4D-8D22-6B841F440E1B}" destId="{85AC10ED-52B7-DB4C-86FA-97E49B71FAEE}" srcOrd="1" destOrd="0" presId="urn:microsoft.com/office/officeart/2005/8/layout/hierarchy1"/>
-    <dgm:cxn modelId="{F839A5EB-FCAF-7048-8B1B-2670F69CE299}" type="presParOf" srcId="{77B56C81-2DDF-F549-A989-1BA8F549E3DA}" destId="{1B6B8C06-C7C0-0C4D-B737-12D1BBF6A12D}" srcOrd="1" destOrd="0" presId="urn:microsoft.com/office/officeart/2005/8/layout/hierarchy1"/>
-    <dgm:cxn modelId="{1F958C25-C9DC-1244-AD4E-E22A3DC483C9}" type="presParOf" srcId="{2C540520-18E8-FF46-88E9-CBC1C84A728E}" destId="{649586BF-DBC3-604D-BAA2-0D1EC9C6E038}" srcOrd="2" destOrd="0" presId="urn:microsoft.com/office/officeart/2005/8/layout/hierarchy1"/>
-    <dgm:cxn modelId="{E2D4891A-2F31-3040-A792-BCD203DD21D8}" type="presParOf" srcId="{649586BF-DBC3-604D-BAA2-0D1EC9C6E038}" destId="{81DECBF6-9C98-0C40-BEA4-67690000AA6B}" srcOrd="0" destOrd="0" presId="urn:microsoft.com/office/officeart/2005/8/layout/hierarchy1"/>
-    <dgm:cxn modelId="{5D789315-8DCA-2C45-9C3A-E3ACDEC365BA}" type="presParOf" srcId="{81DECBF6-9C98-0C40-BEA4-67690000AA6B}" destId="{B1FB94E5-F858-7948-AE9E-5C703AC06A88}" srcOrd="0" destOrd="0" presId="urn:microsoft.com/office/officeart/2005/8/layout/hierarchy1"/>
-    <dgm:cxn modelId="{7E500814-4F98-D64B-9395-E78F79EDAE79}" type="presParOf" srcId="{81DECBF6-9C98-0C40-BEA4-67690000AA6B}" destId="{854F0C99-1A88-0C4A-8F02-3FFE7A46E38B}" srcOrd="1" destOrd="0" presId="urn:microsoft.com/office/officeart/2005/8/layout/hierarchy1"/>
-    <dgm:cxn modelId="{0DC6FFCE-0A7C-D14B-87E7-5FC6F44ABA86}" type="presParOf" srcId="{649586BF-DBC3-604D-BAA2-0D1EC9C6E038}" destId="{8138E3AE-3785-BC41-8B2D-B460622D79F8}" srcOrd="1" destOrd="0" presId="urn:microsoft.com/office/officeart/2005/8/layout/hierarchy1"/>
-    <dgm:cxn modelId="{E83E1471-D431-7C41-9BB4-A3DE915ED827}" type="presParOf" srcId="{2C540520-18E8-FF46-88E9-CBC1C84A728E}" destId="{BF13ED02-1085-B043-A70B-41625626527E}" srcOrd="3" destOrd="0" presId="urn:microsoft.com/office/officeart/2005/8/layout/hierarchy1"/>
-    <dgm:cxn modelId="{1CC15DD0-5E41-9A4C-931D-0738EF53C6E9}" type="presParOf" srcId="{BF13ED02-1085-B043-A70B-41625626527E}" destId="{DEED8AB6-E655-3E47-B99C-A63C1F1751CE}" srcOrd="0" destOrd="0" presId="urn:microsoft.com/office/officeart/2005/8/layout/hierarchy1"/>
-    <dgm:cxn modelId="{59736818-9171-BE48-B521-991FB8F15999}" type="presParOf" srcId="{DEED8AB6-E655-3E47-B99C-A63C1F1751CE}" destId="{3E767FDA-9AA2-CA4C-AA41-C91E92761675}" srcOrd="0" destOrd="0" presId="urn:microsoft.com/office/officeart/2005/8/layout/hierarchy1"/>
-    <dgm:cxn modelId="{65B82220-67AB-4C4C-966D-CE62EE79F242}" type="presParOf" srcId="{DEED8AB6-E655-3E47-B99C-A63C1F1751CE}" destId="{F59B2B5C-099E-CA45-B401-816D04642B86}" srcOrd="1" destOrd="0" presId="urn:microsoft.com/office/officeart/2005/8/layout/hierarchy1"/>
-    <dgm:cxn modelId="{C3DCB18A-CA18-D645-B133-D32EE36BE7FC}" type="presParOf" srcId="{BF13ED02-1085-B043-A70B-41625626527E}" destId="{86757D85-7C10-904B-A73C-A2D85F296A24}" srcOrd="1" destOrd="0" presId="urn:microsoft.com/office/officeart/2005/8/layout/hierarchy1"/>
-    <dgm:cxn modelId="{713C59E2-017D-2F4A-987F-00E5BDFE37C1}" type="presParOf" srcId="{2C540520-18E8-FF46-88E9-CBC1C84A728E}" destId="{62AE1399-5DB5-584F-B0A5-D898D9413BF2}" srcOrd="4" destOrd="0" presId="urn:microsoft.com/office/officeart/2005/8/layout/hierarchy1"/>
-    <dgm:cxn modelId="{CEB030CC-FB2D-FC45-A472-4EEA11735850}" type="presParOf" srcId="{62AE1399-5DB5-584F-B0A5-D898D9413BF2}" destId="{63F5C522-E5C2-C34B-8C41-6CA5E5FAD90F}" srcOrd="0" destOrd="0" presId="urn:microsoft.com/office/officeart/2005/8/layout/hierarchy1"/>
-    <dgm:cxn modelId="{EB2894AE-BA12-2B45-B5CC-8038466400EA}" type="presParOf" srcId="{63F5C522-E5C2-C34B-8C41-6CA5E5FAD90F}" destId="{9572989F-D376-4945-A3C8-8092CF99FE41}" srcOrd="0" destOrd="0" presId="urn:microsoft.com/office/officeart/2005/8/layout/hierarchy1"/>
-    <dgm:cxn modelId="{885CF94F-5C39-4C49-AA9C-2C30B1CEF96F}" type="presParOf" srcId="{63F5C522-E5C2-C34B-8C41-6CA5E5FAD90F}" destId="{D05B63CD-DCB3-8E4D-985E-3777D2AE9478}" srcOrd="1" destOrd="0" presId="urn:microsoft.com/office/officeart/2005/8/layout/hierarchy1"/>
-    <dgm:cxn modelId="{6A69CBDB-DCAD-664F-B0F2-EC73C5F5D7BF}" type="presParOf" srcId="{62AE1399-5DB5-584F-B0A5-D898D9413BF2}" destId="{FC642FDE-1699-734A-B46C-8D650780A564}" srcOrd="1" destOrd="0" presId="urn:microsoft.com/office/officeart/2005/8/layout/hierarchy1"/>
-    <dgm:cxn modelId="{9666FC50-5BAA-1548-B0C8-CB9F6E5E686A}" type="presParOf" srcId="{2C540520-18E8-FF46-88E9-CBC1C84A728E}" destId="{B7939822-CAF8-B14C-8CE8-A145E482EFFE}" srcOrd="5" destOrd="0" presId="urn:microsoft.com/office/officeart/2005/8/layout/hierarchy1"/>
-    <dgm:cxn modelId="{6A42293B-DFE5-AB45-B875-7093C178FFF5}" type="presParOf" srcId="{B7939822-CAF8-B14C-8CE8-A145E482EFFE}" destId="{106E0EAE-DAA0-A14D-8E4B-BDC21969F863}" srcOrd="0" destOrd="0" presId="urn:microsoft.com/office/officeart/2005/8/layout/hierarchy1"/>
-    <dgm:cxn modelId="{73E50A1C-3F52-3E43-8D17-EF26C7EBB11A}" type="presParOf" srcId="{106E0EAE-DAA0-A14D-8E4B-BDC21969F863}" destId="{04D925FF-3634-A645-A677-170528932C97}" srcOrd="0" destOrd="0" presId="urn:microsoft.com/office/officeart/2005/8/layout/hierarchy1"/>
-    <dgm:cxn modelId="{34DD2635-C93D-554D-A31C-35DB19C88B19}" type="presParOf" srcId="{106E0EAE-DAA0-A14D-8E4B-BDC21969F863}" destId="{46ED2C08-AD0C-724C-BFD5-3E172B9A60D3}" srcOrd="1" destOrd="0" presId="urn:microsoft.com/office/officeart/2005/8/layout/hierarchy1"/>
-    <dgm:cxn modelId="{8F4EAC48-A742-4546-BFB1-4050328148DD}" type="presParOf" srcId="{B7939822-CAF8-B14C-8CE8-A145E482EFFE}" destId="{495695D9-AEAE-BF42-B29C-C46A71D90C7E}" srcOrd="1" destOrd="0" presId="urn:microsoft.com/office/officeart/2005/8/layout/hierarchy1"/>
   </dgm:cxnLst>
   <dgm:bg/>
   <dgm:whole/>
@@ -3684,8 +1252,8 @@
       </dsp:nvSpPr>
       <dsp:spPr>
         <a:xfrm>
-          <a:off x="1448" y="2100927"/>
-          <a:ext cx="1643107" cy="1043373"/>
+          <a:off x="4057" y="1977314"/>
+          <a:ext cx="1976944" cy="1255359"/>
         </a:xfrm>
         <a:prstGeom prst="roundRect">
           <a:avLst>
@@ -3736,8 +1304,8 @@
       </dsp:nvSpPr>
       <dsp:spPr>
         <a:xfrm>
-          <a:off x="184016" y="2274366"/>
-          <a:ext cx="1643107" cy="1043373"/>
+          <a:off x="223717" y="2185992"/>
+          <a:ext cx="1976944" cy="1255359"/>
         </a:xfrm>
         <a:prstGeom prst="roundRect">
           <a:avLst>
@@ -3780,12 +1348,12 @@
         <a:fontRef idx="minor"/>
       </dsp:style>
       <dsp:txBody>
-        <a:bodyPr spcFirstLastPara="0" vert="horz" wrap="square" lIns="83820" tIns="83820" rIns="83820" bIns="83820" numCol="1" spcCol="1270" anchor="ctr" anchorCtr="0">
+        <a:bodyPr spcFirstLastPara="0" vert="horz" wrap="square" lIns="102870" tIns="102870" rIns="102870" bIns="102870" numCol="1" spcCol="1270" anchor="ctr" anchorCtr="0">
           <a:noAutofit/>
         </a:bodyPr>
         <a:lstStyle/>
         <a:p>
-          <a:pPr marL="0" lvl="0" indent="0" algn="ctr" defTabSz="977900">
+          <a:pPr marL="0" lvl="0" indent="0" algn="ctr" defTabSz="1200150">
             <a:lnSpc>
               <a:spcPct val="90000"/>
             </a:lnSpc>
@@ -3798,14 +1366,14 @@
             <a:buNone/>
           </a:pPr>
           <a:r>
-            <a:rPr lang="en-US" sz="2200" kern="1200" dirty="0"/>
+            <a:rPr lang="en-US" sz="2700" kern="1200" dirty="0"/>
             <a:t>Data Gathering</a:t>
           </a:r>
         </a:p>
       </dsp:txBody>
       <dsp:txXfrm>
-        <a:off x="214575" y="2304925"/>
-        <a:ext cx="1581989" cy="982255"/>
+        <a:off x="260485" y="2222760"/>
+        <a:ext cx="1903408" cy="1181823"/>
       </dsp:txXfrm>
     </dsp:sp>
     <dsp:sp modelId="{CC251379-45D7-7F4F-A51F-E9F7771C7EAA}">
@@ -3815,8 +1383,8 @@
       </dsp:nvSpPr>
       <dsp:spPr>
         <a:xfrm>
-          <a:off x="2009691" y="2100927"/>
-          <a:ext cx="1643107" cy="1043373"/>
+          <a:off x="2420322" y="1977314"/>
+          <a:ext cx="1976944" cy="1255359"/>
         </a:xfrm>
         <a:prstGeom prst="roundRect">
           <a:avLst>
@@ -3867,8 +1435,8 @@
       </dsp:nvSpPr>
       <dsp:spPr>
         <a:xfrm>
-          <a:off x="2192258" y="2274366"/>
-          <a:ext cx="1643107" cy="1043373"/>
+          <a:off x="2639983" y="2185992"/>
+          <a:ext cx="1976944" cy="1255359"/>
         </a:xfrm>
         <a:prstGeom prst="roundRect">
           <a:avLst>
@@ -3911,12 +1479,12 @@
         <a:fontRef idx="minor"/>
       </dsp:style>
       <dsp:txBody>
-        <a:bodyPr spcFirstLastPara="0" vert="horz" wrap="square" lIns="83820" tIns="83820" rIns="83820" bIns="83820" numCol="1" spcCol="1270" anchor="ctr" anchorCtr="0">
+        <a:bodyPr spcFirstLastPara="0" vert="horz" wrap="square" lIns="102870" tIns="102870" rIns="102870" bIns="102870" numCol="1" spcCol="1270" anchor="ctr" anchorCtr="0">
           <a:noAutofit/>
         </a:bodyPr>
         <a:lstStyle/>
         <a:p>
-          <a:pPr marL="0" lvl="0" indent="0" algn="ctr" defTabSz="977900">
+          <a:pPr marL="0" lvl="0" indent="0" algn="ctr" defTabSz="1200150">
             <a:lnSpc>
               <a:spcPct val="90000"/>
             </a:lnSpc>
@@ -3929,14 +1497,14 @@
             <a:buNone/>
           </a:pPr>
           <a:r>
-            <a:rPr lang="en-US" sz="2200" kern="1200" dirty="0"/>
+            <a:rPr lang="en-US" sz="2700" kern="1200" dirty="0"/>
             <a:t>Data Cleaning</a:t>
           </a:r>
         </a:p>
       </dsp:txBody>
       <dsp:txXfrm>
-        <a:off x="2222817" y="2304925"/>
-        <a:ext cx="1581989" cy="982255"/>
+        <a:off x="2676751" y="2222760"/>
+        <a:ext cx="1903408" cy="1181823"/>
       </dsp:txXfrm>
     </dsp:sp>
     <dsp:sp modelId="{B1FB94E5-F858-7948-AE9E-5C703AC06A88}">
@@ -3946,8 +1514,8 @@
       </dsp:nvSpPr>
       <dsp:spPr>
         <a:xfrm>
-          <a:off x="4017933" y="2100927"/>
-          <a:ext cx="1643107" cy="1043373"/>
+          <a:off x="4836588" y="1977314"/>
+          <a:ext cx="1976944" cy="1255359"/>
         </a:xfrm>
         <a:prstGeom prst="roundRect">
           <a:avLst>
@@ -3998,8 +1566,8 @@
       </dsp:nvSpPr>
       <dsp:spPr>
         <a:xfrm>
-          <a:off x="4200500" y="2274366"/>
-          <a:ext cx="1643107" cy="1043373"/>
+          <a:off x="5056249" y="2185992"/>
+          <a:ext cx="1976944" cy="1255359"/>
         </a:xfrm>
         <a:prstGeom prst="roundRect">
           <a:avLst>
@@ -4042,12 +1610,12 @@
         <a:fontRef idx="minor"/>
       </dsp:style>
       <dsp:txBody>
-        <a:bodyPr spcFirstLastPara="0" vert="horz" wrap="square" lIns="83820" tIns="83820" rIns="83820" bIns="83820" numCol="1" spcCol="1270" anchor="ctr" anchorCtr="0">
+        <a:bodyPr spcFirstLastPara="0" vert="horz" wrap="square" lIns="102870" tIns="102870" rIns="102870" bIns="102870" numCol="1" spcCol="1270" anchor="ctr" anchorCtr="0">
           <a:noAutofit/>
         </a:bodyPr>
         <a:lstStyle/>
         <a:p>
-          <a:pPr marL="0" lvl="0" indent="0" algn="ctr" defTabSz="977900">
+          <a:pPr marL="0" lvl="0" indent="0" algn="ctr" defTabSz="1200150">
             <a:lnSpc>
               <a:spcPct val="90000"/>
             </a:lnSpc>
@@ -4060,14 +1628,14 @@
             <a:buNone/>
           </a:pPr>
           <a:r>
-            <a:rPr lang="en-US" sz="2200" kern="1200" dirty="0"/>
-            <a:t>Data Conversion</a:t>
+            <a:rPr lang="en-US" sz="2700" kern="1200" dirty="0"/>
+            <a:t>Data Storage</a:t>
           </a:r>
         </a:p>
       </dsp:txBody>
       <dsp:txXfrm>
-        <a:off x="4231059" y="2304925"/>
-        <a:ext cx="1581989" cy="982255"/>
+        <a:off x="5093017" y="2222760"/>
+        <a:ext cx="1903408" cy="1181823"/>
       </dsp:txXfrm>
     </dsp:sp>
     <dsp:sp modelId="{3E767FDA-9AA2-CA4C-AA41-C91E92761675}">
@@ -4077,8 +1645,8 @@
       </dsp:nvSpPr>
       <dsp:spPr>
         <a:xfrm>
-          <a:off x="6026175" y="2100927"/>
-          <a:ext cx="1643107" cy="1043373"/>
+          <a:off x="7252854" y="1977314"/>
+          <a:ext cx="1976944" cy="1255359"/>
         </a:xfrm>
         <a:prstGeom prst="roundRect">
           <a:avLst>
@@ -4129,8 +1697,8 @@
       </dsp:nvSpPr>
       <dsp:spPr>
         <a:xfrm>
-          <a:off x="6208742" y="2274366"/>
-          <a:ext cx="1643107" cy="1043373"/>
+          <a:off x="7472515" y="2185992"/>
+          <a:ext cx="1976944" cy="1255359"/>
         </a:xfrm>
         <a:prstGeom prst="roundRect">
           <a:avLst>
@@ -4173,12 +1741,12 @@
         <a:fontRef idx="minor"/>
       </dsp:style>
       <dsp:txBody>
-        <a:bodyPr spcFirstLastPara="0" vert="horz" wrap="square" lIns="83820" tIns="83820" rIns="83820" bIns="83820" numCol="1" spcCol="1270" anchor="ctr" anchorCtr="0">
+        <a:bodyPr spcFirstLastPara="0" vert="horz" wrap="square" lIns="102870" tIns="102870" rIns="102870" bIns="102870" numCol="1" spcCol="1270" anchor="ctr" anchorCtr="0">
           <a:noAutofit/>
         </a:bodyPr>
         <a:lstStyle/>
         <a:p>
-          <a:pPr marL="0" lvl="0" indent="0" algn="ctr" defTabSz="977900">
+          <a:pPr marL="0" lvl="0" indent="0" algn="ctr" defTabSz="1200150">
             <a:lnSpc>
               <a:spcPct val="90000"/>
             </a:lnSpc>
@@ -4191,14 +1759,14 @@
             <a:buNone/>
           </a:pPr>
           <a:r>
-            <a:rPr lang="en-US" sz="2200" kern="1200" dirty="0"/>
-            <a:t>Data Storage</a:t>
+            <a:rPr lang="en-US" sz="2700" kern="1200" dirty="0"/>
+            <a:t>Data Conversion</a:t>
           </a:r>
         </a:p>
       </dsp:txBody>
       <dsp:txXfrm>
-        <a:off x="6239301" y="2304925"/>
-        <a:ext cx="1581989" cy="982255"/>
+        <a:off x="7509283" y="2222760"/>
+        <a:ext cx="1903408" cy="1181823"/>
       </dsp:txXfrm>
     </dsp:sp>
     <dsp:sp modelId="{9572989F-D376-4945-A3C8-8092CF99FE41}">
@@ -4208,8 +1776,8 @@
       </dsp:nvSpPr>
       <dsp:spPr>
         <a:xfrm>
-          <a:off x="8034417" y="2100927"/>
-          <a:ext cx="1643107" cy="1043373"/>
+          <a:off x="9669120" y="1977314"/>
+          <a:ext cx="1976944" cy="1255359"/>
         </a:xfrm>
         <a:prstGeom prst="roundRect">
           <a:avLst>
@@ -4260,8 +1828,8 @@
       </dsp:nvSpPr>
       <dsp:spPr>
         <a:xfrm>
-          <a:off x="8216984" y="2274366"/>
-          <a:ext cx="1643107" cy="1043373"/>
+          <a:off x="9888781" y="2185992"/>
+          <a:ext cx="1976944" cy="1255359"/>
         </a:xfrm>
         <a:prstGeom prst="roundRect">
           <a:avLst>
@@ -4304,12 +1872,12 @@
         <a:fontRef idx="minor"/>
       </dsp:style>
       <dsp:txBody>
-        <a:bodyPr spcFirstLastPara="0" vert="horz" wrap="square" lIns="83820" tIns="83820" rIns="83820" bIns="83820" numCol="1" spcCol="1270" anchor="ctr" anchorCtr="0">
+        <a:bodyPr spcFirstLastPara="0" vert="horz" wrap="square" lIns="102870" tIns="102870" rIns="102870" bIns="102870" numCol="1" spcCol="1270" anchor="ctr" anchorCtr="0">
           <a:noAutofit/>
         </a:bodyPr>
         <a:lstStyle/>
         <a:p>
-          <a:pPr marL="0" lvl="0" indent="0" algn="ctr" defTabSz="977900">
+          <a:pPr marL="0" lvl="0" indent="0" algn="ctr" defTabSz="1200150">
             <a:lnSpc>
               <a:spcPct val="90000"/>
             </a:lnSpc>
@@ -4322,1741 +1890,14 @@
             <a:buNone/>
           </a:pPr>
           <a:r>
-            <a:rPr lang="en-US" sz="2200" kern="1200" dirty="0"/>
-            <a:t>JavaScript coding</a:t>
+            <a:rPr lang="en-US" sz="2700" kern="1200" dirty="0"/>
+            <a:t>JavaScript &amp; HTML</a:t>
           </a:r>
         </a:p>
       </dsp:txBody>
       <dsp:txXfrm>
-        <a:off x="8247543" y="2304925"/>
-        <a:ext cx="1581989" cy="982255"/>
-      </dsp:txXfrm>
-    </dsp:sp>
-    <dsp:sp modelId="{04D925FF-3634-A645-A677-170528932C97}">
-      <dsp:nvSpPr>
-        <dsp:cNvPr id="0" name=""/>
-        <dsp:cNvSpPr/>
-      </dsp:nvSpPr>
-      <dsp:spPr>
-        <a:xfrm>
-          <a:off x="10042659" y="2100927"/>
-          <a:ext cx="1643107" cy="1043373"/>
-        </a:xfrm>
-        <a:prstGeom prst="roundRect">
-          <a:avLst>
-            <a:gd name="adj" fmla="val 10000"/>
-          </a:avLst>
-        </a:prstGeom>
-        <a:solidFill>
-          <a:schemeClr val="accent1">
-            <a:hueOff val="0"/>
-            <a:satOff val="0"/>
-            <a:lumOff val="0"/>
-            <a:alphaOff val="0"/>
-          </a:schemeClr>
-        </a:solidFill>
-        <a:ln w="19050" cap="flat" cmpd="sng" algn="ctr">
-          <a:solidFill>
-            <a:schemeClr val="lt1">
-              <a:hueOff val="0"/>
-              <a:satOff val="0"/>
-              <a:lumOff val="0"/>
-              <a:alphaOff val="0"/>
-            </a:schemeClr>
-          </a:solidFill>
-          <a:prstDash val="solid"/>
-          <a:miter lim="800000"/>
-        </a:ln>
-        <a:effectLst/>
-      </dsp:spPr>
-      <dsp:style>
-        <a:lnRef idx="2">
-          <a:scrgbClr r="0" g="0" b="0"/>
-        </a:lnRef>
-        <a:fillRef idx="1">
-          <a:scrgbClr r="0" g="0" b="0"/>
-        </a:fillRef>
-        <a:effectRef idx="0">
-          <a:scrgbClr r="0" g="0" b="0"/>
-        </a:effectRef>
-        <a:fontRef idx="minor">
-          <a:schemeClr val="lt1"/>
-        </a:fontRef>
-      </dsp:style>
-    </dsp:sp>
-    <dsp:sp modelId="{46ED2C08-AD0C-724C-BFD5-3E172B9A60D3}">
-      <dsp:nvSpPr>
-        <dsp:cNvPr id="0" name=""/>
-        <dsp:cNvSpPr/>
-      </dsp:nvSpPr>
-      <dsp:spPr>
-        <a:xfrm>
-          <a:off x="10225226" y="2274366"/>
-          <a:ext cx="1643107" cy="1043373"/>
-        </a:xfrm>
-        <a:prstGeom prst="roundRect">
-          <a:avLst>
-            <a:gd name="adj" fmla="val 10000"/>
-          </a:avLst>
-        </a:prstGeom>
-        <a:solidFill>
-          <a:schemeClr val="lt1">
-            <a:alpha val="90000"/>
-            <a:hueOff val="0"/>
-            <a:satOff val="0"/>
-            <a:lumOff val="0"/>
-            <a:alphaOff val="0"/>
-          </a:schemeClr>
-        </a:solidFill>
-        <a:ln w="19050" cap="flat" cmpd="sng" algn="ctr">
-          <a:solidFill>
-            <a:schemeClr val="accent1">
-              <a:hueOff val="0"/>
-              <a:satOff val="0"/>
-              <a:lumOff val="0"/>
-              <a:alphaOff val="0"/>
-            </a:schemeClr>
-          </a:solidFill>
-          <a:prstDash val="solid"/>
-          <a:miter lim="800000"/>
-        </a:ln>
-        <a:effectLst/>
-      </dsp:spPr>
-      <dsp:style>
-        <a:lnRef idx="2">
-          <a:scrgbClr r="0" g="0" b="0"/>
-        </a:lnRef>
-        <a:fillRef idx="1">
-          <a:scrgbClr r="0" g="0" b="0"/>
-        </a:fillRef>
-        <a:effectRef idx="0">
-          <a:scrgbClr r="0" g="0" b="0"/>
-        </a:effectRef>
-        <a:fontRef idx="minor"/>
-      </dsp:style>
-      <dsp:txBody>
-        <a:bodyPr spcFirstLastPara="0" vert="horz" wrap="square" lIns="83820" tIns="83820" rIns="83820" bIns="83820" numCol="1" spcCol="1270" anchor="ctr" anchorCtr="0">
-          <a:noAutofit/>
-        </a:bodyPr>
-        <a:lstStyle/>
-        <a:p>
-          <a:pPr marL="0" lvl="0" indent="0" algn="ctr" defTabSz="977900">
-            <a:lnSpc>
-              <a:spcPct val="90000"/>
-            </a:lnSpc>
-            <a:spcBef>
-              <a:spcPct val="0"/>
-            </a:spcBef>
-            <a:spcAft>
-              <a:spcPct val="35000"/>
-            </a:spcAft>
-            <a:buNone/>
-          </a:pPr>
-          <a:r>
-            <a:rPr lang="en-US" sz="2200" kern="1200" dirty="0"/>
-            <a:t>HTML Coding</a:t>
-          </a:r>
-        </a:p>
-      </dsp:txBody>
-      <dsp:txXfrm>
-        <a:off x="10255785" y="2304925"/>
-        <a:ext cx="1581989" cy="982255"/>
-      </dsp:txXfrm>
-    </dsp:sp>
-  </dsp:spTree>
-</dsp:drawing>
-</file>
-
-<file path=ppt/diagrams/drawing2.xml><?xml version="1.0" encoding="utf-8"?>
-<dsp:drawing xmlns:dgm="http://schemas.openxmlformats.org/drawingml/2006/diagram" xmlns:dsp="http://schemas.microsoft.com/office/drawing/2008/diagram" xmlns:a="http://schemas.openxmlformats.org/drawingml/2006/main">
-  <dsp:spTree>
-    <dsp:nvGrpSpPr>
-      <dsp:cNvPr id="0" name=""/>
-      <dsp:cNvGrpSpPr/>
-    </dsp:nvGrpSpPr>
-    <dsp:grpSpPr/>
-    <dsp:sp modelId="{56A0CA4A-A47D-8641-AFE1-BBC059337238}">
-      <dsp:nvSpPr>
-        <dsp:cNvPr id="0" name=""/>
-        <dsp:cNvSpPr/>
-      </dsp:nvSpPr>
-      <dsp:spPr>
-        <a:xfrm>
-          <a:off x="1448" y="2100927"/>
-          <a:ext cx="1643107" cy="1043373"/>
-        </a:xfrm>
-        <a:prstGeom prst="roundRect">
-          <a:avLst>
-            <a:gd name="adj" fmla="val 10000"/>
-          </a:avLst>
-        </a:prstGeom>
-        <a:solidFill>
-          <a:schemeClr val="accent1">
-            <a:hueOff val="0"/>
-            <a:satOff val="0"/>
-            <a:lumOff val="0"/>
-            <a:alphaOff val="0"/>
-          </a:schemeClr>
-        </a:solidFill>
-        <a:ln w="19050" cap="flat" cmpd="sng" algn="ctr">
-          <a:solidFill>
-            <a:schemeClr val="lt1">
-              <a:hueOff val="0"/>
-              <a:satOff val="0"/>
-              <a:lumOff val="0"/>
-              <a:alphaOff val="0"/>
-            </a:schemeClr>
-          </a:solidFill>
-          <a:prstDash val="solid"/>
-          <a:miter lim="800000"/>
-        </a:ln>
-        <a:effectLst/>
-      </dsp:spPr>
-      <dsp:style>
-        <a:lnRef idx="2">
-          <a:scrgbClr r="0" g="0" b="0"/>
-        </a:lnRef>
-        <a:fillRef idx="1">
-          <a:scrgbClr r="0" g="0" b="0"/>
-        </a:fillRef>
-        <a:effectRef idx="0">
-          <a:scrgbClr r="0" g="0" b="0"/>
-        </a:effectRef>
-        <a:fontRef idx="minor">
-          <a:schemeClr val="lt1"/>
-        </a:fontRef>
-      </dsp:style>
-    </dsp:sp>
-    <dsp:sp modelId="{6E836FB7-8CBC-D74F-B54A-EF4013B5D8AE}">
-      <dsp:nvSpPr>
-        <dsp:cNvPr id="0" name=""/>
-        <dsp:cNvSpPr/>
-      </dsp:nvSpPr>
-      <dsp:spPr>
-        <a:xfrm>
-          <a:off x="184016" y="2274366"/>
-          <a:ext cx="1643107" cy="1043373"/>
-        </a:xfrm>
-        <a:prstGeom prst="roundRect">
-          <a:avLst>
-            <a:gd name="adj" fmla="val 10000"/>
-          </a:avLst>
-        </a:prstGeom>
-        <a:solidFill>
-          <a:schemeClr val="lt1">
-            <a:alpha val="90000"/>
-            <a:hueOff val="0"/>
-            <a:satOff val="0"/>
-            <a:lumOff val="0"/>
-            <a:alphaOff val="0"/>
-          </a:schemeClr>
-        </a:solidFill>
-        <a:ln w="19050" cap="flat" cmpd="sng" algn="ctr">
-          <a:solidFill>
-            <a:schemeClr val="accent1">
-              <a:hueOff val="0"/>
-              <a:satOff val="0"/>
-              <a:lumOff val="0"/>
-              <a:alphaOff val="0"/>
-            </a:schemeClr>
-          </a:solidFill>
-          <a:prstDash val="solid"/>
-          <a:miter lim="800000"/>
-        </a:ln>
-        <a:effectLst/>
-      </dsp:spPr>
-      <dsp:style>
-        <a:lnRef idx="2">
-          <a:scrgbClr r="0" g="0" b="0"/>
-        </a:lnRef>
-        <a:fillRef idx="1">
-          <a:scrgbClr r="0" g="0" b="0"/>
-        </a:fillRef>
-        <a:effectRef idx="0">
-          <a:scrgbClr r="0" g="0" b="0"/>
-        </a:effectRef>
-        <a:fontRef idx="minor"/>
-      </dsp:style>
-      <dsp:txBody>
-        <a:bodyPr spcFirstLastPara="0" vert="horz" wrap="square" lIns="83820" tIns="83820" rIns="83820" bIns="83820" numCol="1" spcCol="1270" anchor="ctr" anchorCtr="0">
-          <a:noAutofit/>
-        </a:bodyPr>
-        <a:lstStyle/>
-        <a:p>
-          <a:pPr marL="0" lvl="0" indent="0" algn="ctr" defTabSz="977900">
-            <a:lnSpc>
-              <a:spcPct val="90000"/>
-            </a:lnSpc>
-            <a:spcBef>
-              <a:spcPct val="0"/>
-            </a:spcBef>
-            <a:spcAft>
-              <a:spcPct val="35000"/>
-            </a:spcAft>
-            <a:buNone/>
-          </a:pPr>
-          <a:r>
-            <a:rPr lang="en-US" sz="2200" kern="1200" dirty="0"/>
-            <a:t>Data Gathering</a:t>
-          </a:r>
-        </a:p>
-      </dsp:txBody>
-      <dsp:txXfrm>
-        <a:off x="214575" y="2304925"/>
-        <a:ext cx="1581989" cy="982255"/>
-      </dsp:txXfrm>
-    </dsp:sp>
-    <dsp:sp modelId="{CC251379-45D7-7F4F-A51F-E9F7771C7EAA}">
-      <dsp:nvSpPr>
-        <dsp:cNvPr id="0" name=""/>
-        <dsp:cNvSpPr/>
-      </dsp:nvSpPr>
-      <dsp:spPr>
-        <a:xfrm>
-          <a:off x="2009691" y="2100927"/>
-          <a:ext cx="1643107" cy="1043373"/>
-        </a:xfrm>
-        <a:prstGeom prst="roundRect">
-          <a:avLst>
-            <a:gd name="adj" fmla="val 10000"/>
-          </a:avLst>
-        </a:prstGeom>
-        <a:solidFill>
-          <a:schemeClr val="accent1">
-            <a:hueOff val="0"/>
-            <a:satOff val="0"/>
-            <a:lumOff val="0"/>
-            <a:alphaOff val="0"/>
-          </a:schemeClr>
-        </a:solidFill>
-        <a:ln w="19050" cap="flat" cmpd="sng" algn="ctr">
-          <a:solidFill>
-            <a:schemeClr val="lt1">
-              <a:hueOff val="0"/>
-              <a:satOff val="0"/>
-              <a:lumOff val="0"/>
-              <a:alphaOff val="0"/>
-            </a:schemeClr>
-          </a:solidFill>
-          <a:prstDash val="solid"/>
-          <a:miter lim="800000"/>
-        </a:ln>
-        <a:effectLst/>
-      </dsp:spPr>
-      <dsp:style>
-        <a:lnRef idx="2">
-          <a:scrgbClr r="0" g="0" b="0"/>
-        </a:lnRef>
-        <a:fillRef idx="1">
-          <a:scrgbClr r="0" g="0" b="0"/>
-        </a:fillRef>
-        <a:effectRef idx="0">
-          <a:scrgbClr r="0" g="0" b="0"/>
-        </a:effectRef>
-        <a:fontRef idx="minor">
-          <a:schemeClr val="lt1"/>
-        </a:fontRef>
-      </dsp:style>
-    </dsp:sp>
-    <dsp:sp modelId="{85AC10ED-52B7-DB4C-86FA-97E49B71FAEE}">
-      <dsp:nvSpPr>
-        <dsp:cNvPr id="0" name=""/>
-        <dsp:cNvSpPr/>
-      </dsp:nvSpPr>
-      <dsp:spPr>
-        <a:xfrm>
-          <a:off x="2192258" y="2274366"/>
-          <a:ext cx="1643107" cy="1043373"/>
-        </a:xfrm>
-        <a:prstGeom prst="roundRect">
-          <a:avLst>
-            <a:gd name="adj" fmla="val 10000"/>
-          </a:avLst>
-        </a:prstGeom>
-        <a:solidFill>
-          <a:schemeClr val="lt1">
-            <a:alpha val="90000"/>
-            <a:hueOff val="0"/>
-            <a:satOff val="0"/>
-            <a:lumOff val="0"/>
-            <a:alphaOff val="0"/>
-          </a:schemeClr>
-        </a:solidFill>
-        <a:ln w="19050" cap="flat" cmpd="sng" algn="ctr">
-          <a:solidFill>
-            <a:schemeClr val="accent1">
-              <a:hueOff val="0"/>
-              <a:satOff val="0"/>
-              <a:lumOff val="0"/>
-              <a:alphaOff val="0"/>
-            </a:schemeClr>
-          </a:solidFill>
-          <a:prstDash val="solid"/>
-          <a:miter lim="800000"/>
-        </a:ln>
-        <a:effectLst/>
-      </dsp:spPr>
-      <dsp:style>
-        <a:lnRef idx="2">
-          <a:scrgbClr r="0" g="0" b="0"/>
-        </a:lnRef>
-        <a:fillRef idx="1">
-          <a:scrgbClr r="0" g="0" b="0"/>
-        </a:fillRef>
-        <a:effectRef idx="0">
-          <a:scrgbClr r="0" g="0" b="0"/>
-        </a:effectRef>
-        <a:fontRef idx="minor"/>
-      </dsp:style>
-      <dsp:txBody>
-        <a:bodyPr spcFirstLastPara="0" vert="horz" wrap="square" lIns="83820" tIns="83820" rIns="83820" bIns="83820" numCol="1" spcCol="1270" anchor="ctr" anchorCtr="0">
-          <a:noAutofit/>
-        </a:bodyPr>
-        <a:lstStyle/>
-        <a:p>
-          <a:pPr marL="0" lvl="0" indent="0" algn="ctr" defTabSz="977900">
-            <a:lnSpc>
-              <a:spcPct val="90000"/>
-            </a:lnSpc>
-            <a:spcBef>
-              <a:spcPct val="0"/>
-            </a:spcBef>
-            <a:spcAft>
-              <a:spcPct val="35000"/>
-            </a:spcAft>
-            <a:buNone/>
-          </a:pPr>
-          <a:r>
-            <a:rPr lang="en-US" sz="2200" kern="1200" dirty="0"/>
-            <a:t>Data Cleaning</a:t>
-          </a:r>
-        </a:p>
-      </dsp:txBody>
-      <dsp:txXfrm>
-        <a:off x="2222817" y="2304925"/>
-        <a:ext cx="1581989" cy="982255"/>
-      </dsp:txXfrm>
-    </dsp:sp>
-    <dsp:sp modelId="{B1FB94E5-F858-7948-AE9E-5C703AC06A88}">
-      <dsp:nvSpPr>
-        <dsp:cNvPr id="0" name=""/>
-        <dsp:cNvSpPr/>
-      </dsp:nvSpPr>
-      <dsp:spPr>
-        <a:xfrm>
-          <a:off x="4017933" y="2100927"/>
-          <a:ext cx="1643107" cy="1043373"/>
-        </a:xfrm>
-        <a:prstGeom prst="roundRect">
-          <a:avLst>
-            <a:gd name="adj" fmla="val 10000"/>
-          </a:avLst>
-        </a:prstGeom>
-        <a:solidFill>
-          <a:schemeClr val="accent1">
-            <a:hueOff val="0"/>
-            <a:satOff val="0"/>
-            <a:lumOff val="0"/>
-            <a:alphaOff val="0"/>
-          </a:schemeClr>
-        </a:solidFill>
-        <a:ln w="19050" cap="flat" cmpd="sng" algn="ctr">
-          <a:solidFill>
-            <a:schemeClr val="lt1">
-              <a:hueOff val="0"/>
-              <a:satOff val="0"/>
-              <a:lumOff val="0"/>
-              <a:alphaOff val="0"/>
-            </a:schemeClr>
-          </a:solidFill>
-          <a:prstDash val="solid"/>
-          <a:miter lim="800000"/>
-        </a:ln>
-        <a:effectLst/>
-      </dsp:spPr>
-      <dsp:style>
-        <a:lnRef idx="2">
-          <a:scrgbClr r="0" g="0" b="0"/>
-        </a:lnRef>
-        <a:fillRef idx="1">
-          <a:scrgbClr r="0" g="0" b="0"/>
-        </a:fillRef>
-        <a:effectRef idx="0">
-          <a:scrgbClr r="0" g="0" b="0"/>
-        </a:effectRef>
-        <a:fontRef idx="minor">
-          <a:schemeClr val="lt1"/>
-        </a:fontRef>
-      </dsp:style>
-    </dsp:sp>
-    <dsp:sp modelId="{854F0C99-1A88-0C4A-8F02-3FFE7A46E38B}">
-      <dsp:nvSpPr>
-        <dsp:cNvPr id="0" name=""/>
-        <dsp:cNvSpPr/>
-      </dsp:nvSpPr>
-      <dsp:spPr>
-        <a:xfrm>
-          <a:off x="4200500" y="2274366"/>
-          <a:ext cx="1643107" cy="1043373"/>
-        </a:xfrm>
-        <a:prstGeom prst="roundRect">
-          <a:avLst>
-            <a:gd name="adj" fmla="val 10000"/>
-          </a:avLst>
-        </a:prstGeom>
-        <a:solidFill>
-          <a:schemeClr val="lt1">
-            <a:alpha val="90000"/>
-            <a:hueOff val="0"/>
-            <a:satOff val="0"/>
-            <a:lumOff val="0"/>
-            <a:alphaOff val="0"/>
-          </a:schemeClr>
-        </a:solidFill>
-        <a:ln w="19050" cap="flat" cmpd="sng" algn="ctr">
-          <a:solidFill>
-            <a:schemeClr val="accent1">
-              <a:hueOff val="0"/>
-              <a:satOff val="0"/>
-              <a:lumOff val="0"/>
-              <a:alphaOff val="0"/>
-            </a:schemeClr>
-          </a:solidFill>
-          <a:prstDash val="solid"/>
-          <a:miter lim="800000"/>
-        </a:ln>
-        <a:effectLst/>
-      </dsp:spPr>
-      <dsp:style>
-        <a:lnRef idx="2">
-          <a:scrgbClr r="0" g="0" b="0"/>
-        </a:lnRef>
-        <a:fillRef idx="1">
-          <a:scrgbClr r="0" g="0" b="0"/>
-        </a:fillRef>
-        <a:effectRef idx="0">
-          <a:scrgbClr r="0" g="0" b="0"/>
-        </a:effectRef>
-        <a:fontRef idx="minor"/>
-      </dsp:style>
-      <dsp:txBody>
-        <a:bodyPr spcFirstLastPara="0" vert="horz" wrap="square" lIns="83820" tIns="83820" rIns="83820" bIns="83820" numCol="1" spcCol="1270" anchor="ctr" anchorCtr="0">
-          <a:noAutofit/>
-        </a:bodyPr>
-        <a:lstStyle/>
-        <a:p>
-          <a:pPr marL="0" lvl="0" indent="0" algn="ctr" defTabSz="977900">
-            <a:lnSpc>
-              <a:spcPct val="90000"/>
-            </a:lnSpc>
-            <a:spcBef>
-              <a:spcPct val="0"/>
-            </a:spcBef>
-            <a:spcAft>
-              <a:spcPct val="35000"/>
-            </a:spcAft>
-            <a:buNone/>
-          </a:pPr>
-          <a:r>
-            <a:rPr lang="en-US" sz="2200" kern="1200" dirty="0"/>
-            <a:t>Data Storage</a:t>
-          </a:r>
-        </a:p>
-      </dsp:txBody>
-      <dsp:txXfrm>
-        <a:off x="4231059" y="2304925"/>
-        <a:ext cx="1581989" cy="982255"/>
-      </dsp:txXfrm>
-    </dsp:sp>
-    <dsp:sp modelId="{3E767FDA-9AA2-CA4C-AA41-C91E92761675}">
-      <dsp:nvSpPr>
-        <dsp:cNvPr id="0" name=""/>
-        <dsp:cNvSpPr/>
-      </dsp:nvSpPr>
-      <dsp:spPr>
-        <a:xfrm>
-          <a:off x="6026175" y="2100927"/>
-          <a:ext cx="1643107" cy="1043373"/>
-        </a:xfrm>
-        <a:prstGeom prst="roundRect">
-          <a:avLst>
-            <a:gd name="adj" fmla="val 10000"/>
-          </a:avLst>
-        </a:prstGeom>
-        <a:solidFill>
-          <a:schemeClr val="accent1">
-            <a:hueOff val="0"/>
-            <a:satOff val="0"/>
-            <a:lumOff val="0"/>
-            <a:alphaOff val="0"/>
-          </a:schemeClr>
-        </a:solidFill>
-        <a:ln w="19050" cap="flat" cmpd="sng" algn="ctr">
-          <a:solidFill>
-            <a:schemeClr val="lt1">
-              <a:hueOff val="0"/>
-              <a:satOff val="0"/>
-              <a:lumOff val="0"/>
-              <a:alphaOff val="0"/>
-            </a:schemeClr>
-          </a:solidFill>
-          <a:prstDash val="solid"/>
-          <a:miter lim="800000"/>
-        </a:ln>
-        <a:effectLst/>
-      </dsp:spPr>
-      <dsp:style>
-        <a:lnRef idx="2">
-          <a:scrgbClr r="0" g="0" b="0"/>
-        </a:lnRef>
-        <a:fillRef idx="1">
-          <a:scrgbClr r="0" g="0" b="0"/>
-        </a:fillRef>
-        <a:effectRef idx="0">
-          <a:scrgbClr r="0" g="0" b="0"/>
-        </a:effectRef>
-        <a:fontRef idx="minor">
-          <a:schemeClr val="lt1"/>
-        </a:fontRef>
-      </dsp:style>
-    </dsp:sp>
-    <dsp:sp modelId="{F59B2B5C-099E-CA45-B401-816D04642B86}">
-      <dsp:nvSpPr>
-        <dsp:cNvPr id="0" name=""/>
-        <dsp:cNvSpPr/>
-      </dsp:nvSpPr>
-      <dsp:spPr>
-        <a:xfrm>
-          <a:off x="6208742" y="2274366"/>
-          <a:ext cx="1643107" cy="1043373"/>
-        </a:xfrm>
-        <a:prstGeom prst="roundRect">
-          <a:avLst>
-            <a:gd name="adj" fmla="val 10000"/>
-          </a:avLst>
-        </a:prstGeom>
-        <a:solidFill>
-          <a:schemeClr val="lt1">
-            <a:alpha val="90000"/>
-            <a:hueOff val="0"/>
-            <a:satOff val="0"/>
-            <a:lumOff val="0"/>
-            <a:alphaOff val="0"/>
-          </a:schemeClr>
-        </a:solidFill>
-        <a:ln w="19050" cap="flat" cmpd="sng" algn="ctr">
-          <a:solidFill>
-            <a:schemeClr val="accent1">
-              <a:hueOff val="0"/>
-              <a:satOff val="0"/>
-              <a:lumOff val="0"/>
-              <a:alphaOff val="0"/>
-            </a:schemeClr>
-          </a:solidFill>
-          <a:prstDash val="solid"/>
-          <a:miter lim="800000"/>
-        </a:ln>
-        <a:effectLst/>
-      </dsp:spPr>
-      <dsp:style>
-        <a:lnRef idx="2">
-          <a:scrgbClr r="0" g="0" b="0"/>
-        </a:lnRef>
-        <a:fillRef idx="1">
-          <a:scrgbClr r="0" g="0" b="0"/>
-        </a:fillRef>
-        <a:effectRef idx="0">
-          <a:scrgbClr r="0" g="0" b="0"/>
-        </a:effectRef>
-        <a:fontRef idx="minor"/>
-      </dsp:style>
-      <dsp:txBody>
-        <a:bodyPr spcFirstLastPara="0" vert="horz" wrap="square" lIns="83820" tIns="83820" rIns="83820" bIns="83820" numCol="1" spcCol="1270" anchor="ctr" anchorCtr="0">
-          <a:noAutofit/>
-        </a:bodyPr>
-        <a:lstStyle/>
-        <a:p>
-          <a:pPr marL="0" lvl="0" indent="0" algn="ctr" defTabSz="977900">
-            <a:lnSpc>
-              <a:spcPct val="90000"/>
-            </a:lnSpc>
-            <a:spcBef>
-              <a:spcPct val="0"/>
-            </a:spcBef>
-            <a:spcAft>
-              <a:spcPct val="35000"/>
-            </a:spcAft>
-            <a:buNone/>
-          </a:pPr>
-          <a:r>
-            <a:rPr lang="en-US" sz="2200" kern="1200" dirty="0"/>
-            <a:t>Data Conversion</a:t>
-          </a:r>
-        </a:p>
-      </dsp:txBody>
-      <dsp:txXfrm>
-        <a:off x="6239301" y="2304925"/>
-        <a:ext cx="1581989" cy="982255"/>
-      </dsp:txXfrm>
-    </dsp:sp>
-    <dsp:sp modelId="{9572989F-D376-4945-A3C8-8092CF99FE41}">
-      <dsp:nvSpPr>
-        <dsp:cNvPr id="0" name=""/>
-        <dsp:cNvSpPr/>
-      </dsp:nvSpPr>
-      <dsp:spPr>
-        <a:xfrm>
-          <a:off x="8034417" y="2100927"/>
-          <a:ext cx="1643107" cy="1043373"/>
-        </a:xfrm>
-        <a:prstGeom prst="roundRect">
-          <a:avLst>
-            <a:gd name="adj" fmla="val 10000"/>
-          </a:avLst>
-        </a:prstGeom>
-        <a:solidFill>
-          <a:schemeClr val="accent1">
-            <a:hueOff val="0"/>
-            <a:satOff val="0"/>
-            <a:lumOff val="0"/>
-            <a:alphaOff val="0"/>
-          </a:schemeClr>
-        </a:solidFill>
-        <a:ln w="19050" cap="flat" cmpd="sng" algn="ctr">
-          <a:solidFill>
-            <a:schemeClr val="lt1">
-              <a:hueOff val="0"/>
-              <a:satOff val="0"/>
-              <a:lumOff val="0"/>
-              <a:alphaOff val="0"/>
-            </a:schemeClr>
-          </a:solidFill>
-          <a:prstDash val="solid"/>
-          <a:miter lim="800000"/>
-        </a:ln>
-        <a:effectLst/>
-      </dsp:spPr>
-      <dsp:style>
-        <a:lnRef idx="2">
-          <a:scrgbClr r="0" g="0" b="0"/>
-        </a:lnRef>
-        <a:fillRef idx="1">
-          <a:scrgbClr r="0" g="0" b="0"/>
-        </a:fillRef>
-        <a:effectRef idx="0">
-          <a:scrgbClr r="0" g="0" b="0"/>
-        </a:effectRef>
-        <a:fontRef idx="minor">
-          <a:schemeClr val="lt1"/>
-        </a:fontRef>
-      </dsp:style>
-    </dsp:sp>
-    <dsp:sp modelId="{D05B63CD-DCB3-8E4D-985E-3777D2AE9478}">
-      <dsp:nvSpPr>
-        <dsp:cNvPr id="0" name=""/>
-        <dsp:cNvSpPr/>
-      </dsp:nvSpPr>
-      <dsp:spPr>
-        <a:xfrm>
-          <a:off x="8216984" y="2274366"/>
-          <a:ext cx="1643107" cy="1043373"/>
-        </a:xfrm>
-        <a:prstGeom prst="roundRect">
-          <a:avLst>
-            <a:gd name="adj" fmla="val 10000"/>
-          </a:avLst>
-        </a:prstGeom>
-        <a:solidFill>
-          <a:schemeClr val="lt1">
-            <a:alpha val="90000"/>
-            <a:hueOff val="0"/>
-            <a:satOff val="0"/>
-            <a:lumOff val="0"/>
-            <a:alphaOff val="0"/>
-          </a:schemeClr>
-        </a:solidFill>
-        <a:ln w="19050" cap="flat" cmpd="sng" algn="ctr">
-          <a:solidFill>
-            <a:schemeClr val="accent1">
-              <a:hueOff val="0"/>
-              <a:satOff val="0"/>
-              <a:lumOff val="0"/>
-              <a:alphaOff val="0"/>
-            </a:schemeClr>
-          </a:solidFill>
-          <a:prstDash val="solid"/>
-          <a:miter lim="800000"/>
-        </a:ln>
-        <a:effectLst/>
-      </dsp:spPr>
-      <dsp:style>
-        <a:lnRef idx="2">
-          <a:scrgbClr r="0" g="0" b="0"/>
-        </a:lnRef>
-        <a:fillRef idx="1">
-          <a:scrgbClr r="0" g="0" b="0"/>
-        </a:fillRef>
-        <a:effectRef idx="0">
-          <a:scrgbClr r="0" g="0" b="0"/>
-        </a:effectRef>
-        <a:fontRef idx="minor"/>
-      </dsp:style>
-      <dsp:txBody>
-        <a:bodyPr spcFirstLastPara="0" vert="horz" wrap="square" lIns="83820" tIns="83820" rIns="83820" bIns="83820" numCol="1" spcCol="1270" anchor="ctr" anchorCtr="0">
-          <a:noAutofit/>
-        </a:bodyPr>
-        <a:lstStyle/>
-        <a:p>
-          <a:pPr marL="0" lvl="0" indent="0" algn="ctr" defTabSz="977900">
-            <a:lnSpc>
-              <a:spcPct val="90000"/>
-            </a:lnSpc>
-            <a:spcBef>
-              <a:spcPct val="0"/>
-            </a:spcBef>
-            <a:spcAft>
-              <a:spcPct val="35000"/>
-            </a:spcAft>
-            <a:buNone/>
-          </a:pPr>
-          <a:r>
-            <a:rPr lang="en-US" sz="2200" kern="1200" dirty="0"/>
-            <a:t>JavaScript coding</a:t>
-          </a:r>
-        </a:p>
-      </dsp:txBody>
-      <dsp:txXfrm>
-        <a:off x="8247543" y="2304925"/>
-        <a:ext cx="1581989" cy="982255"/>
-      </dsp:txXfrm>
-    </dsp:sp>
-    <dsp:sp modelId="{04D925FF-3634-A645-A677-170528932C97}">
-      <dsp:nvSpPr>
-        <dsp:cNvPr id="0" name=""/>
-        <dsp:cNvSpPr/>
-      </dsp:nvSpPr>
-      <dsp:spPr>
-        <a:xfrm>
-          <a:off x="10042659" y="2100927"/>
-          <a:ext cx="1643107" cy="1043373"/>
-        </a:xfrm>
-        <a:prstGeom prst="roundRect">
-          <a:avLst>
-            <a:gd name="adj" fmla="val 10000"/>
-          </a:avLst>
-        </a:prstGeom>
-        <a:solidFill>
-          <a:schemeClr val="accent1">
-            <a:hueOff val="0"/>
-            <a:satOff val="0"/>
-            <a:lumOff val="0"/>
-            <a:alphaOff val="0"/>
-          </a:schemeClr>
-        </a:solidFill>
-        <a:ln w="19050" cap="flat" cmpd="sng" algn="ctr">
-          <a:solidFill>
-            <a:schemeClr val="lt1">
-              <a:hueOff val="0"/>
-              <a:satOff val="0"/>
-              <a:lumOff val="0"/>
-              <a:alphaOff val="0"/>
-            </a:schemeClr>
-          </a:solidFill>
-          <a:prstDash val="solid"/>
-          <a:miter lim="800000"/>
-        </a:ln>
-        <a:effectLst/>
-      </dsp:spPr>
-      <dsp:style>
-        <a:lnRef idx="2">
-          <a:scrgbClr r="0" g="0" b="0"/>
-        </a:lnRef>
-        <a:fillRef idx="1">
-          <a:scrgbClr r="0" g="0" b="0"/>
-        </a:fillRef>
-        <a:effectRef idx="0">
-          <a:scrgbClr r="0" g="0" b="0"/>
-        </a:effectRef>
-        <a:fontRef idx="minor">
-          <a:schemeClr val="lt1"/>
-        </a:fontRef>
-      </dsp:style>
-    </dsp:sp>
-    <dsp:sp modelId="{46ED2C08-AD0C-724C-BFD5-3E172B9A60D3}">
-      <dsp:nvSpPr>
-        <dsp:cNvPr id="0" name=""/>
-        <dsp:cNvSpPr/>
-      </dsp:nvSpPr>
-      <dsp:spPr>
-        <a:xfrm>
-          <a:off x="10225226" y="2274366"/>
-          <a:ext cx="1643107" cy="1043373"/>
-        </a:xfrm>
-        <a:prstGeom prst="roundRect">
-          <a:avLst>
-            <a:gd name="adj" fmla="val 10000"/>
-          </a:avLst>
-        </a:prstGeom>
-        <a:solidFill>
-          <a:schemeClr val="lt1">
-            <a:alpha val="90000"/>
-            <a:hueOff val="0"/>
-            <a:satOff val="0"/>
-            <a:lumOff val="0"/>
-            <a:alphaOff val="0"/>
-          </a:schemeClr>
-        </a:solidFill>
-        <a:ln w="19050" cap="flat" cmpd="sng" algn="ctr">
-          <a:solidFill>
-            <a:schemeClr val="accent1">
-              <a:hueOff val="0"/>
-              <a:satOff val="0"/>
-              <a:lumOff val="0"/>
-              <a:alphaOff val="0"/>
-            </a:schemeClr>
-          </a:solidFill>
-          <a:prstDash val="solid"/>
-          <a:miter lim="800000"/>
-        </a:ln>
-        <a:effectLst/>
-      </dsp:spPr>
-      <dsp:style>
-        <a:lnRef idx="2">
-          <a:scrgbClr r="0" g="0" b="0"/>
-        </a:lnRef>
-        <a:fillRef idx="1">
-          <a:scrgbClr r="0" g="0" b="0"/>
-        </a:fillRef>
-        <a:effectRef idx="0">
-          <a:scrgbClr r="0" g="0" b="0"/>
-        </a:effectRef>
-        <a:fontRef idx="minor"/>
-      </dsp:style>
-      <dsp:txBody>
-        <a:bodyPr spcFirstLastPara="0" vert="horz" wrap="square" lIns="83820" tIns="83820" rIns="83820" bIns="83820" numCol="1" spcCol="1270" anchor="ctr" anchorCtr="0">
-          <a:noAutofit/>
-        </a:bodyPr>
-        <a:lstStyle/>
-        <a:p>
-          <a:pPr marL="0" lvl="0" indent="0" algn="ctr" defTabSz="977900">
-            <a:lnSpc>
-              <a:spcPct val="90000"/>
-            </a:lnSpc>
-            <a:spcBef>
-              <a:spcPct val="0"/>
-            </a:spcBef>
-            <a:spcAft>
-              <a:spcPct val="35000"/>
-            </a:spcAft>
-            <a:buNone/>
-          </a:pPr>
-          <a:r>
-            <a:rPr lang="en-US" sz="2200" kern="1200" dirty="0"/>
-            <a:t>HTML Coding</a:t>
-          </a:r>
-        </a:p>
-      </dsp:txBody>
-      <dsp:txXfrm>
-        <a:off x="10255785" y="2304925"/>
-        <a:ext cx="1581989" cy="982255"/>
-      </dsp:txXfrm>
-    </dsp:sp>
-  </dsp:spTree>
-</dsp:drawing>
-</file>
-
-<file path=ppt/diagrams/drawing3.xml><?xml version="1.0" encoding="utf-8"?>
-<dsp:drawing xmlns:dgm="http://schemas.openxmlformats.org/drawingml/2006/diagram" xmlns:dsp="http://schemas.microsoft.com/office/drawing/2008/diagram" xmlns:a="http://schemas.openxmlformats.org/drawingml/2006/main">
-  <dsp:spTree>
-    <dsp:nvGrpSpPr>
-      <dsp:cNvPr id="0" name=""/>
-      <dsp:cNvGrpSpPr/>
-    </dsp:nvGrpSpPr>
-    <dsp:grpSpPr/>
-    <dsp:sp modelId="{56A0CA4A-A47D-8641-AFE1-BBC059337238}">
-      <dsp:nvSpPr>
-        <dsp:cNvPr id="0" name=""/>
-        <dsp:cNvSpPr/>
-      </dsp:nvSpPr>
-      <dsp:spPr>
-        <a:xfrm>
-          <a:off x="1448" y="2100927"/>
-          <a:ext cx="1643107" cy="1043373"/>
-        </a:xfrm>
-        <a:prstGeom prst="roundRect">
-          <a:avLst>
-            <a:gd name="adj" fmla="val 10000"/>
-          </a:avLst>
-        </a:prstGeom>
-        <a:solidFill>
-          <a:schemeClr val="accent1">
-            <a:hueOff val="0"/>
-            <a:satOff val="0"/>
-            <a:lumOff val="0"/>
-            <a:alphaOff val="0"/>
-          </a:schemeClr>
-        </a:solidFill>
-        <a:ln w="19050" cap="flat" cmpd="sng" algn="ctr">
-          <a:solidFill>
-            <a:schemeClr val="lt1">
-              <a:hueOff val="0"/>
-              <a:satOff val="0"/>
-              <a:lumOff val="0"/>
-              <a:alphaOff val="0"/>
-            </a:schemeClr>
-          </a:solidFill>
-          <a:prstDash val="solid"/>
-          <a:miter lim="800000"/>
-        </a:ln>
-        <a:effectLst/>
-      </dsp:spPr>
-      <dsp:style>
-        <a:lnRef idx="2">
-          <a:scrgbClr r="0" g="0" b="0"/>
-        </a:lnRef>
-        <a:fillRef idx="1">
-          <a:scrgbClr r="0" g="0" b="0"/>
-        </a:fillRef>
-        <a:effectRef idx="0">
-          <a:scrgbClr r="0" g="0" b="0"/>
-        </a:effectRef>
-        <a:fontRef idx="minor">
-          <a:schemeClr val="lt1"/>
-        </a:fontRef>
-      </dsp:style>
-    </dsp:sp>
-    <dsp:sp modelId="{6E836FB7-8CBC-D74F-B54A-EF4013B5D8AE}">
-      <dsp:nvSpPr>
-        <dsp:cNvPr id="0" name=""/>
-        <dsp:cNvSpPr/>
-      </dsp:nvSpPr>
-      <dsp:spPr>
-        <a:xfrm>
-          <a:off x="184016" y="2274366"/>
-          <a:ext cx="1643107" cy="1043373"/>
-        </a:xfrm>
-        <a:prstGeom prst="roundRect">
-          <a:avLst>
-            <a:gd name="adj" fmla="val 10000"/>
-          </a:avLst>
-        </a:prstGeom>
-        <a:solidFill>
-          <a:schemeClr val="lt1">
-            <a:alpha val="90000"/>
-            <a:hueOff val="0"/>
-            <a:satOff val="0"/>
-            <a:lumOff val="0"/>
-            <a:alphaOff val="0"/>
-          </a:schemeClr>
-        </a:solidFill>
-        <a:ln w="19050" cap="flat" cmpd="sng" algn="ctr">
-          <a:solidFill>
-            <a:schemeClr val="accent1">
-              <a:hueOff val="0"/>
-              <a:satOff val="0"/>
-              <a:lumOff val="0"/>
-              <a:alphaOff val="0"/>
-            </a:schemeClr>
-          </a:solidFill>
-          <a:prstDash val="solid"/>
-          <a:miter lim="800000"/>
-        </a:ln>
-        <a:effectLst/>
-      </dsp:spPr>
-      <dsp:style>
-        <a:lnRef idx="2">
-          <a:scrgbClr r="0" g="0" b="0"/>
-        </a:lnRef>
-        <a:fillRef idx="1">
-          <a:scrgbClr r="0" g="0" b="0"/>
-        </a:fillRef>
-        <a:effectRef idx="0">
-          <a:scrgbClr r="0" g="0" b="0"/>
-        </a:effectRef>
-        <a:fontRef idx="minor"/>
-      </dsp:style>
-      <dsp:txBody>
-        <a:bodyPr spcFirstLastPara="0" vert="horz" wrap="square" lIns="83820" tIns="83820" rIns="83820" bIns="83820" numCol="1" spcCol="1270" anchor="ctr" anchorCtr="0">
-          <a:noAutofit/>
-        </a:bodyPr>
-        <a:lstStyle/>
-        <a:p>
-          <a:pPr marL="0" lvl="0" indent="0" algn="ctr" defTabSz="977900">
-            <a:lnSpc>
-              <a:spcPct val="90000"/>
-            </a:lnSpc>
-            <a:spcBef>
-              <a:spcPct val="0"/>
-            </a:spcBef>
-            <a:spcAft>
-              <a:spcPct val="35000"/>
-            </a:spcAft>
-            <a:buNone/>
-          </a:pPr>
-          <a:r>
-            <a:rPr lang="en-US" sz="2200" kern="1200" dirty="0"/>
-            <a:t>Data Gathering</a:t>
-          </a:r>
-        </a:p>
-      </dsp:txBody>
-      <dsp:txXfrm>
-        <a:off x="214575" y="2304925"/>
-        <a:ext cx="1581989" cy="982255"/>
-      </dsp:txXfrm>
-    </dsp:sp>
-    <dsp:sp modelId="{CC251379-45D7-7F4F-A51F-E9F7771C7EAA}">
-      <dsp:nvSpPr>
-        <dsp:cNvPr id="0" name=""/>
-        <dsp:cNvSpPr/>
-      </dsp:nvSpPr>
-      <dsp:spPr>
-        <a:xfrm>
-          <a:off x="2009691" y="2100927"/>
-          <a:ext cx="1643107" cy="1043373"/>
-        </a:xfrm>
-        <a:prstGeom prst="roundRect">
-          <a:avLst>
-            <a:gd name="adj" fmla="val 10000"/>
-          </a:avLst>
-        </a:prstGeom>
-        <a:solidFill>
-          <a:schemeClr val="accent1">
-            <a:hueOff val="0"/>
-            <a:satOff val="0"/>
-            <a:lumOff val="0"/>
-            <a:alphaOff val="0"/>
-          </a:schemeClr>
-        </a:solidFill>
-        <a:ln w="19050" cap="flat" cmpd="sng" algn="ctr">
-          <a:solidFill>
-            <a:schemeClr val="lt1">
-              <a:hueOff val="0"/>
-              <a:satOff val="0"/>
-              <a:lumOff val="0"/>
-              <a:alphaOff val="0"/>
-            </a:schemeClr>
-          </a:solidFill>
-          <a:prstDash val="solid"/>
-          <a:miter lim="800000"/>
-        </a:ln>
-        <a:effectLst/>
-      </dsp:spPr>
-      <dsp:style>
-        <a:lnRef idx="2">
-          <a:scrgbClr r="0" g="0" b="0"/>
-        </a:lnRef>
-        <a:fillRef idx="1">
-          <a:scrgbClr r="0" g="0" b="0"/>
-        </a:fillRef>
-        <a:effectRef idx="0">
-          <a:scrgbClr r="0" g="0" b="0"/>
-        </a:effectRef>
-        <a:fontRef idx="minor">
-          <a:schemeClr val="lt1"/>
-        </a:fontRef>
-      </dsp:style>
-    </dsp:sp>
-    <dsp:sp modelId="{85AC10ED-52B7-DB4C-86FA-97E49B71FAEE}">
-      <dsp:nvSpPr>
-        <dsp:cNvPr id="0" name=""/>
-        <dsp:cNvSpPr/>
-      </dsp:nvSpPr>
-      <dsp:spPr>
-        <a:xfrm>
-          <a:off x="2192258" y="2274366"/>
-          <a:ext cx="1643107" cy="1043373"/>
-        </a:xfrm>
-        <a:prstGeom prst="roundRect">
-          <a:avLst>
-            <a:gd name="adj" fmla="val 10000"/>
-          </a:avLst>
-        </a:prstGeom>
-        <a:solidFill>
-          <a:schemeClr val="lt1">
-            <a:alpha val="90000"/>
-            <a:hueOff val="0"/>
-            <a:satOff val="0"/>
-            <a:lumOff val="0"/>
-            <a:alphaOff val="0"/>
-          </a:schemeClr>
-        </a:solidFill>
-        <a:ln w="19050" cap="flat" cmpd="sng" algn="ctr">
-          <a:solidFill>
-            <a:schemeClr val="accent1">
-              <a:hueOff val="0"/>
-              <a:satOff val="0"/>
-              <a:lumOff val="0"/>
-              <a:alphaOff val="0"/>
-            </a:schemeClr>
-          </a:solidFill>
-          <a:prstDash val="solid"/>
-          <a:miter lim="800000"/>
-        </a:ln>
-        <a:effectLst/>
-      </dsp:spPr>
-      <dsp:style>
-        <a:lnRef idx="2">
-          <a:scrgbClr r="0" g="0" b="0"/>
-        </a:lnRef>
-        <a:fillRef idx="1">
-          <a:scrgbClr r="0" g="0" b="0"/>
-        </a:fillRef>
-        <a:effectRef idx="0">
-          <a:scrgbClr r="0" g="0" b="0"/>
-        </a:effectRef>
-        <a:fontRef idx="minor"/>
-      </dsp:style>
-      <dsp:txBody>
-        <a:bodyPr spcFirstLastPara="0" vert="horz" wrap="square" lIns="83820" tIns="83820" rIns="83820" bIns="83820" numCol="1" spcCol="1270" anchor="ctr" anchorCtr="0">
-          <a:noAutofit/>
-        </a:bodyPr>
-        <a:lstStyle/>
-        <a:p>
-          <a:pPr marL="0" lvl="0" indent="0" algn="ctr" defTabSz="977900">
-            <a:lnSpc>
-              <a:spcPct val="90000"/>
-            </a:lnSpc>
-            <a:spcBef>
-              <a:spcPct val="0"/>
-            </a:spcBef>
-            <a:spcAft>
-              <a:spcPct val="35000"/>
-            </a:spcAft>
-            <a:buNone/>
-          </a:pPr>
-          <a:r>
-            <a:rPr lang="en-US" sz="2200" kern="1200" dirty="0"/>
-            <a:t>Data Cleaning</a:t>
-          </a:r>
-        </a:p>
-      </dsp:txBody>
-      <dsp:txXfrm>
-        <a:off x="2222817" y="2304925"/>
-        <a:ext cx="1581989" cy="982255"/>
-      </dsp:txXfrm>
-    </dsp:sp>
-    <dsp:sp modelId="{B1FB94E5-F858-7948-AE9E-5C703AC06A88}">
-      <dsp:nvSpPr>
-        <dsp:cNvPr id="0" name=""/>
-        <dsp:cNvSpPr/>
-      </dsp:nvSpPr>
-      <dsp:spPr>
-        <a:xfrm>
-          <a:off x="4017933" y="2100927"/>
-          <a:ext cx="1643107" cy="1043373"/>
-        </a:xfrm>
-        <a:prstGeom prst="roundRect">
-          <a:avLst>
-            <a:gd name="adj" fmla="val 10000"/>
-          </a:avLst>
-        </a:prstGeom>
-        <a:solidFill>
-          <a:schemeClr val="accent1">
-            <a:hueOff val="0"/>
-            <a:satOff val="0"/>
-            <a:lumOff val="0"/>
-            <a:alphaOff val="0"/>
-          </a:schemeClr>
-        </a:solidFill>
-        <a:ln w="19050" cap="flat" cmpd="sng" algn="ctr">
-          <a:solidFill>
-            <a:schemeClr val="lt1">
-              <a:hueOff val="0"/>
-              <a:satOff val="0"/>
-              <a:lumOff val="0"/>
-              <a:alphaOff val="0"/>
-            </a:schemeClr>
-          </a:solidFill>
-          <a:prstDash val="solid"/>
-          <a:miter lim="800000"/>
-        </a:ln>
-        <a:effectLst/>
-      </dsp:spPr>
-      <dsp:style>
-        <a:lnRef idx="2">
-          <a:scrgbClr r="0" g="0" b="0"/>
-        </a:lnRef>
-        <a:fillRef idx="1">
-          <a:scrgbClr r="0" g="0" b="0"/>
-        </a:fillRef>
-        <a:effectRef idx="0">
-          <a:scrgbClr r="0" g="0" b="0"/>
-        </a:effectRef>
-        <a:fontRef idx="minor">
-          <a:schemeClr val="lt1"/>
-        </a:fontRef>
-      </dsp:style>
-    </dsp:sp>
-    <dsp:sp modelId="{854F0C99-1A88-0C4A-8F02-3FFE7A46E38B}">
-      <dsp:nvSpPr>
-        <dsp:cNvPr id="0" name=""/>
-        <dsp:cNvSpPr/>
-      </dsp:nvSpPr>
-      <dsp:spPr>
-        <a:xfrm>
-          <a:off x="4200500" y="2274366"/>
-          <a:ext cx="1643107" cy="1043373"/>
-        </a:xfrm>
-        <a:prstGeom prst="roundRect">
-          <a:avLst>
-            <a:gd name="adj" fmla="val 10000"/>
-          </a:avLst>
-        </a:prstGeom>
-        <a:solidFill>
-          <a:schemeClr val="lt1">
-            <a:alpha val="90000"/>
-            <a:hueOff val="0"/>
-            <a:satOff val="0"/>
-            <a:lumOff val="0"/>
-            <a:alphaOff val="0"/>
-          </a:schemeClr>
-        </a:solidFill>
-        <a:ln w="19050" cap="flat" cmpd="sng" algn="ctr">
-          <a:solidFill>
-            <a:schemeClr val="accent1">
-              <a:hueOff val="0"/>
-              <a:satOff val="0"/>
-              <a:lumOff val="0"/>
-              <a:alphaOff val="0"/>
-            </a:schemeClr>
-          </a:solidFill>
-          <a:prstDash val="solid"/>
-          <a:miter lim="800000"/>
-        </a:ln>
-        <a:effectLst/>
-      </dsp:spPr>
-      <dsp:style>
-        <a:lnRef idx="2">
-          <a:scrgbClr r="0" g="0" b="0"/>
-        </a:lnRef>
-        <a:fillRef idx="1">
-          <a:scrgbClr r="0" g="0" b="0"/>
-        </a:fillRef>
-        <a:effectRef idx="0">
-          <a:scrgbClr r="0" g="0" b="0"/>
-        </a:effectRef>
-        <a:fontRef idx="minor"/>
-      </dsp:style>
-      <dsp:txBody>
-        <a:bodyPr spcFirstLastPara="0" vert="horz" wrap="square" lIns="83820" tIns="83820" rIns="83820" bIns="83820" numCol="1" spcCol="1270" anchor="ctr" anchorCtr="0">
-          <a:noAutofit/>
-        </a:bodyPr>
-        <a:lstStyle/>
-        <a:p>
-          <a:pPr marL="0" lvl="0" indent="0" algn="ctr" defTabSz="977900">
-            <a:lnSpc>
-              <a:spcPct val="90000"/>
-            </a:lnSpc>
-            <a:spcBef>
-              <a:spcPct val="0"/>
-            </a:spcBef>
-            <a:spcAft>
-              <a:spcPct val="35000"/>
-            </a:spcAft>
-            <a:buNone/>
-          </a:pPr>
-          <a:r>
-            <a:rPr lang="en-US" sz="2200" kern="1200" dirty="0"/>
-            <a:t>Data Storage</a:t>
-          </a:r>
-        </a:p>
-      </dsp:txBody>
-      <dsp:txXfrm>
-        <a:off x="4231059" y="2304925"/>
-        <a:ext cx="1581989" cy="982255"/>
-      </dsp:txXfrm>
-    </dsp:sp>
-    <dsp:sp modelId="{3E767FDA-9AA2-CA4C-AA41-C91E92761675}">
-      <dsp:nvSpPr>
-        <dsp:cNvPr id="0" name=""/>
-        <dsp:cNvSpPr/>
-      </dsp:nvSpPr>
-      <dsp:spPr>
-        <a:xfrm>
-          <a:off x="6026175" y="2100927"/>
-          <a:ext cx="1643107" cy="1043373"/>
-        </a:xfrm>
-        <a:prstGeom prst="roundRect">
-          <a:avLst>
-            <a:gd name="adj" fmla="val 10000"/>
-          </a:avLst>
-        </a:prstGeom>
-        <a:solidFill>
-          <a:schemeClr val="accent1">
-            <a:hueOff val="0"/>
-            <a:satOff val="0"/>
-            <a:lumOff val="0"/>
-            <a:alphaOff val="0"/>
-          </a:schemeClr>
-        </a:solidFill>
-        <a:ln w="19050" cap="flat" cmpd="sng" algn="ctr">
-          <a:solidFill>
-            <a:schemeClr val="lt1">
-              <a:hueOff val="0"/>
-              <a:satOff val="0"/>
-              <a:lumOff val="0"/>
-              <a:alphaOff val="0"/>
-            </a:schemeClr>
-          </a:solidFill>
-          <a:prstDash val="solid"/>
-          <a:miter lim="800000"/>
-        </a:ln>
-        <a:effectLst/>
-      </dsp:spPr>
-      <dsp:style>
-        <a:lnRef idx="2">
-          <a:scrgbClr r="0" g="0" b="0"/>
-        </a:lnRef>
-        <a:fillRef idx="1">
-          <a:scrgbClr r="0" g="0" b="0"/>
-        </a:fillRef>
-        <a:effectRef idx="0">
-          <a:scrgbClr r="0" g="0" b="0"/>
-        </a:effectRef>
-        <a:fontRef idx="minor">
-          <a:schemeClr val="lt1"/>
-        </a:fontRef>
-      </dsp:style>
-    </dsp:sp>
-    <dsp:sp modelId="{F59B2B5C-099E-CA45-B401-816D04642B86}">
-      <dsp:nvSpPr>
-        <dsp:cNvPr id="0" name=""/>
-        <dsp:cNvSpPr/>
-      </dsp:nvSpPr>
-      <dsp:spPr>
-        <a:xfrm>
-          <a:off x="6208742" y="2274366"/>
-          <a:ext cx="1643107" cy="1043373"/>
-        </a:xfrm>
-        <a:prstGeom prst="roundRect">
-          <a:avLst>
-            <a:gd name="adj" fmla="val 10000"/>
-          </a:avLst>
-        </a:prstGeom>
-        <a:solidFill>
-          <a:schemeClr val="lt1">
-            <a:alpha val="90000"/>
-            <a:hueOff val="0"/>
-            <a:satOff val="0"/>
-            <a:lumOff val="0"/>
-            <a:alphaOff val="0"/>
-          </a:schemeClr>
-        </a:solidFill>
-        <a:ln w="19050" cap="flat" cmpd="sng" algn="ctr">
-          <a:solidFill>
-            <a:schemeClr val="accent1">
-              <a:hueOff val="0"/>
-              <a:satOff val="0"/>
-              <a:lumOff val="0"/>
-              <a:alphaOff val="0"/>
-            </a:schemeClr>
-          </a:solidFill>
-          <a:prstDash val="solid"/>
-          <a:miter lim="800000"/>
-        </a:ln>
-        <a:effectLst/>
-      </dsp:spPr>
-      <dsp:style>
-        <a:lnRef idx="2">
-          <a:scrgbClr r="0" g="0" b="0"/>
-        </a:lnRef>
-        <a:fillRef idx="1">
-          <a:scrgbClr r="0" g="0" b="0"/>
-        </a:fillRef>
-        <a:effectRef idx="0">
-          <a:scrgbClr r="0" g="0" b="0"/>
-        </a:effectRef>
-        <a:fontRef idx="minor"/>
-      </dsp:style>
-      <dsp:txBody>
-        <a:bodyPr spcFirstLastPara="0" vert="horz" wrap="square" lIns="83820" tIns="83820" rIns="83820" bIns="83820" numCol="1" spcCol="1270" anchor="ctr" anchorCtr="0">
-          <a:noAutofit/>
-        </a:bodyPr>
-        <a:lstStyle/>
-        <a:p>
-          <a:pPr marL="0" lvl="0" indent="0" algn="ctr" defTabSz="977900">
-            <a:lnSpc>
-              <a:spcPct val="90000"/>
-            </a:lnSpc>
-            <a:spcBef>
-              <a:spcPct val="0"/>
-            </a:spcBef>
-            <a:spcAft>
-              <a:spcPct val="35000"/>
-            </a:spcAft>
-            <a:buNone/>
-          </a:pPr>
-          <a:r>
-            <a:rPr lang="en-US" sz="2200" kern="1200" dirty="0"/>
-            <a:t>Data Conversion</a:t>
-          </a:r>
-        </a:p>
-      </dsp:txBody>
-      <dsp:txXfrm>
-        <a:off x="6239301" y="2304925"/>
-        <a:ext cx="1581989" cy="982255"/>
-      </dsp:txXfrm>
-    </dsp:sp>
-    <dsp:sp modelId="{9572989F-D376-4945-A3C8-8092CF99FE41}">
-      <dsp:nvSpPr>
-        <dsp:cNvPr id="0" name=""/>
-        <dsp:cNvSpPr/>
-      </dsp:nvSpPr>
-      <dsp:spPr>
-        <a:xfrm>
-          <a:off x="8034417" y="2100927"/>
-          <a:ext cx="1643107" cy="1043373"/>
-        </a:xfrm>
-        <a:prstGeom prst="roundRect">
-          <a:avLst>
-            <a:gd name="adj" fmla="val 10000"/>
-          </a:avLst>
-        </a:prstGeom>
-        <a:solidFill>
-          <a:schemeClr val="accent1">
-            <a:hueOff val="0"/>
-            <a:satOff val="0"/>
-            <a:lumOff val="0"/>
-            <a:alphaOff val="0"/>
-          </a:schemeClr>
-        </a:solidFill>
-        <a:ln w="19050" cap="flat" cmpd="sng" algn="ctr">
-          <a:solidFill>
-            <a:schemeClr val="lt1">
-              <a:hueOff val="0"/>
-              <a:satOff val="0"/>
-              <a:lumOff val="0"/>
-              <a:alphaOff val="0"/>
-            </a:schemeClr>
-          </a:solidFill>
-          <a:prstDash val="solid"/>
-          <a:miter lim="800000"/>
-        </a:ln>
-        <a:effectLst/>
-      </dsp:spPr>
-      <dsp:style>
-        <a:lnRef idx="2">
-          <a:scrgbClr r="0" g="0" b="0"/>
-        </a:lnRef>
-        <a:fillRef idx="1">
-          <a:scrgbClr r="0" g="0" b="0"/>
-        </a:fillRef>
-        <a:effectRef idx="0">
-          <a:scrgbClr r="0" g="0" b="0"/>
-        </a:effectRef>
-        <a:fontRef idx="minor">
-          <a:schemeClr val="lt1"/>
-        </a:fontRef>
-      </dsp:style>
-    </dsp:sp>
-    <dsp:sp modelId="{D05B63CD-DCB3-8E4D-985E-3777D2AE9478}">
-      <dsp:nvSpPr>
-        <dsp:cNvPr id="0" name=""/>
-        <dsp:cNvSpPr/>
-      </dsp:nvSpPr>
-      <dsp:spPr>
-        <a:xfrm>
-          <a:off x="8216984" y="2274366"/>
-          <a:ext cx="1643107" cy="1043373"/>
-        </a:xfrm>
-        <a:prstGeom prst="roundRect">
-          <a:avLst>
-            <a:gd name="adj" fmla="val 10000"/>
-          </a:avLst>
-        </a:prstGeom>
-        <a:solidFill>
-          <a:schemeClr val="lt1">
-            <a:alpha val="90000"/>
-            <a:hueOff val="0"/>
-            <a:satOff val="0"/>
-            <a:lumOff val="0"/>
-            <a:alphaOff val="0"/>
-          </a:schemeClr>
-        </a:solidFill>
-        <a:ln w="19050" cap="flat" cmpd="sng" algn="ctr">
-          <a:solidFill>
-            <a:schemeClr val="accent1">
-              <a:hueOff val="0"/>
-              <a:satOff val="0"/>
-              <a:lumOff val="0"/>
-              <a:alphaOff val="0"/>
-            </a:schemeClr>
-          </a:solidFill>
-          <a:prstDash val="solid"/>
-          <a:miter lim="800000"/>
-        </a:ln>
-        <a:effectLst/>
-      </dsp:spPr>
-      <dsp:style>
-        <a:lnRef idx="2">
-          <a:scrgbClr r="0" g="0" b="0"/>
-        </a:lnRef>
-        <a:fillRef idx="1">
-          <a:scrgbClr r="0" g="0" b="0"/>
-        </a:fillRef>
-        <a:effectRef idx="0">
-          <a:scrgbClr r="0" g="0" b="0"/>
-        </a:effectRef>
-        <a:fontRef idx="minor"/>
-      </dsp:style>
-      <dsp:txBody>
-        <a:bodyPr spcFirstLastPara="0" vert="horz" wrap="square" lIns="83820" tIns="83820" rIns="83820" bIns="83820" numCol="1" spcCol="1270" anchor="ctr" anchorCtr="0">
-          <a:noAutofit/>
-        </a:bodyPr>
-        <a:lstStyle/>
-        <a:p>
-          <a:pPr marL="0" lvl="0" indent="0" algn="ctr" defTabSz="977900">
-            <a:lnSpc>
-              <a:spcPct val="90000"/>
-            </a:lnSpc>
-            <a:spcBef>
-              <a:spcPct val="0"/>
-            </a:spcBef>
-            <a:spcAft>
-              <a:spcPct val="35000"/>
-            </a:spcAft>
-            <a:buNone/>
-          </a:pPr>
-          <a:r>
-            <a:rPr lang="en-US" sz="2200" kern="1200" dirty="0"/>
-            <a:t>JavaScript coding</a:t>
-          </a:r>
-        </a:p>
-      </dsp:txBody>
-      <dsp:txXfrm>
-        <a:off x="8247543" y="2304925"/>
-        <a:ext cx="1581989" cy="982255"/>
-      </dsp:txXfrm>
-    </dsp:sp>
-    <dsp:sp modelId="{04D925FF-3634-A645-A677-170528932C97}">
-      <dsp:nvSpPr>
-        <dsp:cNvPr id="0" name=""/>
-        <dsp:cNvSpPr/>
-      </dsp:nvSpPr>
-      <dsp:spPr>
-        <a:xfrm>
-          <a:off x="10042659" y="2100927"/>
-          <a:ext cx="1643107" cy="1043373"/>
-        </a:xfrm>
-        <a:prstGeom prst="roundRect">
-          <a:avLst>
-            <a:gd name="adj" fmla="val 10000"/>
-          </a:avLst>
-        </a:prstGeom>
-        <a:solidFill>
-          <a:schemeClr val="accent1">
-            <a:hueOff val="0"/>
-            <a:satOff val="0"/>
-            <a:lumOff val="0"/>
-            <a:alphaOff val="0"/>
-          </a:schemeClr>
-        </a:solidFill>
-        <a:ln w="19050" cap="flat" cmpd="sng" algn="ctr">
-          <a:solidFill>
-            <a:schemeClr val="lt1">
-              <a:hueOff val="0"/>
-              <a:satOff val="0"/>
-              <a:lumOff val="0"/>
-              <a:alphaOff val="0"/>
-            </a:schemeClr>
-          </a:solidFill>
-          <a:prstDash val="solid"/>
-          <a:miter lim="800000"/>
-        </a:ln>
-        <a:effectLst/>
-      </dsp:spPr>
-      <dsp:style>
-        <a:lnRef idx="2">
-          <a:scrgbClr r="0" g="0" b="0"/>
-        </a:lnRef>
-        <a:fillRef idx="1">
-          <a:scrgbClr r="0" g="0" b="0"/>
-        </a:fillRef>
-        <a:effectRef idx="0">
-          <a:scrgbClr r="0" g="0" b="0"/>
-        </a:effectRef>
-        <a:fontRef idx="minor">
-          <a:schemeClr val="lt1"/>
-        </a:fontRef>
-      </dsp:style>
-    </dsp:sp>
-    <dsp:sp modelId="{46ED2C08-AD0C-724C-BFD5-3E172B9A60D3}">
-      <dsp:nvSpPr>
-        <dsp:cNvPr id="0" name=""/>
-        <dsp:cNvSpPr/>
-      </dsp:nvSpPr>
-      <dsp:spPr>
-        <a:xfrm>
-          <a:off x="10225226" y="2274366"/>
-          <a:ext cx="1643107" cy="1043373"/>
-        </a:xfrm>
-        <a:prstGeom prst="roundRect">
-          <a:avLst>
-            <a:gd name="adj" fmla="val 10000"/>
-          </a:avLst>
-        </a:prstGeom>
-        <a:solidFill>
-          <a:schemeClr val="lt1">
-            <a:alpha val="90000"/>
-            <a:hueOff val="0"/>
-            <a:satOff val="0"/>
-            <a:lumOff val="0"/>
-            <a:alphaOff val="0"/>
-          </a:schemeClr>
-        </a:solidFill>
-        <a:ln w="19050" cap="flat" cmpd="sng" algn="ctr">
-          <a:solidFill>
-            <a:schemeClr val="accent1">
-              <a:hueOff val="0"/>
-              <a:satOff val="0"/>
-              <a:lumOff val="0"/>
-              <a:alphaOff val="0"/>
-            </a:schemeClr>
-          </a:solidFill>
-          <a:prstDash val="solid"/>
-          <a:miter lim="800000"/>
-        </a:ln>
-        <a:effectLst/>
-      </dsp:spPr>
-      <dsp:style>
-        <a:lnRef idx="2">
-          <a:scrgbClr r="0" g="0" b="0"/>
-        </a:lnRef>
-        <a:fillRef idx="1">
-          <a:scrgbClr r="0" g="0" b="0"/>
-        </a:fillRef>
-        <a:effectRef idx="0">
-          <a:scrgbClr r="0" g="0" b="0"/>
-        </a:effectRef>
-        <a:fontRef idx="minor"/>
-      </dsp:style>
-      <dsp:txBody>
-        <a:bodyPr spcFirstLastPara="0" vert="horz" wrap="square" lIns="83820" tIns="83820" rIns="83820" bIns="83820" numCol="1" spcCol="1270" anchor="ctr" anchorCtr="0">
-          <a:noAutofit/>
-        </a:bodyPr>
-        <a:lstStyle/>
-        <a:p>
-          <a:pPr marL="0" lvl="0" indent="0" algn="ctr" defTabSz="977900">
-            <a:lnSpc>
-              <a:spcPct val="90000"/>
-            </a:lnSpc>
-            <a:spcBef>
-              <a:spcPct val="0"/>
-            </a:spcBef>
-            <a:spcAft>
-              <a:spcPct val="35000"/>
-            </a:spcAft>
-            <a:buNone/>
-          </a:pPr>
-          <a:r>
-            <a:rPr lang="en-US" sz="2200" kern="1200" dirty="0"/>
-            <a:t>HTML Coding</a:t>
-          </a:r>
-        </a:p>
-      </dsp:txBody>
-      <dsp:txXfrm>
-        <a:off x="10255785" y="2304925"/>
-        <a:ext cx="1581989" cy="982255"/>
+        <a:off x="9925549" y="2222760"/>
+        <a:ext cx="1903408" cy="1181823"/>
       </dsp:txXfrm>
     </dsp:sp>
   </dsp:spTree>
@@ -6626,3201 +2467,7 @@
 </dgm:layoutDef>
 </file>
 
-<file path=ppt/diagrams/layout2.xml><?xml version="1.0" encoding="utf-8"?>
-<dgm:layoutDef xmlns:dgm="http://schemas.openxmlformats.org/drawingml/2006/diagram" xmlns:a="http://schemas.openxmlformats.org/drawingml/2006/main" uniqueId="urn:microsoft.com/office/officeart/2005/8/layout/hierarchy1">
-  <dgm:title val=""/>
-  <dgm:desc val=""/>
-  <dgm:catLst>
-    <dgm:cat type="hierarchy" pri="2000"/>
-  </dgm:catLst>
-  <dgm:sampData>
-    <dgm:dataModel>
-      <dgm:ptLst>
-        <dgm:pt modelId="0" type="doc"/>
-        <dgm:pt modelId="1">
-          <dgm:prSet phldr="1"/>
-        </dgm:pt>
-        <dgm:pt modelId="2">
-          <dgm:prSet phldr="1"/>
-        </dgm:pt>
-        <dgm:pt modelId="21">
-          <dgm:prSet phldr="1"/>
-        </dgm:pt>
-        <dgm:pt modelId="22">
-          <dgm:prSet phldr="1"/>
-        </dgm:pt>
-        <dgm:pt modelId="3">
-          <dgm:prSet phldr="1"/>
-        </dgm:pt>
-        <dgm:pt modelId="31">
-          <dgm:prSet phldr="1"/>
-        </dgm:pt>
-      </dgm:ptLst>
-      <dgm:cxnLst>
-        <dgm:cxn modelId="4" srcId="0" destId="1" srcOrd="0" destOrd="0"/>
-        <dgm:cxn modelId="5" srcId="1" destId="2" srcOrd="0" destOrd="0"/>
-        <dgm:cxn modelId="6" srcId="1" destId="3" srcOrd="1" destOrd="0"/>
-        <dgm:cxn modelId="23" srcId="2" destId="21" srcOrd="0" destOrd="0"/>
-        <dgm:cxn modelId="24" srcId="2" destId="22" srcOrd="1" destOrd="0"/>
-        <dgm:cxn modelId="33" srcId="3" destId="31" srcOrd="0" destOrd="0"/>
-      </dgm:cxnLst>
-      <dgm:bg/>
-      <dgm:whole/>
-    </dgm:dataModel>
-  </dgm:sampData>
-  <dgm:styleData>
-    <dgm:dataModel>
-      <dgm:ptLst>
-        <dgm:pt modelId="0" type="doc"/>
-        <dgm:pt modelId="1"/>
-        <dgm:pt modelId="11"/>
-        <dgm:pt modelId="12"/>
-      </dgm:ptLst>
-      <dgm:cxnLst>
-        <dgm:cxn modelId="2" srcId="0" destId="1" srcOrd="0" destOrd="0"/>
-        <dgm:cxn modelId="13" srcId="1" destId="11" srcOrd="0" destOrd="0"/>
-        <dgm:cxn modelId="14" srcId="1" destId="12" srcOrd="1" destOrd="0"/>
-      </dgm:cxnLst>
-      <dgm:bg/>
-      <dgm:whole/>
-    </dgm:dataModel>
-  </dgm:styleData>
-  <dgm:clrData>
-    <dgm:dataModel>
-      <dgm:ptLst>
-        <dgm:pt modelId="0" type="doc"/>
-        <dgm:pt modelId="1"/>
-        <dgm:pt modelId="2"/>
-        <dgm:pt modelId="21"/>
-        <dgm:pt modelId="211"/>
-        <dgm:pt modelId="3"/>
-        <dgm:pt modelId="31"/>
-        <dgm:pt modelId="311"/>
-      </dgm:ptLst>
-      <dgm:cxnLst>
-        <dgm:cxn modelId="4" srcId="0" destId="1" srcOrd="0" destOrd="0"/>
-        <dgm:cxn modelId="5" srcId="1" destId="2" srcOrd="0" destOrd="0"/>
-        <dgm:cxn modelId="6" srcId="1" destId="3" srcOrd="1" destOrd="0"/>
-        <dgm:cxn modelId="23" srcId="2" destId="21" srcOrd="0" destOrd="0"/>
-        <dgm:cxn modelId="24" srcId="21" destId="211" srcOrd="0" destOrd="0"/>
-        <dgm:cxn modelId="33" srcId="3" destId="31" srcOrd="0" destOrd="0"/>
-        <dgm:cxn modelId="34" srcId="31" destId="311" srcOrd="0" destOrd="0"/>
-      </dgm:cxnLst>
-      <dgm:bg/>
-      <dgm:whole/>
-    </dgm:dataModel>
-  </dgm:clrData>
-  <dgm:layoutNode name="hierChild1">
-    <dgm:varLst>
-      <dgm:chPref val="1"/>
-      <dgm:dir/>
-      <dgm:animOne val="branch"/>
-      <dgm:animLvl val="lvl"/>
-      <dgm:resizeHandles/>
-    </dgm:varLst>
-    <dgm:choose name="Name0">
-      <dgm:if name="Name1" func="var" arg="dir" op="equ" val="norm">
-        <dgm:alg type="hierChild">
-          <dgm:param type="linDir" val="fromL"/>
-        </dgm:alg>
-      </dgm:if>
-      <dgm:else name="Name2">
-        <dgm:alg type="hierChild">
-          <dgm:param type="linDir" val="fromR"/>
-        </dgm:alg>
-      </dgm:else>
-    </dgm:choose>
-    <dgm:shape xmlns:r="http://schemas.openxmlformats.org/officeDocument/2006/relationships" r:blip="">
-      <dgm:adjLst/>
-    </dgm:shape>
-    <dgm:presOf/>
-    <dgm:constrLst>
-      <dgm:constr type="primFontSz" for="des" ptType="node" op="equ" val="65"/>
-      <dgm:constr type="w" for="des" forName="composite" refType="w"/>
-      <dgm:constr type="h" for="des" forName="composite" refType="w" refFor="des" refForName="composite" fact="0.667"/>
-      <dgm:constr type="w" for="des" forName="composite2" refType="w" refFor="des" refForName="composite"/>
-      <dgm:constr type="h" for="des" forName="composite2" refType="h" refFor="des" refForName="composite"/>
-      <dgm:constr type="w" for="des" forName="composite3" refType="w" refFor="des" refForName="composite"/>
-      <dgm:constr type="h" for="des" forName="composite3" refType="h" refFor="des" refForName="composite"/>
-      <dgm:constr type="w" for="des" forName="composite4" refType="w" refFor="des" refForName="composite"/>
-      <dgm:constr type="h" for="des" forName="composite4" refType="h" refFor="des" refForName="composite"/>
-      <dgm:constr type="w" for="des" forName="composite5" refType="w" refFor="des" refForName="composite"/>
-      <dgm:constr type="h" for="des" forName="composite5" refType="h" refFor="des" refForName="composite"/>
-      <dgm:constr type="sibSp" refType="w" refFor="des" refForName="composite" fact="0.1"/>
-      <dgm:constr type="sibSp" for="des" forName="hierChild2" refType="sibSp"/>
-      <dgm:constr type="sibSp" for="des" forName="hierChild3" refType="sibSp"/>
-      <dgm:constr type="sibSp" for="des" forName="hierChild4" refType="sibSp"/>
-      <dgm:constr type="sibSp" for="des" forName="hierChild5" refType="sibSp"/>
-      <dgm:constr type="sibSp" for="des" forName="hierChild6" refType="sibSp"/>
-      <dgm:constr type="sp" for="des" forName="hierRoot1" refType="h" refFor="des" refForName="composite" fact="0.25"/>
-      <dgm:constr type="sp" for="des" forName="hierRoot2" refType="sp" refFor="des" refForName="hierRoot1"/>
-      <dgm:constr type="sp" for="des" forName="hierRoot3" refType="sp" refFor="des" refForName="hierRoot1"/>
-      <dgm:constr type="sp" for="des" forName="hierRoot4" refType="sp" refFor="des" refForName="hierRoot1"/>
-      <dgm:constr type="sp" for="des" forName="hierRoot5" refType="sp" refFor="des" refForName="hierRoot1"/>
-    </dgm:constrLst>
-    <dgm:ruleLst/>
-    <dgm:forEach name="Name3" axis="ch">
-      <dgm:forEach name="Name4" axis="self" ptType="node">
-        <dgm:layoutNode name="hierRoot1">
-          <dgm:alg type="hierRoot"/>
-          <dgm:shape xmlns:r="http://schemas.openxmlformats.org/officeDocument/2006/relationships" r:blip="">
-            <dgm:adjLst/>
-          </dgm:shape>
-          <dgm:presOf/>
-          <dgm:constrLst>
-            <dgm:constr type="bendDist" for="des" ptType="parTrans" refType="sp" fact="0.5"/>
-          </dgm:constrLst>
-          <dgm:ruleLst/>
-          <dgm:layoutNode name="composite">
-            <dgm:alg type="composite"/>
-            <dgm:shape xmlns:r="http://schemas.openxmlformats.org/officeDocument/2006/relationships" r:blip="">
-              <dgm:adjLst/>
-            </dgm:shape>
-            <dgm:presOf/>
-            <dgm:constrLst>
-              <dgm:constr type="w" for="ch" forName="background" refType="w" fact="0.9"/>
-              <dgm:constr type="h" for="ch" forName="background" refType="w" refFor="ch" refForName="background" fact="0.635"/>
-              <dgm:constr type="t" for="ch" forName="background"/>
-              <dgm:constr type="l" for="ch" forName="background"/>
-              <dgm:constr type="w" for="ch" forName="text" refType="w" fact="0.9"/>
-              <dgm:constr type="h" for="ch" forName="text" refType="w" refFor="ch" refForName="text" fact="0.635"/>
-              <dgm:constr type="t" for="ch" forName="text" refType="w" fact="0.095"/>
-              <dgm:constr type="l" for="ch" forName="text" refType="w" fact="0.1"/>
-            </dgm:constrLst>
-            <dgm:ruleLst/>
-            <dgm:layoutNode name="background" styleLbl="node0" moveWith="text">
-              <dgm:alg type="sp"/>
-              <dgm:shape xmlns:r="http://schemas.openxmlformats.org/officeDocument/2006/relationships" type="roundRect" r:blip="">
-                <dgm:adjLst>
-                  <dgm:adj idx="1" val="0.1"/>
-                </dgm:adjLst>
-              </dgm:shape>
-              <dgm:presOf/>
-              <dgm:constrLst/>
-              <dgm:ruleLst/>
-            </dgm:layoutNode>
-            <dgm:layoutNode name="text" styleLbl="fgAcc0">
-              <dgm:varLst>
-                <dgm:chPref val="3"/>
-              </dgm:varLst>
-              <dgm:alg type="tx"/>
-              <dgm:shape xmlns:r="http://schemas.openxmlformats.org/officeDocument/2006/relationships" type="roundRect" r:blip="">
-                <dgm:adjLst>
-                  <dgm:adj idx="1" val="0.1"/>
-                </dgm:adjLst>
-              </dgm:shape>
-              <dgm:presOf axis="self"/>
-              <dgm:constrLst>
-                <dgm:constr type="tMarg" refType="primFontSz" fact="0.3"/>
-                <dgm:constr type="bMarg" refType="primFontSz" fact="0.3"/>
-                <dgm:constr type="lMarg" refType="primFontSz" fact="0.3"/>
-                <dgm:constr type="rMarg" refType="primFontSz" fact="0.3"/>
-              </dgm:constrLst>
-              <dgm:ruleLst>
-                <dgm:rule type="primFontSz" val="5" fact="NaN" max="NaN"/>
-              </dgm:ruleLst>
-            </dgm:layoutNode>
-          </dgm:layoutNode>
-          <dgm:layoutNode name="hierChild2">
-            <dgm:choose name="Name5">
-              <dgm:if name="Name6" func="var" arg="dir" op="equ" val="norm">
-                <dgm:alg type="hierChild">
-                  <dgm:param type="linDir" val="fromL"/>
-                </dgm:alg>
-              </dgm:if>
-              <dgm:else name="Name7">
-                <dgm:alg type="hierChild">
-                  <dgm:param type="linDir" val="fromR"/>
-                </dgm:alg>
-              </dgm:else>
-            </dgm:choose>
-            <dgm:shape xmlns:r="http://schemas.openxmlformats.org/officeDocument/2006/relationships" r:blip="">
-              <dgm:adjLst/>
-            </dgm:shape>
-            <dgm:presOf/>
-            <dgm:constrLst/>
-            <dgm:ruleLst/>
-            <dgm:forEach name="Name8" axis="ch">
-              <dgm:forEach name="Name9" axis="self" ptType="parTrans" cnt="1">
-                <dgm:layoutNode name="Name10">
-                  <dgm:alg type="conn">
-                    <dgm:param type="dim" val="1D"/>
-                    <dgm:param type="endSty" val="noArr"/>
-                    <dgm:param type="connRout" val="bend"/>
-                    <dgm:param type="bendPt" val="end"/>
-                    <dgm:param type="begPts" val="bCtr"/>
-                    <dgm:param type="endPts" val="tCtr"/>
-                    <dgm:param type="srcNode" val="background"/>
-                    <dgm:param type="dstNode" val="background2"/>
-                  </dgm:alg>
-                  <dgm:shape xmlns:r="http://schemas.openxmlformats.org/officeDocument/2006/relationships" type="conn" r:blip="" zOrderOff="-999">
-                    <dgm:adjLst/>
-                  </dgm:shape>
-                  <dgm:presOf axis="self"/>
-                  <dgm:constrLst>
-                    <dgm:constr type="begPad"/>
-                    <dgm:constr type="endPad"/>
-                  </dgm:constrLst>
-                  <dgm:ruleLst/>
-                </dgm:layoutNode>
-              </dgm:forEach>
-              <dgm:forEach name="Name11" axis="self" ptType="node">
-                <dgm:layoutNode name="hierRoot2">
-                  <dgm:alg type="hierRoot"/>
-                  <dgm:shape xmlns:r="http://schemas.openxmlformats.org/officeDocument/2006/relationships" r:blip="">
-                    <dgm:adjLst/>
-                  </dgm:shape>
-                  <dgm:presOf/>
-                  <dgm:constrLst>
-                    <dgm:constr type="bendDist" for="des" ptType="parTrans" refType="sp" fact="0.5"/>
-                  </dgm:constrLst>
-                  <dgm:ruleLst/>
-                  <dgm:layoutNode name="composite2">
-                    <dgm:alg type="composite"/>
-                    <dgm:shape xmlns:r="http://schemas.openxmlformats.org/officeDocument/2006/relationships" r:blip="">
-                      <dgm:adjLst/>
-                    </dgm:shape>
-                    <dgm:presOf/>
-                    <dgm:constrLst>
-                      <dgm:constr type="w" for="ch" forName="background2" refType="w" fact="0.9"/>
-                      <dgm:constr type="h" for="ch" forName="background2" refType="w" refFor="ch" refForName="background2" fact="0.635"/>
-                      <dgm:constr type="t" for="ch" forName="background2"/>
-                      <dgm:constr type="l" for="ch" forName="background2"/>
-                      <dgm:constr type="w" for="ch" forName="text2" refType="w" fact="0.9"/>
-                      <dgm:constr type="h" for="ch" forName="text2" refType="w" refFor="ch" refForName="text2" fact="0.635"/>
-                      <dgm:constr type="t" for="ch" forName="text2" refType="w" fact="0.095"/>
-                      <dgm:constr type="l" for="ch" forName="text2" refType="w" fact="0.1"/>
-                    </dgm:constrLst>
-                    <dgm:ruleLst/>
-                    <dgm:layoutNode name="background2" moveWith="text2">
-                      <dgm:alg type="sp"/>
-                      <dgm:shape xmlns:r="http://schemas.openxmlformats.org/officeDocument/2006/relationships" type="roundRect" r:blip="">
-                        <dgm:adjLst>
-                          <dgm:adj idx="1" val="0.1"/>
-                        </dgm:adjLst>
-                      </dgm:shape>
-                      <dgm:presOf/>
-                      <dgm:constrLst/>
-                      <dgm:ruleLst/>
-                    </dgm:layoutNode>
-                    <dgm:layoutNode name="text2" styleLbl="fgAcc2">
-                      <dgm:varLst>
-                        <dgm:chPref val="3"/>
-                      </dgm:varLst>
-                      <dgm:alg type="tx"/>
-                      <dgm:shape xmlns:r="http://schemas.openxmlformats.org/officeDocument/2006/relationships" type="roundRect" r:blip="">
-                        <dgm:adjLst>
-                          <dgm:adj idx="1" val="0.1"/>
-                        </dgm:adjLst>
-                      </dgm:shape>
-                      <dgm:presOf axis="self"/>
-                      <dgm:constrLst>
-                        <dgm:constr type="tMarg" refType="primFontSz" fact="0.3"/>
-                        <dgm:constr type="bMarg" refType="primFontSz" fact="0.3"/>
-                        <dgm:constr type="lMarg" refType="primFontSz" fact="0.3"/>
-                        <dgm:constr type="rMarg" refType="primFontSz" fact="0.3"/>
-                      </dgm:constrLst>
-                      <dgm:ruleLst>
-                        <dgm:rule type="primFontSz" val="5" fact="NaN" max="NaN"/>
-                      </dgm:ruleLst>
-                    </dgm:layoutNode>
-                  </dgm:layoutNode>
-                  <dgm:layoutNode name="hierChild3">
-                    <dgm:choose name="Name12">
-                      <dgm:if name="Name13" func="var" arg="dir" op="equ" val="norm">
-                        <dgm:alg type="hierChild">
-                          <dgm:param type="linDir" val="fromL"/>
-                        </dgm:alg>
-                      </dgm:if>
-                      <dgm:else name="Name14">
-                        <dgm:alg type="hierChild">
-                          <dgm:param type="linDir" val="fromR"/>
-                        </dgm:alg>
-                      </dgm:else>
-                    </dgm:choose>
-                    <dgm:shape xmlns:r="http://schemas.openxmlformats.org/officeDocument/2006/relationships" r:blip="">
-                      <dgm:adjLst/>
-                    </dgm:shape>
-                    <dgm:presOf/>
-                    <dgm:constrLst/>
-                    <dgm:ruleLst/>
-                    <dgm:forEach name="Name15" axis="ch">
-                      <dgm:forEach name="Name16" axis="self" ptType="parTrans" cnt="1">
-                        <dgm:layoutNode name="Name17">
-                          <dgm:alg type="conn">
-                            <dgm:param type="dim" val="1D"/>
-                            <dgm:param type="endSty" val="noArr"/>
-                            <dgm:param type="connRout" val="bend"/>
-                            <dgm:param type="bendPt" val="end"/>
-                            <dgm:param type="begPts" val="bCtr"/>
-                            <dgm:param type="endPts" val="tCtr"/>
-                            <dgm:param type="srcNode" val="background2"/>
-                            <dgm:param type="dstNode" val="background3"/>
-                          </dgm:alg>
-                          <dgm:shape xmlns:r="http://schemas.openxmlformats.org/officeDocument/2006/relationships" type="conn" r:blip="" zOrderOff="-999">
-                            <dgm:adjLst/>
-                          </dgm:shape>
-                          <dgm:presOf axis="self"/>
-                          <dgm:constrLst>
-                            <dgm:constr type="begPad"/>
-                            <dgm:constr type="endPad"/>
-                          </dgm:constrLst>
-                          <dgm:ruleLst/>
-                        </dgm:layoutNode>
-                      </dgm:forEach>
-                      <dgm:forEach name="Name18" axis="self" ptType="node">
-                        <dgm:layoutNode name="hierRoot3">
-                          <dgm:alg type="hierRoot"/>
-                          <dgm:shape xmlns:r="http://schemas.openxmlformats.org/officeDocument/2006/relationships" r:blip="">
-                            <dgm:adjLst/>
-                          </dgm:shape>
-                          <dgm:presOf/>
-                          <dgm:constrLst>
-                            <dgm:constr type="bendDist" for="des" ptType="parTrans" refType="sp" fact="0.5"/>
-                          </dgm:constrLst>
-                          <dgm:ruleLst/>
-                          <dgm:layoutNode name="composite3">
-                            <dgm:alg type="composite"/>
-                            <dgm:shape xmlns:r="http://schemas.openxmlformats.org/officeDocument/2006/relationships" r:blip="">
-                              <dgm:adjLst/>
-                            </dgm:shape>
-                            <dgm:presOf/>
-                            <dgm:constrLst>
-                              <dgm:constr type="w" for="ch" forName="background3" refType="w" fact="0.9"/>
-                              <dgm:constr type="h" for="ch" forName="background3" refType="w" refFor="ch" refForName="background3" fact="0.635"/>
-                              <dgm:constr type="t" for="ch" forName="background3"/>
-                              <dgm:constr type="l" for="ch" forName="background3"/>
-                              <dgm:constr type="w" for="ch" forName="text3" refType="w" fact="0.9"/>
-                              <dgm:constr type="h" for="ch" forName="text3" refType="w" refFor="ch" refForName="text3" fact="0.635"/>
-                              <dgm:constr type="t" for="ch" forName="text3" refType="w" fact="0.095"/>
-                              <dgm:constr type="l" for="ch" forName="text3" refType="w" fact="0.1"/>
-                            </dgm:constrLst>
-                            <dgm:ruleLst/>
-                            <dgm:layoutNode name="background3" moveWith="text3">
-                              <dgm:alg type="sp"/>
-                              <dgm:shape xmlns:r="http://schemas.openxmlformats.org/officeDocument/2006/relationships" type="roundRect" r:blip="">
-                                <dgm:adjLst>
-                                  <dgm:adj idx="1" val="0.1"/>
-                                </dgm:adjLst>
-                              </dgm:shape>
-                              <dgm:presOf/>
-                              <dgm:constrLst/>
-                              <dgm:ruleLst/>
-                            </dgm:layoutNode>
-                            <dgm:layoutNode name="text3" styleLbl="fgAcc3">
-                              <dgm:varLst>
-                                <dgm:chPref val="3"/>
-                              </dgm:varLst>
-                              <dgm:alg type="tx"/>
-                              <dgm:shape xmlns:r="http://schemas.openxmlformats.org/officeDocument/2006/relationships" type="roundRect" r:blip="">
-                                <dgm:adjLst>
-                                  <dgm:adj idx="1" val="0.1"/>
-                                </dgm:adjLst>
-                              </dgm:shape>
-                              <dgm:presOf axis="self"/>
-                              <dgm:constrLst>
-                                <dgm:constr type="tMarg" refType="primFontSz" fact="0.3"/>
-                                <dgm:constr type="bMarg" refType="primFontSz" fact="0.3"/>
-                                <dgm:constr type="lMarg" refType="primFontSz" fact="0.3"/>
-                                <dgm:constr type="rMarg" refType="primFontSz" fact="0.3"/>
-                              </dgm:constrLst>
-                              <dgm:ruleLst>
-                                <dgm:rule type="primFontSz" val="5" fact="NaN" max="NaN"/>
-                              </dgm:ruleLst>
-                            </dgm:layoutNode>
-                          </dgm:layoutNode>
-                          <dgm:layoutNode name="hierChild4">
-                            <dgm:choose name="Name19">
-                              <dgm:if name="Name20" func="var" arg="dir" op="equ" val="norm">
-                                <dgm:alg type="hierChild">
-                                  <dgm:param type="linDir" val="fromL"/>
-                                </dgm:alg>
-                              </dgm:if>
-                              <dgm:else name="Name21">
-                                <dgm:alg type="hierChild">
-                                  <dgm:param type="linDir" val="fromR"/>
-                                </dgm:alg>
-                              </dgm:else>
-                            </dgm:choose>
-                            <dgm:shape xmlns:r="http://schemas.openxmlformats.org/officeDocument/2006/relationships" r:blip="">
-                              <dgm:adjLst/>
-                            </dgm:shape>
-                            <dgm:presOf/>
-                            <dgm:constrLst/>
-                            <dgm:ruleLst/>
-                            <dgm:forEach name="repeat" axis="ch">
-                              <dgm:forEach name="Name22" axis="self" ptType="parTrans" cnt="1">
-                                <dgm:layoutNode name="Name23">
-                                  <dgm:choose name="Name24">
-                                    <dgm:if name="Name25" axis="self" func="depth" op="lte" val="4">
-                                      <dgm:alg type="conn">
-                                        <dgm:param type="dim" val="1D"/>
-                                        <dgm:param type="endSty" val="noArr"/>
-                                        <dgm:param type="connRout" val="bend"/>
-                                        <dgm:param type="bendPt" val="end"/>
-                                        <dgm:param type="begPts" val="bCtr"/>
-                                        <dgm:param type="endPts" val="tCtr"/>
-                                        <dgm:param type="srcNode" val="background3"/>
-                                        <dgm:param type="dstNode" val="background4"/>
-                                      </dgm:alg>
-                                    </dgm:if>
-                                    <dgm:else name="Name26">
-                                      <dgm:alg type="conn">
-                                        <dgm:param type="dim" val="1D"/>
-                                        <dgm:param type="endSty" val="noArr"/>
-                                        <dgm:param type="connRout" val="bend"/>
-                                        <dgm:param type="bendPt" val="end"/>
-                                        <dgm:param type="begPts" val="bCtr"/>
-                                        <dgm:param type="endPts" val="tCtr"/>
-                                        <dgm:param type="srcNode" val="background4"/>
-                                        <dgm:param type="dstNode" val="background4"/>
-                                      </dgm:alg>
-                                    </dgm:else>
-                                  </dgm:choose>
-                                  <dgm:shape xmlns:r="http://schemas.openxmlformats.org/officeDocument/2006/relationships" type="conn" r:blip="" zOrderOff="-999">
-                                    <dgm:adjLst/>
-                                  </dgm:shape>
-                                  <dgm:presOf axis="self"/>
-                                  <dgm:constrLst>
-                                    <dgm:constr type="begPad"/>
-                                    <dgm:constr type="endPad"/>
-                                  </dgm:constrLst>
-                                  <dgm:ruleLst/>
-                                </dgm:layoutNode>
-                              </dgm:forEach>
-                              <dgm:forEach name="Name27" axis="self" ptType="node">
-                                <dgm:layoutNode name="hierRoot4">
-                                  <dgm:alg type="hierRoot"/>
-                                  <dgm:shape xmlns:r="http://schemas.openxmlformats.org/officeDocument/2006/relationships" r:blip="">
-                                    <dgm:adjLst/>
-                                  </dgm:shape>
-                                  <dgm:presOf/>
-                                  <dgm:constrLst>
-                                    <dgm:constr type="bendDist" for="des" ptType="parTrans" refType="sp" fact="0.5"/>
-                                  </dgm:constrLst>
-                                  <dgm:ruleLst/>
-                                  <dgm:layoutNode name="composite4">
-                                    <dgm:alg type="composite"/>
-                                    <dgm:shape xmlns:r="http://schemas.openxmlformats.org/officeDocument/2006/relationships" r:blip="">
-                                      <dgm:adjLst/>
-                                    </dgm:shape>
-                                    <dgm:presOf/>
-                                    <dgm:constrLst>
-                                      <dgm:constr type="w" for="ch" forName="background4" refType="w" fact="0.9"/>
-                                      <dgm:constr type="h" for="ch" forName="background4" refType="w" refFor="ch" refForName="background4" fact="0.635"/>
-                                      <dgm:constr type="t" for="ch" forName="background4"/>
-                                      <dgm:constr type="l" for="ch" forName="background4"/>
-                                      <dgm:constr type="w" for="ch" forName="text4" refType="w" fact="0.9"/>
-                                      <dgm:constr type="h" for="ch" forName="text4" refType="w" refFor="ch" refForName="text4" fact="0.635"/>
-                                      <dgm:constr type="t" for="ch" forName="text4" refType="w" fact="0.095"/>
-                                      <dgm:constr type="l" for="ch" forName="text4" refType="w" fact="0.1"/>
-                                    </dgm:constrLst>
-                                    <dgm:ruleLst/>
-                                    <dgm:layoutNode name="background4" moveWith="text4">
-                                      <dgm:alg type="sp"/>
-                                      <dgm:shape xmlns:r="http://schemas.openxmlformats.org/officeDocument/2006/relationships" type="roundRect" r:blip="">
-                                        <dgm:adjLst>
-                                          <dgm:adj idx="1" val="0.1"/>
-                                        </dgm:adjLst>
-                                      </dgm:shape>
-                                      <dgm:presOf/>
-                                      <dgm:constrLst/>
-                                      <dgm:ruleLst/>
-                                    </dgm:layoutNode>
-                                    <dgm:layoutNode name="text4" styleLbl="fgAcc4">
-                                      <dgm:varLst>
-                                        <dgm:chPref val="3"/>
-                                      </dgm:varLst>
-                                      <dgm:alg type="tx"/>
-                                      <dgm:shape xmlns:r="http://schemas.openxmlformats.org/officeDocument/2006/relationships" type="roundRect" r:blip="">
-                                        <dgm:adjLst>
-                                          <dgm:adj idx="1" val="0.1"/>
-                                        </dgm:adjLst>
-                                      </dgm:shape>
-                                      <dgm:presOf axis="self"/>
-                                      <dgm:constrLst>
-                                        <dgm:constr type="tMarg" refType="primFontSz" fact="0.3"/>
-                                        <dgm:constr type="bMarg" refType="primFontSz" fact="0.3"/>
-                                        <dgm:constr type="lMarg" refType="primFontSz" fact="0.3"/>
-                                        <dgm:constr type="rMarg" refType="primFontSz" fact="0.3"/>
-                                      </dgm:constrLst>
-                                      <dgm:ruleLst>
-                                        <dgm:rule type="primFontSz" val="5" fact="NaN" max="NaN"/>
-                                      </dgm:ruleLst>
-                                    </dgm:layoutNode>
-                                  </dgm:layoutNode>
-                                  <dgm:layoutNode name="hierChild5">
-                                    <dgm:choose name="Name28">
-                                      <dgm:if name="Name29" func="var" arg="dir" op="equ" val="norm">
-                                        <dgm:alg type="hierChild">
-                                          <dgm:param type="linDir" val="fromL"/>
-                                        </dgm:alg>
-                                      </dgm:if>
-                                      <dgm:else name="Name30">
-                                        <dgm:alg type="hierChild">
-                                          <dgm:param type="linDir" val="fromR"/>
-                                        </dgm:alg>
-                                      </dgm:else>
-                                    </dgm:choose>
-                                    <dgm:shape xmlns:r="http://schemas.openxmlformats.org/officeDocument/2006/relationships" r:blip="">
-                                      <dgm:adjLst/>
-                                    </dgm:shape>
-                                    <dgm:presOf/>
-                                    <dgm:constrLst/>
-                                    <dgm:ruleLst/>
-                                    <dgm:forEach name="Name31" ref="repeat"/>
-                                  </dgm:layoutNode>
-                                </dgm:layoutNode>
-                              </dgm:forEach>
-                            </dgm:forEach>
-                          </dgm:layoutNode>
-                        </dgm:layoutNode>
-                      </dgm:forEach>
-                    </dgm:forEach>
-                  </dgm:layoutNode>
-                </dgm:layoutNode>
-              </dgm:forEach>
-            </dgm:forEach>
-          </dgm:layoutNode>
-        </dgm:layoutNode>
-      </dgm:forEach>
-    </dgm:forEach>
-  </dgm:layoutNode>
-</dgm:layoutDef>
-</file>
-
-<file path=ppt/diagrams/layout3.xml><?xml version="1.0" encoding="utf-8"?>
-<dgm:layoutDef xmlns:dgm="http://schemas.openxmlformats.org/drawingml/2006/diagram" xmlns:a="http://schemas.openxmlformats.org/drawingml/2006/main" uniqueId="urn:microsoft.com/office/officeart/2005/8/layout/hierarchy1">
-  <dgm:title val=""/>
-  <dgm:desc val=""/>
-  <dgm:catLst>
-    <dgm:cat type="hierarchy" pri="2000"/>
-  </dgm:catLst>
-  <dgm:sampData>
-    <dgm:dataModel>
-      <dgm:ptLst>
-        <dgm:pt modelId="0" type="doc"/>
-        <dgm:pt modelId="1">
-          <dgm:prSet phldr="1"/>
-        </dgm:pt>
-        <dgm:pt modelId="2">
-          <dgm:prSet phldr="1"/>
-        </dgm:pt>
-        <dgm:pt modelId="21">
-          <dgm:prSet phldr="1"/>
-        </dgm:pt>
-        <dgm:pt modelId="22">
-          <dgm:prSet phldr="1"/>
-        </dgm:pt>
-        <dgm:pt modelId="3">
-          <dgm:prSet phldr="1"/>
-        </dgm:pt>
-        <dgm:pt modelId="31">
-          <dgm:prSet phldr="1"/>
-        </dgm:pt>
-      </dgm:ptLst>
-      <dgm:cxnLst>
-        <dgm:cxn modelId="4" srcId="0" destId="1" srcOrd="0" destOrd="0"/>
-        <dgm:cxn modelId="5" srcId="1" destId="2" srcOrd="0" destOrd="0"/>
-        <dgm:cxn modelId="6" srcId="1" destId="3" srcOrd="1" destOrd="0"/>
-        <dgm:cxn modelId="23" srcId="2" destId="21" srcOrd="0" destOrd="0"/>
-        <dgm:cxn modelId="24" srcId="2" destId="22" srcOrd="1" destOrd="0"/>
-        <dgm:cxn modelId="33" srcId="3" destId="31" srcOrd="0" destOrd="0"/>
-      </dgm:cxnLst>
-      <dgm:bg/>
-      <dgm:whole/>
-    </dgm:dataModel>
-  </dgm:sampData>
-  <dgm:styleData>
-    <dgm:dataModel>
-      <dgm:ptLst>
-        <dgm:pt modelId="0" type="doc"/>
-        <dgm:pt modelId="1"/>
-        <dgm:pt modelId="11"/>
-        <dgm:pt modelId="12"/>
-      </dgm:ptLst>
-      <dgm:cxnLst>
-        <dgm:cxn modelId="2" srcId="0" destId="1" srcOrd="0" destOrd="0"/>
-        <dgm:cxn modelId="13" srcId="1" destId="11" srcOrd="0" destOrd="0"/>
-        <dgm:cxn modelId="14" srcId="1" destId="12" srcOrd="1" destOrd="0"/>
-      </dgm:cxnLst>
-      <dgm:bg/>
-      <dgm:whole/>
-    </dgm:dataModel>
-  </dgm:styleData>
-  <dgm:clrData>
-    <dgm:dataModel>
-      <dgm:ptLst>
-        <dgm:pt modelId="0" type="doc"/>
-        <dgm:pt modelId="1"/>
-        <dgm:pt modelId="2"/>
-        <dgm:pt modelId="21"/>
-        <dgm:pt modelId="211"/>
-        <dgm:pt modelId="3"/>
-        <dgm:pt modelId="31"/>
-        <dgm:pt modelId="311"/>
-      </dgm:ptLst>
-      <dgm:cxnLst>
-        <dgm:cxn modelId="4" srcId="0" destId="1" srcOrd="0" destOrd="0"/>
-        <dgm:cxn modelId="5" srcId="1" destId="2" srcOrd="0" destOrd="0"/>
-        <dgm:cxn modelId="6" srcId="1" destId="3" srcOrd="1" destOrd="0"/>
-        <dgm:cxn modelId="23" srcId="2" destId="21" srcOrd="0" destOrd="0"/>
-        <dgm:cxn modelId="24" srcId="21" destId="211" srcOrd="0" destOrd="0"/>
-        <dgm:cxn modelId="33" srcId="3" destId="31" srcOrd="0" destOrd="0"/>
-        <dgm:cxn modelId="34" srcId="31" destId="311" srcOrd="0" destOrd="0"/>
-      </dgm:cxnLst>
-      <dgm:bg/>
-      <dgm:whole/>
-    </dgm:dataModel>
-  </dgm:clrData>
-  <dgm:layoutNode name="hierChild1">
-    <dgm:varLst>
-      <dgm:chPref val="1"/>
-      <dgm:dir/>
-      <dgm:animOne val="branch"/>
-      <dgm:animLvl val="lvl"/>
-      <dgm:resizeHandles/>
-    </dgm:varLst>
-    <dgm:choose name="Name0">
-      <dgm:if name="Name1" func="var" arg="dir" op="equ" val="norm">
-        <dgm:alg type="hierChild">
-          <dgm:param type="linDir" val="fromL"/>
-        </dgm:alg>
-      </dgm:if>
-      <dgm:else name="Name2">
-        <dgm:alg type="hierChild">
-          <dgm:param type="linDir" val="fromR"/>
-        </dgm:alg>
-      </dgm:else>
-    </dgm:choose>
-    <dgm:shape xmlns:r="http://schemas.openxmlformats.org/officeDocument/2006/relationships" r:blip="">
-      <dgm:adjLst/>
-    </dgm:shape>
-    <dgm:presOf/>
-    <dgm:constrLst>
-      <dgm:constr type="primFontSz" for="des" ptType="node" op="equ" val="65"/>
-      <dgm:constr type="w" for="des" forName="composite" refType="w"/>
-      <dgm:constr type="h" for="des" forName="composite" refType="w" refFor="des" refForName="composite" fact="0.667"/>
-      <dgm:constr type="w" for="des" forName="composite2" refType="w" refFor="des" refForName="composite"/>
-      <dgm:constr type="h" for="des" forName="composite2" refType="h" refFor="des" refForName="composite"/>
-      <dgm:constr type="w" for="des" forName="composite3" refType="w" refFor="des" refForName="composite"/>
-      <dgm:constr type="h" for="des" forName="composite3" refType="h" refFor="des" refForName="composite"/>
-      <dgm:constr type="w" for="des" forName="composite4" refType="w" refFor="des" refForName="composite"/>
-      <dgm:constr type="h" for="des" forName="composite4" refType="h" refFor="des" refForName="composite"/>
-      <dgm:constr type="w" for="des" forName="composite5" refType="w" refFor="des" refForName="composite"/>
-      <dgm:constr type="h" for="des" forName="composite5" refType="h" refFor="des" refForName="composite"/>
-      <dgm:constr type="sibSp" refType="w" refFor="des" refForName="composite" fact="0.1"/>
-      <dgm:constr type="sibSp" for="des" forName="hierChild2" refType="sibSp"/>
-      <dgm:constr type="sibSp" for="des" forName="hierChild3" refType="sibSp"/>
-      <dgm:constr type="sibSp" for="des" forName="hierChild4" refType="sibSp"/>
-      <dgm:constr type="sibSp" for="des" forName="hierChild5" refType="sibSp"/>
-      <dgm:constr type="sibSp" for="des" forName="hierChild6" refType="sibSp"/>
-      <dgm:constr type="sp" for="des" forName="hierRoot1" refType="h" refFor="des" refForName="composite" fact="0.25"/>
-      <dgm:constr type="sp" for="des" forName="hierRoot2" refType="sp" refFor="des" refForName="hierRoot1"/>
-      <dgm:constr type="sp" for="des" forName="hierRoot3" refType="sp" refFor="des" refForName="hierRoot1"/>
-      <dgm:constr type="sp" for="des" forName="hierRoot4" refType="sp" refFor="des" refForName="hierRoot1"/>
-      <dgm:constr type="sp" for="des" forName="hierRoot5" refType="sp" refFor="des" refForName="hierRoot1"/>
-    </dgm:constrLst>
-    <dgm:ruleLst/>
-    <dgm:forEach name="Name3" axis="ch">
-      <dgm:forEach name="Name4" axis="self" ptType="node">
-        <dgm:layoutNode name="hierRoot1">
-          <dgm:alg type="hierRoot"/>
-          <dgm:shape xmlns:r="http://schemas.openxmlformats.org/officeDocument/2006/relationships" r:blip="">
-            <dgm:adjLst/>
-          </dgm:shape>
-          <dgm:presOf/>
-          <dgm:constrLst>
-            <dgm:constr type="bendDist" for="des" ptType="parTrans" refType="sp" fact="0.5"/>
-          </dgm:constrLst>
-          <dgm:ruleLst/>
-          <dgm:layoutNode name="composite">
-            <dgm:alg type="composite"/>
-            <dgm:shape xmlns:r="http://schemas.openxmlformats.org/officeDocument/2006/relationships" r:blip="">
-              <dgm:adjLst/>
-            </dgm:shape>
-            <dgm:presOf/>
-            <dgm:constrLst>
-              <dgm:constr type="w" for="ch" forName="background" refType="w" fact="0.9"/>
-              <dgm:constr type="h" for="ch" forName="background" refType="w" refFor="ch" refForName="background" fact="0.635"/>
-              <dgm:constr type="t" for="ch" forName="background"/>
-              <dgm:constr type="l" for="ch" forName="background"/>
-              <dgm:constr type="w" for="ch" forName="text" refType="w" fact="0.9"/>
-              <dgm:constr type="h" for="ch" forName="text" refType="w" refFor="ch" refForName="text" fact="0.635"/>
-              <dgm:constr type="t" for="ch" forName="text" refType="w" fact="0.095"/>
-              <dgm:constr type="l" for="ch" forName="text" refType="w" fact="0.1"/>
-            </dgm:constrLst>
-            <dgm:ruleLst/>
-            <dgm:layoutNode name="background" styleLbl="node0" moveWith="text">
-              <dgm:alg type="sp"/>
-              <dgm:shape xmlns:r="http://schemas.openxmlformats.org/officeDocument/2006/relationships" type="roundRect" r:blip="">
-                <dgm:adjLst>
-                  <dgm:adj idx="1" val="0.1"/>
-                </dgm:adjLst>
-              </dgm:shape>
-              <dgm:presOf/>
-              <dgm:constrLst/>
-              <dgm:ruleLst/>
-            </dgm:layoutNode>
-            <dgm:layoutNode name="text" styleLbl="fgAcc0">
-              <dgm:varLst>
-                <dgm:chPref val="3"/>
-              </dgm:varLst>
-              <dgm:alg type="tx"/>
-              <dgm:shape xmlns:r="http://schemas.openxmlformats.org/officeDocument/2006/relationships" type="roundRect" r:blip="">
-                <dgm:adjLst>
-                  <dgm:adj idx="1" val="0.1"/>
-                </dgm:adjLst>
-              </dgm:shape>
-              <dgm:presOf axis="self"/>
-              <dgm:constrLst>
-                <dgm:constr type="tMarg" refType="primFontSz" fact="0.3"/>
-                <dgm:constr type="bMarg" refType="primFontSz" fact="0.3"/>
-                <dgm:constr type="lMarg" refType="primFontSz" fact="0.3"/>
-                <dgm:constr type="rMarg" refType="primFontSz" fact="0.3"/>
-              </dgm:constrLst>
-              <dgm:ruleLst>
-                <dgm:rule type="primFontSz" val="5" fact="NaN" max="NaN"/>
-              </dgm:ruleLst>
-            </dgm:layoutNode>
-          </dgm:layoutNode>
-          <dgm:layoutNode name="hierChild2">
-            <dgm:choose name="Name5">
-              <dgm:if name="Name6" func="var" arg="dir" op="equ" val="norm">
-                <dgm:alg type="hierChild">
-                  <dgm:param type="linDir" val="fromL"/>
-                </dgm:alg>
-              </dgm:if>
-              <dgm:else name="Name7">
-                <dgm:alg type="hierChild">
-                  <dgm:param type="linDir" val="fromR"/>
-                </dgm:alg>
-              </dgm:else>
-            </dgm:choose>
-            <dgm:shape xmlns:r="http://schemas.openxmlformats.org/officeDocument/2006/relationships" r:blip="">
-              <dgm:adjLst/>
-            </dgm:shape>
-            <dgm:presOf/>
-            <dgm:constrLst/>
-            <dgm:ruleLst/>
-            <dgm:forEach name="Name8" axis="ch">
-              <dgm:forEach name="Name9" axis="self" ptType="parTrans" cnt="1">
-                <dgm:layoutNode name="Name10">
-                  <dgm:alg type="conn">
-                    <dgm:param type="dim" val="1D"/>
-                    <dgm:param type="endSty" val="noArr"/>
-                    <dgm:param type="connRout" val="bend"/>
-                    <dgm:param type="bendPt" val="end"/>
-                    <dgm:param type="begPts" val="bCtr"/>
-                    <dgm:param type="endPts" val="tCtr"/>
-                    <dgm:param type="srcNode" val="background"/>
-                    <dgm:param type="dstNode" val="background2"/>
-                  </dgm:alg>
-                  <dgm:shape xmlns:r="http://schemas.openxmlformats.org/officeDocument/2006/relationships" type="conn" r:blip="" zOrderOff="-999">
-                    <dgm:adjLst/>
-                  </dgm:shape>
-                  <dgm:presOf axis="self"/>
-                  <dgm:constrLst>
-                    <dgm:constr type="begPad"/>
-                    <dgm:constr type="endPad"/>
-                  </dgm:constrLst>
-                  <dgm:ruleLst/>
-                </dgm:layoutNode>
-              </dgm:forEach>
-              <dgm:forEach name="Name11" axis="self" ptType="node">
-                <dgm:layoutNode name="hierRoot2">
-                  <dgm:alg type="hierRoot"/>
-                  <dgm:shape xmlns:r="http://schemas.openxmlformats.org/officeDocument/2006/relationships" r:blip="">
-                    <dgm:adjLst/>
-                  </dgm:shape>
-                  <dgm:presOf/>
-                  <dgm:constrLst>
-                    <dgm:constr type="bendDist" for="des" ptType="parTrans" refType="sp" fact="0.5"/>
-                  </dgm:constrLst>
-                  <dgm:ruleLst/>
-                  <dgm:layoutNode name="composite2">
-                    <dgm:alg type="composite"/>
-                    <dgm:shape xmlns:r="http://schemas.openxmlformats.org/officeDocument/2006/relationships" r:blip="">
-                      <dgm:adjLst/>
-                    </dgm:shape>
-                    <dgm:presOf/>
-                    <dgm:constrLst>
-                      <dgm:constr type="w" for="ch" forName="background2" refType="w" fact="0.9"/>
-                      <dgm:constr type="h" for="ch" forName="background2" refType="w" refFor="ch" refForName="background2" fact="0.635"/>
-                      <dgm:constr type="t" for="ch" forName="background2"/>
-                      <dgm:constr type="l" for="ch" forName="background2"/>
-                      <dgm:constr type="w" for="ch" forName="text2" refType="w" fact="0.9"/>
-                      <dgm:constr type="h" for="ch" forName="text2" refType="w" refFor="ch" refForName="text2" fact="0.635"/>
-                      <dgm:constr type="t" for="ch" forName="text2" refType="w" fact="0.095"/>
-                      <dgm:constr type="l" for="ch" forName="text2" refType="w" fact="0.1"/>
-                    </dgm:constrLst>
-                    <dgm:ruleLst/>
-                    <dgm:layoutNode name="background2" moveWith="text2">
-                      <dgm:alg type="sp"/>
-                      <dgm:shape xmlns:r="http://schemas.openxmlformats.org/officeDocument/2006/relationships" type="roundRect" r:blip="">
-                        <dgm:adjLst>
-                          <dgm:adj idx="1" val="0.1"/>
-                        </dgm:adjLst>
-                      </dgm:shape>
-                      <dgm:presOf/>
-                      <dgm:constrLst/>
-                      <dgm:ruleLst/>
-                    </dgm:layoutNode>
-                    <dgm:layoutNode name="text2" styleLbl="fgAcc2">
-                      <dgm:varLst>
-                        <dgm:chPref val="3"/>
-                      </dgm:varLst>
-                      <dgm:alg type="tx"/>
-                      <dgm:shape xmlns:r="http://schemas.openxmlformats.org/officeDocument/2006/relationships" type="roundRect" r:blip="">
-                        <dgm:adjLst>
-                          <dgm:adj idx="1" val="0.1"/>
-                        </dgm:adjLst>
-                      </dgm:shape>
-                      <dgm:presOf axis="self"/>
-                      <dgm:constrLst>
-                        <dgm:constr type="tMarg" refType="primFontSz" fact="0.3"/>
-                        <dgm:constr type="bMarg" refType="primFontSz" fact="0.3"/>
-                        <dgm:constr type="lMarg" refType="primFontSz" fact="0.3"/>
-                        <dgm:constr type="rMarg" refType="primFontSz" fact="0.3"/>
-                      </dgm:constrLst>
-                      <dgm:ruleLst>
-                        <dgm:rule type="primFontSz" val="5" fact="NaN" max="NaN"/>
-                      </dgm:ruleLst>
-                    </dgm:layoutNode>
-                  </dgm:layoutNode>
-                  <dgm:layoutNode name="hierChild3">
-                    <dgm:choose name="Name12">
-                      <dgm:if name="Name13" func="var" arg="dir" op="equ" val="norm">
-                        <dgm:alg type="hierChild">
-                          <dgm:param type="linDir" val="fromL"/>
-                        </dgm:alg>
-                      </dgm:if>
-                      <dgm:else name="Name14">
-                        <dgm:alg type="hierChild">
-                          <dgm:param type="linDir" val="fromR"/>
-                        </dgm:alg>
-                      </dgm:else>
-                    </dgm:choose>
-                    <dgm:shape xmlns:r="http://schemas.openxmlformats.org/officeDocument/2006/relationships" r:blip="">
-                      <dgm:adjLst/>
-                    </dgm:shape>
-                    <dgm:presOf/>
-                    <dgm:constrLst/>
-                    <dgm:ruleLst/>
-                    <dgm:forEach name="Name15" axis="ch">
-                      <dgm:forEach name="Name16" axis="self" ptType="parTrans" cnt="1">
-                        <dgm:layoutNode name="Name17">
-                          <dgm:alg type="conn">
-                            <dgm:param type="dim" val="1D"/>
-                            <dgm:param type="endSty" val="noArr"/>
-                            <dgm:param type="connRout" val="bend"/>
-                            <dgm:param type="bendPt" val="end"/>
-                            <dgm:param type="begPts" val="bCtr"/>
-                            <dgm:param type="endPts" val="tCtr"/>
-                            <dgm:param type="srcNode" val="background2"/>
-                            <dgm:param type="dstNode" val="background3"/>
-                          </dgm:alg>
-                          <dgm:shape xmlns:r="http://schemas.openxmlformats.org/officeDocument/2006/relationships" type="conn" r:blip="" zOrderOff="-999">
-                            <dgm:adjLst/>
-                          </dgm:shape>
-                          <dgm:presOf axis="self"/>
-                          <dgm:constrLst>
-                            <dgm:constr type="begPad"/>
-                            <dgm:constr type="endPad"/>
-                          </dgm:constrLst>
-                          <dgm:ruleLst/>
-                        </dgm:layoutNode>
-                      </dgm:forEach>
-                      <dgm:forEach name="Name18" axis="self" ptType="node">
-                        <dgm:layoutNode name="hierRoot3">
-                          <dgm:alg type="hierRoot"/>
-                          <dgm:shape xmlns:r="http://schemas.openxmlformats.org/officeDocument/2006/relationships" r:blip="">
-                            <dgm:adjLst/>
-                          </dgm:shape>
-                          <dgm:presOf/>
-                          <dgm:constrLst>
-                            <dgm:constr type="bendDist" for="des" ptType="parTrans" refType="sp" fact="0.5"/>
-                          </dgm:constrLst>
-                          <dgm:ruleLst/>
-                          <dgm:layoutNode name="composite3">
-                            <dgm:alg type="composite"/>
-                            <dgm:shape xmlns:r="http://schemas.openxmlformats.org/officeDocument/2006/relationships" r:blip="">
-                              <dgm:adjLst/>
-                            </dgm:shape>
-                            <dgm:presOf/>
-                            <dgm:constrLst>
-                              <dgm:constr type="w" for="ch" forName="background3" refType="w" fact="0.9"/>
-                              <dgm:constr type="h" for="ch" forName="background3" refType="w" refFor="ch" refForName="background3" fact="0.635"/>
-                              <dgm:constr type="t" for="ch" forName="background3"/>
-                              <dgm:constr type="l" for="ch" forName="background3"/>
-                              <dgm:constr type="w" for="ch" forName="text3" refType="w" fact="0.9"/>
-                              <dgm:constr type="h" for="ch" forName="text3" refType="w" refFor="ch" refForName="text3" fact="0.635"/>
-                              <dgm:constr type="t" for="ch" forName="text3" refType="w" fact="0.095"/>
-                              <dgm:constr type="l" for="ch" forName="text3" refType="w" fact="0.1"/>
-                            </dgm:constrLst>
-                            <dgm:ruleLst/>
-                            <dgm:layoutNode name="background3" moveWith="text3">
-                              <dgm:alg type="sp"/>
-                              <dgm:shape xmlns:r="http://schemas.openxmlformats.org/officeDocument/2006/relationships" type="roundRect" r:blip="">
-                                <dgm:adjLst>
-                                  <dgm:adj idx="1" val="0.1"/>
-                                </dgm:adjLst>
-                              </dgm:shape>
-                              <dgm:presOf/>
-                              <dgm:constrLst/>
-                              <dgm:ruleLst/>
-                            </dgm:layoutNode>
-                            <dgm:layoutNode name="text3" styleLbl="fgAcc3">
-                              <dgm:varLst>
-                                <dgm:chPref val="3"/>
-                              </dgm:varLst>
-                              <dgm:alg type="tx"/>
-                              <dgm:shape xmlns:r="http://schemas.openxmlformats.org/officeDocument/2006/relationships" type="roundRect" r:blip="">
-                                <dgm:adjLst>
-                                  <dgm:adj idx="1" val="0.1"/>
-                                </dgm:adjLst>
-                              </dgm:shape>
-                              <dgm:presOf axis="self"/>
-                              <dgm:constrLst>
-                                <dgm:constr type="tMarg" refType="primFontSz" fact="0.3"/>
-                                <dgm:constr type="bMarg" refType="primFontSz" fact="0.3"/>
-                                <dgm:constr type="lMarg" refType="primFontSz" fact="0.3"/>
-                                <dgm:constr type="rMarg" refType="primFontSz" fact="0.3"/>
-                              </dgm:constrLst>
-                              <dgm:ruleLst>
-                                <dgm:rule type="primFontSz" val="5" fact="NaN" max="NaN"/>
-                              </dgm:ruleLst>
-                            </dgm:layoutNode>
-                          </dgm:layoutNode>
-                          <dgm:layoutNode name="hierChild4">
-                            <dgm:choose name="Name19">
-                              <dgm:if name="Name20" func="var" arg="dir" op="equ" val="norm">
-                                <dgm:alg type="hierChild">
-                                  <dgm:param type="linDir" val="fromL"/>
-                                </dgm:alg>
-                              </dgm:if>
-                              <dgm:else name="Name21">
-                                <dgm:alg type="hierChild">
-                                  <dgm:param type="linDir" val="fromR"/>
-                                </dgm:alg>
-                              </dgm:else>
-                            </dgm:choose>
-                            <dgm:shape xmlns:r="http://schemas.openxmlformats.org/officeDocument/2006/relationships" r:blip="">
-                              <dgm:adjLst/>
-                            </dgm:shape>
-                            <dgm:presOf/>
-                            <dgm:constrLst/>
-                            <dgm:ruleLst/>
-                            <dgm:forEach name="repeat" axis="ch">
-                              <dgm:forEach name="Name22" axis="self" ptType="parTrans" cnt="1">
-                                <dgm:layoutNode name="Name23">
-                                  <dgm:choose name="Name24">
-                                    <dgm:if name="Name25" axis="self" func="depth" op="lte" val="4">
-                                      <dgm:alg type="conn">
-                                        <dgm:param type="dim" val="1D"/>
-                                        <dgm:param type="endSty" val="noArr"/>
-                                        <dgm:param type="connRout" val="bend"/>
-                                        <dgm:param type="bendPt" val="end"/>
-                                        <dgm:param type="begPts" val="bCtr"/>
-                                        <dgm:param type="endPts" val="tCtr"/>
-                                        <dgm:param type="srcNode" val="background3"/>
-                                        <dgm:param type="dstNode" val="background4"/>
-                                      </dgm:alg>
-                                    </dgm:if>
-                                    <dgm:else name="Name26">
-                                      <dgm:alg type="conn">
-                                        <dgm:param type="dim" val="1D"/>
-                                        <dgm:param type="endSty" val="noArr"/>
-                                        <dgm:param type="connRout" val="bend"/>
-                                        <dgm:param type="bendPt" val="end"/>
-                                        <dgm:param type="begPts" val="bCtr"/>
-                                        <dgm:param type="endPts" val="tCtr"/>
-                                        <dgm:param type="srcNode" val="background4"/>
-                                        <dgm:param type="dstNode" val="background4"/>
-                                      </dgm:alg>
-                                    </dgm:else>
-                                  </dgm:choose>
-                                  <dgm:shape xmlns:r="http://schemas.openxmlformats.org/officeDocument/2006/relationships" type="conn" r:blip="" zOrderOff="-999">
-                                    <dgm:adjLst/>
-                                  </dgm:shape>
-                                  <dgm:presOf axis="self"/>
-                                  <dgm:constrLst>
-                                    <dgm:constr type="begPad"/>
-                                    <dgm:constr type="endPad"/>
-                                  </dgm:constrLst>
-                                  <dgm:ruleLst/>
-                                </dgm:layoutNode>
-                              </dgm:forEach>
-                              <dgm:forEach name="Name27" axis="self" ptType="node">
-                                <dgm:layoutNode name="hierRoot4">
-                                  <dgm:alg type="hierRoot"/>
-                                  <dgm:shape xmlns:r="http://schemas.openxmlformats.org/officeDocument/2006/relationships" r:blip="">
-                                    <dgm:adjLst/>
-                                  </dgm:shape>
-                                  <dgm:presOf/>
-                                  <dgm:constrLst>
-                                    <dgm:constr type="bendDist" for="des" ptType="parTrans" refType="sp" fact="0.5"/>
-                                  </dgm:constrLst>
-                                  <dgm:ruleLst/>
-                                  <dgm:layoutNode name="composite4">
-                                    <dgm:alg type="composite"/>
-                                    <dgm:shape xmlns:r="http://schemas.openxmlformats.org/officeDocument/2006/relationships" r:blip="">
-                                      <dgm:adjLst/>
-                                    </dgm:shape>
-                                    <dgm:presOf/>
-                                    <dgm:constrLst>
-                                      <dgm:constr type="w" for="ch" forName="background4" refType="w" fact="0.9"/>
-                                      <dgm:constr type="h" for="ch" forName="background4" refType="w" refFor="ch" refForName="background4" fact="0.635"/>
-                                      <dgm:constr type="t" for="ch" forName="background4"/>
-                                      <dgm:constr type="l" for="ch" forName="background4"/>
-                                      <dgm:constr type="w" for="ch" forName="text4" refType="w" fact="0.9"/>
-                                      <dgm:constr type="h" for="ch" forName="text4" refType="w" refFor="ch" refForName="text4" fact="0.635"/>
-                                      <dgm:constr type="t" for="ch" forName="text4" refType="w" fact="0.095"/>
-                                      <dgm:constr type="l" for="ch" forName="text4" refType="w" fact="0.1"/>
-                                    </dgm:constrLst>
-                                    <dgm:ruleLst/>
-                                    <dgm:layoutNode name="background4" moveWith="text4">
-                                      <dgm:alg type="sp"/>
-                                      <dgm:shape xmlns:r="http://schemas.openxmlformats.org/officeDocument/2006/relationships" type="roundRect" r:blip="">
-                                        <dgm:adjLst>
-                                          <dgm:adj idx="1" val="0.1"/>
-                                        </dgm:adjLst>
-                                      </dgm:shape>
-                                      <dgm:presOf/>
-                                      <dgm:constrLst/>
-                                      <dgm:ruleLst/>
-                                    </dgm:layoutNode>
-                                    <dgm:layoutNode name="text4" styleLbl="fgAcc4">
-                                      <dgm:varLst>
-                                        <dgm:chPref val="3"/>
-                                      </dgm:varLst>
-                                      <dgm:alg type="tx"/>
-                                      <dgm:shape xmlns:r="http://schemas.openxmlformats.org/officeDocument/2006/relationships" type="roundRect" r:blip="">
-                                        <dgm:adjLst>
-                                          <dgm:adj idx="1" val="0.1"/>
-                                        </dgm:adjLst>
-                                      </dgm:shape>
-                                      <dgm:presOf axis="self"/>
-                                      <dgm:constrLst>
-                                        <dgm:constr type="tMarg" refType="primFontSz" fact="0.3"/>
-                                        <dgm:constr type="bMarg" refType="primFontSz" fact="0.3"/>
-                                        <dgm:constr type="lMarg" refType="primFontSz" fact="0.3"/>
-                                        <dgm:constr type="rMarg" refType="primFontSz" fact="0.3"/>
-                                      </dgm:constrLst>
-                                      <dgm:ruleLst>
-                                        <dgm:rule type="primFontSz" val="5" fact="NaN" max="NaN"/>
-                                      </dgm:ruleLst>
-                                    </dgm:layoutNode>
-                                  </dgm:layoutNode>
-                                  <dgm:layoutNode name="hierChild5">
-                                    <dgm:choose name="Name28">
-                                      <dgm:if name="Name29" func="var" arg="dir" op="equ" val="norm">
-                                        <dgm:alg type="hierChild">
-                                          <dgm:param type="linDir" val="fromL"/>
-                                        </dgm:alg>
-                                      </dgm:if>
-                                      <dgm:else name="Name30">
-                                        <dgm:alg type="hierChild">
-                                          <dgm:param type="linDir" val="fromR"/>
-                                        </dgm:alg>
-                                      </dgm:else>
-                                    </dgm:choose>
-                                    <dgm:shape xmlns:r="http://schemas.openxmlformats.org/officeDocument/2006/relationships" r:blip="">
-                                      <dgm:adjLst/>
-                                    </dgm:shape>
-                                    <dgm:presOf/>
-                                    <dgm:constrLst/>
-                                    <dgm:ruleLst/>
-                                    <dgm:forEach name="Name31" ref="repeat"/>
-                                  </dgm:layoutNode>
-                                </dgm:layoutNode>
-                              </dgm:forEach>
-                            </dgm:forEach>
-                          </dgm:layoutNode>
-                        </dgm:layoutNode>
-                      </dgm:forEach>
-                    </dgm:forEach>
-                  </dgm:layoutNode>
-                </dgm:layoutNode>
-              </dgm:forEach>
-            </dgm:forEach>
-          </dgm:layoutNode>
-        </dgm:layoutNode>
-      </dgm:forEach>
-    </dgm:forEach>
-  </dgm:layoutNode>
-</dgm:layoutDef>
-</file>
-
 <file path=ppt/diagrams/quickStyle1.xml><?xml version="1.0" encoding="utf-8"?>
-<dgm:styleDef xmlns:dgm="http://schemas.openxmlformats.org/drawingml/2006/diagram" xmlns:a="http://schemas.openxmlformats.org/drawingml/2006/main" uniqueId="urn:microsoft.com/office/officeart/2005/8/quickstyle/simple1">
-  <dgm:title val=""/>
-  <dgm:desc val=""/>
-  <dgm:catLst>
-    <dgm:cat type="simple" pri="10100"/>
-  </dgm:catLst>
-  <dgm:scene3d>
-    <a:camera prst="orthographicFront"/>
-    <a:lightRig rig="threePt" dir="t"/>
-  </dgm:scene3d>
-  <dgm:styleLbl name="node0">
-    <dgm:scene3d>
-      <a:camera prst="orthographicFront"/>
-      <a:lightRig rig="threePt" dir="t"/>
-    </dgm:scene3d>
-    <dgm:sp3d/>
-    <dgm:txPr/>
-    <dgm:style>
-      <a:lnRef idx="2">
-        <a:scrgbClr r="0" g="0" b="0"/>
-      </a:lnRef>
-      <a:fillRef idx="1">
-        <a:scrgbClr r="0" g="0" b="0"/>
-      </a:fillRef>
-      <a:effectRef idx="0">
-        <a:scrgbClr r="0" g="0" b="0"/>
-      </a:effectRef>
-      <a:fontRef idx="minor">
-        <a:schemeClr val="lt1"/>
-      </a:fontRef>
-    </dgm:style>
-  </dgm:styleLbl>
-  <dgm:styleLbl name="lnNode1">
-    <dgm:scene3d>
-      <a:camera prst="orthographicFront"/>
-      <a:lightRig rig="threePt" dir="t"/>
-    </dgm:scene3d>
-    <dgm:sp3d/>
-    <dgm:txPr/>
-    <dgm:style>
-      <a:lnRef idx="2">
-        <a:scrgbClr r="0" g="0" b="0"/>
-      </a:lnRef>
-      <a:fillRef idx="1">
-        <a:scrgbClr r="0" g="0" b="0"/>
-      </a:fillRef>
-      <a:effectRef idx="0">
-        <a:scrgbClr r="0" g="0" b="0"/>
-      </a:effectRef>
-      <a:fontRef idx="minor">
-        <a:schemeClr val="lt1"/>
-      </a:fontRef>
-    </dgm:style>
-  </dgm:styleLbl>
-  <dgm:styleLbl name="vennNode1">
-    <dgm:scene3d>
-      <a:camera prst="orthographicFront"/>
-      <a:lightRig rig="threePt" dir="t"/>
-    </dgm:scene3d>
-    <dgm:sp3d/>
-    <dgm:txPr/>
-    <dgm:style>
-      <a:lnRef idx="2">
-        <a:scrgbClr r="0" g="0" b="0"/>
-      </a:lnRef>
-      <a:fillRef idx="1">
-        <a:scrgbClr r="0" g="0" b="0"/>
-      </a:fillRef>
-      <a:effectRef idx="0">
-        <a:scrgbClr r="0" g="0" b="0"/>
-      </a:effectRef>
-      <a:fontRef idx="minor">
-        <a:schemeClr val="tx1"/>
-      </a:fontRef>
-    </dgm:style>
-  </dgm:styleLbl>
-  <dgm:styleLbl name="alignNode1">
-    <dgm:scene3d>
-      <a:camera prst="orthographicFront"/>
-      <a:lightRig rig="threePt" dir="t"/>
-    </dgm:scene3d>
-    <dgm:sp3d/>
-    <dgm:txPr/>
-    <dgm:style>
-      <a:lnRef idx="2">
-        <a:scrgbClr r="0" g="0" b="0"/>
-      </a:lnRef>
-      <a:fillRef idx="1">
-        <a:scrgbClr r="0" g="0" b="0"/>
-      </a:fillRef>
-      <a:effectRef idx="0">
-        <a:scrgbClr r="0" g="0" b="0"/>
-      </a:effectRef>
-      <a:fontRef idx="minor">
-        <a:schemeClr val="lt1"/>
-      </a:fontRef>
-    </dgm:style>
-  </dgm:styleLbl>
-  <dgm:styleLbl name="node1">
-    <dgm:scene3d>
-      <a:camera prst="orthographicFront"/>
-      <a:lightRig rig="threePt" dir="t"/>
-    </dgm:scene3d>
-    <dgm:sp3d/>
-    <dgm:txPr/>
-    <dgm:style>
-      <a:lnRef idx="2">
-        <a:scrgbClr r="0" g="0" b="0"/>
-      </a:lnRef>
-      <a:fillRef idx="1">
-        <a:scrgbClr r="0" g="0" b="0"/>
-      </a:fillRef>
-      <a:effectRef idx="0">
-        <a:scrgbClr r="0" g="0" b="0"/>
-      </a:effectRef>
-      <a:fontRef idx="minor">
-        <a:schemeClr val="lt1"/>
-      </a:fontRef>
-    </dgm:style>
-  </dgm:styleLbl>
-  <dgm:styleLbl name="node2">
-    <dgm:scene3d>
-      <a:camera prst="orthographicFront"/>
-      <a:lightRig rig="threePt" dir="t"/>
-    </dgm:scene3d>
-    <dgm:sp3d/>
-    <dgm:txPr/>
-    <dgm:style>
-      <a:lnRef idx="2">
-        <a:scrgbClr r="0" g="0" b="0"/>
-      </a:lnRef>
-      <a:fillRef idx="1">
-        <a:scrgbClr r="0" g="0" b="0"/>
-      </a:fillRef>
-      <a:effectRef idx="0">
-        <a:scrgbClr r="0" g="0" b="0"/>
-      </a:effectRef>
-      <a:fontRef idx="minor">
-        <a:schemeClr val="lt1"/>
-      </a:fontRef>
-    </dgm:style>
-  </dgm:styleLbl>
-  <dgm:styleLbl name="node3">
-    <dgm:scene3d>
-      <a:camera prst="orthographicFront"/>
-      <a:lightRig rig="threePt" dir="t"/>
-    </dgm:scene3d>
-    <dgm:sp3d/>
-    <dgm:txPr/>
-    <dgm:style>
-      <a:lnRef idx="2">
-        <a:scrgbClr r="0" g="0" b="0"/>
-      </a:lnRef>
-      <a:fillRef idx="1">
-        <a:scrgbClr r="0" g="0" b="0"/>
-      </a:fillRef>
-      <a:effectRef idx="0">
-        <a:scrgbClr r="0" g="0" b="0"/>
-      </a:effectRef>
-      <a:fontRef idx="minor">
-        <a:schemeClr val="lt1"/>
-      </a:fontRef>
-    </dgm:style>
-  </dgm:styleLbl>
-  <dgm:styleLbl name="node4">
-    <dgm:scene3d>
-      <a:camera prst="orthographicFront"/>
-      <a:lightRig rig="threePt" dir="t"/>
-    </dgm:scene3d>
-    <dgm:sp3d/>
-    <dgm:txPr/>
-    <dgm:style>
-      <a:lnRef idx="2">
-        <a:scrgbClr r="0" g="0" b="0"/>
-      </a:lnRef>
-      <a:fillRef idx="1">
-        <a:scrgbClr r="0" g="0" b="0"/>
-      </a:fillRef>
-      <a:effectRef idx="0">
-        <a:scrgbClr r="0" g="0" b="0"/>
-      </a:effectRef>
-      <a:fontRef idx="minor">
-        <a:schemeClr val="lt1"/>
-      </a:fontRef>
-    </dgm:style>
-  </dgm:styleLbl>
-  <dgm:styleLbl name="fgImgPlace1">
-    <dgm:scene3d>
-      <a:camera prst="orthographicFront"/>
-      <a:lightRig rig="threePt" dir="t"/>
-    </dgm:scene3d>
-    <dgm:sp3d/>
-    <dgm:txPr/>
-    <dgm:style>
-      <a:lnRef idx="2">
-        <a:scrgbClr r="0" g="0" b="0"/>
-      </a:lnRef>
-      <a:fillRef idx="1">
-        <a:scrgbClr r="0" g="0" b="0"/>
-      </a:fillRef>
-      <a:effectRef idx="0">
-        <a:scrgbClr r="0" g="0" b="0"/>
-      </a:effectRef>
-      <a:fontRef idx="minor"/>
-    </dgm:style>
-  </dgm:styleLbl>
-  <dgm:styleLbl name="alignImgPlace1">
-    <dgm:scene3d>
-      <a:camera prst="orthographicFront"/>
-      <a:lightRig rig="threePt" dir="t"/>
-    </dgm:scene3d>
-    <dgm:sp3d/>
-    <dgm:txPr/>
-    <dgm:style>
-      <a:lnRef idx="2">
-        <a:scrgbClr r="0" g="0" b="0"/>
-      </a:lnRef>
-      <a:fillRef idx="1">
-        <a:scrgbClr r="0" g="0" b="0"/>
-      </a:fillRef>
-      <a:effectRef idx="0">
-        <a:scrgbClr r="0" g="0" b="0"/>
-      </a:effectRef>
-      <a:fontRef idx="minor"/>
-    </dgm:style>
-  </dgm:styleLbl>
-  <dgm:styleLbl name="bgImgPlace1">
-    <dgm:scene3d>
-      <a:camera prst="orthographicFront"/>
-      <a:lightRig rig="threePt" dir="t"/>
-    </dgm:scene3d>
-    <dgm:sp3d/>
-    <dgm:txPr/>
-    <dgm:style>
-      <a:lnRef idx="2">
-        <a:scrgbClr r="0" g="0" b="0"/>
-      </a:lnRef>
-      <a:fillRef idx="1">
-        <a:scrgbClr r="0" g="0" b="0"/>
-      </a:fillRef>
-      <a:effectRef idx="0">
-        <a:scrgbClr r="0" g="0" b="0"/>
-      </a:effectRef>
-      <a:fontRef idx="minor"/>
-    </dgm:style>
-  </dgm:styleLbl>
-  <dgm:styleLbl name="sibTrans2D1">
-    <dgm:scene3d>
-      <a:camera prst="orthographicFront"/>
-      <a:lightRig rig="threePt" dir="t"/>
-    </dgm:scene3d>
-    <dgm:sp3d/>
-    <dgm:txPr/>
-    <dgm:style>
-      <a:lnRef idx="0">
-        <a:scrgbClr r="0" g="0" b="0"/>
-      </a:lnRef>
-      <a:fillRef idx="1">
-        <a:scrgbClr r="0" g="0" b="0"/>
-      </a:fillRef>
-      <a:effectRef idx="0">
-        <a:scrgbClr r="0" g="0" b="0"/>
-      </a:effectRef>
-      <a:fontRef idx="minor">
-        <a:schemeClr val="lt1"/>
-      </a:fontRef>
-    </dgm:style>
-  </dgm:styleLbl>
-  <dgm:styleLbl name="fgSibTrans2D1">
-    <dgm:scene3d>
-      <a:camera prst="orthographicFront"/>
-      <a:lightRig rig="threePt" dir="t"/>
-    </dgm:scene3d>
-    <dgm:sp3d/>
-    <dgm:txPr/>
-    <dgm:style>
-      <a:lnRef idx="0">
-        <a:scrgbClr r="0" g="0" b="0"/>
-      </a:lnRef>
-      <a:fillRef idx="1">
-        <a:scrgbClr r="0" g="0" b="0"/>
-      </a:fillRef>
-      <a:effectRef idx="0">
-        <a:scrgbClr r="0" g="0" b="0"/>
-      </a:effectRef>
-      <a:fontRef idx="minor">
-        <a:schemeClr val="lt1"/>
-      </a:fontRef>
-    </dgm:style>
-  </dgm:styleLbl>
-  <dgm:styleLbl name="bgSibTrans2D1">
-    <dgm:scene3d>
-      <a:camera prst="orthographicFront"/>
-      <a:lightRig rig="threePt" dir="t"/>
-    </dgm:scene3d>
-    <dgm:sp3d/>
-    <dgm:txPr/>
-    <dgm:style>
-      <a:lnRef idx="0">
-        <a:scrgbClr r="0" g="0" b="0"/>
-      </a:lnRef>
-      <a:fillRef idx="1">
-        <a:scrgbClr r="0" g="0" b="0"/>
-      </a:fillRef>
-      <a:effectRef idx="0">
-        <a:scrgbClr r="0" g="0" b="0"/>
-      </a:effectRef>
-      <a:fontRef idx="minor">
-        <a:schemeClr val="lt1"/>
-      </a:fontRef>
-    </dgm:style>
-  </dgm:styleLbl>
-  <dgm:styleLbl name="sibTrans1D1">
-    <dgm:scene3d>
-      <a:camera prst="orthographicFront"/>
-      <a:lightRig rig="threePt" dir="t"/>
-    </dgm:scene3d>
-    <dgm:sp3d/>
-    <dgm:txPr/>
-    <dgm:style>
-      <a:lnRef idx="1">
-        <a:scrgbClr r="0" g="0" b="0"/>
-      </a:lnRef>
-      <a:fillRef idx="0">
-        <a:scrgbClr r="0" g="0" b="0"/>
-      </a:fillRef>
-      <a:effectRef idx="0">
-        <a:scrgbClr r="0" g="0" b="0"/>
-      </a:effectRef>
-      <a:fontRef idx="minor"/>
-    </dgm:style>
-  </dgm:styleLbl>
-  <dgm:styleLbl name="callout">
-    <dgm:scene3d>
-      <a:camera prst="orthographicFront"/>
-      <a:lightRig rig="threePt" dir="t"/>
-    </dgm:scene3d>
-    <dgm:sp3d/>
-    <dgm:txPr/>
-    <dgm:style>
-      <a:lnRef idx="2">
-        <a:scrgbClr r="0" g="0" b="0"/>
-      </a:lnRef>
-      <a:fillRef idx="1">
-        <a:scrgbClr r="0" g="0" b="0"/>
-      </a:fillRef>
-      <a:effectRef idx="0">
-        <a:scrgbClr r="0" g="0" b="0"/>
-      </a:effectRef>
-      <a:fontRef idx="minor"/>
-    </dgm:style>
-  </dgm:styleLbl>
-  <dgm:styleLbl name="asst0">
-    <dgm:scene3d>
-      <a:camera prst="orthographicFront"/>
-      <a:lightRig rig="threePt" dir="t"/>
-    </dgm:scene3d>
-    <dgm:sp3d/>
-    <dgm:txPr/>
-    <dgm:style>
-      <a:lnRef idx="2">
-        <a:scrgbClr r="0" g="0" b="0"/>
-      </a:lnRef>
-      <a:fillRef idx="1">
-        <a:scrgbClr r="0" g="0" b="0"/>
-      </a:fillRef>
-      <a:effectRef idx="0">
-        <a:scrgbClr r="0" g="0" b="0"/>
-      </a:effectRef>
-      <a:fontRef idx="minor">
-        <a:schemeClr val="lt1"/>
-      </a:fontRef>
-    </dgm:style>
-  </dgm:styleLbl>
-  <dgm:styleLbl name="asst1">
-    <dgm:scene3d>
-      <a:camera prst="orthographicFront"/>
-      <a:lightRig rig="threePt" dir="t"/>
-    </dgm:scene3d>
-    <dgm:sp3d/>
-    <dgm:txPr/>
-    <dgm:style>
-      <a:lnRef idx="2">
-        <a:scrgbClr r="0" g="0" b="0"/>
-      </a:lnRef>
-      <a:fillRef idx="1">
-        <a:scrgbClr r="0" g="0" b="0"/>
-      </a:fillRef>
-      <a:effectRef idx="0">
-        <a:scrgbClr r="0" g="0" b="0"/>
-      </a:effectRef>
-      <a:fontRef idx="minor">
-        <a:schemeClr val="lt1"/>
-      </a:fontRef>
-    </dgm:style>
-  </dgm:styleLbl>
-  <dgm:styleLbl name="asst2">
-    <dgm:scene3d>
-      <a:camera prst="orthographicFront"/>
-      <a:lightRig rig="threePt" dir="t"/>
-    </dgm:scene3d>
-    <dgm:sp3d/>
-    <dgm:txPr/>
-    <dgm:style>
-      <a:lnRef idx="2">
-        <a:scrgbClr r="0" g="0" b="0"/>
-      </a:lnRef>
-      <a:fillRef idx="1">
-        <a:scrgbClr r="0" g="0" b="0"/>
-      </a:fillRef>
-      <a:effectRef idx="0">
-        <a:scrgbClr r="0" g="0" b="0"/>
-      </a:effectRef>
-      <a:fontRef idx="minor">
-        <a:schemeClr val="lt1"/>
-      </a:fontRef>
-    </dgm:style>
-  </dgm:styleLbl>
-  <dgm:styleLbl name="asst3">
-    <dgm:scene3d>
-      <a:camera prst="orthographicFront"/>
-      <a:lightRig rig="threePt" dir="t"/>
-    </dgm:scene3d>
-    <dgm:sp3d/>
-    <dgm:txPr/>
-    <dgm:style>
-      <a:lnRef idx="2">
-        <a:scrgbClr r="0" g="0" b="0"/>
-      </a:lnRef>
-      <a:fillRef idx="1">
-        <a:scrgbClr r="0" g="0" b="0"/>
-      </a:fillRef>
-      <a:effectRef idx="0">
-        <a:scrgbClr r="0" g="0" b="0"/>
-      </a:effectRef>
-      <a:fontRef idx="minor">
-        <a:schemeClr val="lt1"/>
-      </a:fontRef>
-    </dgm:style>
-  </dgm:styleLbl>
-  <dgm:styleLbl name="asst4">
-    <dgm:scene3d>
-      <a:camera prst="orthographicFront"/>
-      <a:lightRig rig="threePt" dir="t"/>
-    </dgm:scene3d>
-    <dgm:sp3d/>
-    <dgm:txPr/>
-    <dgm:style>
-      <a:lnRef idx="2">
-        <a:scrgbClr r="0" g="0" b="0"/>
-      </a:lnRef>
-      <a:fillRef idx="1">
-        <a:scrgbClr r="0" g="0" b="0"/>
-      </a:fillRef>
-      <a:effectRef idx="0">
-        <a:scrgbClr r="0" g="0" b="0"/>
-      </a:effectRef>
-      <a:fontRef idx="minor">
-        <a:schemeClr val="lt1"/>
-      </a:fontRef>
-    </dgm:style>
-  </dgm:styleLbl>
-  <dgm:styleLbl name="parChTrans2D1">
-    <dgm:scene3d>
-      <a:camera prst="orthographicFront"/>
-      <a:lightRig rig="threePt" dir="t"/>
-    </dgm:scene3d>
-    <dgm:sp3d/>
-    <dgm:txPr/>
-    <dgm:style>
-      <a:lnRef idx="2">
-        <a:scrgbClr r="0" g="0" b="0"/>
-      </a:lnRef>
-      <a:fillRef idx="1">
-        <a:scrgbClr r="0" g="0" b="0"/>
-      </a:fillRef>
-      <a:effectRef idx="0">
-        <a:scrgbClr r="0" g="0" b="0"/>
-      </a:effectRef>
-      <a:fontRef idx="minor">
-        <a:schemeClr val="lt1"/>
-      </a:fontRef>
-    </dgm:style>
-  </dgm:styleLbl>
-  <dgm:styleLbl name="parChTrans2D2">
-    <dgm:scene3d>
-      <a:camera prst="orthographicFront"/>
-      <a:lightRig rig="threePt" dir="t"/>
-    </dgm:scene3d>
-    <dgm:sp3d/>
-    <dgm:txPr/>
-    <dgm:style>
-      <a:lnRef idx="2">
-        <a:scrgbClr r="0" g="0" b="0"/>
-      </a:lnRef>
-      <a:fillRef idx="1">
-        <a:scrgbClr r="0" g="0" b="0"/>
-      </a:fillRef>
-      <a:effectRef idx="0">
-        <a:scrgbClr r="0" g="0" b="0"/>
-      </a:effectRef>
-      <a:fontRef idx="minor">
-        <a:schemeClr val="lt1"/>
-      </a:fontRef>
-    </dgm:style>
-  </dgm:styleLbl>
-  <dgm:styleLbl name="parChTrans2D3">
-    <dgm:scene3d>
-      <a:camera prst="orthographicFront"/>
-      <a:lightRig rig="threePt" dir="t"/>
-    </dgm:scene3d>
-    <dgm:sp3d/>
-    <dgm:txPr/>
-    <dgm:style>
-      <a:lnRef idx="2">
-        <a:scrgbClr r="0" g="0" b="0"/>
-      </a:lnRef>
-      <a:fillRef idx="1">
-        <a:scrgbClr r="0" g="0" b="0"/>
-      </a:fillRef>
-      <a:effectRef idx="0">
-        <a:scrgbClr r="0" g="0" b="0"/>
-      </a:effectRef>
-      <a:fontRef idx="minor">
-        <a:schemeClr val="lt1"/>
-      </a:fontRef>
-    </dgm:style>
-  </dgm:styleLbl>
-  <dgm:styleLbl name="parChTrans2D4">
-    <dgm:scene3d>
-      <a:camera prst="orthographicFront"/>
-      <a:lightRig rig="threePt" dir="t"/>
-    </dgm:scene3d>
-    <dgm:sp3d/>
-    <dgm:txPr/>
-    <dgm:style>
-      <a:lnRef idx="2">
-        <a:scrgbClr r="0" g="0" b="0"/>
-      </a:lnRef>
-      <a:fillRef idx="1">
-        <a:scrgbClr r="0" g="0" b="0"/>
-      </a:fillRef>
-      <a:effectRef idx="0">
-        <a:scrgbClr r="0" g="0" b="0"/>
-      </a:effectRef>
-      <a:fontRef idx="minor">
-        <a:schemeClr val="lt1"/>
-      </a:fontRef>
-    </dgm:style>
-  </dgm:styleLbl>
-  <dgm:styleLbl name="parChTrans1D1">
-    <dgm:scene3d>
-      <a:camera prst="orthographicFront"/>
-      <a:lightRig rig="threePt" dir="t"/>
-    </dgm:scene3d>
-    <dgm:sp3d/>
-    <dgm:txPr/>
-    <dgm:style>
-      <a:lnRef idx="2">
-        <a:scrgbClr r="0" g="0" b="0"/>
-      </a:lnRef>
-      <a:fillRef idx="0">
-        <a:scrgbClr r="0" g="0" b="0"/>
-      </a:fillRef>
-      <a:effectRef idx="0">
-        <a:scrgbClr r="0" g="0" b="0"/>
-      </a:effectRef>
-      <a:fontRef idx="minor"/>
-    </dgm:style>
-  </dgm:styleLbl>
-  <dgm:styleLbl name="parChTrans1D2">
-    <dgm:scene3d>
-      <a:camera prst="orthographicFront"/>
-      <a:lightRig rig="threePt" dir="t"/>
-    </dgm:scene3d>
-    <dgm:sp3d/>
-    <dgm:txPr/>
-    <dgm:style>
-      <a:lnRef idx="2">
-        <a:scrgbClr r="0" g="0" b="0"/>
-      </a:lnRef>
-      <a:fillRef idx="0">
-        <a:scrgbClr r="0" g="0" b="0"/>
-      </a:fillRef>
-      <a:effectRef idx="0">
-        <a:scrgbClr r="0" g="0" b="0"/>
-      </a:effectRef>
-      <a:fontRef idx="minor"/>
-    </dgm:style>
-  </dgm:styleLbl>
-  <dgm:styleLbl name="parChTrans1D3">
-    <dgm:scene3d>
-      <a:camera prst="orthographicFront"/>
-      <a:lightRig rig="threePt" dir="t"/>
-    </dgm:scene3d>
-    <dgm:sp3d/>
-    <dgm:txPr/>
-    <dgm:style>
-      <a:lnRef idx="2">
-        <a:scrgbClr r="0" g="0" b="0"/>
-      </a:lnRef>
-      <a:fillRef idx="0">
-        <a:scrgbClr r="0" g="0" b="0"/>
-      </a:fillRef>
-      <a:effectRef idx="0">
-        <a:scrgbClr r="0" g="0" b="0"/>
-      </a:effectRef>
-      <a:fontRef idx="minor"/>
-    </dgm:style>
-  </dgm:styleLbl>
-  <dgm:styleLbl name="parChTrans1D4">
-    <dgm:scene3d>
-      <a:camera prst="orthographicFront"/>
-      <a:lightRig rig="threePt" dir="t"/>
-    </dgm:scene3d>
-    <dgm:sp3d/>
-    <dgm:txPr/>
-    <dgm:style>
-      <a:lnRef idx="2">
-        <a:scrgbClr r="0" g="0" b="0"/>
-      </a:lnRef>
-      <a:fillRef idx="0">
-        <a:scrgbClr r="0" g="0" b="0"/>
-      </a:fillRef>
-      <a:effectRef idx="0">
-        <a:scrgbClr r="0" g="0" b="0"/>
-      </a:effectRef>
-      <a:fontRef idx="minor"/>
-    </dgm:style>
-  </dgm:styleLbl>
-  <dgm:styleLbl name="fgAcc1">
-    <dgm:scene3d>
-      <a:camera prst="orthographicFront"/>
-      <a:lightRig rig="threePt" dir="t"/>
-    </dgm:scene3d>
-    <dgm:sp3d/>
-    <dgm:txPr/>
-    <dgm:style>
-      <a:lnRef idx="2">
-        <a:scrgbClr r="0" g="0" b="0"/>
-      </a:lnRef>
-      <a:fillRef idx="1">
-        <a:scrgbClr r="0" g="0" b="0"/>
-      </a:fillRef>
-      <a:effectRef idx="0">
-        <a:scrgbClr r="0" g="0" b="0"/>
-      </a:effectRef>
-      <a:fontRef idx="minor"/>
-    </dgm:style>
-  </dgm:styleLbl>
-  <dgm:styleLbl name="conFgAcc1">
-    <dgm:scene3d>
-      <a:camera prst="orthographicFront"/>
-      <a:lightRig rig="threePt" dir="t"/>
-    </dgm:scene3d>
-    <dgm:sp3d/>
-    <dgm:txPr/>
-    <dgm:style>
-      <a:lnRef idx="2">
-        <a:scrgbClr r="0" g="0" b="0"/>
-      </a:lnRef>
-      <a:fillRef idx="1">
-        <a:scrgbClr r="0" g="0" b="0"/>
-      </a:fillRef>
-      <a:effectRef idx="0">
-        <a:scrgbClr r="0" g="0" b="0"/>
-      </a:effectRef>
-      <a:fontRef idx="minor"/>
-    </dgm:style>
-  </dgm:styleLbl>
-  <dgm:styleLbl name="alignAcc1">
-    <dgm:scene3d>
-      <a:camera prst="orthographicFront"/>
-      <a:lightRig rig="threePt" dir="t"/>
-    </dgm:scene3d>
-    <dgm:sp3d/>
-    <dgm:txPr/>
-    <dgm:style>
-      <a:lnRef idx="2">
-        <a:scrgbClr r="0" g="0" b="0"/>
-      </a:lnRef>
-      <a:fillRef idx="1">
-        <a:scrgbClr r="0" g="0" b="0"/>
-      </a:fillRef>
-      <a:effectRef idx="0">
-        <a:scrgbClr r="0" g="0" b="0"/>
-      </a:effectRef>
-      <a:fontRef idx="minor"/>
-    </dgm:style>
-  </dgm:styleLbl>
-  <dgm:styleLbl name="trAlignAcc1">
-    <dgm:scene3d>
-      <a:camera prst="orthographicFront"/>
-      <a:lightRig rig="threePt" dir="t"/>
-    </dgm:scene3d>
-    <dgm:sp3d/>
-    <dgm:txPr/>
-    <dgm:style>
-      <a:lnRef idx="1">
-        <a:scrgbClr r="0" g="0" b="0"/>
-      </a:lnRef>
-      <a:fillRef idx="1">
-        <a:scrgbClr r="0" g="0" b="0"/>
-      </a:fillRef>
-      <a:effectRef idx="0">
-        <a:scrgbClr r="0" g="0" b="0"/>
-      </a:effectRef>
-      <a:fontRef idx="minor"/>
-    </dgm:style>
-  </dgm:styleLbl>
-  <dgm:styleLbl name="bgAcc1">
-    <dgm:scene3d>
-      <a:camera prst="orthographicFront"/>
-      <a:lightRig rig="threePt" dir="t"/>
-    </dgm:scene3d>
-    <dgm:sp3d/>
-    <dgm:txPr/>
-    <dgm:style>
-      <a:lnRef idx="2">
-        <a:scrgbClr r="0" g="0" b="0"/>
-      </a:lnRef>
-      <a:fillRef idx="1">
-        <a:scrgbClr r="0" g="0" b="0"/>
-      </a:fillRef>
-      <a:effectRef idx="0">
-        <a:scrgbClr r="0" g="0" b="0"/>
-      </a:effectRef>
-      <a:fontRef idx="minor"/>
-    </dgm:style>
-  </dgm:styleLbl>
-  <dgm:styleLbl name="solidFgAcc1">
-    <dgm:scene3d>
-      <a:camera prst="orthographicFront"/>
-      <a:lightRig rig="threePt" dir="t"/>
-    </dgm:scene3d>
-    <dgm:sp3d/>
-    <dgm:txPr/>
-    <dgm:style>
-      <a:lnRef idx="2">
-        <a:scrgbClr r="0" g="0" b="0"/>
-      </a:lnRef>
-      <a:fillRef idx="1">
-        <a:scrgbClr r="0" g="0" b="0"/>
-      </a:fillRef>
-      <a:effectRef idx="0">
-        <a:scrgbClr r="0" g="0" b="0"/>
-      </a:effectRef>
-      <a:fontRef idx="minor"/>
-    </dgm:style>
-  </dgm:styleLbl>
-  <dgm:styleLbl name="solidAlignAcc1">
-    <dgm:scene3d>
-      <a:camera prst="orthographicFront"/>
-      <a:lightRig rig="threePt" dir="t"/>
-    </dgm:scene3d>
-    <dgm:sp3d/>
-    <dgm:txPr/>
-    <dgm:style>
-      <a:lnRef idx="2">
-        <a:scrgbClr r="0" g="0" b="0"/>
-      </a:lnRef>
-      <a:fillRef idx="1">
-        <a:scrgbClr r="0" g="0" b="0"/>
-      </a:fillRef>
-      <a:effectRef idx="0">
-        <a:scrgbClr r="0" g="0" b="0"/>
-      </a:effectRef>
-      <a:fontRef idx="minor"/>
-    </dgm:style>
-  </dgm:styleLbl>
-  <dgm:styleLbl name="solidBgAcc1">
-    <dgm:scene3d>
-      <a:camera prst="orthographicFront"/>
-      <a:lightRig rig="threePt" dir="t"/>
-    </dgm:scene3d>
-    <dgm:sp3d/>
-    <dgm:txPr/>
-    <dgm:style>
-      <a:lnRef idx="2">
-        <a:scrgbClr r="0" g="0" b="0"/>
-      </a:lnRef>
-      <a:fillRef idx="1">
-        <a:scrgbClr r="0" g="0" b="0"/>
-      </a:fillRef>
-      <a:effectRef idx="0">
-        <a:scrgbClr r="0" g="0" b="0"/>
-      </a:effectRef>
-      <a:fontRef idx="minor"/>
-    </dgm:style>
-  </dgm:styleLbl>
-  <dgm:styleLbl name="fgAccFollowNode1">
-    <dgm:scene3d>
-      <a:camera prst="orthographicFront"/>
-      <a:lightRig rig="threePt" dir="t"/>
-    </dgm:scene3d>
-    <dgm:sp3d/>
-    <dgm:txPr/>
-    <dgm:style>
-      <a:lnRef idx="2">
-        <a:scrgbClr r="0" g="0" b="0"/>
-      </a:lnRef>
-      <a:fillRef idx="1">
-        <a:scrgbClr r="0" g="0" b="0"/>
-      </a:fillRef>
-      <a:effectRef idx="0">
-        <a:scrgbClr r="0" g="0" b="0"/>
-      </a:effectRef>
-      <a:fontRef idx="minor"/>
-    </dgm:style>
-  </dgm:styleLbl>
-  <dgm:styleLbl name="alignAccFollowNode1">
-    <dgm:scene3d>
-      <a:camera prst="orthographicFront"/>
-      <a:lightRig rig="threePt" dir="t"/>
-    </dgm:scene3d>
-    <dgm:sp3d/>
-    <dgm:txPr/>
-    <dgm:style>
-      <a:lnRef idx="2">
-        <a:scrgbClr r="0" g="0" b="0"/>
-      </a:lnRef>
-      <a:fillRef idx="1">
-        <a:scrgbClr r="0" g="0" b="0"/>
-      </a:fillRef>
-      <a:effectRef idx="0">
-        <a:scrgbClr r="0" g="0" b="0"/>
-      </a:effectRef>
-      <a:fontRef idx="minor"/>
-    </dgm:style>
-  </dgm:styleLbl>
-  <dgm:styleLbl name="bgAccFollowNode1">
-    <dgm:scene3d>
-      <a:camera prst="orthographicFront"/>
-      <a:lightRig rig="threePt" dir="t"/>
-    </dgm:scene3d>
-    <dgm:sp3d/>
-    <dgm:txPr/>
-    <dgm:style>
-      <a:lnRef idx="2">
-        <a:scrgbClr r="0" g="0" b="0"/>
-      </a:lnRef>
-      <a:fillRef idx="1">
-        <a:scrgbClr r="0" g="0" b="0"/>
-      </a:fillRef>
-      <a:effectRef idx="0">
-        <a:scrgbClr r="0" g="0" b="0"/>
-      </a:effectRef>
-      <a:fontRef idx="minor"/>
-    </dgm:style>
-  </dgm:styleLbl>
-  <dgm:styleLbl name="fgAcc0">
-    <dgm:scene3d>
-      <a:camera prst="orthographicFront"/>
-      <a:lightRig rig="threePt" dir="t"/>
-    </dgm:scene3d>
-    <dgm:sp3d/>
-    <dgm:txPr/>
-    <dgm:style>
-      <a:lnRef idx="2">
-        <a:scrgbClr r="0" g="0" b="0"/>
-      </a:lnRef>
-      <a:fillRef idx="1">
-        <a:scrgbClr r="0" g="0" b="0"/>
-      </a:fillRef>
-      <a:effectRef idx="0">
-        <a:scrgbClr r="0" g="0" b="0"/>
-      </a:effectRef>
-      <a:fontRef idx="minor"/>
-    </dgm:style>
-  </dgm:styleLbl>
-  <dgm:styleLbl name="fgAcc2">
-    <dgm:scene3d>
-      <a:camera prst="orthographicFront"/>
-      <a:lightRig rig="threePt" dir="t"/>
-    </dgm:scene3d>
-    <dgm:sp3d/>
-    <dgm:txPr/>
-    <dgm:style>
-      <a:lnRef idx="2">
-        <a:scrgbClr r="0" g="0" b="0"/>
-      </a:lnRef>
-      <a:fillRef idx="1">
-        <a:scrgbClr r="0" g="0" b="0"/>
-      </a:fillRef>
-      <a:effectRef idx="0">
-        <a:scrgbClr r="0" g="0" b="0"/>
-      </a:effectRef>
-      <a:fontRef idx="minor"/>
-    </dgm:style>
-  </dgm:styleLbl>
-  <dgm:styleLbl name="fgAcc3">
-    <dgm:scene3d>
-      <a:camera prst="orthographicFront"/>
-      <a:lightRig rig="threePt" dir="t"/>
-    </dgm:scene3d>
-    <dgm:sp3d/>
-    <dgm:txPr/>
-    <dgm:style>
-      <a:lnRef idx="2">
-        <a:scrgbClr r="0" g="0" b="0"/>
-      </a:lnRef>
-      <a:fillRef idx="1">
-        <a:scrgbClr r="0" g="0" b="0"/>
-      </a:fillRef>
-      <a:effectRef idx="0">
-        <a:scrgbClr r="0" g="0" b="0"/>
-      </a:effectRef>
-      <a:fontRef idx="minor"/>
-    </dgm:style>
-  </dgm:styleLbl>
-  <dgm:styleLbl name="fgAcc4">
-    <dgm:scene3d>
-      <a:camera prst="orthographicFront"/>
-      <a:lightRig rig="threePt" dir="t"/>
-    </dgm:scene3d>
-    <dgm:sp3d/>
-    <dgm:txPr/>
-    <dgm:style>
-      <a:lnRef idx="2">
-        <a:scrgbClr r="0" g="0" b="0"/>
-      </a:lnRef>
-      <a:fillRef idx="1">
-        <a:scrgbClr r="0" g="0" b="0"/>
-      </a:fillRef>
-      <a:effectRef idx="0">
-        <a:scrgbClr r="0" g="0" b="0"/>
-      </a:effectRef>
-      <a:fontRef idx="minor"/>
-    </dgm:style>
-  </dgm:styleLbl>
-  <dgm:styleLbl name="bgShp">
-    <dgm:scene3d>
-      <a:camera prst="orthographicFront"/>
-      <a:lightRig rig="threePt" dir="t"/>
-    </dgm:scene3d>
-    <dgm:sp3d/>
-    <dgm:txPr/>
-    <dgm:style>
-      <a:lnRef idx="0">
-        <a:scrgbClr r="0" g="0" b="0"/>
-      </a:lnRef>
-      <a:fillRef idx="1">
-        <a:scrgbClr r="0" g="0" b="0"/>
-      </a:fillRef>
-      <a:effectRef idx="0">
-        <a:scrgbClr r="0" g="0" b="0"/>
-      </a:effectRef>
-      <a:fontRef idx="minor"/>
-    </dgm:style>
-  </dgm:styleLbl>
-  <dgm:styleLbl name="dkBgShp">
-    <dgm:scene3d>
-      <a:camera prst="orthographicFront"/>
-      <a:lightRig rig="threePt" dir="t"/>
-    </dgm:scene3d>
-    <dgm:sp3d/>
-    <dgm:txPr/>
-    <dgm:style>
-      <a:lnRef idx="0">
-        <a:scrgbClr r="0" g="0" b="0"/>
-      </a:lnRef>
-      <a:fillRef idx="1">
-        <a:scrgbClr r="0" g="0" b="0"/>
-      </a:fillRef>
-      <a:effectRef idx="0">
-        <a:scrgbClr r="0" g="0" b="0"/>
-      </a:effectRef>
-      <a:fontRef idx="minor"/>
-    </dgm:style>
-  </dgm:styleLbl>
-  <dgm:styleLbl name="trBgShp">
-    <dgm:scene3d>
-      <a:camera prst="orthographicFront"/>
-      <a:lightRig rig="threePt" dir="t"/>
-    </dgm:scene3d>
-    <dgm:sp3d/>
-    <dgm:txPr/>
-    <dgm:style>
-      <a:lnRef idx="0">
-        <a:scrgbClr r="0" g="0" b="0"/>
-      </a:lnRef>
-      <a:fillRef idx="1">
-        <a:scrgbClr r="0" g="0" b="0"/>
-      </a:fillRef>
-      <a:effectRef idx="0">
-        <a:scrgbClr r="0" g="0" b="0"/>
-      </a:effectRef>
-      <a:fontRef idx="minor"/>
-    </dgm:style>
-  </dgm:styleLbl>
-  <dgm:styleLbl name="fgShp">
-    <dgm:scene3d>
-      <a:camera prst="orthographicFront"/>
-      <a:lightRig rig="threePt" dir="t"/>
-    </dgm:scene3d>
-    <dgm:sp3d/>
-    <dgm:txPr/>
-    <dgm:style>
-      <a:lnRef idx="2">
-        <a:scrgbClr r="0" g="0" b="0"/>
-      </a:lnRef>
-      <a:fillRef idx="1">
-        <a:scrgbClr r="0" g="0" b="0"/>
-      </a:fillRef>
-      <a:effectRef idx="0">
-        <a:scrgbClr r="0" g="0" b="0"/>
-      </a:effectRef>
-      <a:fontRef idx="minor"/>
-    </dgm:style>
-  </dgm:styleLbl>
-  <dgm:styleLbl name="revTx">
-    <dgm:scene3d>
-      <a:camera prst="orthographicFront"/>
-      <a:lightRig rig="threePt" dir="t"/>
-    </dgm:scene3d>
-    <dgm:sp3d/>
-    <dgm:txPr/>
-    <dgm:style>
-      <a:lnRef idx="0">
-        <a:scrgbClr r="0" g="0" b="0"/>
-      </a:lnRef>
-      <a:fillRef idx="0">
-        <a:scrgbClr r="0" g="0" b="0"/>
-      </a:fillRef>
-      <a:effectRef idx="0">
-        <a:scrgbClr r="0" g="0" b="0"/>
-      </a:effectRef>
-      <a:fontRef idx="minor"/>
-    </dgm:style>
-  </dgm:styleLbl>
-</dgm:styleDef>
-</file>
-
-<file path=ppt/diagrams/quickStyle2.xml><?xml version="1.0" encoding="utf-8"?>
-<dgm:styleDef xmlns:dgm="http://schemas.openxmlformats.org/drawingml/2006/diagram" xmlns:a="http://schemas.openxmlformats.org/drawingml/2006/main" uniqueId="urn:microsoft.com/office/officeart/2005/8/quickstyle/simple1">
-  <dgm:title val=""/>
-  <dgm:desc val=""/>
-  <dgm:catLst>
-    <dgm:cat type="simple" pri="10100"/>
-  </dgm:catLst>
-  <dgm:scene3d>
-    <a:camera prst="orthographicFront"/>
-    <a:lightRig rig="threePt" dir="t"/>
-  </dgm:scene3d>
-  <dgm:styleLbl name="node0">
-    <dgm:scene3d>
-      <a:camera prst="orthographicFront"/>
-      <a:lightRig rig="threePt" dir="t"/>
-    </dgm:scene3d>
-    <dgm:sp3d/>
-    <dgm:txPr/>
-    <dgm:style>
-      <a:lnRef idx="2">
-        <a:scrgbClr r="0" g="0" b="0"/>
-      </a:lnRef>
-      <a:fillRef idx="1">
-        <a:scrgbClr r="0" g="0" b="0"/>
-      </a:fillRef>
-      <a:effectRef idx="0">
-        <a:scrgbClr r="0" g="0" b="0"/>
-      </a:effectRef>
-      <a:fontRef idx="minor">
-        <a:schemeClr val="lt1"/>
-      </a:fontRef>
-    </dgm:style>
-  </dgm:styleLbl>
-  <dgm:styleLbl name="lnNode1">
-    <dgm:scene3d>
-      <a:camera prst="orthographicFront"/>
-      <a:lightRig rig="threePt" dir="t"/>
-    </dgm:scene3d>
-    <dgm:sp3d/>
-    <dgm:txPr/>
-    <dgm:style>
-      <a:lnRef idx="2">
-        <a:scrgbClr r="0" g="0" b="0"/>
-      </a:lnRef>
-      <a:fillRef idx="1">
-        <a:scrgbClr r="0" g="0" b="0"/>
-      </a:fillRef>
-      <a:effectRef idx="0">
-        <a:scrgbClr r="0" g="0" b="0"/>
-      </a:effectRef>
-      <a:fontRef idx="minor">
-        <a:schemeClr val="lt1"/>
-      </a:fontRef>
-    </dgm:style>
-  </dgm:styleLbl>
-  <dgm:styleLbl name="vennNode1">
-    <dgm:scene3d>
-      <a:camera prst="orthographicFront"/>
-      <a:lightRig rig="threePt" dir="t"/>
-    </dgm:scene3d>
-    <dgm:sp3d/>
-    <dgm:txPr/>
-    <dgm:style>
-      <a:lnRef idx="2">
-        <a:scrgbClr r="0" g="0" b="0"/>
-      </a:lnRef>
-      <a:fillRef idx="1">
-        <a:scrgbClr r="0" g="0" b="0"/>
-      </a:fillRef>
-      <a:effectRef idx="0">
-        <a:scrgbClr r="0" g="0" b="0"/>
-      </a:effectRef>
-      <a:fontRef idx="minor">
-        <a:schemeClr val="tx1"/>
-      </a:fontRef>
-    </dgm:style>
-  </dgm:styleLbl>
-  <dgm:styleLbl name="alignNode1">
-    <dgm:scene3d>
-      <a:camera prst="orthographicFront"/>
-      <a:lightRig rig="threePt" dir="t"/>
-    </dgm:scene3d>
-    <dgm:sp3d/>
-    <dgm:txPr/>
-    <dgm:style>
-      <a:lnRef idx="2">
-        <a:scrgbClr r="0" g="0" b="0"/>
-      </a:lnRef>
-      <a:fillRef idx="1">
-        <a:scrgbClr r="0" g="0" b="0"/>
-      </a:fillRef>
-      <a:effectRef idx="0">
-        <a:scrgbClr r="0" g="0" b="0"/>
-      </a:effectRef>
-      <a:fontRef idx="minor">
-        <a:schemeClr val="lt1"/>
-      </a:fontRef>
-    </dgm:style>
-  </dgm:styleLbl>
-  <dgm:styleLbl name="node1">
-    <dgm:scene3d>
-      <a:camera prst="orthographicFront"/>
-      <a:lightRig rig="threePt" dir="t"/>
-    </dgm:scene3d>
-    <dgm:sp3d/>
-    <dgm:txPr/>
-    <dgm:style>
-      <a:lnRef idx="2">
-        <a:scrgbClr r="0" g="0" b="0"/>
-      </a:lnRef>
-      <a:fillRef idx="1">
-        <a:scrgbClr r="0" g="0" b="0"/>
-      </a:fillRef>
-      <a:effectRef idx="0">
-        <a:scrgbClr r="0" g="0" b="0"/>
-      </a:effectRef>
-      <a:fontRef idx="minor">
-        <a:schemeClr val="lt1"/>
-      </a:fontRef>
-    </dgm:style>
-  </dgm:styleLbl>
-  <dgm:styleLbl name="node2">
-    <dgm:scene3d>
-      <a:camera prst="orthographicFront"/>
-      <a:lightRig rig="threePt" dir="t"/>
-    </dgm:scene3d>
-    <dgm:sp3d/>
-    <dgm:txPr/>
-    <dgm:style>
-      <a:lnRef idx="2">
-        <a:scrgbClr r="0" g="0" b="0"/>
-      </a:lnRef>
-      <a:fillRef idx="1">
-        <a:scrgbClr r="0" g="0" b="0"/>
-      </a:fillRef>
-      <a:effectRef idx="0">
-        <a:scrgbClr r="0" g="0" b="0"/>
-      </a:effectRef>
-      <a:fontRef idx="minor">
-        <a:schemeClr val="lt1"/>
-      </a:fontRef>
-    </dgm:style>
-  </dgm:styleLbl>
-  <dgm:styleLbl name="node3">
-    <dgm:scene3d>
-      <a:camera prst="orthographicFront"/>
-      <a:lightRig rig="threePt" dir="t"/>
-    </dgm:scene3d>
-    <dgm:sp3d/>
-    <dgm:txPr/>
-    <dgm:style>
-      <a:lnRef idx="2">
-        <a:scrgbClr r="0" g="0" b="0"/>
-      </a:lnRef>
-      <a:fillRef idx="1">
-        <a:scrgbClr r="0" g="0" b="0"/>
-      </a:fillRef>
-      <a:effectRef idx="0">
-        <a:scrgbClr r="0" g="0" b="0"/>
-      </a:effectRef>
-      <a:fontRef idx="minor">
-        <a:schemeClr val="lt1"/>
-      </a:fontRef>
-    </dgm:style>
-  </dgm:styleLbl>
-  <dgm:styleLbl name="node4">
-    <dgm:scene3d>
-      <a:camera prst="orthographicFront"/>
-      <a:lightRig rig="threePt" dir="t"/>
-    </dgm:scene3d>
-    <dgm:sp3d/>
-    <dgm:txPr/>
-    <dgm:style>
-      <a:lnRef idx="2">
-        <a:scrgbClr r="0" g="0" b="0"/>
-      </a:lnRef>
-      <a:fillRef idx="1">
-        <a:scrgbClr r="0" g="0" b="0"/>
-      </a:fillRef>
-      <a:effectRef idx="0">
-        <a:scrgbClr r="0" g="0" b="0"/>
-      </a:effectRef>
-      <a:fontRef idx="minor">
-        <a:schemeClr val="lt1"/>
-      </a:fontRef>
-    </dgm:style>
-  </dgm:styleLbl>
-  <dgm:styleLbl name="fgImgPlace1">
-    <dgm:scene3d>
-      <a:camera prst="orthographicFront"/>
-      <a:lightRig rig="threePt" dir="t"/>
-    </dgm:scene3d>
-    <dgm:sp3d/>
-    <dgm:txPr/>
-    <dgm:style>
-      <a:lnRef idx="2">
-        <a:scrgbClr r="0" g="0" b="0"/>
-      </a:lnRef>
-      <a:fillRef idx="1">
-        <a:scrgbClr r="0" g="0" b="0"/>
-      </a:fillRef>
-      <a:effectRef idx="0">
-        <a:scrgbClr r="0" g="0" b="0"/>
-      </a:effectRef>
-      <a:fontRef idx="minor"/>
-    </dgm:style>
-  </dgm:styleLbl>
-  <dgm:styleLbl name="alignImgPlace1">
-    <dgm:scene3d>
-      <a:camera prst="orthographicFront"/>
-      <a:lightRig rig="threePt" dir="t"/>
-    </dgm:scene3d>
-    <dgm:sp3d/>
-    <dgm:txPr/>
-    <dgm:style>
-      <a:lnRef idx="2">
-        <a:scrgbClr r="0" g="0" b="0"/>
-      </a:lnRef>
-      <a:fillRef idx="1">
-        <a:scrgbClr r="0" g="0" b="0"/>
-      </a:fillRef>
-      <a:effectRef idx="0">
-        <a:scrgbClr r="0" g="0" b="0"/>
-      </a:effectRef>
-      <a:fontRef idx="minor"/>
-    </dgm:style>
-  </dgm:styleLbl>
-  <dgm:styleLbl name="bgImgPlace1">
-    <dgm:scene3d>
-      <a:camera prst="orthographicFront"/>
-      <a:lightRig rig="threePt" dir="t"/>
-    </dgm:scene3d>
-    <dgm:sp3d/>
-    <dgm:txPr/>
-    <dgm:style>
-      <a:lnRef idx="2">
-        <a:scrgbClr r="0" g="0" b="0"/>
-      </a:lnRef>
-      <a:fillRef idx="1">
-        <a:scrgbClr r="0" g="0" b="0"/>
-      </a:fillRef>
-      <a:effectRef idx="0">
-        <a:scrgbClr r="0" g="0" b="0"/>
-      </a:effectRef>
-      <a:fontRef idx="minor"/>
-    </dgm:style>
-  </dgm:styleLbl>
-  <dgm:styleLbl name="sibTrans2D1">
-    <dgm:scene3d>
-      <a:camera prst="orthographicFront"/>
-      <a:lightRig rig="threePt" dir="t"/>
-    </dgm:scene3d>
-    <dgm:sp3d/>
-    <dgm:txPr/>
-    <dgm:style>
-      <a:lnRef idx="0">
-        <a:scrgbClr r="0" g="0" b="0"/>
-      </a:lnRef>
-      <a:fillRef idx="1">
-        <a:scrgbClr r="0" g="0" b="0"/>
-      </a:fillRef>
-      <a:effectRef idx="0">
-        <a:scrgbClr r="0" g="0" b="0"/>
-      </a:effectRef>
-      <a:fontRef idx="minor">
-        <a:schemeClr val="lt1"/>
-      </a:fontRef>
-    </dgm:style>
-  </dgm:styleLbl>
-  <dgm:styleLbl name="fgSibTrans2D1">
-    <dgm:scene3d>
-      <a:camera prst="orthographicFront"/>
-      <a:lightRig rig="threePt" dir="t"/>
-    </dgm:scene3d>
-    <dgm:sp3d/>
-    <dgm:txPr/>
-    <dgm:style>
-      <a:lnRef idx="0">
-        <a:scrgbClr r="0" g="0" b="0"/>
-      </a:lnRef>
-      <a:fillRef idx="1">
-        <a:scrgbClr r="0" g="0" b="0"/>
-      </a:fillRef>
-      <a:effectRef idx="0">
-        <a:scrgbClr r="0" g="0" b="0"/>
-      </a:effectRef>
-      <a:fontRef idx="minor">
-        <a:schemeClr val="lt1"/>
-      </a:fontRef>
-    </dgm:style>
-  </dgm:styleLbl>
-  <dgm:styleLbl name="bgSibTrans2D1">
-    <dgm:scene3d>
-      <a:camera prst="orthographicFront"/>
-      <a:lightRig rig="threePt" dir="t"/>
-    </dgm:scene3d>
-    <dgm:sp3d/>
-    <dgm:txPr/>
-    <dgm:style>
-      <a:lnRef idx="0">
-        <a:scrgbClr r="0" g="0" b="0"/>
-      </a:lnRef>
-      <a:fillRef idx="1">
-        <a:scrgbClr r="0" g="0" b="0"/>
-      </a:fillRef>
-      <a:effectRef idx="0">
-        <a:scrgbClr r="0" g="0" b="0"/>
-      </a:effectRef>
-      <a:fontRef idx="minor">
-        <a:schemeClr val="lt1"/>
-      </a:fontRef>
-    </dgm:style>
-  </dgm:styleLbl>
-  <dgm:styleLbl name="sibTrans1D1">
-    <dgm:scene3d>
-      <a:camera prst="orthographicFront"/>
-      <a:lightRig rig="threePt" dir="t"/>
-    </dgm:scene3d>
-    <dgm:sp3d/>
-    <dgm:txPr/>
-    <dgm:style>
-      <a:lnRef idx="1">
-        <a:scrgbClr r="0" g="0" b="0"/>
-      </a:lnRef>
-      <a:fillRef idx="0">
-        <a:scrgbClr r="0" g="0" b="0"/>
-      </a:fillRef>
-      <a:effectRef idx="0">
-        <a:scrgbClr r="0" g="0" b="0"/>
-      </a:effectRef>
-      <a:fontRef idx="minor"/>
-    </dgm:style>
-  </dgm:styleLbl>
-  <dgm:styleLbl name="callout">
-    <dgm:scene3d>
-      <a:camera prst="orthographicFront"/>
-      <a:lightRig rig="threePt" dir="t"/>
-    </dgm:scene3d>
-    <dgm:sp3d/>
-    <dgm:txPr/>
-    <dgm:style>
-      <a:lnRef idx="2">
-        <a:scrgbClr r="0" g="0" b="0"/>
-      </a:lnRef>
-      <a:fillRef idx="1">
-        <a:scrgbClr r="0" g="0" b="0"/>
-      </a:fillRef>
-      <a:effectRef idx="0">
-        <a:scrgbClr r="0" g="0" b="0"/>
-      </a:effectRef>
-      <a:fontRef idx="minor"/>
-    </dgm:style>
-  </dgm:styleLbl>
-  <dgm:styleLbl name="asst0">
-    <dgm:scene3d>
-      <a:camera prst="orthographicFront"/>
-      <a:lightRig rig="threePt" dir="t"/>
-    </dgm:scene3d>
-    <dgm:sp3d/>
-    <dgm:txPr/>
-    <dgm:style>
-      <a:lnRef idx="2">
-        <a:scrgbClr r="0" g="0" b="0"/>
-      </a:lnRef>
-      <a:fillRef idx="1">
-        <a:scrgbClr r="0" g="0" b="0"/>
-      </a:fillRef>
-      <a:effectRef idx="0">
-        <a:scrgbClr r="0" g="0" b="0"/>
-      </a:effectRef>
-      <a:fontRef idx="minor">
-        <a:schemeClr val="lt1"/>
-      </a:fontRef>
-    </dgm:style>
-  </dgm:styleLbl>
-  <dgm:styleLbl name="asst1">
-    <dgm:scene3d>
-      <a:camera prst="orthographicFront"/>
-      <a:lightRig rig="threePt" dir="t"/>
-    </dgm:scene3d>
-    <dgm:sp3d/>
-    <dgm:txPr/>
-    <dgm:style>
-      <a:lnRef idx="2">
-        <a:scrgbClr r="0" g="0" b="0"/>
-      </a:lnRef>
-      <a:fillRef idx="1">
-        <a:scrgbClr r="0" g="0" b="0"/>
-      </a:fillRef>
-      <a:effectRef idx="0">
-        <a:scrgbClr r="0" g="0" b="0"/>
-      </a:effectRef>
-      <a:fontRef idx="minor">
-        <a:schemeClr val="lt1"/>
-      </a:fontRef>
-    </dgm:style>
-  </dgm:styleLbl>
-  <dgm:styleLbl name="asst2">
-    <dgm:scene3d>
-      <a:camera prst="orthographicFront"/>
-      <a:lightRig rig="threePt" dir="t"/>
-    </dgm:scene3d>
-    <dgm:sp3d/>
-    <dgm:txPr/>
-    <dgm:style>
-      <a:lnRef idx="2">
-        <a:scrgbClr r="0" g="0" b="0"/>
-      </a:lnRef>
-      <a:fillRef idx="1">
-        <a:scrgbClr r="0" g="0" b="0"/>
-      </a:fillRef>
-      <a:effectRef idx="0">
-        <a:scrgbClr r="0" g="0" b="0"/>
-      </a:effectRef>
-      <a:fontRef idx="minor">
-        <a:schemeClr val="lt1"/>
-      </a:fontRef>
-    </dgm:style>
-  </dgm:styleLbl>
-  <dgm:styleLbl name="asst3">
-    <dgm:scene3d>
-      <a:camera prst="orthographicFront"/>
-      <a:lightRig rig="threePt" dir="t"/>
-    </dgm:scene3d>
-    <dgm:sp3d/>
-    <dgm:txPr/>
-    <dgm:style>
-      <a:lnRef idx="2">
-        <a:scrgbClr r="0" g="0" b="0"/>
-      </a:lnRef>
-      <a:fillRef idx="1">
-        <a:scrgbClr r="0" g="0" b="0"/>
-      </a:fillRef>
-      <a:effectRef idx="0">
-        <a:scrgbClr r="0" g="0" b="0"/>
-      </a:effectRef>
-      <a:fontRef idx="minor">
-        <a:schemeClr val="lt1"/>
-      </a:fontRef>
-    </dgm:style>
-  </dgm:styleLbl>
-  <dgm:styleLbl name="asst4">
-    <dgm:scene3d>
-      <a:camera prst="orthographicFront"/>
-      <a:lightRig rig="threePt" dir="t"/>
-    </dgm:scene3d>
-    <dgm:sp3d/>
-    <dgm:txPr/>
-    <dgm:style>
-      <a:lnRef idx="2">
-        <a:scrgbClr r="0" g="0" b="0"/>
-      </a:lnRef>
-      <a:fillRef idx="1">
-        <a:scrgbClr r="0" g="0" b="0"/>
-      </a:fillRef>
-      <a:effectRef idx="0">
-        <a:scrgbClr r="0" g="0" b="0"/>
-      </a:effectRef>
-      <a:fontRef idx="minor">
-        <a:schemeClr val="lt1"/>
-      </a:fontRef>
-    </dgm:style>
-  </dgm:styleLbl>
-  <dgm:styleLbl name="parChTrans2D1">
-    <dgm:scene3d>
-      <a:camera prst="orthographicFront"/>
-      <a:lightRig rig="threePt" dir="t"/>
-    </dgm:scene3d>
-    <dgm:sp3d/>
-    <dgm:txPr/>
-    <dgm:style>
-      <a:lnRef idx="2">
-        <a:scrgbClr r="0" g="0" b="0"/>
-      </a:lnRef>
-      <a:fillRef idx="1">
-        <a:scrgbClr r="0" g="0" b="0"/>
-      </a:fillRef>
-      <a:effectRef idx="0">
-        <a:scrgbClr r="0" g="0" b="0"/>
-      </a:effectRef>
-      <a:fontRef idx="minor">
-        <a:schemeClr val="lt1"/>
-      </a:fontRef>
-    </dgm:style>
-  </dgm:styleLbl>
-  <dgm:styleLbl name="parChTrans2D2">
-    <dgm:scene3d>
-      <a:camera prst="orthographicFront"/>
-      <a:lightRig rig="threePt" dir="t"/>
-    </dgm:scene3d>
-    <dgm:sp3d/>
-    <dgm:txPr/>
-    <dgm:style>
-      <a:lnRef idx="2">
-        <a:scrgbClr r="0" g="0" b="0"/>
-      </a:lnRef>
-      <a:fillRef idx="1">
-        <a:scrgbClr r="0" g="0" b="0"/>
-      </a:fillRef>
-      <a:effectRef idx="0">
-        <a:scrgbClr r="0" g="0" b="0"/>
-      </a:effectRef>
-      <a:fontRef idx="minor">
-        <a:schemeClr val="lt1"/>
-      </a:fontRef>
-    </dgm:style>
-  </dgm:styleLbl>
-  <dgm:styleLbl name="parChTrans2D3">
-    <dgm:scene3d>
-      <a:camera prst="orthographicFront"/>
-      <a:lightRig rig="threePt" dir="t"/>
-    </dgm:scene3d>
-    <dgm:sp3d/>
-    <dgm:txPr/>
-    <dgm:style>
-      <a:lnRef idx="2">
-        <a:scrgbClr r="0" g="0" b="0"/>
-      </a:lnRef>
-      <a:fillRef idx="1">
-        <a:scrgbClr r="0" g="0" b="0"/>
-      </a:fillRef>
-      <a:effectRef idx="0">
-        <a:scrgbClr r="0" g="0" b="0"/>
-      </a:effectRef>
-      <a:fontRef idx="minor">
-        <a:schemeClr val="lt1"/>
-      </a:fontRef>
-    </dgm:style>
-  </dgm:styleLbl>
-  <dgm:styleLbl name="parChTrans2D4">
-    <dgm:scene3d>
-      <a:camera prst="orthographicFront"/>
-      <a:lightRig rig="threePt" dir="t"/>
-    </dgm:scene3d>
-    <dgm:sp3d/>
-    <dgm:txPr/>
-    <dgm:style>
-      <a:lnRef idx="2">
-        <a:scrgbClr r="0" g="0" b="0"/>
-      </a:lnRef>
-      <a:fillRef idx="1">
-        <a:scrgbClr r="0" g="0" b="0"/>
-      </a:fillRef>
-      <a:effectRef idx="0">
-        <a:scrgbClr r="0" g="0" b="0"/>
-      </a:effectRef>
-      <a:fontRef idx="minor">
-        <a:schemeClr val="lt1"/>
-      </a:fontRef>
-    </dgm:style>
-  </dgm:styleLbl>
-  <dgm:styleLbl name="parChTrans1D1">
-    <dgm:scene3d>
-      <a:camera prst="orthographicFront"/>
-      <a:lightRig rig="threePt" dir="t"/>
-    </dgm:scene3d>
-    <dgm:sp3d/>
-    <dgm:txPr/>
-    <dgm:style>
-      <a:lnRef idx="2">
-        <a:scrgbClr r="0" g="0" b="0"/>
-      </a:lnRef>
-      <a:fillRef idx="0">
-        <a:scrgbClr r="0" g="0" b="0"/>
-      </a:fillRef>
-      <a:effectRef idx="0">
-        <a:scrgbClr r="0" g="0" b="0"/>
-      </a:effectRef>
-      <a:fontRef idx="minor"/>
-    </dgm:style>
-  </dgm:styleLbl>
-  <dgm:styleLbl name="parChTrans1D2">
-    <dgm:scene3d>
-      <a:camera prst="orthographicFront"/>
-      <a:lightRig rig="threePt" dir="t"/>
-    </dgm:scene3d>
-    <dgm:sp3d/>
-    <dgm:txPr/>
-    <dgm:style>
-      <a:lnRef idx="2">
-        <a:scrgbClr r="0" g="0" b="0"/>
-      </a:lnRef>
-      <a:fillRef idx="0">
-        <a:scrgbClr r="0" g="0" b="0"/>
-      </a:fillRef>
-      <a:effectRef idx="0">
-        <a:scrgbClr r="0" g="0" b="0"/>
-      </a:effectRef>
-      <a:fontRef idx="minor"/>
-    </dgm:style>
-  </dgm:styleLbl>
-  <dgm:styleLbl name="parChTrans1D3">
-    <dgm:scene3d>
-      <a:camera prst="orthographicFront"/>
-      <a:lightRig rig="threePt" dir="t"/>
-    </dgm:scene3d>
-    <dgm:sp3d/>
-    <dgm:txPr/>
-    <dgm:style>
-      <a:lnRef idx="2">
-        <a:scrgbClr r="0" g="0" b="0"/>
-      </a:lnRef>
-      <a:fillRef idx="0">
-        <a:scrgbClr r="0" g="0" b="0"/>
-      </a:fillRef>
-      <a:effectRef idx="0">
-        <a:scrgbClr r="0" g="0" b="0"/>
-      </a:effectRef>
-      <a:fontRef idx="minor"/>
-    </dgm:style>
-  </dgm:styleLbl>
-  <dgm:styleLbl name="parChTrans1D4">
-    <dgm:scene3d>
-      <a:camera prst="orthographicFront"/>
-      <a:lightRig rig="threePt" dir="t"/>
-    </dgm:scene3d>
-    <dgm:sp3d/>
-    <dgm:txPr/>
-    <dgm:style>
-      <a:lnRef idx="2">
-        <a:scrgbClr r="0" g="0" b="0"/>
-      </a:lnRef>
-      <a:fillRef idx="0">
-        <a:scrgbClr r="0" g="0" b="0"/>
-      </a:fillRef>
-      <a:effectRef idx="0">
-        <a:scrgbClr r="0" g="0" b="0"/>
-      </a:effectRef>
-      <a:fontRef idx="minor"/>
-    </dgm:style>
-  </dgm:styleLbl>
-  <dgm:styleLbl name="fgAcc1">
-    <dgm:scene3d>
-      <a:camera prst="orthographicFront"/>
-      <a:lightRig rig="threePt" dir="t"/>
-    </dgm:scene3d>
-    <dgm:sp3d/>
-    <dgm:txPr/>
-    <dgm:style>
-      <a:lnRef idx="2">
-        <a:scrgbClr r="0" g="0" b="0"/>
-      </a:lnRef>
-      <a:fillRef idx="1">
-        <a:scrgbClr r="0" g="0" b="0"/>
-      </a:fillRef>
-      <a:effectRef idx="0">
-        <a:scrgbClr r="0" g="0" b="0"/>
-      </a:effectRef>
-      <a:fontRef idx="minor"/>
-    </dgm:style>
-  </dgm:styleLbl>
-  <dgm:styleLbl name="conFgAcc1">
-    <dgm:scene3d>
-      <a:camera prst="orthographicFront"/>
-      <a:lightRig rig="threePt" dir="t"/>
-    </dgm:scene3d>
-    <dgm:sp3d/>
-    <dgm:txPr/>
-    <dgm:style>
-      <a:lnRef idx="2">
-        <a:scrgbClr r="0" g="0" b="0"/>
-      </a:lnRef>
-      <a:fillRef idx="1">
-        <a:scrgbClr r="0" g="0" b="0"/>
-      </a:fillRef>
-      <a:effectRef idx="0">
-        <a:scrgbClr r="0" g="0" b="0"/>
-      </a:effectRef>
-      <a:fontRef idx="minor"/>
-    </dgm:style>
-  </dgm:styleLbl>
-  <dgm:styleLbl name="alignAcc1">
-    <dgm:scene3d>
-      <a:camera prst="orthographicFront"/>
-      <a:lightRig rig="threePt" dir="t"/>
-    </dgm:scene3d>
-    <dgm:sp3d/>
-    <dgm:txPr/>
-    <dgm:style>
-      <a:lnRef idx="2">
-        <a:scrgbClr r="0" g="0" b="0"/>
-      </a:lnRef>
-      <a:fillRef idx="1">
-        <a:scrgbClr r="0" g="0" b="0"/>
-      </a:fillRef>
-      <a:effectRef idx="0">
-        <a:scrgbClr r="0" g="0" b="0"/>
-      </a:effectRef>
-      <a:fontRef idx="minor"/>
-    </dgm:style>
-  </dgm:styleLbl>
-  <dgm:styleLbl name="trAlignAcc1">
-    <dgm:scene3d>
-      <a:camera prst="orthographicFront"/>
-      <a:lightRig rig="threePt" dir="t"/>
-    </dgm:scene3d>
-    <dgm:sp3d/>
-    <dgm:txPr/>
-    <dgm:style>
-      <a:lnRef idx="1">
-        <a:scrgbClr r="0" g="0" b="0"/>
-      </a:lnRef>
-      <a:fillRef idx="1">
-        <a:scrgbClr r="0" g="0" b="0"/>
-      </a:fillRef>
-      <a:effectRef idx="0">
-        <a:scrgbClr r="0" g="0" b="0"/>
-      </a:effectRef>
-      <a:fontRef idx="minor"/>
-    </dgm:style>
-  </dgm:styleLbl>
-  <dgm:styleLbl name="bgAcc1">
-    <dgm:scene3d>
-      <a:camera prst="orthographicFront"/>
-      <a:lightRig rig="threePt" dir="t"/>
-    </dgm:scene3d>
-    <dgm:sp3d/>
-    <dgm:txPr/>
-    <dgm:style>
-      <a:lnRef idx="2">
-        <a:scrgbClr r="0" g="0" b="0"/>
-      </a:lnRef>
-      <a:fillRef idx="1">
-        <a:scrgbClr r="0" g="0" b="0"/>
-      </a:fillRef>
-      <a:effectRef idx="0">
-        <a:scrgbClr r="0" g="0" b="0"/>
-      </a:effectRef>
-      <a:fontRef idx="minor"/>
-    </dgm:style>
-  </dgm:styleLbl>
-  <dgm:styleLbl name="solidFgAcc1">
-    <dgm:scene3d>
-      <a:camera prst="orthographicFront"/>
-      <a:lightRig rig="threePt" dir="t"/>
-    </dgm:scene3d>
-    <dgm:sp3d/>
-    <dgm:txPr/>
-    <dgm:style>
-      <a:lnRef idx="2">
-        <a:scrgbClr r="0" g="0" b="0"/>
-      </a:lnRef>
-      <a:fillRef idx="1">
-        <a:scrgbClr r="0" g="0" b="0"/>
-      </a:fillRef>
-      <a:effectRef idx="0">
-        <a:scrgbClr r="0" g="0" b="0"/>
-      </a:effectRef>
-      <a:fontRef idx="minor"/>
-    </dgm:style>
-  </dgm:styleLbl>
-  <dgm:styleLbl name="solidAlignAcc1">
-    <dgm:scene3d>
-      <a:camera prst="orthographicFront"/>
-      <a:lightRig rig="threePt" dir="t"/>
-    </dgm:scene3d>
-    <dgm:sp3d/>
-    <dgm:txPr/>
-    <dgm:style>
-      <a:lnRef idx="2">
-        <a:scrgbClr r="0" g="0" b="0"/>
-      </a:lnRef>
-      <a:fillRef idx="1">
-        <a:scrgbClr r="0" g="0" b="0"/>
-      </a:fillRef>
-      <a:effectRef idx="0">
-        <a:scrgbClr r="0" g="0" b="0"/>
-      </a:effectRef>
-      <a:fontRef idx="minor"/>
-    </dgm:style>
-  </dgm:styleLbl>
-  <dgm:styleLbl name="solidBgAcc1">
-    <dgm:scene3d>
-      <a:camera prst="orthographicFront"/>
-      <a:lightRig rig="threePt" dir="t"/>
-    </dgm:scene3d>
-    <dgm:sp3d/>
-    <dgm:txPr/>
-    <dgm:style>
-      <a:lnRef idx="2">
-        <a:scrgbClr r="0" g="0" b="0"/>
-      </a:lnRef>
-      <a:fillRef idx="1">
-        <a:scrgbClr r="0" g="0" b="0"/>
-      </a:fillRef>
-      <a:effectRef idx="0">
-        <a:scrgbClr r="0" g="0" b="0"/>
-      </a:effectRef>
-      <a:fontRef idx="minor"/>
-    </dgm:style>
-  </dgm:styleLbl>
-  <dgm:styleLbl name="fgAccFollowNode1">
-    <dgm:scene3d>
-      <a:camera prst="orthographicFront"/>
-      <a:lightRig rig="threePt" dir="t"/>
-    </dgm:scene3d>
-    <dgm:sp3d/>
-    <dgm:txPr/>
-    <dgm:style>
-      <a:lnRef idx="2">
-        <a:scrgbClr r="0" g="0" b="0"/>
-      </a:lnRef>
-      <a:fillRef idx="1">
-        <a:scrgbClr r="0" g="0" b="0"/>
-      </a:fillRef>
-      <a:effectRef idx="0">
-        <a:scrgbClr r="0" g="0" b="0"/>
-      </a:effectRef>
-      <a:fontRef idx="minor"/>
-    </dgm:style>
-  </dgm:styleLbl>
-  <dgm:styleLbl name="alignAccFollowNode1">
-    <dgm:scene3d>
-      <a:camera prst="orthographicFront"/>
-      <a:lightRig rig="threePt" dir="t"/>
-    </dgm:scene3d>
-    <dgm:sp3d/>
-    <dgm:txPr/>
-    <dgm:style>
-      <a:lnRef idx="2">
-        <a:scrgbClr r="0" g="0" b="0"/>
-      </a:lnRef>
-      <a:fillRef idx="1">
-        <a:scrgbClr r="0" g="0" b="0"/>
-      </a:fillRef>
-      <a:effectRef idx="0">
-        <a:scrgbClr r="0" g="0" b="0"/>
-      </a:effectRef>
-      <a:fontRef idx="minor"/>
-    </dgm:style>
-  </dgm:styleLbl>
-  <dgm:styleLbl name="bgAccFollowNode1">
-    <dgm:scene3d>
-      <a:camera prst="orthographicFront"/>
-      <a:lightRig rig="threePt" dir="t"/>
-    </dgm:scene3d>
-    <dgm:sp3d/>
-    <dgm:txPr/>
-    <dgm:style>
-      <a:lnRef idx="2">
-        <a:scrgbClr r="0" g="0" b="0"/>
-      </a:lnRef>
-      <a:fillRef idx="1">
-        <a:scrgbClr r="0" g="0" b="0"/>
-      </a:fillRef>
-      <a:effectRef idx="0">
-        <a:scrgbClr r="0" g="0" b="0"/>
-      </a:effectRef>
-      <a:fontRef idx="minor"/>
-    </dgm:style>
-  </dgm:styleLbl>
-  <dgm:styleLbl name="fgAcc0">
-    <dgm:scene3d>
-      <a:camera prst="orthographicFront"/>
-      <a:lightRig rig="threePt" dir="t"/>
-    </dgm:scene3d>
-    <dgm:sp3d/>
-    <dgm:txPr/>
-    <dgm:style>
-      <a:lnRef idx="2">
-        <a:scrgbClr r="0" g="0" b="0"/>
-      </a:lnRef>
-      <a:fillRef idx="1">
-        <a:scrgbClr r="0" g="0" b="0"/>
-      </a:fillRef>
-      <a:effectRef idx="0">
-        <a:scrgbClr r="0" g="0" b="0"/>
-      </a:effectRef>
-      <a:fontRef idx="minor"/>
-    </dgm:style>
-  </dgm:styleLbl>
-  <dgm:styleLbl name="fgAcc2">
-    <dgm:scene3d>
-      <a:camera prst="orthographicFront"/>
-      <a:lightRig rig="threePt" dir="t"/>
-    </dgm:scene3d>
-    <dgm:sp3d/>
-    <dgm:txPr/>
-    <dgm:style>
-      <a:lnRef idx="2">
-        <a:scrgbClr r="0" g="0" b="0"/>
-      </a:lnRef>
-      <a:fillRef idx="1">
-        <a:scrgbClr r="0" g="0" b="0"/>
-      </a:fillRef>
-      <a:effectRef idx="0">
-        <a:scrgbClr r="0" g="0" b="0"/>
-      </a:effectRef>
-      <a:fontRef idx="minor"/>
-    </dgm:style>
-  </dgm:styleLbl>
-  <dgm:styleLbl name="fgAcc3">
-    <dgm:scene3d>
-      <a:camera prst="orthographicFront"/>
-      <a:lightRig rig="threePt" dir="t"/>
-    </dgm:scene3d>
-    <dgm:sp3d/>
-    <dgm:txPr/>
-    <dgm:style>
-      <a:lnRef idx="2">
-        <a:scrgbClr r="0" g="0" b="0"/>
-      </a:lnRef>
-      <a:fillRef idx="1">
-        <a:scrgbClr r="0" g="0" b="0"/>
-      </a:fillRef>
-      <a:effectRef idx="0">
-        <a:scrgbClr r="0" g="0" b="0"/>
-      </a:effectRef>
-      <a:fontRef idx="minor"/>
-    </dgm:style>
-  </dgm:styleLbl>
-  <dgm:styleLbl name="fgAcc4">
-    <dgm:scene3d>
-      <a:camera prst="orthographicFront"/>
-      <a:lightRig rig="threePt" dir="t"/>
-    </dgm:scene3d>
-    <dgm:sp3d/>
-    <dgm:txPr/>
-    <dgm:style>
-      <a:lnRef idx="2">
-        <a:scrgbClr r="0" g="0" b="0"/>
-      </a:lnRef>
-      <a:fillRef idx="1">
-        <a:scrgbClr r="0" g="0" b="0"/>
-      </a:fillRef>
-      <a:effectRef idx="0">
-        <a:scrgbClr r="0" g="0" b="0"/>
-      </a:effectRef>
-      <a:fontRef idx="minor"/>
-    </dgm:style>
-  </dgm:styleLbl>
-  <dgm:styleLbl name="bgShp">
-    <dgm:scene3d>
-      <a:camera prst="orthographicFront"/>
-      <a:lightRig rig="threePt" dir="t"/>
-    </dgm:scene3d>
-    <dgm:sp3d/>
-    <dgm:txPr/>
-    <dgm:style>
-      <a:lnRef idx="0">
-        <a:scrgbClr r="0" g="0" b="0"/>
-      </a:lnRef>
-      <a:fillRef idx="1">
-        <a:scrgbClr r="0" g="0" b="0"/>
-      </a:fillRef>
-      <a:effectRef idx="0">
-        <a:scrgbClr r="0" g="0" b="0"/>
-      </a:effectRef>
-      <a:fontRef idx="minor"/>
-    </dgm:style>
-  </dgm:styleLbl>
-  <dgm:styleLbl name="dkBgShp">
-    <dgm:scene3d>
-      <a:camera prst="orthographicFront"/>
-      <a:lightRig rig="threePt" dir="t"/>
-    </dgm:scene3d>
-    <dgm:sp3d/>
-    <dgm:txPr/>
-    <dgm:style>
-      <a:lnRef idx="0">
-        <a:scrgbClr r="0" g="0" b="0"/>
-      </a:lnRef>
-      <a:fillRef idx="1">
-        <a:scrgbClr r="0" g="0" b="0"/>
-      </a:fillRef>
-      <a:effectRef idx="0">
-        <a:scrgbClr r="0" g="0" b="0"/>
-      </a:effectRef>
-      <a:fontRef idx="minor"/>
-    </dgm:style>
-  </dgm:styleLbl>
-  <dgm:styleLbl name="trBgShp">
-    <dgm:scene3d>
-      <a:camera prst="orthographicFront"/>
-      <a:lightRig rig="threePt" dir="t"/>
-    </dgm:scene3d>
-    <dgm:sp3d/>
-    <dgm:txPr/>
-    <dgm:style>
-      <a:lnRef idx="0">
-        <a:scrgbClr r="0" g="0" b="0"/>
-      </a:lnRef>
-      <a:fillRef idx="1">
-        <a:scrgbClr r="0" g="0" b="0"/>
-      </a:fillRef>
-      <a:effectRef idx="0">
-        <a:scrgbClr r="0" g="0" b="0"/>
-      </a:effectRef>
-      <a:fontRef idx="minor"/>
-    </dgm:style>
-  </dgm:styleLbl>
-  <dgm:styleLbl name="fgShp">
-    <dgm:scene3d>
-      <a:camera prst="orthographicFront"/>
-      <a:lightRig rig="threePt" dir="t"/>
-    </dgm:scene3d>
-    <dgm:sp3d/>
-    <dgm:txPr/>
-    <dgm:style>
-      <a:lnRef idx="2">
-        <a:scrgbClr r="0" g="0" b="0"/>
-      </a:lnRef>
-      <a:fillRef idx="1">
-        <a:scrgbClr r="0" g="0" b="0"/>
-      </a:fillRef>
-      <a:effectRef idx="0">
-        <a:scrgbClr r="0" g="0" b="0"/>
-      </a:effectRef>
-      <a:fontRef idx="minor"/>
-    </dgm:style>
-  </dgm:styleLbl>
-  <dgm:styleLbl name="revTx">
-    <dgm:scene3d>
-      <a:camera prst="orthographicFront"/>
-      <a:lightRig rig="threePt" dir="t"/>
-    </dgm:scene3d>
-    <dgm:sp3d/>
-    <dgm:txPr/>
-    <dgm:style>
-      <a:lnRef idx="0">
-        <a:scrgbClr r="0" g="0" b="0"/>
-      </a:lnRef>
-      <a:fillRef idx="0">
-        <a:scrgbClr r="0" g="0" b="0"/>
-      </a:fillRef>
-      <a:effectRef idx="0">
-        <a:scrgbClr r="0" g="0" b="0"/>
-      </a:effectRef>
-      <a:fontRef idx="minor"/>
-    </dgm:style>
-  </dgm:styleLbl>
-</dgm:styleDef>
-</file>
-
-<file path=ppt/diagrams/quickStyle3.xml><?xml version="1.0" encoding="utf-8"?>
 <dgm:styleDef xmlns:dgm="http://schemas.openxmlformats.org/drawingml/2006/diagram" xmlns:a="http://schemas.openxmlformats.org/drawingml/2006/main" uniqueId="urn:microsoft.com/office/officeart/2005/8/quickstyle/simple1">
   <dgm:title val=""/>
   <dgm:desc val=""/>
@@ -16725,40 +9372,1007 @@
           </a:p>
         </p:txBody>
       </p:sp>
-      <p:graphicFrame>
-        <p:nvGraphicFramePr>
-          <p:cNvPr id="4" name="Diagram 3">
+      <p:sp>
+        <p:nvSpPr>
+          <p:cNvPr id="4103" name="Rectangle: Rounded Corners 4102">
             <a:extLst>
               <a:ext uri="{FF2B5EF4-FFF2-40B4-BE49-F238E27FC236}">
-                <a16:creationId xmlns:a16="http://schemas.microsoft.com/office/drawing/2014/main" id="{B9B000EE-F44E-6C3F-FA57-07BC68901F5F}"/>
+                <a16:creationId xmlns:a16="http://schemas.microsoft.com/office/drawing/2014/main" id="{073C2C83-F500-199D-F68D-363CE2749AFF}"/>
               </a:ext>
             </a:extLst>
           </p:cNvPr>
-          <p:cNvGraphicFramePr/>
-          <p:nvPr>
-            <p:extLst>
-              <p:ext uri="{D42A27DB-BD31-4B8C-83A1-F6EECF244321}">
-                <p14:modId xmlns:p14="http://schemas.microsoft.com/office/powerpoint/2010/main" val="1217637453"/>
-              </p:ext>
-            </p:extLst>
-          </p:nvPr>
-        </p:nvGraphicFramePr>
-        <p:xfrm>
-          <a:off x="161108" y="-806197"/>
-          <a:ext cx="11869783" cy="5418667"/>
-        </p:xfrm>
-        <a:graphic>
-          <a:graphicData uri="http://schemas.openxmlformats.org/drawingml/2006/diagram">
-            <dgm:relIds xmlns:dgm="http://schemas.openxmlformats.org/drawingml/2006/diagram" xmlns:r="http://schemas.openxmlformats.org/officeDocument/2006/relationships" r:dm="rId4" r:lo="rId5" r:qs="rId6" r:cs="rId7"/>
-          </a:graphicData>
-        </a:graphic>
-      </p:graphicFrame>
+          <p:cNvSpPr/>
+          <p:nvPr/>
+        </p:nvSpPr>
+        <p:spPr>
+          <a:xfrm>
+            <a:off x="165166" y="1160789"/>
+            <a:ext cx="1976944" cy="1255359"/>
+          </a:xfrm>
+          <a:prstGeom prst="roundRect">
+            <a:avLst>
+              <a:gd name="adj" fmla="val 10000"/>
+            </a:avLst>
+          </a:prstGeom>
+        </p:spPr>
+        <p:style>
+          <a:lnRef idx="2">
+            <a:schemeClr val="lt1">
+              <a:hueOff val="0"/>
+              <a:satOff val="0"/>
+              <a:lumOff val="0"/>
+              <a:alphaOff val="0"/>
+            </a:schemeClr>
+          </a:lnRef>
+          <a:fillRef idx="1">
+            <a:schemeClr val="accent1">
+              <a:hueOff val="0"/>
+              <a:satOff val="0"/>
+              <a:lumOff val="0"/>
+              <a:alphaOff val="0"/>
+            </a:schemeClr>
+          </a:fillRef>
+          <a:effectRef idx="0">
+            <a:schemeClr val="accent1">
+              <a:hueOff val="0"/>
+              <a:satOff val="0"/>
+              <a:lumOff val="0"/>
+              <a:alphaOff val="0"/>
+            </a:schemeClr>
+          </a:effectRef>
+          <a:fontRef idx="minor">
+            <a:schemeClr val="lt1"/>
+          </a:fontRef>
+        </p:style>
+      </p:sp>
+      <p:grpSp>
+        <p:nvGrpSpPr>
+          <p:cNvPr id="4104" name="Group 4103">
+            <a:extLst>
+              <a:ext uri="{FF2B5EF4-FFF2-40B4-BE49-F238E27FC236}">
+                <a16:creationId xmlns:a16="http://schemas.microsoft.com/office/drawing/2014/main" id="{A124BB6B-539E-0C54-36B4-8A81D6285AC6}"/>
+              </a:ext>
+            </a:extLst>
+          </p:cNvPr>
+          <p:cNvGrpSpPr/>
+          <p:nvPr/>
+        </p:nvGrpSpPr>
+        <p:grpSpPr>
+          <a:xfrm>
+            <a:off x="384826" y="1369467"/>
+            <a:ext cx="1976944" cy="1255359"/>
+            <a:chOff x="223717" y="2185992"/>
+            <a:chExt cx="1976944" cy="1255359"/>
+          </a:xfrm>
+        </p:grpSpPr>
+        <p:sp>
+          <p:nvSpPr>
+            <p:cNvPr id="4121" name="Rectangle: Rounded Corners 4120">
+              <a:extLst>
+                <a:ext uri="{FF2B5EF4-FFF2-40B4-BE49-F238E27FC236}">
+                  <a16:creationId xmlns:a16="http://schemas.microsoft.com/office/drawing/2014/main" id="{2A2F1799-D5CE-16FD-9057-88B778A05822}"/>
+                </a:ext>
+              </a:extLst>
+            </p:cNvPr>
+            <p:cNvSpPr/>
+            <p:nvPr/>
+          </p:nvSpPr>
+          <p:spPr>
+            <a:xfrm>
+              <a:off x="223717" y="2185992"/>
+              <a:ext cx="1976944" cy="1255359"/>
+            </a:xfrm>
+            <a:prstGeom prst="roundRect">
+              <a:avLst>
+                <a:gd name="adj" fmla="val 10000"/>
+              </a:avLst>
+            </a:prstGeom>
+          </p:spPr>
+          <p:style>
+            <a:lnRef idx="2">
+              <a:schemeClr val="accent1">
+                <a:hueOff val="0"/>
+                <a:satOff val="0"/>
+                <a:lumOff val="0"/>
+                <a:alphaOff val="0"/>
+              </a:schemeClr>
+            </a:lnRef>
+            <a:fillRef idx="1">
+              <a:schemeClr val="lt1">
+                <a:alpha val="90000"/>
+                <a:hueOff val="0"/>
+                <a:satOff val="0"/>
+                <a:lumOff val="0"/>
+                <a:alphaOff val="0"/>
+              </a:schemeClr>
+            </a:fillRef>
+            <a:effectRef idx="0">
+              <a:schemeClr val="lt1">
+                <a:alpha val="90000"/>
+                <a:hueOff val="0"/>
+                <a:satOff val="0"/>
+                <a:lumOff val="0"/>
+                <a:alphaOff val="0"/>
+              </a:schemeClr>
+            </a:effectRef>
+            <a:fontRef idx="minor">
+              <a:schemeClr val="dk1">
+                <a:hueOff val="0"/>
+                <a:satOff val="0"/>
+                <a:lumOff val="0"/>
+                <a:alphaOff val="0"/>
+              </a:schemeClr>
+            </a:fontRef>
+          </p:style>
+        </p:sp>
+        <p:sp>
+          <p:nvSpPr>
+            <p:cNvPr id="4122" name="Rectangle: Rounded Corners 5">
+              <a:extLst>
+                <a:ext uri="{FF2B5EF4-FFF2-40B4-BE49-F238E27FC236}">
+                  <a16:creationId xmlns:a16="http://schemas.microsoft.com/office/drawing/2014/main" id="{9F1B8BE1-1976-893D-DB0B-4B1DC8FD240C}"/>
+                </a:ext>
+              </a:extLst>
+            </p:cNvPr>
+            <p:cNvSpPr txBox="1"/>
+            <p:nvPr/>
+          </p:nvSpPr>
+          <p:spPr>
+            <a:xfrm>
+              <a:off x="260485" y="2222760"/>
+              <a:ext cx="1903408" cy="1181823"/>
+            </a:xfrm>
+            <a:prstGeom prst="rect">
+              <a:avLst/>
+            </a:prstGeom>
+          </p:spPr>
+          <p:style>
+            <a:lnRef idx="0">
+              <a:scrgbClr r="0" g="0" b="0"/>
+            </a:lnRef>
+            <a:fillRef idx="0">
+              <a:scrgbClr r="0" g="0" b="0"/>
+            </a:fillRef>
+            <a:effectRef idx="0">
+              <a:scrgbClr r="0" g="0" b="0"/>
+            </a:effectRef>
+            <a:fontRef idx="minor">
+              <a:schemeClr val="dk1">
+                <a:hueOff val="0"/>
+                <a:satOff val="0"/>
+                <a:lumOff val="0"/>
+                <a:alphaOff val="0"/>
+              </a:schemeClr>
+            </a:fontRef>
+          </p:style>
+          <p:txBody>
+            <a:bodyPr spcFirstLastPara="0" vert="horz" wrap="square" lIns="102870" tIns="102870" rIns="102870" bIns="102870" numCol="1" spcCol="1270" anchor="ctr" anchorCtr="0">
+              <a:noAutofit/>
+            </a:bodyPr>
+            <a:lstStyle/>
+            <a:p>
+              <a:pPr marL="0" lvl="0" indent="0" algn="ctr" defTabSz="1200150">
+                <a:lnSpc>
+                  <a:spcPct val="90000"/>
+                </a:lnSpc>
+                <a:spcBef>
+                  <a:spcPct val="0"/>
+                </a:spcBef>
+                <a:spcAft>
+                  <a:spcPct val="35000"/>
+                </a:spcAft>
+                <a:buNone/>
+              </a:pPr>
+              <a:r>
+                <a:rPr lang="en-US" sz="2700" kern="1200" dirty="0"/>
+                <a:t>Data Gathering</a:t>
+              </a:r>
+            </a:p>
+          </p:txBody>
+        </p:sp>
+      </p:grpSp>
       <p:sp>
         <p:nvSpPr>
-          <p:cNvPr id="5" name="TextBox 4">
+          <p:cNvPr id="4105" name="Rectangle: Rounded Corners 4104">
             <a:extLst>
               <a:ext uri="{FF2B5EF4-FFF2-40B4-BE49-F238E27FC236}">
-                <a16:creationId xmlns:a16="http://schemas.microsoft.com/office/drawing/2014/main" id="{E108C21D-7A4E-6988-231C-2EFB043F6D86}"/>
+                <a16:creationId xmlns:a16="http://schemas.microsoft.com/office/drawing/2014/main" id="{91B73CC0-D553-BD45-7089-071F57333730}"/>
+              </a:ext>
+            </a:extLst>
+          </p:cNvPr>
+          <p:cNvSpPr/>
+          <p:nvPr/>
+        </p:nvSpPr>
+        <p:spPr>
+          <a:xfrm>
+            <a:off x="2581431" y="1160789"/>
+            <a:ext cx="1976944" cy="1255359"/>
+          </a:xfrm>
+          <a:prstGeom prst="roundRect">
+            <a:avLst>
+              <a:gd name="adj" fmla="val 10000"/>
+            </a:avLst>
+          </a:prstGeom>
+        </p:spPr>
+        <p:style>
+          <a:lnRef idx="2">
+            <a:schemeClr val="lt1">
+              <a:hueOff val="0"/>
+              <a:satOff val="0"/>
+              <a:lumOff val="0"/>
+              <a:alphaOff val="0"/>
+            </a:schemeClr>
+          </a:lnRef>
+          <a:fillRef idx="1">
+            <a:schemeClr val="accent1">
+              <a:hueOff val="0"/>
+              <a:satOff val="0"/>
+              <a:lumOff val="0"/>
+              <a:alphaOff val="0"/>
+            </a:schemeClr>
+          </a:fillRef>
+          <a:effectRef idx="0">
+            <a:schemeClr val="accent1">
+              <a:hueOff val="0"/>
+              <a:satOff val="0"/>
+              <a:lumOff val="0"/>
+              <a:alphaOff val="0"/>
+            </a:schemeClr>
+          </a:effectRef>
+          <a:fontRef idx="minor">
+            <a:schemeClr val="lt1"/>
+          </a:fontRef>
+        </p:style>
+      </p:sp>
+      <p:grpSp>
+        <p:nvGrpSpPr>
+          <p:cNvPr id="4106" name="Group 4105">
+            <a:extLst>
+              <a:ext uri="{FF2B5EF4-FFF2-40B4-BE49-F238E27FC236}">
+                <a16:creationId xmlns:a16="http://schemas.microsoft.com/office/drawing/2014/main" id="{B6840D9E-BBD7-02FD-6DC6-087B11B60D67}"/>
+              </a:ext>
+            </a:extLst>
+          </p:cNvPr>
+          <p:cNvGrpSpPr/>
+          <p:nvPr/>
+        </p:nvGrpSpPr>
+        <p:grpSpPr>
+          <a:xfrm>
+            <a:off x="2801092" y="1369467"/>
+            <a:ext cx="1976944" cy="1255359"/>
+            <a:chOff x="2639983" y="2185992"/>
+            <a:chExt cx="1976944" cy="1255359"/>
+          </a:xfrm>
+        </p:grpSpPr>
+        <p:sp>
+          <p:nvSpPr>
+            <p:cNvPr id="4119" name="Rectangle: Rounded Corners 4118">
+              <a:extLst>
+                <a:ext uri="{FF2B5EF4-FFF2-40B4-BE49-F238E27FC236}">
+                  <a16:creationId xmlns:a16="http://schemas.microsoft.com/office/drawing/2014/main" id="{A8FF957F-7636-05D3-904F-81209A2DBE48}"/>
+                </a:ext>
+              </a:extLst>
+            </p:cNvPr>
+            <p:cNvSpPr/>
+            <p:nvPr/>
+          </p:nvSpPr>
+          <p:spPr>
+            <a:xfrm>
+              <a:off x="2639983" y="2185992"/>
+              <a:ext cx="1976944" cy="1255359"/>
+            </a:xfrm>
+            <a:prstGeom prst="roundRect">
+              <a:avLst>
+                <a:gd name="adj" fmla="val 10000"/>
+              </a:avLst>
+            </a:prstGeom>
+          </p:spPr>
+          <p:style>
+            <a:lnRef idx="2">
+              <a:schemeClr val="accent1">
+                <a:hueOff val="0"/>
+                <a:satOff val="0"/>
+                <a:lumOff val="0"/>
+                <a:alphaOff val="0"/>
+              </a:schemeClr>
+            </a:lnRef>
+            <a:fillRef idx="1">
+              <a:schemeClr val="lt1">
+                <a:alpha val="90000"/>
+                <a:hueOff val="0"/>
+                <a:satOff val="0"/>
+                <a:lumOff val="0"/>
+                <a:alphaOff val="0"/>
+              </a:schemeClr>
+            </a:fillRef>
+            <a:effectRef idx="0">
+              <a:schemeClr val="lt1">
+                <a:alpha val="90000"/>
+                <a:hueOff val="0"/>
+                <a:satOff val="0"/>
+                <a:lumOff val="0"/>
+                <a:alphaOff val="0"/>
+              </a:schemeClr>
+            </a:effectRef>
+            <a:fontRef idx="minor">
+              <a:schemeClr val="dk1">
+                <a:hueOff val="0"/>
+                <a:satOff val="0"/>
+                <a:lumOff val="0"/>
+                <a:alphaOff val="0"/>
+              </a:schemeClr>
+            </a:fontRef>
+          </p:style>
+        </p:sp>
+        <p:sp>
+          <p:nvSpPr>
+            <p:cNvPr id="4120" name="Rectangle: Rounded Corners 8">
+              <a:extLst>
+                <a:ext uri="{FF2B5EF4-FFF2-40B4-BE49-F238E27FC236}">
+                  <a16:creationId xmlns:a16="http://schemas.microsoft.com/office/drawing/2014/main" id="{4584D934-A79A-E136-C93D-2F775D7E4308}"/>
+                </a:ext>
+              </a:extLst>
+            </p:cNvPr>
+            <p:cNvSpPr txBox="1"/>
+            <p:nvPr/>
+          </p:nvSpPr>
+          <p:spPr>
+            <a:xfrm>
+              <a:off x="2676751" y="2222760"/>
+              <a:ext cx="1903408" cy="1181823"/>
+            </a:xfrm>
+            <a:prstGeom prst="rect">
+              <a:avLst/>
+            </a:prstGeom>
+          </p:spPr>
+          <p:style>
+            <a:lnRef idx="0">
+              <a:scrgbClr r="0" g="0" b="0"/>
+            </a:lnRef>
+            <a:fillRef idx="0">
+              <a:scrgbClr r="0" g="0" b="0"/>
+            </a:fillRef>
+            <a:effectRef idx="0">
+              <a:scrgbClr r="0" g="0" b="0"/>
+            </a:effectRef>
+            <a:fontRef idx="minor">
+              <a:schemeClr val="dk1">
+                <a:hueOff val="0"/>
+                <a:satOff val="0"/>
+                <a:lumOff val="0"/>
+                <a:alphaOff val="0"/>
+              </a:schemeClr>
+            </a:fontRef>
+          </p:style>
+          <p:txBody>
+            <a:bodyPr spcFirstLastPara="0" vert="horz" wrap="square" lIns="102870" tIns="102870" rIns="102870" bIns="102870" numCol="1" spcCol="1270" anchor="ctr" anchorCtr="0">
+              <a:noAutofit/>
+            </a:bodyPr>
+            <a:lstStyle/>
+            <a:p>
+              <a:pPr marL="0" lvl="0" indent="0" algn="ctr" defTabSz="1200150">
+                <a:lnSpc>
+                  <a:spcPct val="90000"/>
+                </a:lnSpc>
+                <a:spcBef>
+                  <a:spcPct val="0"/>
+                </a:spcBef>
+                <a:spcAft>
+                  <a:spcPct val="35000"/>
+                </a:spcAft>
+                <a:buNone/>
+              </a:pPr>
+              <a:r>
+                <a:rPr lang="en-US" sz="2700" kern="1200" dirty="0"/>
+                <a:t>Data Cleaning</a:t>
+              </a:r>
+            </a:p>
+          </p:txBody>
+        </p:sp>
+      </p:grpSp>
+      <p:sp>
+        <p:nvSpPr>
+          <p:cNvPr id="4107" name="Rectangle: Rounded Corners 4106">
+            <a:extLst>
+              <a:ext uri="{FF2B5EF4-FFF2-40B4-BE49-F238E27FC236}">
+                <a16:creationId xmlns:a16="http://schemas.microsoft.com/office/drawing/2014/main" id="{270004A7-13AB-56C9-3D3D-29E7DEFA840B}"/>
+              </a:ext>
+            </a:extLst>
+          </p:cNvPr>
+          <p:cNvSpPr/>
+          <p:nvPr/>
+        </p:nvSpPr>
+        <p:spPr>
+          <a:xfrm>
+            <a:off x="4997697" y="1160789"/>
+            <a:ext cx="1976944" cy="1255359"/>
+          </a:xfrm>
+          <a:prstGeom prst="roundRect">
+            <a:avLst>
+              <a:gd name="adj" fmla="val 10000"/>
+            </a:avLst>
+          </a:prstGeom>
+        </p:spPr>
+        <p:style>
+          <a:lnRef idx="2">
+            <a:schemeClr val="lt1">
+              <a:hueOff val="0"/>
+              <a:satOff val="0"/>
+              <a:lumOff val="0"/>
+              <a:alphaOff val="0"/>
+            </a:schemeClr>
+          </a:lnRef>
+          <a:fillRef idx="1">
+            <a:schemeClr val="accent1">
+              <a:hueOff val="0"/>
+              <a:satOff val="0"/>
+              <a:lumOff val="0"/>
+              <a:alphaOff val="0"/>
+            </a:schemeClr>
+          </a:fillRef>
+          <a:effectRef idx="0">
+            <a:schemeClr val="accent1">
+              <a:hueOff val="0"/>
+              <a:satOff val="0"/>
+              <a:lumOff val="0"/>
+              <a:alphaOff val="0"/>
+            </a:schemeClr>
+          </a:effectRef>
+          <a:fontRef idx="minor">
+            <a:schemeClr val="lt1"/>
+          </a:fontRef>
+        </p:style>
+      </p:sp>
+      <p:grpSp>
+        <p:nvGrpSpPr>
+          <p:cNvPr id="4108" name="Group 4107">
+            <a:extLst>
+              <a:ext uri="{FF2B5EF4-FFF2-40B4-BE49-F238E27FC236}">
+                <a16:creationId xmlns:a16="http://schemas.microsoft.com/office/drawing/2014/main" id="{43107E2B-0636-A80E-8378-3CF484B36E04}"/>
+              </a:ext>
+            </a:extLst>
+          </p:cNvPr>
+          <p:cNvGrpSpPr/>
+          <p:nvPr/>
+        </p:nvGrpSpPr>
+        <p:grpSpPr>
+          <a:xfrm>
+            <a:off x="5217358" y="1369467"/>
+            <a:ext cx="1976944" cy="1255359"/>
+            <a:chOff x="5056249" y="2185992"/>
+            <a:chExt cx="1976944" cy="1255359"/>
+          </a:xfrm>
+        </p:grpSpPr>
+        <p:sp>
+          <p:nvSpPr>
+            <p:cNvPr id="4117" name="Rectangle: Rounded Corners 4116">
+              <a:extLst>
+                <a:ext uri="{FF2B5EF4-FFF2-40B4-BE49-F238E27FC236}">
+                  <a16:creationId xmlns:a16="http://schemas.microsoft.com/office/drawing/2014/main" id="{ED16FEB4-D713-BC5C-FC78-0A4066CEE75D}"/>
+                </a:ext>
+              </a:extLst>
+            </p:cNvPr>
+            <p:cNvSpPr/>
+            <p:nvPr/>
+          </p:nvSpPr>
+          <p:spPr>
+            <a:xfrm>
+              <a:off x="5056249" y="2185992"/>
+              <a:ext cx="1976944" cy="1255359"/>
+            </a:xfrm>
+            <a:prstGeom prst="roundRect">
+              <a:avLst>
+                <a:gd name="adj" fmla="val 10000"/>
+              </a:avLst>
+            </a:prstGeom>
+          </p:spPr>
+          <p:style>
+            <a:lnRef idx="2">
+              <a:schemeClr val="accent1">
+                <a:hueOff val="0"/>
+                <a:satOff val="0"/>
+                <a:lumOff val="0"/>
+                <a:alphaOff val="0"/>
+              </a:schemeClr>
+            </a:lnRef>
+            <a:fillRef idx="1">
+              <a:schemeClr val="lt1">
+                <a:alpha val="90000"/>
+                <a:hueOff val="0"/>
+                <a:satOff val="0"/>
+                <a:lumOff val="0"/>
+                <a:alphaOff val="0"/>
+              </a:schemeClr>
+            </a:fillRef>
+            <a:effectRef idx="0">
+              <a:schemeClr val="lt1">
+                <a:alpha val="90000"/>
+                <a:hueOff val="0"/>
+                <a:satOff val="0"/>
+                <a:lumOff val="0"/>
+                <a:alphaOff val="0"/>
+              </a:schemeClr>
+            </a:effectRef>
+            <a:fontRef idx="minor">
+              <a:schemeClr val="dk1">
+                <a:hueOff val="0"/>
+                <a:satOff val="0"/>
+                <a:lumOff val="0"/>
+                <a:alphaOff val="0"/>
+              </a:schemeClr>
+            </a:fontRef>
+          </p:style>
+        </p:sp>
+        <p:sp>
+          <p:nvSpPr>
+            <p:cNvPr id="4118" name="Rectangle: Rounded Corners 11">
+              <a:extLst>
+                <a:ext uri="{FF2B5EF4-FFF2-40B4-BE49-F238E27FC236}">
+                  <a16:creationId xmlns:a16="http://schemas.microsoft.com/office/drawing/2014/main" id="{094DB848-BD15-42AC-4B1F-9A5485EBF851}"/>
+                </a:ext>
+              </a:extLst>
+            </p:cNvPr>
+            <p:cNvSpPr txBox="1"/>
+            <p:nvPr/>
+          </p:nvSpPr>
+          <p:spPr>
+            <a:xfrm>
+              <a:off x="5093017" y="2222760"/>
+              <a:ext cx="1903408" cy="1181823"/>
+            </a:xfrm>
+            <a:prstGeom prst="rect">
+              <a:avLst/>
+            </a:prstGeom>
+          </p:spPr>
+          <p:style>
+            <a:lnRef idx="0">
+              <a:scrgbClr r="0" g="0" b="0"/>
+            </a:lnRef>
+            <a:fillRef idx="0">
+              <a:scrgbClr r="0" g="0" b="0"/>
+            </a:fillRef>
+            <a:effectRef idx="0">
+              <a:scrgbClr r="0" g="0" b="0"/>
+            </a:effectRef>
+            <a:fontRef idx="minor">
+              <a:schemeClr val="dk1">
+                <a:hueOff val="0"/>
+                <a:satOff val="0"/>
+                <a:lumOff val="0"/>
+                <a:alphaOff val="0"/>
+              </a:schemeClr>
+            </a:fontRef>
+          </p:style>
+          <p:txBody>
+            <a:bodyPr spcFirstLastPara="0" vert="horz" wrap="square" lIns="102870" tIns="102870" rIns="102870" bIns="102870" numCol="1" spcCol="1270" anchor="ctr" anchorCtr="0">
+              <a:noAutofit/>
+            </a:bodyPr>
+            <a:lstStyle/>
+            <a:p>
+              <a:pPr marL="0" lvl="0" indent="0" algn="ctr" defTabSz="1200150">
+                <a:lnSpc>
+                  <a:spcPct val="90000"/>
+                </a:lnSpc>
+                <a:spcBef>
+                  <a:spcPct val="0"/>
+                </a:spcBef>
+                <a:spcAft>
+                  <a:spcPct val="35000"/>
+                </a:spcAft>
+                <a:buNone/>
+              </a:pPr>
+              <a:r>
+                <a:rPr lang="en-US" sz="2700" kern="1200" dirty="0"/>
+                <a:t>Data Storage</a:t>
+              </a:r>
+            </a:p>
+          </p:txBody>
+        </p:sp>
+      </p:grpSp>
+      <p:sp>
+        <p:nvSpPr>
+          <p:cNvPr id="4109" name="Rectangle: Rounded Corners 4108">
+            <a:extLst>
+              <a:ext uri="{FF2B5EF4-FFF2-40B4-BE49-F238E27FC236}">
+                <a16:creationId xmlns:a16="http://schemas.microsoft.com/office/drawing/2014/main" id="{FD53464A-1735-98E8-6961-69A5807940E5}"/>
+              </a:ext>
+            </a:extLst>
+          </p:cNvPr>
+          <p:cNvSpPr/>
+          <p:nvPr/>
+        </p:nvSpPr>
+        <p:spPr>
+          <a:xfrm>
+            <a:off x="7413963" y="1160789"/>
+            <a:ext cx="1976944" cy="1255359"/>
+          </a:xfrm>
+          <a:prstGeom prst="roundRect">
+            <a:avLst>
+              <a:gd name="adj" fmla="val 10000"/>
+            </a:avLst>
+          </a:prstGeom>
+        </p:spPr>
+        <p:style>
+          <a:lnRef idx="2">
+            <a:schemeClr val="lt1">
+              <a:hueOff val="0"/>
+              <a:satOff val="0"/>
+              <a:lumOff val="0"/>
+              <a:alphaOff val="0"/>
+            </a:schemeClr>
+          </a:lnRef>
+          <a:fillRef idx="1">
+            <a:schemeClr val="accent1">
+              <a:hueOff val="0"/>
+              <a:satOff val="0"/>
+              <a:lumOff val="0"/>
+              <a:alphaOff val="0"/>
+            </a:schemeClr>
+          </a:fillRef>
+          <a:effectRef idx="0">
+            <a:schemeClr val="accent1">
+              <a:hueOff val="0"/>
+              <a:satOff val="0"/>
+              <a:lumOff val="0"/>
+              <a:alphaOff val="0"/>
+            </a:schemeClr>
+          </a:effectRef>
+          <a:fontRef idx="minor">
+            <a:schemeClr val="lt1"/>
+          </a:fontRef>
+        </p:style>
+      </p:sp>
+      <p:grpSp>
+        <p:nvGrpSpPr>
+          <p:cNvPr id="4110" name="Group 4109">
+            <a:extLst>
+              <a:ext uri="{FF2B5EF4-FFF2-40B4-BE49-F238E27FC236}">
+                <a16:creationId xmlns:a16="http://schemas.microsoft.com/office/drawing/2014/main" id="{49F95EE6-1AA5-5477-0545-A7A9E7A61169}"/>
+              </a:ext>
+            </a:extLst>
+          </p:cNvPr>
+          <p:cNvGrpSpPr/>
+          <p:nvPr/>
+        </p:nvGrpSpPr>
+        <p:grpSpPr>
+          <a:xfrm>
+            <a:off x="7633624" y="1369467"/>
+            <a:ext cx="1976944" cy="1255359"/>
+            <a:chOff x="7472515" y="2185992"/>
+            <a:chExt cx="1976944" cy="1255359"/>
+          </a:xfrm>
+        </p:grpSpPr>
+        <p:sp>
+          <p:nvSpPr>
+            <p:cNvPr id="4115" name="Rectangle: Rounded Corners 4114">
+              <a:extLst>
+                <a:ext uri="{FF2B5EF4-FFF2-40B4-BE49-F238E27FC236}">
+                  <a16:creationId xmlns:a16="http://schemas.microsoft.com/office/drawing/2014/main" id="{9D601D25-3FDF-061A-27B7-FA0CFF6F4EA0}"/>
+                </a:ext>
+              </a:extLst>
+            </p:cNvPr>
+            <p:cNvSpPr/>
+            <p:nvPr/>
+          </p:nvSpPr>
+          <p:spPr>
+            <a:xfrm>
+              <a:off x="7472515" y="2185992"/>
+              <a:ext cx="1976944" cy="1255359"/>
+            </a:xfrm>
+            <a:prstGeom prst="roundRect">
+              <a:avLst>
+                <a:gd name="adj" fmla="val 10000"/>
+              </a:avLst>
+            </a:prstGeom>
+          </p:spPr>
+          <p:style>
+            <a:lnRef idx="2">
+              <a:schemeClr val="accent1">
+                <a:hueOff val="0"/>
+                <a:satOff val="0"/>
+                <a:lumOff val="0"/>
+                <a:alphaOff val="0"/>
+              </a:schemeClr>
+            </a:lnRef>
+            <a:fillRef idx="1">
+              <a:schemeClr val="lt1">
+                <a:alpha val="90000"/>
+                <a:hueOff val="0"/>
+                <a:satOff val="0"/>
+                <a:lumOff val="0"/>
+                <a:alphaOff val="0"/>
+              </a:schemeClr>
+            </a:fillRef>
+            <a:effectRef idx="0">
+              <a:schemeClr val="lt1">
+                <a:alpha val="90000"/>
+                <a:hueOff val="0"/>
+                <a:satOff val="0"/>
+                <a:lumOff val="0"/>
+                <a:alphaOff val="0"/>
+              </a:schemeClr>
+            </a:effectRef>
+            <a:fontRef idx="minor">
+              <a:schemeClr val="dk1">
+                <a:hueOff val="0"/>
+                <a:satOff val="0"/>
+                <a:lumOff val="0"/>
+                <a:alphaOff val="0"/>
+              </a:schemeClr>
+            </a:fontRef>
+          </p:style>
+        </p:sp>
+        <p:sp>
+          <p:nvSpPr>
+            <p:cNvPr id="4116" name="Rectangle: Rounded Corners 14">
+              <a:extLst>
+                <a:ext uri="{FF2B5EF4-FFF2-40B4-BE49-F238E27FC236}">
+                  <a16:creationId xmlns:a16="http://schemas.microsoft.com/office/drawing/2014/main" id="{35CAD557-513D-3E67-A0D7-CA9527BF271C}"/>
+                </a:ext>
+              </a:extLst>
+            </p:cNvPr>
+            <p:cNvSpPr txBox="1"/>
+            <p:nvPr/>
+          </p:nvSpPr>
+          <p:spPr>
+            <a:xfrm>
+              <a:off x="7509283" y="2222760"/>
+              <a:ext cx="1903408" cy="1181823"/>
+            </a:xfrm>
+            <a:prstGeom prst="rect">
+              <a:avLst/>
+            </a:prstGeom>
+          </p:spPr>
+          <p:style>
+            <a:lnRef idx="0">
+              <a:scrgbClr r="0" g="0" b="0"/>
+            </a:lnRef>
+            <a:fillRef idx="0">
+              <a:scrgbClr r="0" g="0" b="0"/>
+            </a:fillRef>
+            <a:effectRef idx="0">
+              <a:scrgbClr r="0" g="0" b="0"/>
+            </a:effectRef>
+            <a:fontRef idx="minor">
+              <a:schemeClr val="dk1">
+                <a:hueOff val="0"/>
+                <a:satOff val="0"/>
+                <a:lumOff val="0"/>
+                <a:alphaOff val="0"/>
+              </a:schemeClr>
+            </a:fontRef>
+          </p:style>
+          <p:txBody>
+            <a:bodyPr spcFirstLastPara="0" vert="horz" wrap="square" lIns="102870" tIns="102870" rIns="102870" bIns="102870" numCol="1" spcCol="1270" anchor="ctr" anchorCtr="0">
+              <a:noAutofit/>
+            </a:bodyPr>
+            <a:lstStyle/>
+            <a:p>
+              <a:pPr marL="0" lvl="0" indent="0" algn="ctr" defTabSz="1200150">
+                <a:lnSpc>
+                  <a:spcPct val="90000"/>
+                </a:lnSpc>
+                <a:spcBef>
+                  <a:spcPct val="0"/>
+                </a:spcBef>
+                <a:spcAft>
+                  <a:spcPct val="35000"/>
+                </a:spcAft>
+                <a:buNone/>
+              </a:pPr>
+              <a:r>
+                <a:rPr lang="en-US" sz="2700" kern="1200" dirty="0"/>
+                <a:t>Data Conversion</a:t>
+              </a:r>
+            </a:p>
+          </p:txBody>
+        </p:sp>
+      </p:grpSp>
+      <p:sp>
+        <p:nvSpPr>
+          <p:cNvPr id="4111" name="Rectangle: Rounded Corners 4110">
+            <a:extLst>
+              <a:ext uri="{FF2B5EF4-FFF2-40B4-BE49-F238E27FC236}">
+                <a16:creationId xmlns:a16="http://schemas.microsoft.com/office/drawing/2014/main" id="{04CFD334-8F53-FF53-0BDA-B968685CA881}"/>
+              </a:ext>
+            </a:extLst>
+          </p:cNvPr>
+          <p:cNvSpPr/>
+          <p:nvPr/>
+        </p:nvSpPr>
+        <p:spPr>
+          <a:xfrm>
+            <a:off x="9830229" y="1160789"/>
+            <a:ext cx="1976944" cy="1255359"/>
+          </a:xfrm>
+          <a:prstGeom prst="roundRect">
+            <a:avLst>
+              <a:gd name="adj" fmla="val 10000"/>
+            </a:avLst>
+          </a:prstGeom>
+        </p:spPr>
+        <p:style>
+          <a:lnRef idx="2">
+            <a:schemeClr val="lt1">
+              <a:hueOff val="0"/>
+              <a:satOff val="0"/>
+              <a:lumOff val="0"/>
+              <a:alphaOff val="0"/>
+            </a:schemeClr>
+          </a:lnRef>
+          <a:fillRef idx="1">
+            <a:schemeClr val="accent1">
+              <a:hueOff val="0"/>
+              <a:satOff val="0"/>
+              <a:lumOff val="0"/>
+              <a:alphaOff val="0"/>
+            </a:schemeClr>
+          </a:fillRef>
+          <a:effectRef idx="0">
+            <a:schemeClr val="accent1">
+              <a:hueOff val="0"/>
+              <a:satOff val="0"/>
+              <a:lumOff val="0"/>
+              <a:alphaOff val="0"/>
+            </a:schemeClr>
+          </a:effectRef>
+          <a:fontRef idx="minor">
+            <a:schemeClr val="lt1"/>
+          </a:fontRef>
+        </p:style>
+      </p:sp>
+      <p:grpSp>
+        <p:nvGrpSpPr>
+          <p:cNvPr id="4112" name="Group 4111">
+            <a:extLst>
+              <a:ext uri="{FF2B5EF4-FFF2-40B4-BE49-F238E27FC236}">
+                <a16:creationId xmlns:a16="http://schemas.microsoft.com/office/drawing/2014/main" id="{0D4F63F1-6931-6A33-911F-B81A7F947804}"/>
+              </a:ext>
+            </a:extLst>
+          </p:cNvPr>
+          <p:cNvGrpSpPr/>
+          <p:nvPr/>
+        </p:nvGrpSpPr>
+        <p:grpSpPr>
+          <a:xfrm>
+            <a:off x="10049890" y="1369467"/>
+            <a:ext cx="1976944" cy="1255359"/>
+            <a:chOff x="9888781" y="2185992"/>
+            <a:chExt cx="1976944" cy="1255359"/>
+          </a:xfrm>
+        </p:grpSpPr>
+        <p:sp>
+          <p:nvSpPr>
+            <p:cNvPr id="4113" name="Rectangle: Rounded Corners 4112">
+              <a:extLst>
+                <a:ext uri="{FF2B5EF4-FFF2-40B4-BE49-F238E27FC236}">
+                  <a16:creationId xmlns:a16="http://schemas.microsoft.com/office/drawing/2014/main" id="{1D8236D1-2A96-59D1-8D2B-D1373FA0C284}"/>
+                </a:ext>
+              </a:extLst>
+            </p:cNvPr>
+            <p:cNvSpPr/>
+            <p:nvPr/>
+          </p:nvSpPr>
+          <p:spPr>
+            <a:xfrm>
+              <a:off x="9888781" y="2185992"/>
+              <a:ext cx="1976944" cy="1255359"/>
+            </a:xfrm>
+            <a:prstGeom prst="roundRect">
+              <a:avLst>
+                <a:gd name="adj" fmla="val 10000"/>
+              </a:avLst>
+            </a:prstGeom>
+          </p:spPr>
+          <p:style>
+            <a:lnRef idx="2">
+              <a:schemeClr val="accent1">
+                <a:hueOff val="0"/>
+                <a:satOff val="0"/>
+                <a:lumOff val="0"/>
+                <a:alphaOff val="0"/>
+              </a:schemeClr>
+            </a:lnRef>
+            <a:fillRef idx="1">
+              <a:schemeClr val="lt1">
+                <a:alpha val="90000"/>
+                <a:hueOff val="0"/>
+                <a:satOff val="0"/>
+                <a:lumOff val="0"/>
+                <a:alphaOff val="0"/>
+              </a:schemeClr>
+            </a:fillRef>
+            <a:effectRef idx="0">
+              <a:schemeClr val="lt1">
+                <a:alpha val="90000"/>
+                <a:hueOff val="0"/>
+                <a:satOff val="0"/>
+                <a:lumOff val="0"/>
+                <a:alphaOff val="0"/>
+              </a:schemeClr>
+            </a:effectRef>
+            <a:fontRef idx="minor">
+              <a:schemeClr val="dk1">
+                <a:hueOff val="0"/>
+                <a:satOff val="0"/>
+                <a:lumOff val="0"/>
+                <a:alphaOff val="0"/>
+              </a:schemeClr>
+            </a:fontRef>
+          </p:style>
+        </p:sp>
+        <p:sp>
+          <p:nvSpPr>
+            <p:cNvPr id="4114" name="Rectangle: Rounded Corners 17">
+              <a:extLst>
+                <a:ext uri="{FF2B5EF4-FFF2-40B4-BE49-F238E27FC236}">
+                  <a16:creationId xmlns:a16="http://schemas.microsoft.com/office/drawing/2014/main" id="{10F0A717-648F-EC48-3FE3-70446B1AF2E3}"/>
+                </a:ext>
+              </a:extLst>
+            </p:cNvPr>
+            <p:cNvSpPr txBox="1"/>
+            <p:nvPr/>
+          </p:nvSpPr>
+          <p:spPr>
+            <a:xfrm>
+              <a:off x="9925549" y="2222760"/>
+              <a:ext cx="1903408" cy="1181823"/>
+            </a:xfrm>
+            <a:prstGeom prst="rect">
+              <a:avLst/>
+            </a:prstGeom>
+          </p:spPr>
+          <p:style>
+            <a:lnRef idx="0">
+              <a:scrgbClr r="0" g="0" b="0"/>
+            </a:lnRef>
+            <a:fillRef idx="0">
+              <a:scrgbClr r="0" g="0" b="0"/>
+            </a:fillRef>
+            <a:effectRef idx="0">
+              <a:scrgbClr r="0" g="0" b="0"/>
+            </a:effectRef>
+            <a:fontRef idx="minor">
+              <a:schemeClr val="dk1">
+                <a:hueOff val="0"/>
+                <a:satOff val="0"/>
+                <a:lumOff val="0"/>
+                <a:alphaOff val="0"/>
+              </a:schemeClr>
+            </a:fontRef>
+          </p:style>
+          <p:txBody>
+            <a:bodyPr spcFirstLastPara="0" vert="horz" wrap="square" lIns="102870" tIns="102870" rIns="102870" bIns="102870" numCol="1" spcCol="1270" anchor="ctr" anchorCtr="0">
+              <a:noAutofit/>
+            </a:bodyPr>
+            <a:lstStyle/>
+            <a:p>
+              <a:pPr marL="0" lvl="0" indent="0" algn="ctr" defTabSz="1200150">
+                <a:lnSpc>
+                  <a:spcPct val="90000"/>
+                </a:lnSpc>
+                <a:spcBef>
+                  <a:spcPct val="0"/>
+                </a:spcBef>
+                <a:spcAft>
+                  <a:spcPct val="35000"/>
+                </a:spcAft>
+                <a:buNone/>
+              </a:pPr>
+              <a:r>
+                <a:rPr lang="en-US" sz="2700" kern="1200" dirty="0"/>
+                <a:t>JavaScript &amp; HTML</a:t>
+              </a:r>
+            </a:p>
+          </p:txBody>
+        </p:sp>
+      </p:grpSp>
+      <p:sp>
+        <p:nvSpPr>
+          <p:cNvPr id="4123" name="TextBox 4122">
+            <a:extLst>
+              <a:ext uri="{FF2B5EF4-FFF2-40B4-BE49-F238E27FC236}">
+                <a16:creationId xmlns:a16="http://schemas.microsoft.com/office/drawing/2014/main" id="{82EF176D-2E8D-9848-6A7E-B1F7526027AE}"/>
               </a:ext>
             </a:extLst>
           </p:cNvPr>
@@ -16767,8 +10381,8 @@
         </p:nvSpPr>
         <p:spPr>
           <a:xfrm>
-            <a:off x="95790" y="2630269"/>
-            <a:ext cx="2348828" cy="1046440"/>
+            <a:off x="256965" y="2696396"/>
+            <a:ext cx="2348828" cy="1138773"/>
           </a:xfrm>
           <a:prstGeom prst="rect">
             <a:avLst/>
@@ -16789,7 +10403,7 @@
               <a:buChar char="•"/>
             </a:pPr>
             <a:r>
-              <a:rPr lang="en-US" sz="1400" dirty="0"/>
+              <a:rPr lang="en-US" sz="1600" dirty="0"/>
               <a:t>Kaggle</a:t>
             </a:r>
           </a:p>
@@ -16802,7 +10416,7 @@
               <a:buChar char="•"/>
             </a:pPr>
             <a:r>
-              <a:rPr lang="en-US" sz="1400" dirty="0"/>
+              <a:rPr lang="en-US" sz="1600" dirty="0"/>
               <a:t>Google Places API</a:t>
             </a:r>
           </a:p>
@@ -16815,7 +10429,7 @@
               <a:buChar char="•"/>
             </a:pPr>
             <a:r>
-              <a:rPr lang="en-US" sz="1400" dirty="0"/>
+              <a:rPr lang="en-US" sz="1600" dirty="0"/>
               <a:t>GIS shapefiles </a:t>
             </a:r>
           </a:p>
@@ -17360,7 +10974,7 @@
           <p:nvPr>
             <p:extLst>
               <p:ext uri="{D42A27DB-BD31-4B8C-83A1-F6EECF244321}">
-                <p14:modId xmlns:p14="http://schemas.microsoft.com/office/powerpoint/2010/main" val="664659655"/>
+                <p14:modId xmlns:p14="http://schemas.microsoft.com/office/powerpoint/2010/main" val="1374130686"/>
               </p:ext>
             </p:extLst>
           </p:nvPr>
@@ -17389,8 +11003,8 @@
         </p:nvSpPr>
         <p:spPr>
           <a:xfrm>
-            <a:off x="2155056" y="2577080"/>
-            <a:ext cx="1916512" cy="3600986"/>
+            <a:off x="2541871" y="2696396"/>
+            <a:ext cx="2348827" cy="3970318"/>
           </a:xfrm>
           <a:prstGeom prst="rect">
             <a:avLst/>
@@ -17411,7 +11025,7 @@
               <a:buChar char="•"/>
             </a:pPr>
             <a:r>
-              <a:rPr lang="en-US" sz="1400" dirty="0"/>
+              <a:rPr lang="en-US" sz="1600" dirty="0"/>
               <a:t>Jupyter Notebook</a:t>
             </a:r>
           </a:p>
@@ -17424,7 +11038,7 @@
               <a:buChar char="•"/>
             </a:pPr>
             <a:r>
-              <a:rPr lang="en-US" sz="1400" dirty="0"/>
+              <a:rPr lang="en-US" sz="1600" dirty="0"/>
               <a:t>ArcGIS Pro to isolate data specifically to KS</a:t>
             </a:r>
           </a:p>
@@ -17437,7 +11051,7 @@
               <a:buChar char="•"/>
             </a:pPr>
             <a:r>
-              <a:rPr lang="en-US" sz="1400" dirty="0"/>
+              <a:rPr lang="en-US" sz="1600" dirty="0"/>
               <a:t>Encoding format</a:t>
             </a:r>
           </a:p>
@@ -17450,7 +11064,7 @@
               <a:buChar char="•"/>
             </a:pPr>
             <a:r>
-              <a:rPr lang="en-US" sz="1400" dirty="0"/>
+              <a:rPr lang="en-US" sz="1600" dirty="0"/>
               <a:t>Removed duplicate records</a:t>
             </a:r>
           </a:p>
@@ -17463,7 +11077,7 @@
               <a:buChar char="•"/>
             </a:pPr>
             <a:r>
-              <a:rPr lang="en-US" sz="1400" dirty="0"/>
+              <a:rPr lang="en-US" sz="1600" dirty="0"/>
               <a:t>Removed rows with blank data</a:t>
             </a:r>
           </a:p>
@@ -17476,12 +11090,12 @@
               <a:buChar char="•"/>
             </a:pPr>
             <a:r>
-              <a:rPr lang="en-US" sz="1400" dirty="0"/>
+              <a:rPr lang="en-US" sz="1600" dirty="0"/>
               <a:t>Removed special characters</a:t>
             </a:r>
           </a:p>
           <a:p>
-            <a:endParaRPr lang="en-US" sz="1400" dirty="0"/>
+            <a:endParaRPr lang="en-US" sz="1600" dirty="0"/>
           </a:p>
         </p:txBody>
       </p:sp>
@@ -17499,8 +11113,8 @@
         </p:nvSpPr>
         <p:spPr>
           <a:xfrm>
-            <a:off x="4152122" y="2568713"/>
-            <a:ext cx="1916512" cy="954107"/>
+            <a:off x="5221969" y="2691851"/>
+            <a:ext cx="2047399" cy="1077218"/>
           </a:xfrm>
           <a:prstGeom prst="rect">
             <a:avLst/>
@@ -17518,20 +11132,20 @@
               <a:buChar char="•"/>
             </a:pPr>
             <a:r>
-              <a:rPr lang="en-US" sz="1400" dirty="0"/>
+              <a:rPr lang="en-US" sz="1600" dirty="0"/>
               <a:t>Data is stored in SQL database using </a:t>
             </a:r>
             <a:r>
-              <a:rPr lang="en-US" sz="1400" dirty="0" err="1"/>
+              <a:rPr lang="en-US" sz="1600" dirty="0" err="1"/>
               <a:t>PgAdmin</a:t>
             </a:r>
             <a:r>
-              <a:rPr lang="en-US" sz="1400" dirty="0"/>
+              <a:rPr lang="en-US" sz="1600" dirty="0"/>
               <a:t>  </a:t>
             </a:r>
           </a:p>
           <a:p>
-            <a:endParaRPr lang="en-US" sz="1400" dirty="0"/>
+            <a:endParaRPr lang="en-US" sz="1600" dirty="0"/>
           </a:p>
         </p:txBody>
       </p:sp>
@@ -17549,8 +11163,8 @@
         </p:nvSpPr>
         <p:spPr>
           <a:xfrm>
-            <a:off x="95790" y="2630269"/>
-            <a:ext cx="2348828" cy="1046440"/>
+            <a:off x="256965" y="2696396"/>
+            <a:ext cx="2348828" cy="1138773"/>
           </a:xfrm>
           <a:prstGeom prst="rect">
             <a:avLst/>
@@ -17571,7 +11185,7 @@
               <a:buChar char="•"/>
             </a:pPr>
             <a:r>
-              <a:rPr lang="en-US" sz="1400" dirty="0"/>
+              <a:rPr lang="en-US" sz="1600" dirty="0"/>
               <a:t>Kaggle</a:t>
             </a:r>
           </a:p>
@@ -17584,7 +11198,7 @@
               <a:buChar char="•"/>
             </a:pPr>
             <a:r>
-              <a:rPr lang="en-US" sz="1400" dirty="0"/>
+              <a:rPr lang="en-US" sz="1600" dirty="0"/>
               <a:t>Google Places API</a:t>
             </a:r>
           </a:p>
@@ -17597,7 +11211,7 @@
               <a:buChar char="•"/>
             </a:pPr>
             <a:r>
-              <a:rPr lang="en-US" sz="1400" dirty="0"/>
+              <a:rPr lang="en-US" sz="1600" dirty="0"/>
               <a:t>GIS shapefiles </a:t>
             </a:r>
           </a:p>
@@ -17617,8 +11231,8 @@
         </p:nvSpPr>
         <p:spPr>
           <a:xfrm>
-            <a:off x="6146070" y="2521927"/>
-            <a:ext cx="1916512" cy="1169551"/>
+            <a:off x="7600639" y="2737371"/>
+            <a:ext cx="2183441" cy="1323439"/>
           </a:xfrm>
           <a:prstGeom prst="rect">
             <a:avLst/>
@@ -17636,15 +11250,15 @@
               <a:buChar char="•"/>
             </a:pPr>
             <a:r>
-              <a:rPr lang="en-US" sz="1400" dirty="0"/>
+              <a:rPr lang="en-US" sz="1600" dirty="0"/>
               <a:t>Jupyter Notebook was used to convert SQL tables to </a:t>
             </a:r>
             <a:r>
-              <a:rPr lang="en-US" sz="1400" dirty="0" err="1"/>
+              <a:rPr lang="en-US" sz="1600" dirty="0" err="1"/>
               <a:t>GeoJSON</a:t>
             </a:r>
             <a:r>
-              <a:rPr lang="en-US" sz="1400" dirty="0"/>
+              <a:rPr lang="en-US" sz="1600" dirty="0"/>
               <a:t> and JSON formats</a:t>
             </a:r>
           </a:p>
@@ -17664,8 +11278,8 @@
         </p:nvSpPr>
         <p:spPr>
           <a:xfrm>
-            <a:off x="8220572" y="2533332"/>
-            <a:ext cx="1916512" cy="1631216"/>
+            <a:off x="10049256" y="2691851"/>
+            <a:ext cx="1981635" cy="1785104"/>
           </a:xfrm>
           <a:prstGeom prst="rect">
             <a:avLst/>
@@ -17686,7 +11300,7 @@
               <a:buChar char="•"/>
             </a:pPr>
             <a:r>
-              <a:rPr lang="en-US" sz="1400" dirty="0"/>
+              <a:rPr lang="en-US" sz="1600" dirty="0"/>
               <a:t>Leaflet</a:t>
             </a:r>
           </a:p>
@@ -17699,7 +11313,7 @@
               <a:buChar char="•"/>
             </a:pPr>
             <a:r>
-              <a:rPr lang="en-US" sz="1400" dirty="0"/>
+              <a:rPr lang="en-US" sz="1600" dirty="0"/>
               <a:t>Leaflet Heatmap Layer Plug in</a:t>
             </a:r>
           </a:p>
@@ -17712,7 +11326,7 @@
               <a:buChar char="•"/>
             </a:pPr>
             <a:r>
-              <a:rPr lang="en-US" sz="1400" dirty="0"/>
+              <a:rPr lang="en-US" sz="1600" dirty="0"/>
               <a:t>D3.js</a:t>
             </a:r>
           </a:p>
@@ -17725,7 +11339,7 @@
               <a:buChar char="•"/>
             </a:pPr>
             <a:r>
-              <a:rPr lang="en-US" sz="1400" dirty="0"/>
+              <a:rPr lang="en-US" sz="1600" dirty="0"/>
               <a:t>Turf.js</a:t>
             </a:r>
           </a:p>
@@ -18029,665 +11643,6 @@
 </file>
 
 <file path=ppt/slides/slide8.xml><?xml version="1.0" encoding="utf-8"?>
-<p:sld xmlns:a="http://schemas.openxmlformats.org/drawingml/2006/main" xmlns:r="http://schemas.openxmlformats.org/officeDocument/2006/relationships" xmlns:p="http://schemas.openxmlformats.org/presentationml/2006/main">
-  <p:cSld>
-    <p:bg>
-      <p:bgPr>
-        <a:solidFill>
-          <a:schemeClr val="bg2"/>
-        </a:solidFill>
-        <a:effectLst/>
-      </p:bgPr>
-    </p:bg>
-    <p:spTree>
-      <p:nvGrpSpPr>
-        <p:cNvPr id="1" name="">
-          <a:extLst>
-            <a:ext uri="{FF2B5EF4-FFF2-40B4-BE49-F238E27FC236}">
-              <a16:creationId xmlns:a16="http://schemas.microsoft.com/office/drawing/2014/main" id="{C54A71E3-3DE9-B96A-FD03-78E77DEE0E58}"/>
-            </a:ext>
-          </a:extLst>
-        </p:cNvPr>
-        <p:cNvGrpSpPr/>
-        <p:nvPr/>
-      </p:nvGrpSpPr>
-      <p:grpSpPr>
-        <a:xfrm>
-          <a:off x="0" y="0"/>
-          <a:ext cx="0" cy="0"/>
-          <a:chOff x="0" y="0"/>
-          <a:chExt cx="0" cy="0"/>
-        </a:xfrm>
-      </p:grpSpPr>
-      <p:pic>
-        <p:nvPicPr>
-          <p:cNvPr id="4098" name="Picture 2" descr="Kansas Haunted Houses | I Love Halloween">
-            <a:extLst>
-              <a:ext uri="{FF2B5EF4-FFF2-40B4-BE49-F238E27FC236}">
-                <a16:creationId xmlns:a16="http://schemas.microsoft.com/office/drawing/2014/main" id="{38D0D3AD-2E09-211A-BCBE-5A3983C710E9}"/>
-              </a:ext>
-            </a:extLst>
-          </p:cNvPr>
-          <p:cNvPicPr>
-            <a:picLocks noChangeAspect="1" noChangeArrowheads="1"/>
-          </p:cNvPicPr>
-          <p:nvPr/>
-        </p:nvPicPr>
-        <p:blipFill>
-          <a:blip r:embed="rId2">
-            <a:duotone>
-              <a:prstClr val="black"/>
-              <a:schemeClr val="tx2">
-                <a:tint val="45000"/>
-                <a:satMod val="400000"/>
-              </a:schemeClr>
-            </a:duotone>
-            <a:alphaModFix amt="25000"/>
-            <a:extLst>
-              <a:ext uri="{28A0092B-C50C-407E-A947-70E740481C1C}">
-                <a14:useLocalDpi xmlns:a14="http://schemas.microsoft.com/office/drawing/2010/main" val="0"/>
-              </a:ext>
-            </a:extLst>
-          </a:blip>
-          <a:srcRect t="20453" b="24422"/>
-          <a:stretch/>
-        </p:blipFill>
-        <p:spPr bwMode="auto">
-          <a:xfrm>
-            <a:off x="20" y="10"/>
-            <a:ext cx="12191980" cy="6857990"/>
-          </a:xfrm>
-          <a:prstGeom prst="rect">
-            <a:avLst/>
-          </a:prstGeom>
-          <a:noFill/>
-          <a:extLst>
-            <a:ext uri="{909E8E84-426E-40DD-AFC4-6F175D3DCCD1}">
-              <a14:hiddenFill xmlns:a14="http://schemas.microsoft.com/office/drawing/2010/main">
-                <a:solidFill>
-                  <a:srgbClr val="FFFFFF"/>
-                </a:solidFill>
-              </a14:hiddenFill>
-            </a:ext>
-          </a:extLst>
-        </p:spPr>
-      </p:pic>
-      <p:sp>
-        <p:nvSpPr>
-          <p:cNvPr id="2" name="TextBox 1">
-            <a:extLst>
-              <a:ext uri="{FF2B5EF4-FFF2-40B4-BE49-F238E27FC236}">
-                <a16:creationId xmlns:a16="http://schemas.microsoft.com/office/drawing/2014/main" id="{1B3480BE-3C97-67EA-A684-F1A997FB0387}"/>
-              </a:ext>
-            </a:extLst>
-          </p:cNvPr>
-          <p:cNvSpPr txBox="1"/>
-          <p:nvPr/>
-        </p:nvSpPr>
-        <p:spPr>
-          <a:xfrm>
-            <a:off x="0" y="0"/>
-            <a:ext cx="12192000" cy="955846"/>
-          </a:xfrm>
-          <a:prstGeom prst="rect">
-            <a:avLst/>
-          </a:prstGeom>
-        </p:spPr>
-        <p:txBody>
-          <a:bodyPr vert="horz" lIns="91440" tIns="45720" rIns="91440" bIns="45720" rtlCol="0" anchor="b">
-            <a:normAutofit/>
-          </a:bodyPr>
-          <a:lstStyle/>
-          <a:p>
-            <a:pPr algn="ctr">
-              <a:lnSpc>
-                <a:spcPct val="90000"/>
-              </a:lnSpc>
-              <a:spcBef>
-                <a:spcPct val="0"/>
-              </a:spcBef>
-              <a:spcAft>
-                <a:spcPts val="600"/>
-              </a:spcAft>
-            </a:pPr>
-            <a:r>
-              <a:rPr lang="en-US" sz="6000" dirty="0">
-                <a:latin typeface="+mj-lt"/>
-                <a:ea typeface="+mj-ea"/>
-                <a:cs typeface="+mj-cs"/>
-              </a:rPr>
-              <a:t>Methodology</a:t>
-            </a:r>
-          </a:p>
-        </p:txBody>
-      </p:sp>
-      <p:graphicFrame>
-        <p:nvGraphicFramePr>
-          <p:cNvPr id="4" name="Diagram 3">
-            <a:extLst>
-              <a:ext uri="{FF2B5EF4-FFF2-40B4-BE49-F238E27FC236}">
-                <a16:creationId xmlns:a16="http://schemas.microsoft.com/office/drawing/2014/main" id="{68A12542-E48A-ED05-66FA-B2E033A55C79}"/>
-              </a:ext>
-            </a:extLst>
-          </p:cNvPr>
-          <p:cNvGraphicFramePr/>
-          <p:nvPr/>
-        </p:nvGraphicFramePr>
-        <p:xfrm>
-          <a:off x="161108" y="-806197"/>
-          <a:ext cx="11869783" cy="5418667"/>
-        </p:xfrm>
-        <a:graphic>
-          <a:graphicData uri="http://schemas.openxmlformats.org/drawingml/2006/diagram">
-            <dgm:relIds xmlns:dgm="http://schemas.openxmlformats.org/drawingml/2006/diagram" xmlns:r="http://schemas.openxmlformats.org/officeDocument/2006/relationships" r:dm="rId3" r:lo="rId4" r:qs="rId5" r:cs="rId6"/>
-          </a:graphicData>
-        </a:graphic>
-      </p:graphicFrame>
-      <p:sp>
-        <p:nvSpPr>
-          <p:cNvPr id="3" name="TextBox 2">
-            <a:extLst>
-              <a:ext uri="{FF2B5EF4-FFF2-40B4-BE49-F238E27FC236}">
-                <a16:creationId xmlns:a16="http://schemas.microsoft.com/office/drawing/2014/main" id="{A7436C12-914C-DE96-0EFE-1402F88FB350}"/>
-              </a:ext>
-            </a:extLst>
-          </p:cNvPr>
-          <p:cNvSpPr txBox="1"/>
-          <p:nvPr/>
-        </p:nvSpPr>
-        <p:spPr>
-          <a:xfrm>
-            <a:off x="4152122" y="2568713"/>
-            <a:ext cx="1916512" cy="954107"/>
-          </a:xfrm>
-          <a:prstGeom prst="rect">
-            <a:avLst/>
-          </a:prstGeom>
-          <a:noFill/>
-        </p:spPr>
-        <p:txBody>
-          <a:bodyPr wrap="square" rtlCol="0">
-            <a:spAutoFit/>
-          </a:bodyPr>
-          <a:lstStyle/>
-          <a:p>
-            <a:pPr marL="285750" indent="-285750">
-              <a:buFont typeface="Arial" panose="020B0604020202020204" pitchFamily="34" charset="0"/>
-              <a:buChar char="•"/>
-            </a:pPr>
-            <a:r>
-              <a:rPr lang="en-US" sz="1400" dirty="0"/>
-              <a:t>Data is stored in SQL database using </a:t>
-            </a:r>
-            <a:r>
-              <a:rPr lang="en-US" sz="1400" dirty="0" err="1"/>
-              <a:t>PgAdmin</a:t>
-            </a:r>
-            <a:r>
-              <a:rPr lang="en-US" sz="1400" dirty="0"/>
-              <a:t>  </a:t>
-            </a:r>
-          </a:p>
-          <a:p>
-            <a:endParaRPr lang="en-US" sz="1400" dirty="0"/>
-          </a:p>
-        </p:txBody>
-      </p:sp>
-      <p:sp>
-        <p:nvSpPr>
-          <p:cNvPr id="8" name="TextBox 7">
-            <a:extLst>
-              <a:ext uri="{FF2B5EF4-FFF2-40B4-BE49-F238E27FC236}">
-                <a16:creationId xmlns:a16="http://schemas.microsoft.com/office/drawing/2014/main" id="{B5C27B65-5379-43DD-5CF8-61CE436B4BAB}"/>
-              </a:ext>
-            </a:extLst>
-          </p:cNvPr>
-          <p:cNvSpPr txBox="1"/>
-          <p:nvPr/>
-        </p:nvSpPr>
-        <p:spPr>
-          <a:xfrm>
-            <a:off x="6146070" y="2521927"/>
-            <a:ext cx="1916512" cy="1384995"/>
-          </a:xfrm>
-          <a:prstGeom prst="rect">
-            <a:avLst/>
-          </a:prstGeom>
-          <a:noFill/>
-        </p:spPr>
-        <p:txBody>
-          <a:bodyPr wrap="square" rtlCol="0">
-            <a:spAutoFit/>
-          </a:bodyPr>
-          <a:lstStyle/>
-          <a:p>
-            <a:pPr marL="285750" indent="-285750">
-              <a:buFont typeface="Arial" panose="020B0604020202020204" pitchFamily="34" charset="0"/>
-              <a:buChar char="•"/>
-            </a:pPr>
-            <a:r>
-              <a:rPr lang="en-US" sz="1400" dirty="0"/>
-              <a:t>Jupyter Notebook was used to convert SQL tables to </a:t>
-            </a:r>
-            <a:r>
-              <a:rPr lang="en-US" sz="1400" dirty="0" err="1"/>
-              <a:t>GeoJSON</a:t>
-            </a:r>
-            <a:r>
-              <a:rPr lang="en-US" sz="1400" dirty="0"/>
-              <a:t> and JSON formats</a:t>
-            </a:r>
-          </a:p>
-          <a:p>
-            <a:endParaRPr lang="en-US" sz="1400" dirty="0"/>
-          </a:p>
-        </p:txBody>
-      </p:sp>
-      <p:sp>
-        <p:nvSpPr>
-          <p:cNvPr id="7" name="TextBox 6">
-            <a:extLst>
-              <a:ext uri="{FF2B5EF4-FFF2-40B4-BE49-F238E27FC236}">
-                <a16:creationId xmlns:a16="http://schemas.microsoft.com/office/drawing/2014/main" id="{E858FD14-BA96-05A3-1D48-3DE7BA02F4E7}"/>
-              </a:ext>
-            </a:extLst>
-          </p:cNvPr>
-          <p:cNvSpPr txBox="1"/>
-          <p:nvPr/>
-        </p:nvSpPr>
-        <p:spPr>
-          <a:xfrm>
-            <a:off x="95790" y="2630269"/>
-            <a:ext cx="2348828" cy="1046440"/>
-          </a:xfrm>
-          <a:prstGeom prst="rect">
-            <a:avLst/>
-          </a:prstGeom>
-          <a:noFill/>
-        </p:spPr>
-        <p:txBody>
-          <a:bodyPr wrap="square" rtlCol="0">
-            <a:spAutoFit/>
-          </a:bodyPr>
-          <a:lstStyle/>
-          <a:p>
-            <a:pPr marL="285750" indent="-285750">
-              <a:spcAft>
-                <a:spcPts val="1200"/>
-              </a:spcAft>
-              <a:buFont typeface="Arial" panose="020B0604020202020204" pitchFamily="34" charset="0"/>
-              <a:buChar char="•"/>
-            </a:pPr>
-            <a:r>
-              <a:rPr lang="en-US" sz="1400" dirty="0"/>
-              <a:t>Kaggle</a:t>
-            </a:r>
-          </a:p>
-          <a:p>
-            <a:pPr marL="285750" indent="-285750">
-              <a:spcAft>
-                <a:spcPts val="1200"/>
-              </a:spcAft>
-              <a:buFont typeface="Arial" panose="020B0604020202020204" pitchFamily="34" charset="0"/>
-              <a:buChar char="•"/>
-            </a:pPr>
-            <a:r>
-              <a:rPr lang="en-US" sz="1400" dirty="0"/>
-              <a:t>Google Places API</a:t>
-            </a:r>
-          </a:p>
-          <a:p>
-            <a:pPr marL="285750" indent="-285750">
-              <a:spcAft>
-                <a:spcPts val="1200"/>
-              </a:spcAft>
-              <a:buFont typeface="Arial" panose="020B0604020202020204" pitchFamily="34" charset="0"/>
-              <a:buChar char="•"/>
-            </a:pPr>
-            <a:r>
-              <a:rPr lang="en-US" sz="1400" dirty="0"/>
-              <a:t>GIS shapefiles </a:t>
-            </a:r>
-          </a:p>
-        </p:txBody>
-      </p:sp>
-      <p:sp>
-        <p:nvSpPr>
-          <p:cNvPr id="6" name="TextBox 5">
-            <a:extLst>
-              <a:ext uri="{FF2B5EF4-FFF2-40B4-BE49-F238E27FC236}">
-                <a16:creationId xmlns:a16="http://schemas.microsoft.com/office/drawing/2014/main" id="{F85DFD5A-BA54-B00C-DB8B-6F59AF4BBF45}"/>
-              </a:ext>
-            </a:extLst>
-          </p:cNvPr>
-          <p:cNvSpPr txBox="1"/>
-          <p:nvPr/>
-        </p:nvSpPr>
-        <p:spPr>
-          <a:xfrm>
-            <a:off x="2155056" y="2577080"/>
-            <a:ext cx="1916512" cy="3600986"/>
-          </a:xfrm>
-          <a:prstGeom prst="rect">
-            <a:avLst/>
-          </a:prstGeom>
-          <a:noFill/>
-        </p:spPr>
-        <p:txBody>
-          <a:bodyPr wrap="square" rtlCol="0">
-            <a:spAutoFit/>
-          </a:bodyPr>
-          <a:lstStyle/>
-          <a:p>
-            <a:pPr marL="285750" indent="-285750">
-              <a:spcAft>
-                <a:spcPts val="1200"/>
-              </a:spcAft>
-              <a:buFont typeface="Arial" panose="020B0604020202020204" pitchFamily="34" charset="0"/>
-              <a:buChar char="•"/>
-            </a:pPr>
-            <a:r>
-              <a:rPr lang="en-US" sz="1400" dirty="0"/>
-              <a:t>Jupyter Notebook</a:t>
-            </a:r>
-          </a:p>
-          <a:p>
-            <a:pPr marL="285750" indent="-285750">
-              <a:spcAft>
-                <a:spcPts val="1200"/>
-              </a:spcAft>
-              <a:buFont typeface="Arial" panose="020B0604020202020204" pitchFamily="34" charset="0"/>
-              <a:buChar char="•"/>
-            </a:pPr>
-            <a:r>
-              <a:rPr lang="en-US" sz="1400" dirty="0"/>
-              <a:t>ArcGIS Pro to isolate data specifically to KS</a:t>
-            </a:r>
-          </a:p>
-          <a:p>
-            <a:pPr marL="285750" indent="-285750">
-              <a:spcAft>
-                <a:spcPts val="1200"/>
-              </a:spcAft>
-              <a:buFont typeface="Arial" panose="020B0604020202020204" pitchFamily="34" charset="0"/>
-              <a:buChar char="•"/>
-            </a:pPr>
-            <a:r>
-              <a:rPr lang="en-US" sz="1400" dirty="0"/>
-              <a:t>Encoding format</a:t>
-            </a:r>
-          </a:p>
-          <a:p>
-            <a:pPr marL="285750" indent="-285750">
-              <a:spcAft>
-                <a:spcPts val="1200"/>
-              </a:spcAft>
-              <a:buFont typeface="Arial" panose="020B0604020202020204" pitchFamily="34" charset="0"/>
-              <a:buChar char="•"/>
-            </a:pPr>
-            <a:r>
-              <a:rPr lang="en-US" sz="1400" dirty="0"/>
-              <a:t>Removed duplicate records</a:t>
-            </a:r>
-          </a:p>
-          <a:p>
-            <a:pPr marL="285750" indent="-285750">
-              <a:spcAft>
-                <a:spcPts val="1200"/>
-              </a:spcAft>
-              <a:buFont typeface="Arial" panose="020B0604020202020204" pitchFamily="34" charset="0"/>
-              <a:buChar char="•"/>
-            </a:pPr>
-            <a:r>
-              <a:rPr lang="en-US" sz="1400" dirty="0"/>
-              <a:t>Removed rows with blank data</a:t>
-            </a:r>
-          </a:p>
-          <a:p>
-            <a:pPr marL="285750" indent="-285750">
-              <a:spcAft>
-                <a:spcPts val="1200"/>
-              </a:spcAft>
-              <a:buFont typeface="Arial" panose="020B0604020202020204" pitchFamily="34" charset="0"/>
-              <a:buChar char="•"/>
-            </a:pPr>
-            <a:r>
-              <a:rPr lang="en-US" sz="1400" dirty="0"/>
-              <a:t>Removed special characters</a:t>
-            </a:r>
-          </a:p>
-          <a:p>
-            <a:endParaRPr lang="en-US" sz="1400" dirty="0"/>
-          </a:p>
-        </p:txBody>
-      </p:sp>
-      <p:sp>
-        <p:nvSpPr>
-          <p:cNvPr id="5" name="TextBox 4">
-            <a:extLst>
-              <a:ext uri="{FF2B5EF4-FFF2-40B4-BE49-F238E27FC236}">
-                <a16:creationId xmlns:a16="http://schemas.microsoft.com/office/drawing/2014/main" id="{178A9B49-859C-BF44-3319-E4810038101C}"/>
-              </a:ext>
-            </a:extLst>
-          </p:cNvPr>
-          <p:cNvSpPr txBox="1"/>
-          <p:nvPr/>
-        </p:nvSpPr>
-        <p:spPr>
-          <a:xfrm>
-            <a:off x="8220572" y="2533332"/>
-            <a:ext cx="1916512" cy="1631216"/>
-          </a:xfrm>
-          <a:prstGeom prst="rect">
-            <a:avLst/>
-          </a:prstGeom>
-          <a:noFill/>
-        </p:spPr>
-        <p:txBody>
-          <a:bodyPr wrap="square" rtlCol="0">
-            <a:spAutoFit/>
-          </a:bodyPr>
-          <a:lstStyle/>
-          <a:p>
-            <a:pPr marL="285750" indent="-285750">
-              <a:spcAft>
-                <a:spcPts val="1200"/>
-              </a:spcAft>
-              <a:buFont typeface="Arial" panose="020B0604020202020204" pitchFamily="34" charset="0"/>
-              <a:buChar char="•"/>
-            </a:pPr>
-            <a:r>
-              <a:rPr lang="en-US" sz="1400" dirty="0"/>
-              <a:t>Leaflet</a:t>
-            </a:r>
-          </a:p>
-          <a:p>
-            <a:pPr marL="285750" indent="-285750">
-              <a:spcAft>
-                <a:spcPts val="1200"/>
-              </a:spcAft>
-              <a:buFont typeface="Arial" panose="020B0604020202020204" pitchFamily="34" charset="0"/>
-              <a:buChar char="•"/>
-            </a:pPr>
-            <a:r>
-              <a:rPr lang="en-US" sz="1400" dirty="0"/>
-              <a:t>Leaflet Heatmap Layer Plug in</a:t>
-            </a:r>
-          </a:p>
-          <a:p>
-            <a:pPr marL="285750" indent="-285750">
-              <a:spcAft>
-                <a:spcPts val="1200"/>
-              </a:spcAft>
-              <a:buFont typeface="Arial" panose="020B0604020202020204" pitchFamily="34" charset="0"/>
-              <a:buChar char="•"/>
-            </a:pPr>
-            <a:r>
-              <a:rPr lang="en-US" sz="1400" dirty="0"/>
-              <a:t>D3.js</a:t>
-            </a:r>
-          </a:p>
-          <a:p>
-            <a:pPr marL="285750" indent="-285750">
-              <a:spcAft>
-                <a:spcPts val="1200"/>
-              </a:spcAft>
-              <a:buFont typeface="Arial" panose="020B0604020202020204" pitchFamily="34" charset="0"/>
-              <a:buChar char="•"/>
-            </a:pPr>
-            <a:r>
-              <a:rPr lang="en-US" sz="1400" dirty="0"/>
-              <a:t>Turf.js</a:t>
-            </a:r>
-          </a:p>
-        </p:txBody>
-      </p:sp>
-    </p:spTree>
-    <p:extLst>
-      <p:ext uri="{BB962C8B-B14F-4D97-AF65-F5344CB8AC3E}">
-        <p14:creationId xmlns:p14="http://schemas.microsoft.com/office/powerpoint/2010/main" val="200261881"/>
-      </p:ext>
-    </p:extLst>
-  </p:cSld>
-  <p:clrMapOvr>
-    <a:overrideClrMapping bg1="dk1" tx1="lt1" bg2="dk2" tx2="lt2" accent1="accent1" accent2="accent2" accent3="accent3" accent4="accent4" accent5="accent5" accent6="accent6" hlink="hlink" folHlink="folHlink"/>
-  </p:clrMapOvr>
-  <p:timing>
-    <p:tnLst>
-      <p:par>
-        <p:cTn id="1" dur="indefinite" restart="never" nodeType="tmRoot">
-          <p:childTnLst>
-            <p:seq concurrent="1" nextAc="seek">
-              <p:cTn id="2" dur="indefinite" nodeType="mainSeq">
-                <p:childTnLst>
-                  <p:par>
-                    <p:cTn id="3" fill="hold">
-                      <p:stCondLst>
-                        <p:cond delay="indefinite"/>
-                      </p:stCondLst>
-                      <p:childTnLst>
-                        <p:par>
-                          <p:cTn id="4" fill="hold">
-                            <p:stCondLst>
-                              <p:cond delay="0"/>
-                            </p:stCondLst>
-                            <p:childTnLst>
-                              <p:par>
-                                <p:cTn id="5" presetID="10" presetClass="entr" presetSubtype="0" fill="hold" grpId="0" nodeType="clickEffect">
-                                  <p:stCondLst>
-                                    <p:cond delay="0"/>
-                                  </p:stCondLst>
-                                  <p:childTnLst>
-                                    <p:set>
-                                      <p:cBhvr>
-                                        <p:cTn id="6" dur="1" fill="hold">
-                                          <p:stCondLst>
-                                            <p:cond delay="0"/>
-                                          </p:stCondLst>
-                                        </p:cTn>
-                                        <p:tgtEl>
-                                          <p:spTgt spid="6"/>
-                                        </p:tgtEl>
-                                        <p:attrNameLst>
-                                          <p:attrName>style.visibility</p:attrName>
-                                        </p:attrNameLst>
-                                      </p:cBhvr>
-                                      <p:to>
-                                        <p:strVal val="visible"/>
-                                      </p:to>
-                                    </p:set>
-                                    <p:animEffect transition="in" filter="fade">
-                                      <p:cBhvr>
-                                        <p:cTn id="7" dur="750"/>
-                                        <p:tgtEl>
-                                          <p:spTgt spid="6"/>
-                                        </p:tgtEl>
-                                      </p:cBhvr>
-                                    </p:animEffect>
-                                  </p:childTnLst>
-                                </p:cTn>
-                              </p:par>
-                            </p:childTnLst>
-                          </p:cTn>
-                        </p:par>
-                      </p:childTnLst>
-                    </p:cTn>
-                  </p:par>
-                  <p:par>
-                    <p:cTn id="8" fill="hold">
-                      <p:stCondLst>
-                        <p:cond delay="indefinite"/>
-                      </p:stCondLst>
-                      <p:childTnLst>
-                        <p:par>
-                          <p:cTn id="9" fill="hold">
-                            <p:stCondLst>
-                              <p:cond delay="0"/>
-                            </p:stCondLst>
-                            <p:childTnLst>
-                              <p:par>
-                                <p:cTn id="10" presetID="1" presetClass="entr" presetSubtype="0" fill="hold" grpId="0" nodeType="clickEffect">
-                                  <p:stCondLst>
-                                    <p:cond delay="0"/>
-                                  </p:stCondLst>
-                                  <p:childTnLst>
-                                    <p:set>
-                                      <p:cBhvr>
-                                        <p:cTn id="11" dur="1" fill="hold">
-                                          <p:stCondLst>
-                                            <p:cond delay="0"/>
-                                          </p:stCondLst>
-                                        </p:cTn>
-                                        <p:tgtEl>
-                                          <p:spTgt spid="5"/>
-                                        </p:tgtEl>
-                                        <p:attrNameLst>
-                                          <p:attrName>style.visibility</p:attrName>
-                                        </p:attrNameLst>
-                                      </p:cBhvr>
-                                      <p:to>
-                                        <p:strVal val="visible"/>
-                                      </p:to>
-                                    </p:set>
-                                  </p:childTnLst>
-                                </p:cTn>
-                              </p:par>
-                            </p:childTnLst>
-                          </p:cTn>
-                        </p:par>
-                      </p:childTnLst>
-                    </p:cTn>
-                  </p:par>
-                </p:childTnLst>
-              </p:cTn>
-              <p:prevCondLst>
-                <p:cond evt="onPrev" delay="0">
-                  <p:tgtEl>
-                    <p:sldTgt/>
-                  </p:tgtEl>
-                </p:cond>
-              </p:prevCondLst>
-              <p:nextCondLst>
-                <p:cond evt="onNext" delay="0">
-                  <p:tgtEl>
-                    <p:sldTgt/>
-                  </p:tgtEl>
-                </p:cond>
-              </p:nextCondLst>
-            </p:seq>
-          </p:childTnLst>
-        </p:cTn>
-      </p:par>
-    </p:tnLst>
-    <p:bldLst>
-      <p:bldP spid="6" grpId="0"/>
-      <p:bldP spid="5" grpId="0"/>
-    </p:bldLst>
-  </p:timing>
-</p:sld>
-</file>
-
-<file path=ppt/slides/slide9.xml><?xml version="1.0" encoding="utf-8"?>
 <p:sld xmlns:a="http://schemas.openxmlformats.org/drawingml/2006/main" xmlns:r="http://schemas.openxmlformats.org/officeDocument/2006/relationships" xmlns:p="http://schemas.openxmlformats.org/presentationml/2006/main">
   <p:cSld>
     <p:spTree>

--- a/Project3_Presentation.pptx
+++ b/Project3_Presentation.pptx
@@ -5,7 +5,7 @@
     <p:sldMasterId id="2147483648" r:id="rId1"/>
   </p:sldMasterIdLst>
   <p:notesMasterIdLst>
-    <p:notesMasterId r:id="rId10"/>
+    <p:notesMasterId r:id="rId11"/>
   </p:notesMasterIdLst>
   <p:sldIdLst>
     <p:sldId id="260" r:id="rId2"/>
@@ -16,6 +16,7 @@
     <p:sldId id="263" r:id="rId7"/>
     <p:sldId id="265" r:id="rId8"/>
     <p:sldId id="259" r:id="rId9"/>
+    <p:sldId id="266" r:id="rId10"/>
   </p:sldIdLst>
   <p:sldSz cx="12192000" cy="6858000"/>
   <p:notesSz cx="6858000" cy="9144000"/>
@@ -3583,7 +3584,7 @@
           <a:p>
             <a:fld id="{FDF4051E-0CC3-4CFB-B430-40221D87058A}" type="datetimeFigureOut">
               <a:rPr lang="en-US" smtClean="0"/>
-              <a:t>11/4/2024</a:t>
+              <a:t>11/4/24</a:t>
             </a:fld>
             <a:endParaRPr lang="en-US"/>
           </a:p>
@@ -4165,7 +4166,7 @@
           <a:p>
             <a:fld id="{48AC8ED2-B9F3-5D4E-90D9-2D6FBA52BE7E}" type="datetimeFigureOut">
               <a:rPr lang="en-US" smtClean="0"/>
-              <a:t>11/4/2024</a:t>
+              <a:t>11/4/24</a:t>
             </a:fld>
             <a:endParaRPr lang="en-US"/>
           </a:p>
@@ -4363,7 +4364,7 @@
           <a:p>
             <a:fld id="{48AC8ED2-B9F3-5D4E-90D9-2D6FBA52BE7E}" type="datetimeFigureOut">
               <a:rPr lang="en-US" smtClean="0"/>
-              <a:t>11/4/2024</a:t>
+              <a:t>11/4/24</a:t>
             </a:fld>
             <a:endParaRPr lang="en-US"/>
           </a:p>
@@ -4571,7 +4572,7 @@
           <a:p>
             <a:fld id="{48AC8ED2-B9F3-5D4E-90D9-2D6FBA52BE7E}" type="datetimeFigureOut">
               <a:rPr lang="en-US" smtClean="0"/>
-              <a:t>11/4/2024</a:t>
+              <a:t>11/4/24</a:t>
             </a:fld>
             <a:endParaRPr lang="en-US"/>
           </a:p>
@@ -4769,7 +4770,7 @@
           <a:p>
             <a:fld id="{48AC8ED2-B9F3-5D4E-90D9-2D6FBA52BE7E}" type="datetimeFigureOut">
               <a:rPr lang="en-US" smtClean="0"/>
-              <a:t>11/4/2024</a:t>
+              <a:t>11/4/24</a:t>
             </a:fld>
             <a:endParaRPr lang="en-US"/>
           </a:p>
@@ -5044,7 +5045,7 @@
           <a:p>
             <a:fld id="{48AC8ED2-B9F3-5D4E-90D9-2D6FBA52BE7E}" type="datetimeFigureOut">
               <a:rPr lang="en-US" smtClean="0"/>
-              <a:t>11/4/2024</a:t>
+              <a:t>11/4/24</a:t>
             </a:fld>
             <a:endParaRPr lang="en-US"/>
           </a:p>
@@ -5309,7 +5310,7 @@
           <a:p>
             <a:fld id="{48AC8ED2-B9F3-5D4E-90D9-2D6FBA52BE7E}" type="datetimeFigureOut">
               <a:rPr lang="en-US" smtClean="0"/>
-              <a:t>11/4/2024</a:t>
+              <a:t>11/4/24</a:t>
             </a:fld>
             <a:endParaRPr lang="en-US"/>
           </a:p>
@@ -5721,7 +5722,7 @@
           <a:p>
             <a:fld id="{48AC8ED2-B9F3-5D4E-90D9-2D6FBA52BE7E}" type="datetimeFigureOut">
               <a:rPr lang="en-US" smtClean="0"/>
-              <a:t>11/4/2024</a:t>
+              <a:t>11/4/24</a:t>
             </a:fld>
             <a:endParaRPr lang="en-US"/>
           </a:p>
@@ -5862,7 +5863,7 @@
           <a:p>
             <a:fld id="{48AC8ED2-B9F3-5D4E-90D9-2D6FBA52BE7E}" type="datetimeFigureOut">
               <a:rPr lang="en-US" smtClean="0"/>
-              <a:t>11/4/2024</a:t>
+              <a:t>11/4/24</a:t>
             </a:fld>
             <a:endParaRPr lang="en-US"/>
           </a:p>
@@ -5975,7 +5976,7 @@
           <a:p>
             <a:fld id="{48AC8ED2-B9F3-5D4E-90D9-2D6FBA52BE7E}" type="datetimeFigureOut">
               <a:rPr lang="en-US" smtClean="0"/>
-              <a:t>11/4/2024</a:t>
+              <a:t>11/4/24</a:t>
             </a:fld>
             <a:endParaRPr lang="en-US"/>
           </a:p>
@@ -6286,7 +6287,7 @@
           <a:p>
             <a:fld id="{48AC8ED2-B9F3-5D4E-90D9-2D6FBA52BE7E}" type="datetimeFigureOut">
               <a:rPr lang="en-US" smtClean="0"/>
-              <a:t>11/4/2024</a:t>
+              <a:t>11/4/24</a:t>
             </a:fld>
             <a:endParaRPr lang="en-US"/>
           </a:p>
@@ -6574,7 +6575,7 @@
           <a:p>
             <a:fld id="{48AC8ED2-B9F3-5D4E-90D9-2D6FBA52BE7E}" type="datetimeFigureOut">
               <a:rPr lang="en-US" smtClean="0"/>
-              <a:t>11/4/2024</a:t>
+              <a:t>11/4/24</a:t>
             </a:fld>
             <a:endParaRPr lang="en-US"/>
           </a:p>
@@ -6815,7 +6816,7 @@
           <a:p>
             <a:fld id="{48AC8ED2-B9F3-5D4E-90D9-2D6FBA52BE7E}" type="datetimeFigureOut">
               <a:rPr lang="en-US" smtClean="0"/>
-              <a:t>11/4/2024</a:t>
+              <a:t>11/4/24</a:t>
             </a:fld>
             <a:endParaRPr lang="en-US"/>
           </a:p>
@@ -9424,6 +9425,13 @@
             <a:schemeClr val="lt1"/>
           </a:fontRef>
         </p:style>
+        <p:txBody>
+          <a:bodyPr/>
+          <a:lstStyle/>
+          <a:p>
+            <a:endParaRPr lang="en-US"/>
+          </a:p>
+        </p:txBody>
       </p:sp>
       <p:grpSp>
         <p:nvGrpSpPr>
@@ -9504,6 +9512,13 @@
               </a:schemeClr>
             </a:fontRef>
           </p:style>
+          <p:txBody>
+            <a:bodyPr/>
+            <a:lstStyle/>
+            <a:p>
+              <a:endParaRPr lang="en-US"/>
+            </a:p>
+          </p:txBody>
         </p:sp>
         <p:sp>
           <p:nvSpPr>
@@ -9623,6 +9638,13 @@
             <a:schemeClr val="lt1"/>
           </a:fontRef>
         </p:style>
+        <p:txBody>
+          <a:bodyPr/>
+          <a:lstStyle/>
+          <a:p>
+            <a:endParaRPr lang="en-US"/>
+          </a:p>
+        </p:txBody>
       </p:sp>
       <p:grpSp>
         <p:nvGrpSpPr>
@@ -9703,6 +9725,13 @@
               </a:schemeClr>
             </a:fontRef>
           </p:style>
+          <p:txBody>
+            <a:bodyPr/>
+            <a:lstStyle/>
+            <a:p>
+              <a:endParaRPr lang="en-US"/>
+            </a:p>
+          </p:txBody>
         </p:sp>
         <p:sp>
           <p:nvSpPr>
@@ -9822,6 +9851,13 @@
             <a:schemeClr val="lt1"/>
           </a:fontRef>
         </p:style>
+        <p:txBody>
+          <a:bodyPr/>
+          <a:lstStyle/>
+          <a:p>
+            <a:endParaRPr lang="en-US"/>
+          </a:p>
+        </p:txBody>
       </p:sp>
       <p:grpSp>
         <p:nvGrpSpPr>
@@ -9902,6 +9938,13 @@
               </a:schemeClr>
             </a:fontRef>
           </p:style>
+          <p:txBody>
+            <a:bodyPr/>
+            <a:lstStyle/>
+            <a:p>
+              <a:endParaRPr lang="en-US"/>
+            </a:p>
+          </p:txBody>
         </p:sp>
         <p:sp>
           <p:nvSpPr>
@@ -10021,6 +10064,13 @@
             <a:schemeClr val="lt1"/>
           </a:fontRef>
         </p:style>
+        <p:txBody>
+          <a:bodyPr/>
+          <a:lstStyle/>
+          <a:p>
+            <a:endParaRPr lang="en-US"/>
+          </a:p>
+        </p:txBody>
       </p:sp>
       <p:grpSp>
         <p:nvGrpSpPr>
@@ -10101,6 +10151,13 @@
               </a:schemeClr>
             </a:fontRef>
           </p:style>
+          <p:txBody>
+            <a:bodyPr/>
+            <a:lstStyle/>
+            <a:p>
+              <a:endParaRPr lang="en-US"/>
+            </a:p>
+          </p:txBody>
         </p:sp>
         <p:sp>
           <p:nvSpPr>
@@ -10220,6 +10277,13 @@
             <a:schemeClr val="lt1"/>
           </a:fontRef>
         </p:style>
+        <p:txBody>
+          <a:bodyPr/>
+          <a:lstStyle/>
+          <a:p>
+            <a:endParaRPr lang="en-US"/>
+          </a:p>
+        </p:txBody>
       </p:sp>
       <p:grpSp>
         <p:nvGrpSpPr>
@@ -10300,6 +10364,13 @@
               </a:schemeClr>
             </a:fontRef>
           </p:style>
+          <p:txBody>
+            <a:bodyPr/>
+            <a:lstStyle/>
+            <a:p>
+              <a:endParaRPr lang="en-US"/>
+            </a:p>
+          </p:txBody>
         </p:sp>
         <p:sp>
           <p:nvSpPr>
@@ -11680,7 +11751,7 @@
         <p:spPr>
           <a:xfrm>
             <a:off x="0" y="138896"/>
-            <a:ext cx="12261669" cy="369332"/>
+            <a:ext cx="12261669" cy="584775"/>
           </a:xfrm>
           <a:prstGeom prst="rect">
             <a:avLst/>
@@ -11695,12 +11766,12 @@
           <a:p>
             <a:pPr algn="ctr"/>
             <a:r>
-              <a:rPr lang="en-US" dirty="0">
+              <a:rPr lang="en-US" sz="3200" b="1" dirty="0">
                 <a:hlinkClick r:id="rId2"/>
               </a:rPr>
               <a:t>Website</a:t>
             </a:r>
-            <a:endParaRPr lang="en-US" dirty="0"/>
+            <a:endParaRPr lang="en-US" sz="3200" b="1" dirty="0"/>
           </a:p>
         </p:txBody>
       </p:sp>
@@ -11768,6 +11839,808 @@
     <p:extLst>
       <p:ext uri="{BB962C8B-B14F-4D97-AF65-F5344CB8AC3E}">
         <p14:creationId xmlns:p14="http://schemas.microsoft.com/office/powerpoint/2010/main" val="1455563140"/>
+      </p:ext>
+    </p:extLst>
+  </p:cSld>
+  <p:clrMapOvr>
+    <a:masterClrMapping/>
+  </p:clrMapOvr>
+</p:sld>
+</file>
+
+<file path=ppt/slides/slide9.xml><?xml version="1.0" encoding="utf-8"?>
+<p:sld xmlns:a="http://schemas.openxmlformats.org/drawingml/2006/main" xmlns:r="http://schemas.openxmlformats.org/officeDocument/2006/relationships" xmlns:p="http://schemas.openxmlformats.org/presentationml/2006/main">
+  <p:cSld>
+    <p:spTree>
+      <p:nvGrpSpPr>
+        <p:cNvPr id="1" name="">
+          <a:extLst>
+            <a:ext uri="{FF2B5EF4-FFF2-40B4-BE49-F238E27FC236}">
+              <a16:creationId xmlns:a16="http://schemas.microsoft.com/office/drawing/2014/main" id="{8E1DA54F-AA8D-A363-9BCB-A5C2480AC5D3}"/>
+            </a:ext>
+          </a:extLst>
+        </p:cNvPr>
+        <p:cNvGrpSpPr/>
+        <p:nvPr/>
+      </p:nvGrpSpPr>
+      <p:grpSpPr>
+        <a:xfrm>
+          <a:off x="0" y="0"/>
+          <a:ext cx="0" cy="0"/>
+          <a:chOff x="0" y="0"/>
+          <a:chExt cx="0" cy="0"/>
+        </a:xfrm>
+      </p:grpSpPr>
+      <p:sp>
+        <p:nvSpPr>
+          <p:cNvPr id="2" name="TextBox 1">
+            <a:extLst>
+              <a:ext uri="{FF2B5EF4-FFF2-40B4-BE49-F238E27FC236}">
+                <a16:creationId xmlns:a16="http://schemas.microsoft.com/office/drawing/2014/main" id="{38212DFF-8127-9C3C-E183-BCB3DD9F7A80}"/>
+              </a:ext>
+            </a:extLst>
+          </p:cNvPr>
+          <p:cNvSpPr txBox="1"/>
+          <p:nvPr/>
+        </p:nvSpPr>
+        <p:spPr>
+          <a:xfrm>
+            <a:off x="2012964" y="2763580"/>
+            <a:ext cx="5870448" cy="1330839"/>
+          </a:xfrm>
+          <a:prstGeom prst="rect">
+            <a:avLst/>
+          </a:prstGeom>
+        </p:spPr>
+        <p:txBody>
+          <a:bodyPr vert="horz" lIns="91440" tIns="45720" rIns="91440" bIns="45720" rtlCol="0" anchor="ctr">
+            <a:normAutofit/>
+          </a:bodyPr>
+          <a:lstStyle/>
+          <a:p>
+            <a:pPr>
+              <a:lnSpc>
+                <a:spcPct val="90000"/>
+              </a:lnSpc>
+              <a:spcBef>
+                <a:spcPct val="0"/>
+              </a:spcBef>
+              <a:spcAft>
+                <a:spcPts val="600"/>
+              </a:spcAft>
+            </a:pPr>
+            <a:r>
+              <a:rPr lang="en-US" sz="2800" b="1" dirty="0">
+                <a:effectLst/>
+                <a:latin typeface="+mj-lt"/>
+                <a:ea typeface="+mj-ea"/>
+                <a:cs typeface="+mj-cs"/>
+              </a:rPr>
+              <a:t>Questions</a:t>
+            </a:r>
+          </a:p>
+        </p:txBody>
+      </p:sp>
+      <p:pic>
+        <p:nvPicPr>
+          <p:cNvPr id="1030" name="Picture 6" descr="8,200+ Lost Soul Stock Photos, Pictures &amp; Royalty-Free ...">
+            <a:extLst>
+              <a:ext uri="{FF2B5EF4-FFF2-40B4-BE49-F238E27FC236}">
+                <a16:creationId xmlns:a16="http://schemas.microsoft.com/office/drawing/2014/main" id="{C4049D17-CEB8-770B-A0BE-8BE770120A7F}"/>
+              </a:ext>
+            </a:extLst>
+          </p:cNvPr>
+          <p:cNvPicPr>
+            <a:picLocks noChangeAspect="1" noChangeArrowheads="1"/>
+          </p:cNvPicPr>
+          <p:nvPr/>
+        </p:nvPicPr>
+        <p:blipFill>
+          <a:blip r:embed="rId2">
+            <a:extLst>
+              <a:ext uri="{28A0092B-C50C-407E-A947-70E740481C1C}">
+                <a14:useLocalDpi xmlns:a14="http://schemas.microsoft.com/office/drawing/2010/main" val="0"/>
+              </a:ext>
+            </a:extLst>
+          </a:blip>
+          <a:srcRect l="7272" r="22222" b="-2"/>
+          <a:stretch/>
+        </p:blipFill>
+        <p:spPr bwMode="auto">
+          <a:xfrm>
+            <a:off x="4948188" y="1"/>
+            <a:ext cx="7243812" cy="6857999"/>
+          </a:xfrm>
+          <a:custGeom>
+            <a:avLst/>
+            <a:gdLst/>
+            <a:ahLst/>
+            <a:cxnLst/>
+            <a:rect l="l" t="t" r="r" b="b"/>
+            <a:pathLst>
+              <a:path w="7243812" h="6857999">
+                <a:moveTo>
+                  <a:pt x="609803" y="0"/>
+                </a:moveTo>
+                <a:lnTo>
+                  <a:pt x="1222601" y="0"/>
+                </a:lnTo>
+                <a:lnTo>
+                  <a:pt x="1223032" y="1645"/>
+                </a:lnTo>
+                <a:lnTo>
+                  <a:pt x="1343371" y="1645"/>
+                </a:lnTo>
+                <a:lnTo>
+                  <a:pt x="1343665" y="0"/>
+                </a:lnTo>
+                <a:lnTo>
+                  <a:pt x="1884172" y="0"/>
+                </a:lnTo>
+                <a:lnTo>
+                  <a:pt x="1884280" y="1645"/>
+                </a:lnTo>
+                <a:lnTo>
+                  <a:pt x="7243812" y="1645"/>
+                </a:lnTo>
+                <a:lnTo>
+                  <a:pt x="7243812" y="6857999"/>
+                </a:lnTo>
+                <a:lnTo>
+                  <a:pt x="133676" y="6857999"/>
+                </a:lnTo>
+                <a:lnTo>
+                  <a:pt x="114609" y="6843646"/>
+                </a:lnTo>
+                <a:cubicBezTo>
+                  <a:pt x="106811" y="6836369"/>
+                  <a:pt x="103243" y="6828354"/>
+                  <a:pt x="111459" y="6817746"/>
+                </a:cubicBezTo>
+                <a:cubicBezTo>
+                  <a:pt x="93943" y="6769544"/>
+                  <a:pt x="97901" y="6796071"/>
+                  <a:pt x="113412" y="6759582"/>
+                </a:cubicBezTo>
+                <a:cubicBezTo>
+                  <a:pt x="110188" y="6732087"/>
+                  <a:pt x="99653" y="6727133"/>
+                  <a:pt x="100729" y="6705297"/>
+                </a:cubicBezTo>
+                <a:cubicBezTo>
+                  <a:pt x="94563" y="6675394"/>
+                  <a:pt x="99792" y="6669536"/>
+                  <a:pt x="87662" y="6640957"/>
+                </a:cubicBezTo>
+                <a:cubicBezTo>
+                  <a:pt x="74199" y="6591883"/>
+                  <a:pt x="82185" y="6576319"/>
+                  <a:pt x="83084" y="6541313"/>
+                </a:cubicBezTo>
+                <a:cubicBezTo>
+                  <a:pt x="82225" y="6490855"/>
+                  <a:pt x="67640" y="6422980"/>
+                  <a:pt x="59444" y="6370251"/>
+                </a:cubicBezTo>
+                <a:cubicBezTo>
+                  <a:pt x="51248" y="6317522"/>
+                  <a:pt x="30729" y="6270972"/>
+                  <a:pt x="33908" y="6224938"/>
+                </a:cubicBezTo>
+                <a:lnTo>
+                  <a:pt x="30063" y="6089693"/>
+                </a:lnTo>
+                <a:cubicBezTo>
+                  <a:pt x="25730" y="6032039"/>
+                  <a:pt x="3474" y="5997051"/>
+                  <a:pt x="29101" y="5973994"/>
+                </a:cubicBezTo>
+                <a:cubicBezTo>
+                  <a:pt x="17018" y="5940131"/>
+                  <a:pt x="41135" y="5955713"/>
+                  <a:pt x="33855" y="5939847"/>
+                </a:cubicBezTo>
+                <a:lnTo>
+                  <a:pt x="12982" y="5906467"/>
+                </a:lnTo>
+                <a:lnTo>
+                  <a:pt x="8416" y="5862699"/>
+                </a:lnTo>
+                <a:cubicBezTo>
+                  <a:pt x="7895" y="5838948"/>
+                  <a:pt x="8409" y="5853058"/>
+                  <a:pt x="12052" y="5823324"/>
+                </a:cubicBezTo>
+                <a:cubicBezTo>
+                  <a:pt x="11631" y="5805291"/>
+                  <a:pt x="11213" y="5787258"/>
+                  <a:pt x="10793" y="5769225"/>
+                </a:cubicBezTo>
+                <a:cubicBezTo>
+                  <a:pt x="17866" y="5738356"/>
+                  <a:pt x="19121" y="5696311"/>
+                  <a:pt x="25986" y="5667896"/>
+                </a:cubicBezTo>
+                <a:cubicBezTo>
+                  <a:pt x="16329" y="5647975"/>
+                  <a:pt x="42195" y="5619318"/>
+                  <a:pt x="43687" y="5594585"/>
+                </a:cubicBezTo>
+                <a:cubicBezTo>
+                  <a:pt x="32512" y="5517959"/>
+                  <a:pt x="44052" y="5536542"/>
+                  <a:pt x="40019" y="5464225"/>
+                </a:cubicBezTo>
+                <a:cubicBezTo>
+                  <a:pt x="32676" y="5400671"/>
+                  <a:pt x="26469" y="5311951"/>
+                  <a:pt x="22904" y="5269726"/>
+                </a:cubicBezTo>
+                <a:cubicBezTo>
+                  <a:pt x="19341" y="5227501"/>
+                  <a:pt x="14742" y="5212581"/>
+                  <a:pt x="18628" y="5210876"/>
+                </a:cubicBezTo>
+                <a:cubicBezTo>
+                  <a:pt x="-20300" y="5161742"/>
+                  <a:pt x="15511" y="5141336"/>
+                  <a:pt x="5392" y="5111369"/>
+                </a:cubicBezTo>
+                <a:cubicBezTo>
+                  <a:pt x="10662" y="5053859"/>
+                  <a:pt x="15546" y="5034036"/>
+                  <a:pt x="13324" y="5009272"/>
+                </a:cubicBezTo>
+                <a:cubicBezTo>
+                  <a:pt x="25126" y="4982633"/>
+                  <a:pt x="74251" y="4956261"/>
+                  <a:pt x="48699" y="4925805"/>
+                </a:cubicBezTo>
+                <a:cubicBezTo>
+                  <a:pt x="76704" y="4931200"/>
+                  <a:pt x="39437" y="4888353"/>
+                  <a:pt x="62925" y="4877992"/>
+                </a:cubicBezTo>
+                <a:cubicBezTo>
+                  <a:pt x="82480" y="4871554"/>
+                  <a:pt x="75731" y="4857054"/>
+                  <a:pt x="79496" y="4844323"/>
+                </a:cubicBezTo>
+                <a:cubicBezTo>
+                  <a:pt x="97657" y="4832308"/>
+                  <a:pt x="110974" y="4752352"/>
+                  <a:pt x="101400" y="4733115"/>
+                </a:cubicBezTo>
+                <a:cubicBezTo>
+                  <a:pt x="108185" y="4679357"/>
+                  <a:pt x="119720" y="4662889"/>
+                  <a:pt x="111223" y="4625153"/>
+                </a:cubicBezTo>
+                <a:cubicBezTo>
+                  <a:pt x="106592" y="4588197"/>
+                  <a:pt x="114401" y="4567830"/>
+                  <a:pt x="126359" y="4539168"/>
+                </a:cubicBezTo>
+                <a:cubicBezTo>
+                  <a:pt x="126535" y="4522289"/>
+                  <a:pt x="126710" y="4505410"/>
+                  <a:pt x="126886" y="4488531"/>
+                </a:cubicBezTo>
+                <a:cubicBezTo>
+                  <a:pt x="126165" y="4473140"/>
+                  <a:pt x="132917" y="4437329"/>
+                  <a:pt x="135099" y="4411258"/>
+                </a:cubicBezTo>
+                <a:cubicBezTo>
+                  <a:pt x="107667" y="4345686"/>
+                  <a:pt x="146840" y="4280033"/>
+                  <a:pt x="132327" y="4219510"/>
+                </a:cubicBezTo>
+                <a:cubicBezTo>
+                  <a:pt x="138549" y="4158987"/>
+                  <a:pt x="124091" y="4192084"/>
+                  <a:pt x="172424" y="4048117"/>
+                </a:cubicBezTo>
+                <a:cubicBezTo>
+                  <a:pt x="167703" y="4015047"/>
+                  <a:pt x="203806" y="3905047"/>
+                  <a:pt x="177666" y="3878222"/>
+                </a:cubicBezTo>
+                <a:cubicBezTo>
+                  <a:pt x="167714" y="3821305"/>
+                  <a:pt x="183914" y="3845122"/>
+                  <a:pt x="156982" y="3778166"/>
+                </a:cubicBezTo>
+                <a:cubicBezTo>
+                  <a:pt x="160365" y="3760234"/>
+                  <a:pt x="142791" y="3724716"/>
+                  <a:pt x="142115" y="3707357"/>
+                </a:cubicBezTo>
+                <a:cubicBezTo>
+                  <a:pt x="139253" y="3688591"/>
+                  <a:pt x="140202" y="3672776"/>
+                  <a:pt x="139805" y="3665569"/>
+                </a:cubicBezTo>
+                <a:cubicBezTo>
+                  <a:pt x="139778" y="3665084"/>
+                  <a:pt x="139750" y="3664599"/>
+                  <a:pt x="139723" y="3664114"/>
+                </a:cubicBezTo>
+                <a:lnTo>
+                  <a:pt x="134134" y="3653088"/>
+                </a:lnTo>
+                <a:lnTo>
+                  <a:pt x="126568" y="3641228"/>
+                </a:lnTo>
+                <a:cubicBezTo>
+                  <a:pt x="126560" y="3629488"/>
+                  <a:pt x="126549" y="3617747"/>
+                  <a:pt x="126540" y="3606007"/>
+                </a:cubicBezTo>
+                <a:lnTo>
+                  <a:pt x="134645" y="3597336"/>
+                </a:lnTo>
+                <a:lnTo>
+                  <a:pt x="131649" y="3586412"/>
+                </a:lnTo>
+                <a:lnTo>
+                  <a:pt x="134221" y="3569719"/>
+                </a:lnTo>
+                <a:lnTo>
+                  <a:pt x="133795" y="3568021"/>
+                </a:lnTo>
+                <a:lnTo>
+                  <a:pt x="130189" y="3553678"/>
+                </a:lnTo>
+                <a:lnTo>
+                  <a:pt x="129827" y="3552249"/>
+                </a:lnTo>
+                <a:lnTo>
+                  <a:pt x="122183" y="3542019"/>
+                </a:lnTo>
+                <a:lnTo>
+                  <a:pt x="112426" y="3531201"/>
+                </a:lnTo>
+                <a:lnTo>
+                  <a:pt x="105626" y="3496391"/>
+                </a:lnTo>
+                <a:lnTo>
+                  <a:pt x="111971" y="3486850"/>
+                </a:lnTo>
+                <a:lnTo>
+                  <a:pt x="106910" y="3476412"/>
+                </a:lnTo>
+                <a:cubicBezTo>
+                  <a:pt x="105781" y="3466028"/>
+                  <a:pt x="105824" y="3433967"/>
+                  <a:pt x="105209" y="3424545"/>
+                </a:cubicBezTo>
+                <a:lnTo>
+                  <a:pt x="103215" y="3419880"/>
+                </a:lnTo>
+                <a:lnTo>
+                  <a:pt x="104953" y="3415218"/>
+                </a:lnTo>
+                <a:lnTo>
+                  <a:pt x="101255" y="3409825"/>
+                </a:lnTo>
+                <a:lnTo>
+                  <a:pt x="103044" y="3407057"/>
+                </a:lnTo>
+                <a:lnTo>
+                  <a:pt x="89764" y="3378959"/>
+                </a:lnTo>
+                <a:lnTo>
+                  <a:pt x="83991" y="3362948"/>
+                </a:lnTo>
+                <a:lnTo>
+                  <a:pt x="66858" y="3332072"/>
+                </a:lnTo>
+                <a:lnTo>
+                  <a:pt x="69057" y="3325671"/>
+                </a:lnTo>
+                <a:lnTo>
+                  <a:pt x="51631" y="3278130"/>
+                </a:lnTo>
+                <a:lnTo>
+                  <a:pt x="53959" y="3277179"/>
+                </a:lnTo>
+                <a:lnTo>
+                  <a:pt x="60205" y="3262610"/>
+                </a:lnTo>
+                <a:lnTo>
+                  <a:pt x="58998" y="3258677"/>
+                </a:lnTo>
+                <a:cubicBezTo>
+                  <a:pt x="46010" y="3210316"/>
+                  <a:pt x="80872" y="3236545"/>
+                  <a:pt x="45170" y="3180546"/>
+                </a:cubicBezTo>
+                <a:cubicBezTo>
+                  <a:pt x="53643" y="3171780"/>
+                  <a:pt x="52550" y="3163902"/>
+                  <a:pt x="45228" y="3151828"/>
+                </a:cubicBezTo>
+                <a:cubicBezTo>
+                  <a:pt x="39651" y="3128169"/>
+                  <a:pt x="64667" y="3124610"/>
+                  <a:pt x="45020" y="3103777"/>
+                </a:cubicBezTo>
+                <a:cubicBezTo>
+                  <a:pt x="59127" y="3105196"/>
+                  <a:pt x="41123" y="3057428"/>
+                  <a:pt x="57092" y="3065434"/>
+                </a:cubicBezTo>
+                <a:cubicBezTo>
+                  <a:pt x="55435" y="3051512"/>
+                  <a:pt x="40803" y="3032637"/>
+                  <a:pt x="35088" y="3020247"/>
+                </a:cubicBezTo>
+                <a:cubicBezTo>
+                  <a:pt x="32503" y="3002537"/>
+                  <a:pt x="18197" y="3001119"/>
+                  <a:pt x="22803" y="2991092"/>
+                </a:cubicBezTo>
+                <a:cubicBezTo>
+                  <a:pt x="24338" y="2987749"/>
+                  <a:pt x="27975" y="2983455"/>
+                  <a:pt x="34850" y="2977278"/>
+                </a:cubicBezTo>
+                <a:cubicBezTo>
+                  <a:pt x="22587" y="2954448"/>
+                  <a:pt x="35600" y="2946689"/>
+                  <a:pt x="36223" y="2911749"/>
+                </a:cubicBezTo>
+                <a:cubicBezTo>
+                  <a:pt x="35158" y="2886513"/>
+                  <a:pt x="29761" y="2843788"/>
+                  <a:pt x="28462" y="2825860"/>
+                </a:cubicBezTo>
+                <a:cubicBezTo>
+                  <a:pt x="28449" y="2818634"/>
+                  <a:pt x="28437" y="2811409"/>
+                  <a:pt x="28424" y="2804183"/>
+                </a:cubicBezTo>
+                <a:lnTo>
+                  <a:pt x="21292" y="2790136"/>
+                </a:lnTo>
+                <a:lnTo>
+                  <a:pt x="16179" y="2760208"/>
+                </a:lnTo>
+                <a:lnTo>
+                  <a:pt x="22858" y="2751112"/>
+                </a:lnTo>
+                <a:lnTo>
+                  <a:pt x="18505" y="2740278"/>
+                </a:lnTo>
+                <a:lnTo>
+                  <a:pt x="22482" y="2726489"/>
+                </a:lnTo>
+                <a:lnTo>
+                  <a:pt x="18175" y="2725052"/>
+                </a:lnTo>
+                <a:lnTo>
+                  <a:pt x="10521" y="2715895"/>
+                </a:lnTo>
+                <a:lnTo>
+                  <a:pt x="25499" y="2665666"/>
+                </a:lnTo>
+                <a:lnTo>
+                  <a:pt x="30658" y="2635351"/>
+                </a:lnTo>
+                <a:cubicBezTo>
+                  <a:pt x="30723" y="2625597"/>
+                  <a:pt x="30791" y="2615842"/>
+                  <a:pt x="30857" y="2606088"/>
+                </a:cubicBezTo>
+                <a:lnTo>
+                  <a:pt x="37532" y="2596456"/>
+                </a:lnTo>
+                <a:cubicBezTo>
+                  <a:pt x="41239" y="2582253"/>
+                  <a:pt x="34640" y="2564757"/>
+                  <a:pt x="36511" y="2549900"/>
+                </a:cubicBezTo>
+                <a:lnTo>
+                  <a:pt x="53712" y="2496499"/>
+                </a:lnTo>
+                <a:cubicBezTo>
+                  <a:pt x="53527" y="2492743"/>
+                  <a:pt x="64725" y="2449625"/>
+                  <a:pt x="64540" y="2445869"/>
+                </a:cubicBezTo>
+                <a:cubicBezTo>
+                  <a:pt x="61940" y="2441580"/>
+                  <a:pt x="65575" y="2413465"/>
+                  <a:pt x="64348" y="2408995"/>
+                </a:cubicBezTo>
+                <a:cubicBezTo>
+                  <a:pt x="100333" y="2407546"/>
+                  <a:pt x="71752" y="2329020"/>
+                  <a:pt x="101725" y="2335735"/>
+                </a:cubicBezTo>
+                <a:cubicBezTo>
+                  <a:pt x="120512" y="2299003"/>
+                  <a:pt x="138791" y="2291744"/>
+                  <a:pt x="147278" y="2260088"/>
+                </a:cubicBezTo>
+                <a:cubicBezTo>
+                  <a:pt x="152668" y="2224200"/>
+                  <a:pt x="143589" y="2220953"/>
+                  <a:pt x="152643" y="2193455"/>
+                </a:cubicBezTo>
+                <a:cubicBezTo>
+                  <a:pt x="152701" y="2159228"/>
+                  <a:pt x="131577" y="2138038"/>
+                  <a:pt x="161815" y="2107942"/>
+                </a:cubicBezTo>
+                <a:lnTo>
+                  <a:pt x="168884" y="2024270"/>
+                </a:lnTo>
+                <a:lnTo>
+                  <a:pt x="210800" y="1969445"/>
+                </a:lnTo>
+                <a:lnTo>
+                  <a:pt x="215063" y="1961162"/>
+                </a:lnTo>
+                <a:lnTo>
+                  <a:pt x="226767" y="1945112"/>
+                </a:lnTo>
+                <a:lnTo>
+                  <a:pt x="225906" y="1942021"/>
+                </a:lnTo>
+                <a:lnTo>
+                  <a:pt x="220555" y="1935584"/>
+                </a:lnTo>
+                <a:cubicBezTo>
+                  <a:pt x="220179" y="1930292"/>
+                  <a:pt x="223282" y="1914884"/>
+                  <a:pt x="223648" y="1910265"/>
+                </a:cubicBezTo>
+                <a:cubicBezTo>
+                  <a:pt x="221934" y="1909994"/>
+                  <a:pt x="221895" y="1909162"/>
+                  <a:pt x="222758" y="1907867"/>
+                </a:cubicBezTo>
+                <a:lnTo>
+                  <a:pt x="229387" y="1899379"/>
+                </a:lnTo>
+                <a:lnTo>
+                  <a:pt x="231548" y="1895114"/>
+                </a:lnTo>
+                <a:lnTo>
+                  <a:pt x="216553" y="1892417"/>
+                </a:lnTo>
+                <a:cubicBezTo>
+                  <a:pt x="209075" y="1884999"/>
+                  <a:pt x="222114" y="1866643"/>
+                  <a:pt x="209739" y="1861483"/>
+                </a:cubicBezTo>
+                <a:cubicBezTo>
+                  <a:pt x="214584" y="1853278"/>
+                  <a:pt x="219066" y="1844665"/>
+                  <a:pt x="222950" y="1835810"/>
+                </a:cubicBezTo>
+                <a:lnTo>
+                  <a:pt x="224812" y="1830569"/>
+                </a:lnTo>
+                <a:lnTo>
+                  <a:pt x="224522" y="1830429"/>
+                </a:lnTo>
+                <a:cubicBezTo>
+                  <a:pt x="224224" y="1829219"/>
+                  <a:pt x="224571" y="1827468"/>
+                  <a:pt x="225830" y="1824832"/>
+                </a:cubicBezTo>
+                <a:lnTo>
+                  <a:pt x="228207" y="1821003"/>
+                </a:lnTo>
+                <a:lnTo>
+                  <a:pt x="230878" y="1807109"/>
+                </a:lnTo>
+                <a:lnTo>
+                  <a:pt x="227355" y="1805316"/>
+                </a:lnTo>
+                <a:lnTo>
+                  <a:pt x="228132" y="1804434"/>
+                </a:lnTo>
+                <a:cubicBezTo>
+                  <a:pt x="237533" y="1798221"/>
+                  <a:pt x="248274" y="1797417"/>
+                  <a:pt x="223762" y="1784314"/>
+                </a:cubicBezTo>
+                <a:cubicBezTo>
+                  <a:pt x="240655" y="1769422"/>
+                  <a:pt x="224912" y="1763793"/>
+                  <a:pt x="226521" y="1740358"/>
+                </a:cubicBezTo>
+                <a:cubicBezTo>
+                  <a:pt x="240385" y="1732435"/>
+                  <a:pt x="239102" y="1724301"/>
+                  <a:pt x="233164" y="1715685"/>
+                </a:cubicBezTo>
+                <a:cubicBezTo>
+                  <a:pt x="245499" y="1694404"/>
+                  <a:pt x="240415" y="1672675"/>
+                  <a:pt x="245819" y="1647555"/>
+                </a:cubicBezTo>
+                <a:cubicBezTo>
+                  <a:pt x="268668" y="1622803"/>
+                  <a:pt x="248434" y="1605585"/>
+                  <a:pt x="254317" y="1578752"/>
+                </a:cubicBezTo>
+                <a:lnTo>
+                  <a:pt x="249918" y="1546022"/>
+                </a:lnTo>
+                <a:cubicBezTo>
+                  <a:pt x="251996" y="1543635"/>
+                  <a:pt x="248777" y="1521210"/>
+                  <a:pt x="248927" y="1519929"/>
+                </a:cubicBezTo>
+                <a:lnTo>
+                  <a:pt x="248704" y="1519731"/>
+                </a:lnTo>
+                <a:lnTo>
+                  <a:pt x="252245" y="1514846"/>
+                </a:lnTo>
+                <a:cubicBezTo>
+                  <a:pt x="255314" y="1501295"/>
+                  <a:pt x="252199" y="1477394"/>
+                  <a:pt x="254681" y="1463304"/>
+                </a:cubicBezTo>
+                <a:cubicBezTo>
+                  <a:pt x="257024" y="1459891"/>
+                  <a:pt x="268983" y="1432466"/>
+                  <a:pt x="267138" y="1430305"/>
+                </a:cubicBezTo>
+                <a:lnTo>
+                  <a:pt x="266110" y="1429568"/>
+                </a:lnTo>
+                <a:lnTo>
+                  <a:pt x="286784" y="1404045"/>
+                </a:lnTo>
+                <a:lnTo>
+                  <a:pt x="294521" y="1360879"/>
+                </a:lnTo>
+                <a:lnTo>
+                  <a:pt x="324750" y="1301993"/>
+                </a:lnTo>
+                <a:lnTo>
+                  <a:pt x="328780" y="1210776"/>
+                </a:lnTo>
+                <a:cubicBezTo>
+                  <a:pt x="344171" y="1197232"/>
+                  <a:pt x="343390" y="1192124"/>
+                  <a:pt x="346123" y="1157176"/>
+                </a:cubicBezTo>
+                <a:cubicBezTo>
+                  <a:pt x="359383" y="1110140"/>
+                  <a:pt x="355619" y="1111028"/>
+                  <a:pt x="349331" y="1063288"/>
+                </a:cubicBezTo>
+                <a:cubicBezTo>
+                  <a:pt x="364194" y="1005331"/>
+                  <a:pt x="362778" y="969963"/>
+                  <a:pt x="431245" y="889417"/>
+                </a:cubicBezTo>
+                <a:lnTo>
+                  <a:pt x="459477" y="816346"/>
+                </a:lnTo>
+                <a:cubicBezTo>
+                  <a:pt x="465006" y="808083"/>
+                  <a:pt x="496978" y="764380"/>
+                  <a:pt x="489268" y="752692"/>
+                </a:cubicBezTo>
+                <a:lnTo>
+                  <a:pt x="505368" y="724368"/>
+                </a:lnTo>
+                <a:lnTo>
+                  <a:pt x="511178" y="722494"/>
+                </a:lnTo>
+                <a:lnTo>
+                  <a:pt x="514451" y="717531"/>
+                </a:lnTo>
+                <a:cubicBezTo>
+                  <a:pt x="514171" y="710761"/>
+                  <a:pt x="513893" y="703992"/>
+                  <a:pt x="513612" y="697222"/>
+                </a:cubicBezTo>
+                <a:cubicBezTo>
+                  <a:pt x="513272" y="693376"/>
+                  <a:pt x="513720" y="690905"/>
+                  <a:pt x="514772" y="689289"/>
+                </a:cubicBezTo>
+                <a:lnTo>
+                  <a:pt x="515249" y="689151"/>
+                </a:lnTo>
+                <a:cubicBezTo>
+                  <a:pt x="515320" y="686637"/>
+                  <a:pt x="515389" y="684122"/>
+                  <a:pt x="515461" y="681608"/>
+                </a:cubicBezTo>
+                <a:cubicBezTo>
+                  <a:pt x="522970" y="666964"/>
+                  <a:pt x="551123" y="617831"/>
+                  <a:pt x="560298" y="601285"/>
+                </a:cubicBezTo>
+                <a:cubicBezTo>
+                  <a:pt x="558549" y="585107"/>
+                  <a:pt x="540289" y="573171"/>
+                  <a:pt x="570504" y="582332"/>
+                </a:cubicBezTo>
+                <a:cubicBezTo>
+                  <a:pt x="570816" y="577121"/>
+                  <a:pt x="573898" y="574271"/>
+                  <a:pt x="578347" y="572511"/>
+                </a:cubicBezTo>
+                <a:lnTo>
+                  <a:pt x="580375" y="572092"/>
+                </a:lnTo>
+                <a:lnTo>
+                  <a:pt x="575722" y="536015"/>
+                </a:lnTo>
+                <a:lnTo>
+                  <a:pt x="578705" y="531675"/>
+                </a:lnTo>
+                <a:lnTo>
+                  <a:pt x="564084" y="491380"/>
+                </a:lnTo>
+                <a:cubicBezTo>
+                  <a:pt x="560969" y="487340"/>
+                  <a:pt x="560134" y="482008"/>
+                  <a:pt x="564457" y="473782"/>
+                </a:cubicBezTo>
+                <a:lnTo>
+                  <a:pt x="566413" y="472000"/>
+                </a:lnTo>
+                <a:lnTo>
+                  <a:pt x="584600" y="354566"/>
+                </a:lnTo>
+                <a:cubicBezTo>
+                  <a:pt x="586100" y="325288"/>
+                  <a:pt x="584583" y="317533"/>
+                  <a:pt x="588077" y="265704"/>
+                </a:cubicBezTo>
+                <a:cubicBezTo>
+                  <a:pt x="588008" y="205530"/>
+                  <a:pt x="578491" y="226511"/>
+                  <a:pt x="580576" y="187093"/>
+                </a:cubicBezTo>
+                <a:cubicBezTo>
+                  <a:pt x="579265" y="162458"/>
+                  <a:pt x="569240" y="117589"/>
+                  <a:pt x="587928" y="130336"/>
+                </a:cubicBezTo>
+                <a:cubicBezTo>
+                  <a:pt x="552635" y="69804"/>
+                  <a:pt x="604651" y="82036"/>
+                  <a:pt x="593881" y="17287"/>
+                </a:cubicBezTo>
+                <a:cubicBezTo>
+                  <a:pt x="600399" y="13784"/>
+                  <a:pt x="605413" y="8440"/>
+                  <a:pt x="609224" y="1705"/>
+                </a:cubicBezTo>
+                <a:close/>
+              </a:path>
+            </a:pathLst>
+          </a:custGeom>
+          <a:noFill/>
+          <a:extLst>
+            <a:ext uri="{909E8E84-426E-40DD-AFC4-6F175D3DCCD1}">
+              <a14:hiddenFill xmlns:a14="http://schemas.microsoft.com/office/drawing/2010/main">
+                <a:solidFill>
+                  <a:srgbClr val="FFFFFF"/>
+                </a:solidFill>
+              </a14:hiddenFill>
+            </a:ext>
+          </a:extLst>
+        </p:spPr>
+      </p:pic>
+    </p:spTree>
+    <p:extLst>
+      <p:ext uri="{BB962C8B-B14F-4D97-AF65-F5344CB8AC3E}">
+        <p14:creationId xmlns:p14="http://schemas.microsoft.com/office/powerpoint/2010/main" val="4061039600"/>
       </p:ext>
     </p:extLst>
   </p:cSld>
